--- a/Présentation Projet.pptx
+++ b/Présentation Projet.pptx
@@ -5,22 +5,13 @@
     <p:sldMasterId id="2147483648" r:id="rId1"/>
   </p:sldMasterIdLst>
   <p:notesMasterIdLst>
-    <p:notesMasterId r:id="rId15"/>
+    <p:notesMasterId r:id="rId6"/>
   </p:notesMasterIdLst>
   <p:sldIdLst>
     <p:sldId id="256" r:id="rId2"/>
     <p:sldId id="257" r:id="rId3"/>
     <p:sldId id="258" r:id="rId4"/>
-    <p:sldId id="265" r:id="rId5"/>
-    <p:sldId id="259" r:id="rId6"/>
-    <p:sldId id="260" r:id="rId7"/>
-    <p:sldId id="261" r:id="rId8"/>
-    <p:sldId id="262" r:id="rId9"/>
-    <p:sldId id="263" r:id="rId10"/>
-    <p:sldId id="266" r:id="rId11"/>
-    <p:sldId id="269" r:id="rId12"/>
-    <p:sldId id="268" r:id="rId13"/>
-    <p:sldId id="267" r:id="rId14"/>
+    <p:sldId id="259" r:id="rId5"/>
   </p:sldIdLst>
   <p:sldSz cx="12192000" cy="6858000"/>
   <p:notesSz cx="6858000" cy="9144000"/>
@@ -119,6 +110,11 @@
       </a:defRPr>
     </a:lvl9pPr>
   </p:defaultTextStyle>
+  <p:extLst>
+    <p:ext uri="{EFAFB233-063F-42B5-8137-9DF3F51BA10A}">
+      <p15:sldGuideLst xmlns:p15="http://schemas.microsoft.com/office/powerpoint/2012/main"/>
+    </p:ext>
+  </p:extLst>
 </p:presentation>
 </file>
 
@@ -204,7 +200,7 @@
           <a:p>
             <a:fld id="{93CB2302-459A-D849-968D-5F88268DAF04}" type="datetimeFigureOut">
               <a:rPr lang="fr-FR" smtClean="0"/>
-              <a:t>12/11/2024</a:t>
+              <a:t>13/02/2025</a:t>
             </a:fld>
             <a:endParaRPr lang="fr-FR"/>
           </a:p>
@@ -616,11 +612,10 @@
           <a:bodyPr/>
           <a:lstStyle/>
           <a:p>
-            <a:fld id="{98ED2FCD-6690-C848-9E4C-9597C1502BF8}" type="datetime1">
-              <a:rPr lang="fr-FR" smtClean="0"/>
-              <a:t>12/11/2024</a:t>
-            </a:fld>
-            <a:endParaRPr lang="fr-FR"/>
+            <a:r>
+              <a:rPr lang="fr-FR"/>
+              <a:t>14/02/2025</a:t>
+            </a:r>
           </a:p>
         </p:txBody>
       </p:sp>
@@ -647,7 +642,7 @@
           <a:p>
             <a:r>
               <a:rPr lang="fr-FR"/>
-              <a:t>Problème d'affectation généralisée</a:t>
+              <a:t>VRP robuste</a:t>
             </a:r>
           </a:p>
         </p:txBody>
@@ -817,11 +812,10 @@
           <a:bodyPr/>
           <a:lstStyle/>
           <a:p>
-            <a:fld id="{EBE23793-FAF1-4B44-8659-72EB8BA373C6}" type="datetime1">
-              <a:rPr lang="fr-FR" smtClean="0"/>
-              <a:t>12/11/2024</a:t>
-            </a:fld>
-            <a:endParaRPr lang="fr-FR"/>
+            <a:r>
+              <a:rPr lang="fr-FR"/>
+              <a:t>14/02/2025</a:t>
+            </a:r>
           </a:p>
         </p:txBody>
       </p:sp>
@@ -848,7 +842,7 @@
           <a:p>
             <a:r>
               <a:rPr lang="fr-FR"/>
-              <a:t>Problème d'affectation généralisée</a:t>
+              <a:t>VRP robuste</a:t>
             </a:r>
           </a:p>
         </p:txBody>
@@ -1028,11 +1022,10 @@
           <a:bodyPr/>
           <a:lstStyle/>
           <a:p>
-            <a:fld id="{37B723A5-11BD-3741-BD5C-FD1D262DF5C5}" type="datetime1">
-              <a:rPr lang="fr-FR" smtClean="0"/>
-              <a:t>12/11/2024</a:t>
-            </a:fld>
-            <a:endParaRPr lang="fr-FR"/>
+            <a:r>
+              <a:rPr lang="fr-FR"/>
+              <a:t>14/02/2025</a:t>
+            </a:r>
           </a:p>
         </p:txBody>
       </p:sp>
@@ -1059,7 +1052,7 @@
           <a:p>
             <a:r>
               <a:rPr lang="fr-FR"/>
-              <a:t>Problème d'affectation généralisée</a:t>
+              <a:t>VRP robuste</a:t>
             </a:r>
           </a:p>
         </p:txBody>
@@ -1229,11 +1222,10 @@
           <a:bodyPr/>
           <a:lstStyle/>
           <a:p>
-            <a:fld id="{09D2071D-200A-9C4A-A7C0-D1527276B9E8}" type="datetime1">
-              <a:rPr lang="fr-FR" smtClean="0"/>
-              <a:t>12/11/2024</a:t>
-            </a:fld>
-            <a:endParaRPr lang="fr-FR"/>
+            <a:r>
+              <a:rPr lang="fr-FR"/>
+              <a:t>14/02/2025</a:t>
+            </a:r>
           </a:p>
         </p:txBody>
       </p:sp>
@@ -1260,7 +1252,7 @@
           <a:p>
             <a:r>
               <a:rPr lang="fr-FR"/>
-              <a:t>Problème d'affectation généralisée</a:t>
+              <a:t>VRP robuste</a:t>
             </a:r>
           </a:p>
         </p:txBody>
@@ -1507,11 +1499,10 @@
           <a:bodyPr/>
           <a:lstStyle/>
           <a:p>
-            <a:fld id="{AB04F909-033B-4A40-B87F-25F503083543}" type="datetime1">
-              <a:rPr lang="fr-FR" smtClean="0"/>
-              <a:t>12/11/2024</a:t>
-            </a:fld>
-            <a:endParaRPr lang="fr-FR"/>
+            <a:r>
+              <a:rPr lang="fr-FR"/>
+              <a:t>14/02/2025</a:t>
+            </a:r>
           </a:p>
         </p:txBody>
       </p:sp>
@@ -1538,7 +1529,7 @@
           <a:p>
             <a:r>
               <a:rPr lang="fr-FR"/>
-              <a:t>Problème d'affectation généralisée</a:t>
+              <a:t>VRP robuste</a:t>
             </a:r>
           </a:p>
         </p:txBody>
@@ -1775,11 +1766,10 @@
           <a:bodyPr/>
           <a:lstStyle/>
           <a:p>
-            <a:fld id="{C1061412-C3E6-C84D-9EDA-6B4E5A01DAFC}" type="datetime1">
-              <a:rPr lang="fr-FR" smtClean="0"/>
-              <a:t>12/11/2024</a:t>
-            </a:fld>
-            <a:endParaRPr lang="fr-FR"/>
+            <a:r>
+              <a:rPr lang="fr-FR"/>
+              <a:t>14/02/2025</a:t>
+            </a:r>
           </a:p>
         </p:txBody>
       </p:sp>
@@ -1806,7 +1796,7 @@
           <a:p>
             <a:r>
               <a:rPr lang="fr-FR"/>
-              <a:t>Problème d'affectation généralisée</a:t>
+              <a:t>VRP robuste</a:t>
             </a:r>
           </a:p>
         </p:txBody>
@@ -2190,11 +2180,10 @@
           <a:bodyPr/>
           <a:lstStyle/>
           <a:p>
-            <a:fld id="{DCE9B3CC-8C2E-F940-AAD8-4E0DE59ACA76}" type="datetime1">
-              <a:rPr lang="fr-FR" smtClean="0"/>
-              <a:t>12/11/2024</a:t>
-            </a:fld>
-            <a:endParaRPr lang="fr-FR"/>
+            <a:r>
+              <a:rPr lang="fr-FR"/>
+              <a:t>14/02/2025</a:t>
+            </a:r>
           </a:p>
         </p:txBody>
       </p:sp>
@@ -2221,7 +2210,7 @@
           <a:p>
             <a:r>
               <a:rPr lang="fr-FR"/>
-              <a:t>Problème d'affectation généralisée</a:t>
+              <a:t>VRP robuste</a:t>
             </a:r>
           </a:p>
         </p:txBody>
@@ -2334,11 +2323,10 @@
           <a:bodyPr/>
           <a:lstStyle/>
           <a:p>
-            <a:fld id="{1D0E7C53-8A37-EF45-9BF8-0FA5A9F12530}" type="datetime1">
-              <a:rPr lang="fr-FR" smtClean="0"/>
-              <a:t>12/11/2024</a:t>
-            </a:fld>
-            <a:endParaRPr lang="fr-FR"/>
+            <a:r>
+              <a:rPr lang="fr-FR"/>
+              <a:t>14/02/2025</a:t>
+            </a:r>
           </a:p>
         </p:txBody>
       </p:sp>
@@ -2365,7 +2353,7 @@
           <a:p>
             <a:r>
               <a:rPr lang="fr-FR"/>
-              <a:t>Problème d'affectation généralisée</a:t>
+              <a:t>VRP robuste</a:t>
             </a:r>
           </a:p>
         </p:txBody>
@@ -2450,11 +2438,10 @@
           <a:bodyPr/>
           <a:lstStyle/>
           <a:p>
-            <a:fld id="{495D4F0D-6AFD-E047-9D60-1ED32589CEEA}" type="datetime1">
-              <a:rPr lang="fr-FR" smtClean="0"/>
-              <a:t>12/11/2024</a:t>
-            </a:fld>
-            <a:endParaRPr lang="fr-FR"/>
+            <a:r>
+              <a:rPr lang="fr-FR"/>
+              <a:t>14/02/2025</a:t>
+            </a:r>
           </a:p>
         </p:txBody>
       </p:sp>
@@ -2481,7 +2468,7 @@
           <a:p>
             <a:r>
               <a:rPr lang="fr-FR"/>
-              <a:t>Problème d'affectation généralisée</a:t>
+              <a:t>VRP robuste</a:t>
             </a:r>
           </a:p>
         </p:txBody>
@@ -2764,11 +2751,10 @@
           <a:bodyPr/>
           <a:lstStyle/>
           <a:p>
-            <a:fld id="{FA908952-D723-5447-9C64-170CA11F4023}" type="datetime1">
-              <a:rPr lang="fr-FR" smtClean="0"/>
-              <a:t>12/11/2024</a:t>
-            </a:fld>
-            <a:endParaRPr lang="fr-FR"/>
+            <a:r>
+              <a:rPr lang="fr-FR"/>
+              <a:t>14/02/2025</a:t>
+            </a:r>
           </a:p>
         </p:txBody>
       </p:sp>
@@ -2795,7 +2781,7 @@
           <a:p>
             <a:r>
               <a:rPr lang="fr-FR"/>
-              <a:t>Problème d'affectation généralisée</a:t>
+              <a:t>VRP robuste</a:t>
             </a:r>
           </a:p>
         </p:txBody>
@@ -3055,11 +3041,10 @@
           <a:bodyPr/>
           <a:lstStyle/>
           <a:p>
-            <a:fld id="{78DB72E0-892F-2F4A-8C0E-E2427E0CA68C}" type="datetime1">
-              <a:rPr lang="fr-FR" smtClean="0"/>
-              <a:t>12/11/2024</a:t>
-            </a:fld>
-            <a:endParaRPr lang="fr-FR"/>
+            <a:r>
+              <a:rPr lang="fr-FR"/>
+              <a:t>14/02/2025</a:t>
+            </a:r>
           </a:p>
         </p:txBody>
       </p:sp>
@@ -3086,7 +3071,7 @@
           <a:p>
             <a:r>
               <a:rPr lang="fr-FR"/>
-              <a:t>Problème d'affectation généralisée</a:t>
+              <a:t>VRP robuste</a:t>
             </a:r>
           </a:p>
         </p:txBody>
@@ -3299,11 +3284,10 @@
             </a:lvl1pPr>
           </a:lstStyle>
           <a:p>
-            <a:fld id="{F7136B6C-3E5D-964A-9AE5-DEDAA0CDF14E}" type="datetime1">
-              <a:rPr lang="fr-FR" smtClean="0"/>
-              <a:t>12/11/2024</a:t>
-            </a:fld>
-            <a:endParaRPr lang="fr-FR"/>
+            <a:r>
+              <a:rPr lang="fr-FR"/>
+              <a:t>14/02/2025</a:t>
+            </a:r>
           </a:p>
         </p:txBody>
       </p:sp>
@@ -3348,7 +3332,7 @@
           <a:p>
             <a:r>
               <a:rPr lang="fr-FR"/>
-              <a:t>Problème d'affectation généralisée</a:t>
+              <a:t>VRP robuste</a:t>
             </a:r>
           </a:p>
         </p:txBody>
@@ -3740,7 +3724,9 @@
         </p:nvSpPr>
         <p:spPr/>
         <p:txBody>
-          <a:bodyPr/>
+          <a:bodyPr>
+            <a:normAutofit/>
+          </a:bodyPr>
           <a:lstStyle/>
           <a:p>
             <a:r>
@@ -3749,7 +3735,7 @@
                   <a:schemeClr val="tx2"/>
                 </a:solidFill>
               </a:rPr>
-              <a:t>Problème d’affectation généralisé</a:t>
+              <a:t>VRP robuste avec contrainte de capacité</a:t>
             </a:r>
           </a:p>
         </p:txBody>
@@ -3788,7 +3774,7 @@
                   <a:schemeClr val="tx2"/>
                 </a:solidFill>
               </a:rPr>
-              <a:t>Projet de Métaheuristique</a:t>
+              <a:t>Projet MPRO</a:t>
             </a:r>
           </a:p>
           <a:p>
@@ -3822,7 +3808,7 @@
                 </a:solidFill>
                 <a:effectLst/>
               </a:rPr>
-              <a:t>Encadrants : Agnès Plateau, Daniel </a:t>
+              <a:t>Encadrants : Zacharie Alès, Daniel </a:t>
             </a:r>
             <a:r>
               <a:rPr lang="fr-FR" b="0" i="0" dirty="0" err="1">
@@ -3851,741 +3837,6 @@
     <p:extLst>
       <p:ext uri="{BB962C8B-B14F-4D97-AF65-F5344CB8AC3E}">
         <p14:creationId xmlns:p14="http://schemas.microsoft.com/office/powerpoint/2010/main" val="2371754700"/>
-      </p:ext>
-    </p:extLst>
-  </p:cSld>
-  <p:clrMapOvr>
-    <a:masterClrMapping/>
-  </p:clrMapOvr>
-</p:sld>
-</file>
-
-<file path=ppt/slides/slide10.xml><?xml version="1.0" encoding="utf-8"?>
-<p:sld xmlns:a="http://schemas.openxmlformats.org/drawingml/2006/main" xmlns:r="http://schemas.openxmlformats.org/officeDocument/2006/relationships" xmlns:p="http://schemas.openxmlformats.org/presentationml/2006/main">
-  <p:cSld>
-    <p:spTree>
-      <p:nvGrpSpPr>
-        <p:cNvPr id="1" name="">
-          <a:extLst>
-            <a:ext uri="{FF2B5EF4-FFF2-40B4-BE49-F238E27FC236}">
-              <a16:creationId xmlns:a16="http://schemas.microsoft.com/office/drawing/2014/main" id="{C4D9557A-59B9-037B-E9FA-3C9A4A481F4B}"/>
-            </a:ext>
-          </a:extLst>
-        </p:cNvPr>
-        <p:cNvGrpSpPr/>
-        <p:nvPr/>
-      </p:nvGrpSpPr>
-      <p:grpSpPr>
-        <a:xfrm>
-          <a:off x="0" y="0"/>
-          <a:ext cx="0" cy="0"/>
-          <a:chOff x="0" y="0"/>
-          <a:chExt cx="0" cy="0"/>
-        </a:xfrm>
-      </p:grpSpPr>
-      <p:sp>
-        <p:nvSpPr>
-          <p:cNvPr id="2" name="Titre 1">
-            <a:extLst>
-              <a:ext uri="{FF2B5EF4-FFF2-40B4-BE49-F238E27FC236}">
-                <a16:creationId xmlns:a16="http://schemas.microsoft.com/office/drawing/2014/main" id="{1D8AC3E2-5DDA-5776-73FC-09C40874944F}"/>
-              </a:ext>
-            </a:extLst>
-          </p:cNvPr>
-          <p:cNvSpPr>
-            <a:spLocks noGrp="1"/>
-          </p:cNvSpPr>
-          <p:nvPr>
-            <p:ph type="title"/>
-          </p:nvPr>
-        </p:nvSpPr>
-        <p:spPr/>
-        <p:txBody>
-          <a:bodyPr/>
-          <a:lstStyle/>
-          <a:p>
-            <a:r>
-              <a:rPr lang="fr-FR" b="1" dirty="0">
-                <a:solidFill>
-                  <a:schemeClr val="tx2"/>
-                </a:solidFill>
-              </a:rPr>
-              <a:t>Annexes : Recherche taboue</a:t>
-            </a:r>
-          </a:p>
-        </p:txBody>
-      </p:sp>
-      <p:sp>
-        <p:nvSpPr>
-          <p:cNvPr id="6" name="Espace réservé de la date 5">
-            <a:extLst>
-              <a:ext uri="{FF2B5EF4-FFF2-40B4-BE49-F238E27FC236}">
-                <a16:creationId xmlns:a16="http://schemas.microsoft.com/office/drawing/2014/main" id="{216C51DA-D8A5-B01F-61E1-9EF09272FDE5}"/>
-              </a:ext>
-            </a:extLst>
-          </p:cNvPr>
-          <p:cNvSpPr>
-            <a:spLocks noGrp="1"/>
-          </p:cNvSpPr>
-          <p:nvPr>
-            <p:ph type="dt" sz="half" idx="10"/>
-          </p:nvPr>
-        </p:nvSpPr>
-        <p:spPr/>
-        <p:txBody>
-          <a:bodyPr/>
-          <a:lstStyle/>
-          <a:p>
-            <a:fld id="{14ED228F-104F-164C-BFFA-7663EDBC3BAD}" type="datetime1">
-              <a:rPr lang="fr-FR" smtClean="0"/>
-              <a:t>13/11/2024</a:t>
-            </a:fld>
-            <a:endParaRPr lang="fr-FR"/>
-          </a:p>
-        </p:txBody>
-      </p:sp>
-      <p:sp>
-        <p:nvSpPr>
-          <p:cNvPr id="4" name="Espace réservé du pied de page 3">
-            <a:extLst>
-              <a:ext uri="{FF2B5EF4-FFF2-40B4-BE49-F238E27FC236}">
-                <a16:creationId xmlns:a16="http://schemas.microsoft.com/office/drawing/2014/main" id="{68C7250F-28A9-9621-A0B8-9871CDCAB2B5}"/>
-              </a:ext>
-            </a:extLst>
-          </p:cNvPr>
-          <p:cNvSpPr>
-            <a:spLocks noGrp="1"/>
-          </p:cNvSpPr>
-          <p:nvPr>
-            <p:ph type="ftr" sz="quarter" idx="11"/>
-          </p:nvPr>
-        </p:nvSpPr>
-        <p:spPr/>
-        <p:txBody>
-          <a:bodyPr/>
-          <a:lstStyle/>
-          <a:p>
-            <a:r>
-              <a:rPr lang="fr-FR"/>
-              <a:t>Problème d'affectation généralisée</a:t>
-            </a:r>
-          </a:p>
-        </p:txBody>
-      </p:sp>
-      <p:sp>
-        <p:nvSpPr>
-          <p:cNvPr id="5" name="Espace réservé du numéro de diapositive 4">
-            <a:extLst>
-              <a:ext uri="{FF2B5EF4-FFF2-40B4-BE49-F238E27FC236}">
-                <a16:creationId xmlns:a16="http://schemas.microsoft.com/office/drawing/2014/main" id="{0B6865EC-298A-EC84-3BF1-76CE56D86D99}"/>
-              </a:ext>
-            </a:extLst>
-          </p:cNvPr>
-          <p:cNvSpPr>
-            <a:spLocks noGrp="1"/>
-          </p:cNvSpPr>
-          <p:nvPr>
-            <p:ph type="sldNum" sz="quarter" idx="12"/>
-          </p:nvPr>
-        </p:nvSpPr>
-        <p:spPr/>
-        <p:txBody>
-          <a:bodyPr/>
-          <a:lstStyle/>
-          <a:p>
-            <a:fld id="{49D9D136-35C4-F945-9AC1-0F0ED400EE8E}" type="slidenum">
-              <a:rPr lang="fr-FR" smtClean="0"/>
-              <a:t>10</a:t>
-            </a:fld>
-            <a:endParaRPr lang="fr-FR"/>
-          </a:p>
-        </p:txBody>
-      </p:sp>
-      <p:pic>
-        <p:nvPicPr>
-          <p:cNvPr id="16" name="Image 15" descr="Une image contenant texte, Police, capture d’écran, document&#10;&#10;Description générée automatiquement">
-            <a:extLst>
-              <a:ext uri="{FF2B5EF4-FFF2-40B4-BE49-F238E27FC236}">
-                <a16:creationId xmlns:a16="http://schemas.microsoft.com/office/drawing/2014/main" id="{15DE4C9D-A41B-5A3B-9D5B-CD1914CB8320}"/>
-              </a:ext>
-            </a:extLst>
-          </p:cNvPr>
-          <p:cNvPicPr>
-            <a:picLocks noChangeAspect="1"/>
-          </p:cNvPicPr>
-          <p:nvPr/>
-        </p:nvPicPr>
-        <p:blipFill>
-          <a:blip r:embed="rId2"/>
-          <a:stretch>
-            <a:fillRect/>
-          </a:stretch>
-        </p:blipFill>
-        <p:spPr>
-          <a:xfrm>
-            <a:off x="1750349" y="1773419"/>
-            <a:ext cx="7772400" cy="4138429"/>
-          </a:xfrm>
-          <a:prstGeom prst="rect">
-            <a:avLst/>
-          </a:prstGeom>
-        </p:spPr>
-      </p:pic>
-    </p:spTree>
-    <p:extLst>
-      <p:ext uri="{BB962C8B-B14F-4D97-AF65-F5344CB8AC3E}">
-        <p14:creationId xmlns:p14="http://schemas.microsoft.com/office/powerpoint/2010/main" val="589907038"/>
-      </p:ext>
-    </p:extLst>
-  </p:cSld>
-  <p:clrMapOvr>
-    <a:masterClrMapping/>
-  </p:clrMapOvr>
-</p:sld>
-</file>
-
-<file path=ppt/slides/slide11.xml><?xml version="1.0" encoding="utf-8"?>
-<p:sld xmlns:a="http://schemas.openxmlformats.org/drawingml/2006/main" xmlns:r="http://schemas.openxmlformats.org/officeDocument/2006/relationships" xmlns:p="http://schemas.openxmlformats.org/presentationml/2006/main">
-  <p:cSld>
-    <p:spTree>
-      <p:nvGrpSpPr>
-        <p:cNvPr id="1" name="">
-          <a:extLst>
-            <a:ext uri="{FF2B5EF4-FFF2-40B4-BE49-F238E27FC236}">
-              <a16:creationId xmlns:a16="http://schemas.microsoft.com/office/drawing/2014/main" id="{97663E45-0F1C-2468-2C30-201825DDBD57}"/>
-            </a:ext>
-          </a:extLst>
-        </p:cNvPr>
-        <p:cNvGrpSpPr/>
-        <p:nvPr/>
-      </p:nvGrpSpPr>
-      <p:grpSpPr>
-        <a:xfrm>
-          <a:off x="0" y="0"/>
-          <a:ext cx="0" cy="0"/>
-          <a:chOff x="0" y="0"/>
-          <a:chExt cx="0" cy="0"/>
-        </a:xfrm>
-      </p:grpSpPr>
-      <p:sp>
-        <p:nvSpPr>
-          <p:cNvPr id="2" name="Titre 1">
-            <a:extLst>
-              <a:ext uri="{FF2B5EF4-FFF2-40B4-BE49-F238E27FC236}">
-                <a16:creationId xmlns:a16="http://schemas.microsoft.com/office/drawing/2014/main" id="{5AA2218B-EAEE-931D-6A71-C9FB787275EE}"/>
-              </a:ext>
-            </a:extLst>
-          </p:cNvPr>
-          <p:cNvSpPr>
-            <a:spLocks noGrp="1"/>
-          </p:cNvSpPr>
-          <p:nvPr>
-            <p:ph type="title"/>
-          </p:nvPr>
-        </p:nvSpPr>
-        <p:spPr/>
-        <p:txBody>
-          <a:bodyPr/>
-          <a:lstStyle/>
-          <a:p>
-            <a:r>
-              <a:rPr lang="fr-FR" b="1" dirty="0">
-                <a:solidFill>
-                  <a:schemeClr val="tx2"/>
-                </a:solidFill>
-              </a:rPr>
-              <a:t>Annexes : Recherche taboue</a:t>
-            </a:r>
-          </a:p>
-        </p:txBody>
-      </p:sp>
-      <p:sp>
-        <p:nvSpPr>
-          <p:cNvPr id="6" name="Espace réservé de la date 5">
-            <a:extLst>
-              <a:ext uri="{FF2B5EF4-FFF2-40B4-BE49-F238E27FC236}">
-                <a16:creationId xmlns:a16="http://schemas.microsoft.com/office/drawing/2014/main" id="{EC1954DF-2B44-886A-3865-59F703B617C8}"/>
-              </a:ext>
-            </a:extLst>
-          </p:cNvPr>
-          <p:cNvSpPr>
-            <a:spLocks noGrp="1"/>
-          </p:cNvSpPr>
-          <p:nvPr>
-            <p:ph type="dt" sz="half" idx="10"/>
-          </p:nvPr>
-        </p:nvSpPr>
-        <p:spPr/>
-        <p:txBody>
-          <a:bodyPr/>
-          <a:lstStyle/>
-          <a:p>
-            <a:fld id="{14ED228F-104F-164C-BFFA-7663EDBC3BAD}" type="datetime1">
-              <a:rPr lang="fr-FR" smtClean="0"/>
-              <a:t>13/11/2024</a:t>
-            </a:fld>
-            <a:endParaRPr lang="fr-FR"/>
-          </a:p>
-        </p:txBody>
-      </p:sp>
-      <p:sp>
-        <p:nvSpPr>
-          <p:cNvPr id="4" name="Espace réservé du pied de page 3">
-            <a:extLst>
-              <a:ext uri="{FF2B5EF4-FFF2-40B4-BE49-F238E27FC236}">
-                <a16:creationId xmlns:a16="http://schemas.microsoft.com/office/drawing/2014/main" id="{DDEE1211-E181-9034-F5D1-154A99317960}"/>
-              </a:ext>
-            </a:extLst>
-          </p:cNvPr>
-          <p:cNvSpPr>
-            <a:spLocks noGrp="1"/>
-          </p:cNvSpPr>
-          <p:nvPr>
-            <p:ph type="ftr" sz="quarter" idx="11"/>
-          </p:nvPr>
-        </p:nvSpPr>
-        <p:spPr/>
-        <p:txBody>
-          <a:bodyPr/>
-          <a:lstStyle/>
-          <a:p>
-            <a:r>
-              <a:rPr lang="fr-FR"/>
-              <a:t>Problème d'affectation généralisée</a:t>
-            </a:r>
-          </a:p>
-        </p:txBody>
-      </p:sp>
-      <p:sp>
-        <p:nvSpPr>
-          <p:cNvPr id="5" name="Espace réservé du numéro de diapositive 4">
-            <a:extLst>
-              <a:ext uri="{FF2B5EF4-FFF2-40B4-BE49-F238E27FC236}">
-                <a16:creationId xmlns:a16="http://schemas.microsoft.com/office/drawing/2014/main" id="{D76C2014-253F-3FAE-10F5-7370C5F3D6CD}"/>
-              </a:ext>
-            </a:extLst>
-          </p:cNvPr>
-          <p:cNvSpPr>
-            <a:spLocks noGrp="1"/>
-          </p:cNvSpPr>
-          <p:nvPr>
-            <p:ph type="sldNum" sz="quarter" idx="12"/>
-          </p:nvPr>
-        </p:nvSpPr>
-        <p:spPr/>
-        <p:txBody>
-          <a:bodyPr/>
-          <a:lstStyle/>
-          <a:p>
-            <a:fld id="{49D9D136-35C4-F945-9AC1-0F0ED400EE8E}" type="slidenum">
-              <a:rPr lang="fr-FR" smtClean="0"/>
-              <a:t>11</a:t>
-            </a:fld>
-            <a:endParaRPr lang="fr-FR"/>
-          </a:p>
-        </p:txBody>
-      </p:sp>
-      <p:pic>
-        <p:nvPicPr>
-          <p:cNvPr id="3" name="Image 2">
-            <a:extLst>
-              <a:ext uri="{FF2B5EF4-FFF2-40B4-BE49-F238E27FC236}">
-                <a16:creationId xmlns:a16="http://schemas.microsoft.com/office/drawing/2014/main" id="{20EB795B-AD3A-AAD6-51E7-020800D8680C}"/>
-              </a:ext>
-            </a:extLst>
-          </p:cNvPr>
-          <p:cNvPicPr>
-            <a:picLocks noChangeAspect="1"/>
-          </p:cNvPicPr>
-          <p:nvPr/>
-        </p:nvPicPr>
-        <p:blipFill>
-          <a:blip r:embed="rId2"/>
-          <a:stretch>
-            <a:fillRect/>
-          </a:stretch>
-        </p:blipFill>
-        <p:spPr>
-          <a:xfrm>
-            <a:off x="2209800" y="1879112"/>
-            <a:ext cx="7772400" cy="3099775"/>
-          </a:xfrm>
-          <a:prstGeom prst="rect">
-            <a:avLst/>
-          </a:prstGeom>
-        </p:spPr>
-      </p:pic>
-    </p:spTree>
-    <p:extLst>
-      <p:ext uri="{BB962C8B-B14F-4D97-AF65-F5344CB8AC3E}">
-        <p14:creationId xmlns:p14="http://schemas.microsoft.com/office/powerpoint/2010/main" val="194281213"/>
-      </p:ext>
-    </p:extLst>
-  </p:cSld>
-  <p:clrMapOvr>
-    <a:masterClrMapping/>
-  </p:clrMapOvr>
-</p:sld>
-</file>
-
-<file path=ppt/slides/slide12.xml><?xml version="1.0" encoding="utf-8"?>
-<p:sld xmlns:a="http://schemas.openxmlformats.org/drawingml/2006/main" xmlns:r="http://schemas.openxmlformats.org/officeDocument/2006/relationships" xmlns:p="http://schemas.openxmlformats.org/presentationml/2006/main">
-  <p:cSld>
-    <p:spTree>
-      <p:nvGrpSpPr>
-        <p:cNvPr id="1" name="">
-          <a:extLst>
-            <a:ext uri="{FF2B5EF4-FFF2-40B4-BE49-F238E27FC236}">
-              <a16:creationId xmlns:a16="http://schemas.microsoft.com/office/drawing/2014/main" id="{98F660A6-30A7-820A-3BE9-C715FCDF7FA4}"/>
-            </a:ext>
-          </a:extLst>
-        </p:cNvPr>
-        <p:cNvGrpSpPr/>
-        <p:nvPr/>
-      </p:nvGrpSpPr>
-      <p:grpSpPr>
-        <a:xfrm>
-          <a:off x="0" y="0"/>
-          <a:ext cx="0" cy="0"/>
-          <a:chOff x="0" y="0"/>
-          <a:chExt cx="0" cy="0"/>
-        </a:xfrm>
-      </p:grpSpPr>
-      <p:sp>
-        <p:nvSpPr>
-          <p:cNvPr id="2" name="Titre 1">
-            <a:extLst>
-              <a:ext uri="{FF2B5EF4-FFF2-40B4-BE49-F238E27FC236}">
-                <a16:creationId xmlns:a16="http://schemas.microsoft.com/office/drawing/2014/main" id="{EEFA6329-7023-E267-C442-ACCCBEF7961B}"/>
-              </a:ext>
-            </a:extLst>
-          </p:cNvPr>
-          <p:cNvSpPr>
-            <a:spLocks noGrp="1"/>
-          </p:cNvSpPr>
-          <p:nvPr>
-            <p:ph type="title"/>
-          </p:nvPr>
-        </p:nvSpPr>
-        <p:spPr/>
-        <p:txBody>
-          <a:bodyPr/>
-          <a:lstStyle/>
-          <a:p>
-            <a:r>
-              <a:rPr lang="fr-FR" b="1" dirty="0">
-                <a:solidFill>
-                  <a:schemeClr val="tx2"/>
-                </a:solidFill>
-              </a:rPr>
-              <a:t>Annexes : mémétique</a:t>
-            </a:r>
-          </a:p>
-        </p:txBody>
-      </p:sp>
-      <p:sp>
-        <p:nvSpPr>
-          <p:cNvPr id="6" name="Espace réservé de la date 5">
-            <a:extLst>
-              <a:ext uri="{FF2B5EF4-FFF2-40B4-BE49-F238E27FC236}">
-                <a16:creationId xmlns:a16="http://schemas.microsoft.com/office/drawing/2014/main" id="{73F779C1-9CD0-D612-0EB7-FD45C638D106}"/>
-              </a:ext>
-            </a:extLst>
-          </p:cNvPr>
-          <p:cNvSpPr>
-            <a:spLocks noGrp="1"/>
-          </p:cNvSpPr>
-          <p:nvPr>
-            <p:ph type="dt" sz="half" idx="10"/>
-          </p:nvPr>
-        </p:nvSpPr>
-        <p:spPr/>
-        <p:txBody>
-          <a:bodyPr/>
-          <a:lstStyle/>
-          <a:p>
-            <a:fld id="{14ED228F-104F-164C-BFFA-7663EDBC3BAD}" type="datetime1">
-              <a:rPr lang="fr-FR" smtClean="0"/>
-              <a:t>13/11/2024</a:t>
-            </a:fld>
-            <a:endParaRPr lang="fr-FR"/>
-          </a:p>
-        </p:txBody>
-      </p:sp>
-      <p:sp>
-        <p:nvSpPr>
-          <p:cNvPr id="4" name="Espace réservé du pied de page 3">
-            <a:extLst>
-              <a:ext uri="{FF2B5EF4-FFF2-40B4-BE49-F238E27FC236}">
-                <a16:creationId xmlns:a16="http://schemas.microsoft.com/office/drawing/2014/main" id="{BCCF8E23-4D23-3DC8-6CA0-F6912A5955B6}"/>
-              </a:ext>
-            </a:extLst>
-          </p:cNvPr>
-          <p:cNvSpPr>
-            <a:spLocks noGrp="1"/>
-          </p:cNvSpPr>
-          <p:nvPr>
-            <p:ph type="ftr" sz="quarter" idx="11"/>
-          </p:nvPr>
-        </p:nvSpPr>
-        <p:spPr/>
-        <p:txBody>
-          <a:bodyPr/>
-          <a:lstStyle/>
-          <a:p>
-            <a:r>
-              <a:rPr lang="fr-FR"/>
-              <a:t>Problème d'affectation généralisée</a:t>
-            </a:r>
-          </a:p>
-        </p:txBody>
-      </p:sp>
-      <p:sp>
-        <p:nvSpPr>
-          <p:cNvPr id="5" name="Espace réservé du numéro de diapositive 4">
-            <a:extLst>
-              <a:ext uri="{FF2B5EF4-FFF2-40B4-BE49-F238E27FC236}">
-                <a16:creationId xmlns:a16="http://schemas.microsoft.com/office/drawing/2014/main" id="{BD5D7A7C-41CD-23D3-343C-F0609B9D00EC}"/>
-              </a:ext>
-            </a:extLst>
-          </p:cNvPr>
-          <p:cNvSpPr>
-            <a:spLocks noGrp="1"/>
-          </p:cNvSpPr>
-          <p:nvPr>
-            <p:ph type="sldNum" sz="quarter" idx="12"/>
-          </p:nvPr>
-        </p:nvSpPr>
-        <p:spPr/>
-        <p:txBody>
-          <a:bodyPr/>
-          <a:lstStyle/>
-          <a:p>
-            <a:fld id="{49D9D136-35C4-F945-9AC1-0F0ED400EE8E}" type="slidenum">
-              <a:rPr lang="fr-FR" smtClean="0"/>
-              <a:t>12</a:t>
-            </a:fld>
-            <a:endParaRPr lang="fr-FR"/>
-          </a:p>
-        </p:txBody>
-      </p:sp>
-      <p:pic>
-        <p:nvPicPr>
-          <p:cNvPr id="12" name="Image 11">
-            <a:extLst>
-              <a:ext uri="{FF2B5EF4-FFF2-40B4-BE49-F238E27FC236}">
-                <a16:creationId xmlns:a16="http://schemas.microsoft.com/office/drawing/2014/main" id="{252D7692-1CFB-0FC3-3B63-567A49285616}"/>
-              </a:ext>
-            </a:extLst>
-          </p:cNvPr>
-          <p:cNvPicPr>
-            <a:picLocks noChangeAspect="1"/>
-          </p:cNvPicPr>
-          <p:nvPr/>
-        </p:nvPicPr>
-        <p:blipFill>
-          <a:blip r:embed="rId2"/>
-          <a:stretch>
-            <a:fillRect/>
-          </a:stretch>
-        </p:blipFill>
-        <p:spPr>
-          <a:xfrm>
-            <a:off x="3313425" y="1572319"/>
-            <a:ext cx="5842000" cy="4406900"/>
-          </a:xfrm>
-          <a:prstGeom prst="rect">
-            <a:avLst/>
-          </a:prstGeom>
-        </p:spPr>
-      </p:pic>
-    </p:spTree>
-    <p:extLst>
-      <p:ext uri="{BB962C8B-B14F-4D97-AF65-F5344CB8AC3E}">
-        <p14:creationId xmlns:p14="http://schemas.microsoft.com/office/powerpoint/2010/main" val="1485401359"/>
-      </p:ext>
-    </p:extLst>
-  </p:cSld>
-  <p:clrMapOvr>
-    <a:masterClrMapping/>
-  </p:clrMapOvr>
-</p:sld>
-</file>
-
-<file path=ppt/slides/slide13.xml><?xml version="1.0" encoding="utf-8"?>
-<p:sld xmlns:a="http://schemas.openxmlformats.org/drawingml/2006/main" xmlns:r="http://schemas.openxmlformats.org/officeDocument/2006/relationships" xmlns:p="http://schemas.openxmlformats.org/presentationml/2006/main">
-  <p:cSld>
-    <p:spTree>
-      <p:nvGrpSpPr>
-        <p:cNvPr id="1" name="">
-          <a:extLst>
-            <a:ext uri="{FF2B5EF4-FFF2-40B4-BE49-F238E27FC236}">
-              <a16:creationId xmlns:a16="http://schemas.microsoft.com/office/drawing/2014/main" id="{86F06DCA-AD50-903E-0B60-4BB81E3E1E33}"/>
-            </a:ext>
-          </a:extLst>
-        </p:cNvPr>
-        <p:cNvGrpSpPr/>
-        <p:nvPr/>
-      </p:nvGrpSpPr>
-      <p:grpSpPr>
-        <a:xfrm>
-          <a:off x="0" y="0"/>
-          <a:ext cx="0" cy="0"/>
-          <a:chOff x="0" y="0"/>
-          <a:chExt cx="0" cy="0"/>
-        </a:xfrm>
-      </p:grpSpPr>
-      <p:sp>
-        <p:nvSpPr>
-          <p:cNvPr id="2" name="Titre 1">
-            <a:extLst>
-              <a:ext uri="{FF2B5EF4-FFF2-40B4-BE49-F238E27FC236}">
-                <a16:creationId xmlns:a16="http://schemas.microsoft.com/office/drawing/2014/main" id="{09EBEF08-F279-4B2C-0655-4323CC7EC262}"/>
-              </a:ext>
-            </a:extLst>
-          </p:cNvPr>
-          <p:cNvSpPr>
-            <a:spLocks noGrp="1"/>
-          </p:cNvSpPr>
-          <p:nvPr>
-            <p:ph type="title"/>
-          </p:nvPr>
-        </p:nvSpPr>
-        <p:spPr/>
-        <p:txBody>
-          <a:bodyPr/>
-          <a:lstStyle/>
-          <a:p>
-            <a:r>
-              <a:rPr lang="fr-FR" b="1" dirty="0">
-                <a:solidFill>
-                  <a:schemeClr val="tx2"/>
-                </a:solidFill>
-              </a:rPr>
-              <a:t>Annexes : mémétique</a:t>
-            </a:r>
-          </a:p>
-        </p:txBody>
-      </p:sp>
-      <p:sp>
-        <p:nvSpPr>
-          <p:cNvPr id="6" name="Espace réservé de la date 5">
-            <a:extLst>
-              <a:ext uri="{FF2B5EF4-FFF2-40B4-BE49-F238E27FC236}">
-                <a16:creationId xmlns:a16="http://schemas.microsoft.com/office/drawing/2014/main" id="{ED1EE022-1DC9-FFF0-694F-F0E4E82061E9}"/>
-              </a:ext>
-            </a:extLst>
-          </p:cNvPr>
-          <p:cNvSpPr>
-            <a:spLocks noGrp="1"/>
-          </p:cNvSpPr>
-          <p:nvPr>
-            <p:ph type="dt" sz="half" idx="10"/>
-          </p:nvPr>
-        </p:nvSpPr>
-        <p:spPr/>
-        <p:txBody>
-          <a:bodyPr/>
-          <a:lstStyle/>
-          <a:p>
-            <a:fld id="{14ED228F-104F-164C-BFFA-7663EDBC3BAD}" type="datetime1">
-              <a:rPr lang="fr-FR" smtClean="0"/>
-              <a:t>13/11/2024</a:t>
-            </a:fld>
-            <a:endParaRPr lang="fr-FR"/>
-          </a:p>
-        </p:txBody>
-      </p:sp>
-      <p:sp>
-        <p:nvSpPr>
-          <p:cNvPr id="4" name="Espace réservé du pied de page 3">
-            <a:extLst>
-              <a:ext uri="{FF2B5EF4-FFF2-40B4-BE49-F238E27FC236}">
-                <a16:creationId xmlns:a16="http://schemas.microsoft.com/office/drawing/2014/main" id="{253248FA-5F8E-7902-3BA0-F7DF7D797219}"/>
-              </a:ext>
-            </a:extLst>
-          </p:cNvPr>
-          <p:cNvSpPr>
-            <a:spLocks noGrp="1"/>
-          </p:cNvSpPr>
-          <p:nvPr>
-            <p:ph type="ftr" sz="quarter" idx="11"/>
-          </p:nvPr>
-        </p:nvSpPr>
-        <p:spPr/>
-        <p:txBody>
-          <a:bodyPr/>
-          <a:lstStyle/>
-          <a:p>
-            <a:r>
-              <a:rPr lang="fr-FR"/>
-              <a:t>Problème d'affectation généralisée</a:t>
-            </a:r>
-          </a:p>
-        </p:txBody>
-      </p:sp>
-      <p:sp>
-        <p:nvSpPr>
-          <p:cNvPr id="5" name="Espace réservé du numéro de diapositive 4">
-            <a:extLst>
-              <a:ext uri="{FF2B5EF4-FFF2-40B4-BE49-F238E27FC236}">
-                <a16:creationId xmlns:a16="http://schemas.microsoft.com/office/drawing/2014/main" id="{41688310-7F45-3715-362E-6CA01F35C765}"/>
-              </a:ext>
-            </a:extLst>
-          </p:cNvPr>
-          <p:cNvSpPr>
-            <a:spLocks noGrp="1"/>
-          </p:cNvSpPr>
-          <p:nvPr>
-            <p:ph type="sldNum" sz="quarter" idx="12"/>
-          </p:nvPr>
-        </p:nvSpPr>
-        <p:spPr/>
-        <p:txBody>
-          <a:bodyPr/>
-          <a:lstStyle/>
-          <a:p>
-            <a:fld id="{49D9D136-35C4-F945-9AC1-0F0ED400EE8E}" type="slidenum">
-              <a:rPr lang="fr-FR" smtClean="0"/>
-              <a:t>13</a:t>
-            </a:fld>
-            <a:endParaRPr lang="fr-FR"/>
-          </a:p>
-        </p:txBody>
-      </p:sp>
-      <p:pic>
-        <p:nvPicPr>
-          <p:cNvPr id="10" name="Espace réservé du contenu 9">
-            <a:extLst>
-              <a:ext uri="{FF2B5EF4-FFF2-40B4-BE49-F238E27FC236}">
-                <a16:creationId xmlns:a16="http://schemas.microsoft.com/office/drawing/2014/main" id="{B3FEE56C-C081-CAAC-3481-6ADB2BB1CFBD}"/>
-              </a:ext>
-            </a:extLst>
-          </p:cNvPr>
-          <p:cNvPicPr>
-            <a:picLocks noGrp="1" noChangeAspect="1"/>
-          </p:cNvPicPr>
-          <p:nvPr>
-            <p:ph idx="1"/>
-          </p:nvPr>
-        </p:nvPicPr>
-        <p:blipFill>
-          <a:blip r:embed="rId2"/>
-          <a:stretch>
-            <a:fillRect/>
-          </a:stretch>
-        </p:blipFill>
-        <p:spPr>
-          <a:xfrm>
-            <a:off x="1187214" y="1825625"/>
-            <a:ext cx="9817571" cy="4351338"/>
-          </a:xfrm>
-        </p:spPr>
-      </p:pic>
-    </p:spTree>
-    <p:extLst>
-      <p:ext uri="{BB962C8B-B14F-4D97-AF65-F5344CB8AC3E}">
-        <p14:creationId xmlns:p14="http://schemas.microsoft.com/office/powerpoint/2010/main" val="958584653"/>
       </p:ext>
     </p:extLst>
   </p:cSld>
@@ -4617,7 +3868,7 @@
           <p:cNvPr id="2" name="Titre 1">
             <a:extLst>
               <a:ext uri="{FF2B5EF4-FFF2-40B4-BE49-F238E27FC236}">
-                <a16:creationId xmlns:a16="http://schemas.microsoft.com/office/drawing/2014/main" id="{8868D2EC-3F5C-4BA9-FD44-A39CB8666D5F}"/>
+                <a16:creationId xmlns:a16="http://schemas.microsoft.com/office/drawing/2014/main" id="{21C89AE7-3EA5-EDE1-FD10-2E42D10F3245}"/>
               </a:ext>
             </a:extLst>
           </p:cNvPr>
@@ -4639,7 +3890,7 @@
                   <a:schemeClr val="tx2"/>
                 </a:solidFill>
               </a:rPr>
-              <a:t>Présentation du problème</a:t>
+              <a:t>Heuristique : Clarke and Wright</a:t>
             </a:r>
           </a:p>
         </p:txBody>
@@ -4649,7 +3900,7 @@
           <p:cNvPr id="3" name="Espace réservé du contenu 2">
             <a:extLst>
               <a:ext uri="{FF2B5EF4-FFF2-40B4-BE49-F238E27FC236}">
-                <a16:creationId xmlns:a16="http://schemas.microsoft.com/office/drawing/2014/main" id="{81528DF7-1742-A208-BE7B-D1C57BE4B8F0}"/>
+                <a16:creationId xmlns:a16="http://schemas.microsoft.com/office/drawing/2014/main" id="{06EECF9B-D95F-CAEF-5A6C-1265613CF8E7}"/>
               </a:ext>
             </a:extLst>
           </p:cNvPr>
@@ -4660,28 +3911,265 @@
             <p:ph idx="1"/>
           </p:nvPr>
         </p:nvSpPr>
-        <p:spPr/>
+        <p:spPr>
+          <a:xfrm>
+            <a:off x="409222" y="1690688"/>
+            <a:ext cx="6795142" cy="4351338"/>
+          </a:xfrm>
+        </p:spPr>
         <p:txBody>
           <a:bodyPr/>
           <a:lstStyle/>
           <a:p>
+            <a:pPr>
+              <a:lnSpc>
+                <a:spcPct val="100000"/>
+              </a:lnSpc>
+            </a:pPr>
+            <a:r>
+              <a:rPr lang="fr-FR" sz="2400" b="1" dirty="0">
+                <a:solidFill>
+                  <a:schemeClr val="tx1">
+                    <a:lumMod val="65000"/>
+                    <a:lumOff val="35000"/>
+                  </a:schemeClr>
+                </a:solidFill>
+              </a:rPr>
+              <a:t>Borne sup</a:t>
+            </a:r>
+            <a:r>
+              <a:rPr lang="fr-FR" sz="2400" dirty="0">
+                <a:solidFill>
+                  <a:schemeClr val="tx1">
+                    <a:lumMod val="65000"/>
+                    <a:lumOff val="35000"/>
+                  </a:schemeClr>
+                </a:solidFill>
+              </a:rPr>
+              <a:t> des temps de trajets : heuristiques </a:t>
+            </a:r>
+            <a:r>
+              <a:rPr lang="fr-FR" sz="2400" b="1" dirty="0">
+                <a:solidFill>
+                  <a:schemeClr val="tx1">
+                    <a:lumMod val="65000"/>
+                    <a:lumOff val="35000"/>
+                  </a:schemeClr>
+                </a:solidFill>
+              </a:rPr>
+              <a:t>statiques</a:t>
+            </a:r>
+          </a:p>
+          <a:p>
+            <a:pPr>
+              <a:lnSpc>
+                <a:spcPct val="100000"/>
+              </a:lnSpc>
+            </a:pPr>
+            <a:endParaRPr lang="fr-FR" sz="2400" b="1" dirty="0">
+              <a:solidFill>
+                <a:schemeClr val="tx1">
+                  <a:lumMod val="65000"/>
+                  <a:lumOff val="35000"/>
+                </a:schemeClr>
+              </a:solidFill>
+            </a:endParaRPr>
+          </a:p>
+          <a:p>
+            <a:pPr>
+              <a:lnSpc>
+                <a:spcPct val="100000"/>
+              </a:lnSpc>
+            </a:pPr>
+            <a:r>
+              <a:rPr lang="fr-FR" sz="2400" dirty="0">
+                <a:solidFill>
+                  <a:schemeClr val="tx1">
+                    <a:lumMod val="65000"/>
+                    <a:lumOff val="35000"/>
+                  </a:schemeClr>
+                </a:solidFill>
+              </a:rPr>
+              <a:t>Algorithme de </a:t>
+            </a:r>
+            <a:r>
+              <a:rPr lang="fr-FR" sz="2400" b="1" dirty="0">
+                <a:solidFill>
+                  <a:schemeClr val="tx1">
+                    <a:lumMod val="65000"/>
+                    <a:lumOff val="35000"/>
+                  </a:schemeClr>
+                </a:solidFill>
+              </a:rPr>
+              <a:t>Clarke and Wright</a:t>
+            </a:r>
+            <a:r>
+              <a:rPr lang="fr-FR" sz="2400" dirty="0">
+                <a:solidFill>
+                  <a:schemeClr val="tx1">
+                    <a:lumMod val="65000"/>
+                    <a:lumOff val="35000"/>
+                  </a:schemeClr>
+                </a:solidFill>
+              </a:rPr>
+              <a:t> :</a:t>
+            </a:r>
+          </a:p>
+          <a:p>
+            <a:pPr lvl="1">
+              <a:lnSpc>
+                <a:spcPct val="100000"/>
+              </a:lnSpc>
+            </a:pPr>
+            <a:r>
+              <a:rPr lang="fr-FR" sz="2000" dirty="0">
+                <a:solidFill>
+                  <a:schemeClr val="tx1">
+                    <a:lumMod val="65000"/>
+                    <a:lumOff val="35000"/>
+                  </a:schemeClr>
+                </a:solidFill>
+              </a:rPr>
+              <a:t>Calcul et tri des « </a:t>
+            </a:r>
+            <a:r>
+              <a:rPr lang="fr-FR" sz="2000" dirty="0" err="1">
+                <a:solidFill>
+                  <a:schemeClr val="tx1">
+                    <a:lumMod val="65000"/>
+                    <a:lumOff val="35000"/>
+                  </a:schemeClr>
+                </a:solidFill>
+              </a:rPr>
+              <a:t>savings</a:t>
+            </a:r>
+            <a:r>
+              <a:rPr lang="fr-FR" sz="2000" dirty="0">
+                <a:solidFill>
+                  <a:schemeClr val="tx1">
+                    <a:lumMod val="65000"/>
+                    <a:lumOff val="35000"/>
+                  </a:schemeClr>
+                </a:solidFill>
+              </a:rPr>
+              <a:t> » :</a:t>
+            </a:r>
+          </a:p>
+          <a:p>
+            <a:pPr lvl="1">
+              <a:lnSpc>
+                <a:spcPct val="100000"/>
+              </a:lnSpc>
+            </a:pPr>
+            <a:endParaRPr lang="fr-FR" sz="2000" dirty="0">
+              <a:solidFill>
+                <a:schemeClr val="tx1">
+                  <a:lumMod val="65000"/>
+                  <a:lumOff val="35000"/>
+                </a:schemeClr>
+              </a:solidFill>
+            </a:endParaRPr>
+          </a:p>
+          <a:p>
+            <a:pPr lvl="1">
+              <a:lnSpc>
+                <a:spcPct val="100000"/>
+              </a:lnSpc>
+            </a:pPr>
+            <a:endParaRPr lang="fr-FR" sz="2000" dirty="0">
+              <a:solidFill>
+                <a:schemeClr val="tx1">
+                  <a:lumMod val="65000"/>
+                  <a:lumOff val="35000"/>
+                </a:schemeClr>
+              </a:solidFill>
+            </a:endParaRPr>
+          </a:p>
+          <a:p>
+            <a:pPr lvl="1">
+              <a:lnSpc>
+                <a:spcPct val="100000"/>
+              </a:lnSpc>
+            </a:pPr>
+            <a:r>
+              <a:rPr lang="fr-FR" sz="2000" b="1" dirty="0">
+                <a:solidFill>
+                  <a:schemeClr val="tx1">
+                    <a:lumMod val="65000"/>
+                    <a:lumOff val="35000"/>
+                  </a:schemeClr>
+                </a:solidFill>
+              </a:rPr>
+              <a:t>Initialisation</a:t>
+            </a:r>
+            <a:r>
+              <a:rPr lang="fr-FR" sz="2000" dirty="0">
+                <a:solidFill>
+                  <a:schemeClr val="tx1">
+                    <a:lumMod val="65000"/>
+                    <a:lumOff val="35000"/>
+                  </a:schemeClr>
+                </a:solidFill>
+              </a:rPr>
+              <a:t> : Une route = un client</a:t>
+            </a:r>
+          </a:p>
+          <a:p>
+            <a:pPr lvl="1">
+              <a:lnSpc>
+                <a:spcPct val="100000"/>
+              </a:lnSpc>
+            </a:pPr>
+            <a:r>
+              <a:rPr lang="fr-FR" sz="2000" dirty="0">
+                <a:solidFill>
+                  <a:schemeClr val="tx1">
+                    <a:lumMod val="65000"/>
+                    <a:lumOff val="35000"/>
+                  </a:schemeClr>
+                </a:solidFill>
+              </a:rPr>
+              <a:t>Fusion des routes lorsque c’est possible </a:t>
+            </a:r>
+          </a:p>
+          <a:p>
+            <a:pPr>
+              <a:lnSpc>
+                <a:spcPct val="100000"/>
+              </a:lnSpc>
+            </a:pPr>
             <a:endParaRPr lang="fr-FR" dirty="0">
               <a:solidFill>
                 <a:schemeClr val="tx1">
-                  <a:lumMod val="75000"/>
-                  <a:lumOff val="25000"/>
+                  <a:lumMod val="65000"/>
+                  <a:lumOff val="35000"/>
                 </a:schemeClr>
               </a:solidFill>
             </a:endParaRPr>
           </a:p>
-        </p:txBody>
-      </p:sp>
-      <p:sp>
-        <p:nvSpPr>
-          <p:cNvPr id="6" name="Espace réservé de la date 5">
-            <a:extLst>
-              <a:ext uri="{FF2B5EF4-FFF2-40B4-BE49-F238E27FC236}">
-                <a16:creationId xmlns:a16="http://schemas.microsoft.com/office/drawing/2014/main" id="{3637B08B-7162-8346-EAA7-DF7B9FADD377}"/>
+          <a:p>
+            <a:pPr>
+              <a:lnSpc>
+                <a:spcPct val="100000"/>
+              </a:lnSpc>
+            </a:pPr>
+            <a:endParaRPr lang="fr-FR" dirty="0">
+              <a:solidFill>
+                <a:schemeClr val="tx1">
+                  <a:lumMod val="65000"/>
+                  <a:lumOff val="35000"/>
+                </a:schemeClr>
+              </a:solidFill>
+            </a:endParaRPr>
+          </a:p>
+        </p:txBody>
+      </p:sp>
+      <p:sp>
+        <p:nvSpPr>
+          <p:cNvPr id="4" name="Espace réservé de la date 3">
+            <a:extLst>
+              <a:ext uri="{FF2B5EF4-FFF2-40B4-BE49-F238E27FC236}">
+                <a16:creationId xmlns:a16="http://schemas.microsoft.com/office/drawing/2014/main" id="{C5B6299F-DD92-F563-A7A4-3AB81AC87160}"/>
               </a:ext>
             </a:extLst>
           </p:cNvPr>
@@ -4697,20 +4185,19 @@
           <a:bodyPr/>
           <a:lstStyle/>
           <a:p>
-            <a:fld id="{9F63E57E-BBE5-8544-9964-5BE74EAA8CA2}" type="datetime1">
-              <a:rPr lang="fr-FR" smtClean="0"/>
-              <a:t>12/11/2024</a:t>
-            </a:fld>
-            <a:endParaRPr lang="fr-FR"/>
-          </a:p>
-        </p:txBody>
-      </p:sp>
-      <p:sp>
-        <p:nvSpPr>
-          <p:cNvPr id="4" name="Espace réservé du pied de page 3">
-            <a:extLst>
-              <a:ext uri="{FF2B5EF4-FFF2-40B4-BE49-F238E27FC236}">
-                <a16:creationId xmlns:a16="http://schemas.microsoft.com/office/drawing/2014/main" id="{38E35995-983F-1A4F-0D7A-0DD36005A4E5}"/>
+            <a:r>
+              <a:rPr lang="fr-FR" dirty="0"/>
+              <a:t>14/02/2025</a:t>
+            </a:r>
+          </a:p>
+        </p:txBody>
+      </p:sp>
+      <p:sp>
+        <p:nvSpPr>
+          <p:cNvPr id="5" name="Espace réservé du pied de page 4">
+            <a:extLst>
+              <a:ext uri="{FF2B5EF4-FFF2-40B4-BE49-F238E27FC236}">
+                <a16:creationId xmlns:a16="http://schemas.microsoft.com/office/drawing/2014/main" id="{BAC13A63-FE28-C682-C344-7EB64459DA0F}"/>
               </a:ext>
             </a:extLst>
           </p:cNvPr>
@@ -4727,18 +4214,18 @@
           <a:lstStyle/>
           <a:p>
             <a:r>
-              <a:rPr lang="fr-FR"/>
-              <a:t>Problème d'affectation généralisée</a:t>
-            </a:r>
-          </a:p>
-        </p:txBody>
-      </p:sp>
-      <p:sp>
-        <p:nvSpPr>
-          <p:cNvPr id="5" name="Espace réservé du numéro de diapositive 4">
-            <a:extLst>
-              <a:ext uri="{FF2B5EF4-FFF2-40B4-BE49-F238E27FC236}">
-                <a16:creationId xmlns:a16="http://schemas.microsoft.com/office/drawing/2014/main" id="{FF708F78-4FAB-AD22-C7DB-429FAC7B7DB7}"/>
+              <a:rPr lang="fr-FR" dirty="0"/>
+              <a:t>VRP robuste</a:t>
+            </a:r>
+          </a:p>
+        </p:txBody>
+      </p:sp>
+      <p:sp>
+        <p:nvSpPr>
+          <p:cNvPr id="6" name="Espace réservé du numéro de diapositive 5">
+            <a:extLst>
+              <a:ext uri="{FF2B5EF4-FFF2-40B4-BE49-F238E27FC236}">
+                <a16:creationId xmlns:a16="http://schemas.microsoft.com/office/drawing/2014/main" id="{340F9331-FC43-CDE7-F7B9-95F6E2727CC0}"/>
               </a:ext>
             </a:extLst>
           </p:cNvPr>
@@ -4762,10 +4249,2334 @@
           </a:p>
         </p:txBody>
       </p:sp>
+      <p:pic>
+        <p:nvPicPr>
+          <p:cNvPr id="8" name="Image 7" descr="Une image contenant Police, écriture manuscrite, calligraphie, blanc&#10;&#10;Le contenu généré par l’IA peut être incorrect.">
+            <a:extLst>
+              <a:ext uri="{FF2B5EF4-FFF2-40B4-BE49-F238E27FC236}">
+                <a16:creationId xmlns:a16="http://schemas.microsoft.com/office/drawing/2014/main" id="{D9597E92-0A65-DC2A-6BCA-274902D96FC5}"/>
+              </a:ext>
+            </a:extLst>
+          </p:cNvPr>
+          <p:cNvPicPr>
+            <a:picLocks noChangeAspect="1"/>
+          </p:cNvPicPr>
+          <p:nvPr/>
+        </p:nvPicPr>
+        <p:blipFill>
+          <a:blip r:embed="rId2"/>
+          <a:stretch>
+            <a:fillRect/>
+          </a:stretch>
+        </p:blipFill>
+        <p:spPr>
+          <a:xfrm>
+            <a:off x="7525107" y="1690688"/>
+            <a:ext cx="4257671" cy="946149"/>
+          </a:xfrm>
+          <a:prstGeom prst="rect">
+            <a:avLst/>
+          </a:prstGeom>
+        </p:spPr>
+      </p:pic>
+      <p:grpSp>
+        <p:nvGrpSpPr>
+          <p:cNvPr id="9" name="Groupe 8">
+            <a:extLst>
+              <a:ext uri="{FF2B5EF4-FFF2-40B4-BE49-F238E27FC236}">
+                <a16:creationId xmlns:a16="http://schemas.microsoft.com/office/drawing/2014/main" id="{3D03BA02-9CC5-EA09-2CCA-2DFE8D63222E}"/>
+              </a:ext>
+            </a:extLst>
+          </p:cNvPr>
+          <p:cNvGrpSpPr>
+            <a:grpSpLocks noChangeAspect="1"/>
+          </p:cNvGrpSpPr>
+          <p:nvPr/>
+        </p:nvGrpSpPr>
+        <p:grpSpPr>
+          <a:xfrm>
+            <a:off x="6630694" y="3072606"/>
+            <a:ext cx="5152084" cy="2363560"/>
+            <a:chOff x="466292" y="772998"/>
+            <a:chExt cx="7643495" cy="3506515"/>
+          </a:xfrm>
+        </p:grpSpPr>
+        <p:sp>
+          <p:nvSpPr>
+            <p:cNvPr id="10" name="Ellipse 9">
+              <a:extLst>
+                <a:ext uri="{FF2B5EF4-FFF2-40B4-BE49-F238E27FC236}">
+                  <a16:creationId xmlns:a16="http://schemas.microsoft.com/office/drawing/2014/main" id="{82AA9C13-1C35-2784-A203-598BE0940896}"/>
+                </a:ext>
+              </a:extLst>
+            </p:cNvPr>
+            <p:cNvSpPr/>
+            <p:nvPr/>
+          </p:nvSpPr>
+          <p:spPr>
+            <a:xfrm>
+              <a:off x="1095023" y="1832168"/>
+              <a:ext cx="161193" cy="161950"/>
+            </a:xfrm>
+            <a:prstGeom prst="ellipse">
+              <a:avLst/>
+            </a:prstGeom>
+          </p:spPr>
+          <p:style>
+            <a:lnRef idx="2">
+              <a:schemeClr val="accent1">
+                <a:shade val="15000"/>
+              </a:schemeClr>
+            </a:lnRef>
+            <a:fillRef idx="1">
+              <a:schemeClr val="accent1"/>
+            </a:fillRef>
+            <a:effectRef idx="0">
+              <a:schemeClr val="accent1"/>
+            </a:effectRef>
+            <a:fontRef idx="minor">
+              <a:schemeClr val="lt1"/>
+            </a:fontRef>
+          </p:style>
+          <p:txBody>
+            <a:bodyPr rtlCol="0" anchor="ctr"/>
+            <a:lstStyle/>
+            <a:p>
+              <a:pPr algn="ctr"/>
+              <a:endParaRPr lang="en-US" dirty="0"/>
+            </a:p>
+          </p:txBody>
+        </p:sp>
+        <p:sp>
+          <p:nvSpPr>
+            <p:cNvPr id="11" name="Ellipse 10">
+              <a:extLst>
+                <a:ext uri="{FF2B5EF4-FFF2-40B4-BE49-F238E27FC236}">
+                  <a16:creationId xmlns:a16="http://schemas.microsoft.com/office/drawing/2014/main" id="{C177AE3B-9A13-1B2F-0998-3EEEC5F3EC15}"/>
+                </a:ext>
+              </a:extLst>
+            </p:cNvPr>
+            <p:cNvSpPr/>
+            <p:nvPr/>
+          </p:nvSpPr>
+          <p:spPr>
+            <a:xfrm>
+              <a:off x="1700885" y="873350"/>
+              <a:ext cx="161193" cy="161950"/>
+            </a:xfrm>
+            <a:prstGeom prst="ellipse">
+              <a:avLst/>
+            </a:prstGeom>
+          </p:spPr>
+          <p:style>
+            <a:lnRef idx="2">
+              <a:schemeClr val="accent1">
+                <a:shade val="15000"/>
+              </a:schemeClr>
+            </a:lnRef>
+            <a:fillRef idx="1">
+              <a:schemeClr val="accent1"/>
+            </a:fillRef>
+            <a:effectRef idx="0">
+              <a:schemeClr val="accent1"/>
+            </a:effectRef>
+            <a:fontRef idx="minor">
+              <a:schemeClr val="lt1"/>
+            </a:fontRef>
+          </p:style>
+          <p:txBody>
+            <a:bodyPr rtlCol="0" anchor="ctr"/>
+            <a:lstStyle/>
+            <a:p>
+              <a:pPr algn="ctr"/>
+              <a:endParaRPr lang="en-US" dirty="0"/>
+            </a:p>
+          </p:txBody>
+        </p:sp>
+        <p:sp>
+          <p:nvSpPr>
+            <p:cNvPr id="12" name="Ellipse 11">
+              <a:extLst>
+                <a:ext uri="{FF2B5EF4-FFF2-40B4-BE49-F238E27FC236}">
+                  <a16:creationId xmlns:a16="http://schemas.microsoft.com/office/drawing/2014/main" id="{C36C9F5D-25F3-9DDA-1D5A-D047845E67AE}"/>
+                </a:ext>
+              </a:extLst>
+            </p:cNvPr>
+            <p:cNvSpPr/>
+            <p:nvPr/>
+          </p:nvSpPr>
+          <p:spPr>
+            <a:xfrm>
+              <a:off x="2529098" y="881522"/>
+              <a:ext cx="161193" cy="161950"/>
+            </a:xfrm>
+            <a:prstGeom prst="ellipse">
+              <a:avLst/>
+            </a:prstGeom>
+          </p:spPr>
+          <p:style>
+            <a:lnRef idx="2">
+              <a:schemeClr val="accent1">
+                <a:shade val="15000"/>
+              </a:schemeClr>
+            </a:lnRef>
+            <a:fillRef idx="1">
+              <a:schemeClr val="accent1"/>
+            </a:fillRef>
+            <a:effectRef idx="0">
+              <a:schemeClr val="accent1"/>
+            </a:effectRef>
+            <a:fontRef idx="minor">
+              <a:schemeClr val="lt1"/>
+            </a:fontRef>
+          </p:style>
+          <p:txBody>
+            <a:bodyPr rtlCol="0" anchor="ctr"/>
+            <a:lstStyle/>
+            <a:p>
+              <a:pPr algn="ctr"/>
+              <a:endParaRPr lang="en-US" dirty="0"/>
+            </a:p>
+          </p:txBody>
+        </p:sp>
+        <p:sp>
+          <p:nvSpPr>
+            <p:cNvPr id="13" name="Ellipse 12">
+              <a:extLst>
+                <a:ext uri="{FF2B5EF4-FFF2-40B4-BE49-F238E27FC236}">
+                  <a16:creationId xmlns:a16="http://schemas.microsoft.com/office/drawing/2014/main" id="{652528FB-D443-DAE0-574D-29BD45ED62DF}"/>
+                </a:ext>
+              </a:extLst>
+            </p:cNvPr>
+            <p:cNvSpPr/>
+            <p:nvPr/>
+          </p:nvSpPr>
+          <p:spPr>
+            <a:xfrm>
+              <a:off x="2918166" y="2131688"/>
+              <a:ext cx="161193" cy="161950"/>
+            </a:xfrm>
+            <a:prstGeom prst="ellipse">
+              <a:avLst/>
+            </a:prstGeom>
+          </p:spPr>
+          <p:style>
+            <a:lnRef idx="2">
+              <a:schemeClr val="accent1">
+                <a:shade val="15000"/>
+              </a:schemeClr>
+            </a:lnRef>
+            <a:fillRef idx="1">
+              <a:schemeClr val="accent1"/>
+            </a:fillRef>
+            <a:effectRef idx="0">
+              <a:schemeClr val="accent1"/>
+            </a:effectRef>
+            <a:fontRef idx="minor">
+              <a:schemeClr val="lt1"/>
+            </a:fontRef>
+          </p:style>
+          <p:txBody>
+            <a:bodyPr rtlCol="0" anchor="ctr"/>
+            <a:lstStyle/>
+            <a:p>
+              <a:pPr algn="ctr"/>
+              <a:endParaRPr lang="en-US" dirty="0"/>
+            </a:p>
+          </p:txBody>
+        </p:sp>
+        <p:sp>
+          <p:nvSpPr>
+            <p:cNvPr id="14" name="Ellipse 13">
+              <a:extLst>
+                <a:ext uri="{FF2B5EF4-FFF2-40B4-BE49-F238E27FC236}">
+                  <a16:creationId xmlns:a16="http://schemas.microsoft.com/office/drawing/2014/main" id="{A960C61B-9D94-8D6F-EF4C-9F246F2FA432}"/>
+                </a:ext>
+              </a:extLst>
+            </p:cNvPr>
+            <p:cNvSpPr/>
+            <p:nvPr/>
+          </p:nvSpPr>
+          <p:spPr>
+            <a:xfrm>
+              <a:off x="1873194" y="2562462"/>
+              <a:ext cx="161193" cy="161950"/>
+            </a:xfrm>
+            <a:prstGeom prst="ellipse">
+              <a:avLst/>
+            </a:prstGeom>
+          </p:spPr>
+          <p:style>
+            <a:lnRef idx="2">
+              <a:schemeClr val="accent6"/>
+            </a:lnRef>
+            <a:fillRef idx="1">
+              <a:schemeClr val="lt1"/>
+            </a:fillRef>
+            <a:effectRef idx="0">
+              <a:schemeClr val="accent6"/>
+            </a:effectRef>
+            <a:fontRef idx="minor">
+              <a:schemeClr val="dk1"/>
+            </a:fontRef>
+          </p:style>
+          <p:txBody>
+            <a:bodyPr rtlCol="0" anchor="ctr"/>
+            <a:lstStyle/>
+            <a:p>
+              <a:pPr algn="ctr"/>
+              <a:endParaRPr lang="en-US" dirty="0"/>
+            </a:p>
+          </p:txBody>
+        </p:sp>
+        <p:cxnSp>
+          <p:nvCxnSpPr>
+            <p:cNvPr id="15" name="Connecteur droit 14">
+              <a:extLst>
+                <a:ext uri="{FF2B5EF4-FFF2-40B4-BE49-F238E27FC236}">
+                  <a16:creationId xmlns:a16="http://schemas.microsoft.com/office/drawing/2014/main" id="{E116F94C-8988-CAC6-692A-87D631C3D0C7}"/>
+                </a:ext>
+              </a:extLst>
+            </p:cNvPr>
+            <p:cNvCxnSpPr>
+              <a:stCxn id="10" idx="5"/>
+              <a:endCxn id="14" idx="1"/>
+            </p:cNvCxnSpPr>
+            <p:nvPr/>
+          </p:nvCxnSpPr>
+          <p:spPr>
+            <a:xfrm>
+              <a:off x="1232610" y="1970401"/>
+              <a:ext cx="664190" cy="615777"/>
+            </a:xfrm>
+            <a:prstGeom prst="line">
+              <a:avLst/>
+            </a:prstGeom>
+            <a:ln w="28575"/>
+          </p:spPr>
+          <p:style>
+            <a:lnRef idx="2">
+              <a:schemeClr val="accent1"/>
+            </a:lnRef>
+            <a:fillRef idx="0">
+              <a:schemeClr val="accent1"/>
+            </a:fillRef>
+            <a:effectRef idx="1">
+              <a:schemeClr val="accent1"/>
+            </a:effectRef>
+            <a:fontRef idx="minor">
+              <a:schemeClr val="tx1"/>
+            </a:fontRef>
+          </p:style>
+        </p:cxnSp>
+        <p:cxnSp>
+          <p:nvCxnSpPr>
+            <p:cNvPr id="16" name="Connecteur droit 15">
+              <a:extLst>
+                <a:ext uri="{FF2B5EF4-FFF2-40B4-BE49-F238E27FC236}">
+                  <a16:creationId xmlns:a16="http://schemas.microsoft.com/office/drawing/2014/main" id="{D883790E-A299-072B-CF03-25AA015AB388}"/>
+                </a:ext>
+              </a:extLst>
+            </p:cNvPr>
+            <p:cNvCxnSpPr>
+              <a:cxnSpLocks/>
+              <a:stCxn id="10" idx="7"/>
+              <a:endCxn id="11" idx="3"/>
+            </p:cNvCxnSpPr>
+            <p:nvPr/>
+          </p:nvCxnSpPr>
+          <p:spPr>
+            <a:xfrm flipV="1">
+              <a:off x="1232610" y="1011583"/>
+              <a:ext cx="491881" cy="844302"/>
+            </a:xfrm>
+            <a:prstGeom prst="line">
+              <a:avLst/>
+            </a:prstGeom>
+            <a:ln w="28575"/>
+          </p:spPr>
+          <p:style>
+            <a:lnRef idx="2">
+              <a:schemeClr val="accent1"/>
+            </a:lnRef>
+            <a:fillRef idx="0">
+              <a:schemeClr val="accent1"/>
+            </a:fillRef>
+            <a:effectRef idx="1">
+              <a:schemeClr val="accent1"/>
+            </a:effectRef>
+            <a:fontRef idx="minor">
+              <a:schemeClr val="tx1"/>
+            </a:fontRef>
+          </p:style>
+        </p:cxnSp>
+        <p:cxnSp>
+          <p:nvCxnSpPr>
+            <p:cNvPr id="17" name="Connecteur droit 16">
+              <a:extLst>
+                <a:ext uri="{FF2B5EF4-FFF2-40B4-BE49-F238E27FC236}">
+                  <a16:creationId xmlns:a16="http://schemas.microsoft.com/office/drawing/2014/main" id="{EB064DBB-969E-B2E4-E482-E0D260C7E5E5}"/>
+                </a:ext>
+              </a:extLst>
+            </p:cNvPr>
+            <p:cNvCxnSpPr>
+              <a:cxnSpLocks/>
+              <a:stCxn id="12" idx="2"/>
+              <a:endCxn id="11" idx="6"/>
+            </p:cNvCxnSpPr>
+            <p:nvPr/>
+          </p:nvCxnSpPr>
+          <p:spPr>
+            <a:xfrm flipH="1" flipV="1">
+              <a:off x="1862078" y="954325"/>
+              <a:ext cx="667021" cy="8172"/>
+            </a:xfrm>
+            <a:prstGeom prst="line">
+              <a:avLst/>
+            </a:prstGeom>
+            <a:ln w="28575"/>
+          </p:spPr>
+          <p:style>
+            <a:lnRef idx="2">
+              <a:schemeClr val="accent1"/>
+            </a:lnRef>
+            <a:fillRef idx="0">
+              <a:schemeClr val="accent1"/>
+            </a:fillRef>
+            <a:effectRef idx="1">
+              <a:schemeClr val="accent1"/>
+            </a:effectRef>
+            <a:fontRef idx="minor">
+              <a:schemeClr val="tx1"/>
+            </a:fontRef>
+          </p:style>
+        </p:cxnSp>
+        <p:cxnSp>
+          <p:nvCxnSpPr>
+            <p:cNvPr id="18" name="Connecteur droit 17">
+              <a:extLst>
+                <a:ext uri="{FF2B5EF4-FFF2-40B4-BE49-F238E27FC236}">
+                  <a16:creationId xmlns:a16="http://schemas.microsoft.com/office/drawing/2014/main" id="{2CB3139A-2ED7-34BC-F41B-F14E9FB870E7}"/>
+                </a:ext>
+              </a:extLst>
+            </p:cNvPr>
+            <p:cNvCxnSpPr>
+              <a:cxnSpLocks/>
+              <a:stCxn id="13" idx="0"/>
+              <a:endCxn id="20" idx="4"/>
+            </p:cNvCxnSpPr>
+            <p:nvPr/>
+          </p:nvCxnSpPr>
+          <p:spPr>
+            <a:xfrm flipV="1">
+              <a:off x="2998763" y="1438224"/>
+              <a:ext cx="23606" cy="693465"/>
+            </a:xfrm>
+            <a:prstGeom prst="line">
+              <a:avLst/>
+            </a:prstGeom>
+            <a:ln w="28575"/>
+          </p:spPr>
+          <p:style>
+            <a:lnRef idx="2">
+              <a:schemeClr val="accent1"/>
+            </a:lnRef>
+            <a:fillRef idx="0">
+              <a:schemeClr val="accent1"/>
+            </a:fillRef>
+            <a:effectRef idx="1">
+              <a:schemeClr val="accent1"/>
+            </a:effectRef>
+            <a:fontRef idx="minor">
+              <a:schemeClr val="tx1"/>
+            </a:fontRef>
+          </p:style>
+        </p:cxnSp>
+        <p:cxnSp>
+          <p:nvCxnSpPr>
+            <p:cNvPr id="19" name="Connecteur droit 18">
+              <a:extLst>
+                <a:ext uri="{FF2B5EF4-FFF2-40B4-BE49-F238E27FC236}">
+                  <a16:creationId xmlns:a16="http://schemas.microsoft.com/office/drawing/2014/main" id="{560AEEB7-D994-E4AD-25CB-79240DEBDC5C}"/>
+                </a:ext>
+              </a:extLst>
+            </p:cNvPr>
+            <p:cNvCxnSpPr>
+              <a:cxnSpLocks/>
+              <a:stCxn id="14" idx="7"/>
+              <a:endCxn id="13" idx="2"/>
+            </p:cNvCxnSpPr>
+            <p:nvPr/>
+          </p:nvCxnSpPr>
+          <p:spPr>
+            <a:xfrm flipV="1">
+              <a:off x="2010781" y="2212664"/>
+              <a:ext cx="907386" cy="373515"/>
+            </a:xfrm>
+            <a:prstGeom prst="line">
+              <a:avLst/>
+            </a:prstGeom>
+            <a:ln w="28575"/>
+          </p:spPr>
+          <p:style>
+            <a:lnRef idx="2">
+              <a:schemeClr val="accent1"/>
+            </a:lnRef>
+            <a:fillRef idx="0">
+              <a:schemeClr val="accent1"/>
+            </a:fillRef>
+            <a:effectRef idx="1">
+              <a:schemeClr val="accent1"/>
+            </a:effectRef>
+            <a:fontRef idx="minor">
+              <a:schemeClr val="tx1"/>
+            </a:fontRef>
+          </p:style>
+        </p:cxnSp>
+        <p:sp>
+          <p:nvSpPr>
+            <p:cNvPr id="20" name="Ellipse 19">
+              <a:extLst>
+                <a:ext uri="{FF2B5EF4-FFF2-40B4-BE49-F238E27FC236}">
+                  <a16:creationId xmlns:a16="http://schemas.microsoft.com/office/drawing/2014/main" id="{43EE3E9D-94B7-0305-6EAB-BFED50A2DA54}"/>
+                </a:ext>
+              </a:extLst>
+            </p:cNvPr>
+            <p:cNvSpPr/>
+            <p:nvPr/>
+          </p:nvSpPr>
+          <p:spPr>
+            <a:xfrm>
+              <a:off x="2941772" y="1276273"/>
+              <a:ext cx="161193" cy="161950"/>
+            </a:xfrm>
+            <a:prstGeom prst="ellipse">
+              <a:avLst/>
+            </a:prstGeom>
+          </p:spPr>
+          <p:style>
+            <a:lnRef idx="2">
+              <a:schemeClr val="accent1">
+                <a:shade val="15000"/>
+              </a:schemeClr>
+            </a:lnRef>
+            <a:fillRef idx="1">
+              <a:schemeClr val="accent1"/>
+            </a:fillRef>
+            <a:effectRef idx="0">
+              <a:schemeClr val="accent1"/>
+            </a:effectRef>
+            <a:fontRef idx="minor">
+              <a:schemeClr val="lt1"/>
+            </a:fontRef>
+          </p:style>
+          <p:txBody>
+            <a:bodyPr rtlCol="0" anchor="ctr"/>
+            <a:lstStyle/>
+            <a:p>
+              <a:pPr algn="ctr"/>
+              <a:endParaRPr lang="en-US" dirty="0"/>
+            </a:p>
+          </p:txBody>
+        </p:sp>
+        <p:cxnSp>
+          <p:nvCxnSpPr>
+            <p:cNvPr id="21" name="Connecteur droit 20">
+              <a:extLst>
+                <a:ext uri="{FF2B5EF4-FFF2-40B4-BE49-F238E27FC236}">
+                  <a16:creationId xmlns:a16="http://schemas.microsoft.com/office/drawing/2014/main" id="{56FAB0AC-458D-A183-67EF-2771B4E010C5}"/>
+                </a:ext>
+              </a:extLst>
+            </p:cNvPr>
+            <p:cNvCxnSpPr>
+              <a:cxnSpLocks/>
+              <a:stCxn id="20" idx="1"/>
+              <a:endCxn id="12" idx="5"/>
+            </p:cNvCxnSpPr>
+            <p:nvPr/>
+          </p:nvCxnSpPr>
+          <p:spPr>
+            <a:xfrm flipH="1" flipV="1">
+              <a:off x="2666685" y="1019755"/>
+              <a:ext cx="298693" cy="280235"/>
+            </a:xfrm>
+            <a:prstGeom prst="line">
+              <a:avLst/>
+            </a:prstGeom>
+            <a:ln w="28575"/>
+          </p:spPr>
+          <p:style>
+            <a:lnRef idx="2">
+              <a:schemeClr val="accent1"/>
+            </a:lnRef>
+            <a:fillRef idx="0">
+              <a:schemeClr val="accent1"/>
+            </a:fillRef>
+            <a:effectRef idx="1">
+              <a:schemeClr val="accent1"/>
+            </a:effectRef>
+            <a:fontRef idx="minor">
+              <a:schemeClr val="tx1"/>
+            </a:fontRef>
+          </p:style>
+        </p:cxnSp>
+        <p:sp>
+          <p:nvSpPr>
+            <p:cNvPr id="22" name="Ellipse 21">
+              <a:extLst>
+                <a:ext uri="{FF2B5EF4-FFF2-40B4-BE49-F238E27FC236}">
+                  <a16:creationId xmlns:a16="http://schemas.microsoft.com/office/drawing/2014/main" id="{32F45898-4243-90AF-59C4-F14BC5904E16}"/>
+                </a:ext>
+              </a:extLst>
+            </p:cNvPr>
+            <p:cNvSpPr/>
+            <p:nvPr/>
+          </p:nvSpPr>
+          <p:spPr>
+            <a:xfrm>
+              <a:off x="3228695" y="3500996"/>
+              <a:ext cx="161193" cy="161950"/>
+            </a:xfrm>
+            <a:prstGeom prst="ellipse">
+              <a:avLst/>
+            </a:prstGeom>
+          </p:spPr>
+          <p:style>
+            <a:lnRef idx="2">
+              <a:schemeClr val="accent2">
+                <a:shade val="15000"/>
+              </a:schemeClr>
+            </a:lnRef>
+            <a:fillRef idx="1">
+              <a:schemeClr val="accent2"/>
+            </a:fillRef>
+            <a:effectRef idx="0">
+              <a:schemeClr val="accent2"/>
+            </a:effectRef>
+            <a:fontRef idx="minor">
+              <a:schemeClr val="lt1"/>
+            </a:fontRef>
+          </p:style>
+          <p:txBody>
+            <a:bodyPr rtlCol="0" anchor="ctr"/>
+            <a:lstStyle/>
+            <a:p>
+              <a:pPr algn="ctr"/>
+              <a:endParaRPr lang="en-US" dirty="0"/>
+            </a:p>
+          </p:txBody>
+        </p:sp>
+        <p:sp>
+          <p:nvSpPr>
+            <p:cNvPr id="23" name="Ellipse 22">
+              <a:extLst>
+                <a:ext uri="{FF2B5EF4-FFF2-40B4-BE49-F238E27FC236}">
+                  <a16:creationId xmlns:a16="http://schemas.microsoft.com/office/drawing/2014/main" id="{BE251923-6FD4-CFF6-0E44-B7F46721C033}"/>
+                </a:ext>
+              </a:extLst>
+            </p:cNvPr>
+            <p:cNvSpPr/>
+            <p:nvPr/>
+          </p:nvSpPr>
+          <p:spPr>
+            <a:xfrm>
+              <a:off x="2303281" y="3961634"/>
+              <a:ext cx="161193" cy="161950"/>
+            </a:xfrm>
+            <a:prstGeom prst="ellipse">
+              <a:avLst/>
+            </a:prstGeom>
+          </p:spPr>
+          <p:style>
+            <a:lnRef idx="2">
+              <a:schemeClr val="accent2">
+                <a:shade val="15000"/>
+              </a:schemeClr>
+            </a:lnRef>
+            <a:fillRef idx="1">
+              <a:schemeClr val="accent2"/>
+            </a:fillRef>
+            <a:effectRef idx="0">
+              <a:schemeClr val="accent2"/>
+            </a:effectRef>
+            <a:fontRef idx="minor">
+              <a:schemeClr val="lt1"/>
+            </a:fontRef>
+          </p:style>
+          <p:txBody>
+            <a:bodyPr rtlCol="0" anchor="ctr"/>
+            <a:lstStyle/>
+            <a:p>
+              <a:pPr algn="ctr"/>
+              <a:endParaRPr lang="en-US" dirty="0"/>
+            </a:p>
+          </p:txBody>
+        </p:sp>
+        <p:sp>
+          <p:nvSpPr>
+            <p:cNvPr id="24" name="Ellipse 23">
+              <a:extLst>
+                <a:ext uri="{FF2B5EF4-FFF2-40B4-BE49-F238E27FC236}">
+                  <a16:creationId xmlns:a16="http://schemas.microsoft.com/office/drawing/2014/main" id="{9DCBACF6-DDD9-A68D-2379-2785E3D1DEA0}"/>
+                </a:ext>
+              </a:extLst>
+            </p:cNvPr>
+            <p:cNvSpPr/>
+            <p:nvPr/>
+          </p:nvSpPr>
+          <p:spPr>
+            <a:xfrm>
+              <a:off x="1062902" y="3721003"/>
+              <a:ext cx="161193" cy="161950"/>
+            </a:xfrm>
+            <a:prstGeom prst="ellipse">
+              <a:avLst/>
+            </a:prstGeom>
+          </p:spPr>
+          <p:style>
+            <a:lnRef idx="2">
+              <a:schemeClr val="accent2">
+                <a:shade val="15000"/>
+              </a:schemeClr>
+            </a:lnRef>
+            <a:fillRef idx="1">
+              <a:schemeClr val="accent2"/>
+            </a:fillRef>
+            <a:effectRef idx="0">
+              <a:schemeClr val="accent2"/>
+            </a:effectRef>
+            <a:fontRef idx="minor">
+              <a:schemeClr val="lt1"/>
+            </a:fontRef>
+          </p:style>
+          <p:txBody>
+            <a:bodyPr rtlCol="0" anchor="ctr"/>
+            <a:lstStyle/>
+            <a:p>
+              <a:pPr algn="ctr"/>
+              <a:endParaRPr lang="en-US" dirty="0"/>
+            </a:p>
+          </p:txBody>
+        </p:sp>
+        <p:sp>
+          <p:nvSpPr>
+            <p:cNvPr id="25" name="Ellipse 24">
+              <a:extLst>
+                <a:ext uri="{FF2B5EF4-FFF2-40B4-BE49-F238E27FC236}">
+                  <a16:creationId xmlns:a16="http://schemas.microsoft.com/office/drawing/2014/main" id="{F9712E61-5929-998A-A349-9C7F970E4DB4}"/>
+                </a:ext>
+              </a:extLst>
+            </p:cNvPr>
+            <p:cNvSpPr/>
+            <p:nvPr/>
+          </p:nvSpPr>
+          <p:spPr>
+            <a:xfrm>
+              <a:off x="774253" y="2889105"/>
+              <a:ext cx="161193" cy="161950"/>
+            </a:xfrm>
+            <a:prstGeom prst="ellipse">
+              <a:avLst/>
+            </a:prstGeom>
+          </p:spPr>
+          <p:style>
+            <a:lnRef idx="2">
+              <a:schemeClr val="accent2">
+                <a:shade val="15000"/>
+              </a:schemeClr>
+            </a:lnRef>
+            <a:fillRef idx="1">
+              <a:schemeClr val="accent2"/>
+            </a:fillRef>
+            <a:effectRef idx="0">
+              <a:schemeClr val="accent2"/>
+            </a:effectRef>
+            <a:fontRef idx="minor">
+              <a:schemeClr val="lt1"/>
+            </a:fontRef>
+          </p:style>
+          <p:txBody>
+            <a:bodyPr rtlCol="0" anchor="ctr"/>
+            <a:lstStyle/>
+            <a:p>
+              <a:pPr algn="ctr"/>
+              <a:endParaRPr lang="en-US" dirty="0"/>
+            </a:p>
+          </p:txBody>
+        </p:sp>
+        <p:cxnSp>
+          <p:nvCxnSpPr>
+            <p:cNvPr id="26" name="Connecteur droit 25">
+              <a:extLst>
+                <a:ext uri="{FF2B5EF4-FFF2-40B4-BE49-F238E27FC236}">
+                  <a16:creationId xmlns:a16="http://schemas.microsoft.com/office/drawing/2014/main" id="{5703F7CC-94F4-E262-6380-2BD7FB76B994}"/>
+                </a:ext>
+              </a:extLst>
+            </p:cNvPr>
+            <p:cNvCxnSpPr>
+              <a:cxnSpLocks/>
+              <a:stCxn id="14" idx="5"/>
+              <a:endCxn id="22" idx="1"/>
+            </p:cNvCxnSpPr>
+            <p:nvPr/>
+          </p:nvCxnSpPr>
+          <p:spPr>
+            <a:xfrm>
+              <a:off x="2010781" y="2700695"/>
+              <a:ext cx="1241520" cy="824018"/>
+            </a:xfrm>
+            <a:prstGeom prst="line">
+              <a:avLst/>
+            </a:prstGeom>
+            <a:ln w="28575">
+              <a:solidFill>
+                <a:schemeClr val="accent2"/>
+              </a:solidFill>
+            </a:ln>
+          </p:spPr>
+          <p:style>
+            <a:lnRef idx="2">
+              <a:schemeClr val="accent1"/>
+            </a:lnRef>
+            <a:fillRef idx="0">
+              <a:schemeClr val="accent1"/>
+            </a:fillRef>
+            <a:effectRef idx="1">
+              <a:schemeClr val="accent1"/>
+            </a:effectRef>
+            <a:fontRef idx="minor">
+              <a:schemeClr val="tx1"/>
+            </a:fontRef>
+          </p:style>
+        </p:cxnSp>
+        <p:cxnSp>
+          <p:nvCxnSpPr>
+            <p:cNvPr id="27" name="Connecteur droit 26">
+              <a:extLst>
+                <a:ext uri="{FF2B5EF4-FFF2-40B4-BE49-F238E27FC236}">
+                  <a16:creationId xmlns:a16="http://schemas.microsoft.com/office/drawing/2014/main" id="{90E4581D-6139-81F7-234A-D6A606F75ADE}"/>
+                </a:ext>
+              </a:extLst>
+            </p:cNvPr>
+            <p:cNvCxnSpPr>
+              <a:cxnSpLocks/>
+              <a:stCxn id="23" idx="6"/>
+              <a:endCxn id="22" idx="3"/>
+            </p:cNvCxnSpPr>
+            <p:nvPr/>
+          </p:nvCxnSpPr>
+          <p:spPr>
+            <a:xfrm flipV="1">
+              <a:off x="2464474" y="3639229"/>
+              <a:ext cx="787827" cy="403380"/>
+            </a:xfrm>
+            <a:prstGeom prst="line">
+              <a:avLst/>
+            </a:prstGeom>
+            <a:ln w="28575">
+              <a:solidFill>
+                <a:schemeClr val="accent2"/>
+              </a:solidFill>
+            </a:ln>
+          </p:spPr>
+          <p:style>
+            <a:lnRef idx="2">
+              <a:schemeClr val="accent1"/>
+            </a:lnRef>
+            <a:fillRef idx="0">
+              <a:schemeClr val="accent1"/>
+            </a:fillRef>
+            <a:effectRef idx="1">
+              <a:schemeClr val="accent1"/>
+            </a:effectRef>
+            <a:fontRef idx="minor">
+              <a:schemeClr val="tx1"/>
+            </a:fontRef>
+          </p:style>
+        </p:cxnSp>
+        <p:cxnSp>
+          <p:nvCxnSpPr>
+            <p:cNvPr id="28" name="Connecteur droit 27">
+              <a:extLst>
+                <a:ext uri="{FF2B5EF4-FFF2-40B4-BE49-F238E27FC236}">
+                  <a16:creationId xmlns:a16="http://schemas.microsoft.com/office/drawing/2014/main" id="{B69C941A-C6C4-699B-2C95-0E2817EF57EE}"/>
+                </a:ext>
+              </a:extLst>
+            </p:cNvPr>
+            <p:cNvCxnSpPr>
+              <a:cxnSpLocks/>
+              <a:stCxn id="24" idx="5"/>
+              <a:endCxn id="23" idx="2"/>
+            </p:cNvCxnSpPr>
+            <p:nvPr/>
+          </p:nvCxnSpPr>
+          <p:spPr>
+            <a:xfrm>
+              <a:off x="1200489" y="3859236"/>
+              <a:ext cx="1102792" cy="183373"/>
+            </a:xfrm>
+            <a:prstGeom prst="line">
+              <a:avLst/>
+            </a:prstGeom>
+            <a:ln w="28575">
+              <a:solidFill>
+                <a:schemeClr val="accent2"/>
+              </a:solidFill>
+            </a:ln>
+          </p:spPr>
+          <p:style>
+            <a:lnRef idx="2">
+              <a:schemeClr val="accent1"/>
+            </a:lnRef>
+            <a:fillRef idx="0">
+              <a:schemeClr val="accent1"/>
+            </a:fillRef>
+            <a:effectRef idx="1">
+              <a:schemeClr val="accent1"/>
+            </a:effectRef>
+            <a:fontRef idx="minor">
+              <a:schemeClr val="tx1"/>
+            </a:fontRef>
+          </p:style>
+        </p:cxnSp>
+        <p:cxnSp>
+          <p:nvCxnSpPr>
+            <p:cNvPr id="29" name="Connecteur droit 28">
+              <a:extLst>
+                <a:ext uri="{FF2B5EF4-FFF2-40B4-BE49-F238E27FC236}">
+                  <a16:creationId xmlns:a16="http://schemas.microsoft.com/office/drawing/2014/main" id="{34717BFD-713E-A3CF-8527-5D4C145A6FEA}"/>
+                </a:ext>
+              </a:extLst>
+            </p:cNvPr>
+            <p:cNvCxnSpPr>
+              <a:cxnSpLocks/>
+              <a:stCxn id="25" idx="4"/>
+              <a:endCxn id="24" idx="1"/>
+            </p:cNvCxnSpPr>
+            <p:nvPr/>
+          </p:nvCxnSpPr>
+          <p:spPr>
+            <a:xfrm>
+              <a:off x="854850" y="3051055"/>
+              <a:ext cx="231658" cy="693665"/>
+            </a:xfrm>
+            <a:prstGeom prst="line">
+              <a:avLst/>
+            </a:prstGeom>
+            <a:ln w="28575">
+              <a:solidFill>
+                <a:schemeClr val="accent2"/>
+              </a:solidFill>
+            </a:ln>
+          </p:spPr>
+          <p:style>
+            <a:lnRef idx="2">
+              <a:schemeClr val="accent1"/>
+            </a:lnRef>
+            <a:fillRef idx="0">
+              <a:schemeClr val="accent1"/>
+            </a:fillRef>
+            <a:effectRef idx="1">
+              <a:schemeClr val="accent1"/>
+            </a:effectRef>
+            <a:fontRef idx="minor">
+              <a:schemeClr val="tx1"/>
+            </a:fontRef>
+          </p:style>
+        </p:cxnSp>
+        <p:cxnSp>
+          <p:nvCxnSpPr>
+            <p:cNvPr id="30" name="Connecteur droit 29">
+              <a:extLst>
+                <a:ext uri="{FF2B5EF4-FFF2-40B4-BE49-F238E27FC236}">
+                  <a16:creationId xmlns:a16="http://schemas.microsoft.com/office/drawing/2014/main" id="{135E6FD4-780F-F235-6321-A5D9C9D458DF}"/>
+                </a:ext>
+              </a:extLst>
+            </p:cNvPr>
+            <p:cNvCxnSpPr>
+              <a:cxnSpLocks/>
+              <a:stCxn id="25" idx="7"/>
+              <a:endCxn id="14" idx="2"/>
+            </p:cNvCxnSpPr>
+            <p:nvPr/>
+          </p:nvCxnSpPr>
+          <p:spPr>
+            <a:xfrm flipV="1">
+              <a:off x="911840" y="2643437"/>
+              <a:ext cx="961354" cy="269385"/>
+            </a:xfrm>
+            <a:prstGeom prst="line">
+              <a:avLst/>
+            </a:prstGeom>
+            <a:ln w="28575">
+              <a:solidFill>
+                <a:schemeClr val="accent2"/>
+              </a:solidFill>
+            </a:ln>
+          </p:spPr>
+          <p:style>
+            <a:lnRef idx="2">
+              <a:schemeClr val="accent1"/>
+            </a:lnRef>
+            <a:fillRef idx="0">
+              <a:schemeClr val="accent1"/>
+            </a:fillRef>
+            <a:effectRef idx="1">
+              <a:schemeClr val="accent1"/>
+            </a:effectRef>
+            <a:fontRef idx="minor">
+              <a:schemeClr val="tx1"/>
+            </a:fontRef>
+          </p:style>
+        </p:cxnSp>
+        <p:sp>
+          <p:nvSpPr>
+            <p:cNvPr id="31" name="Flèche vers la droite 30">
+              <a:extLst>
+                <a:ext uri="{FF2B5EF4-FFF2-40B4-BE49-F238E27FC236}">
+                  <a16:creationId xmlns:a16="http://schemas.microsoft.com/office/drawing/2014/main" id="{190C765B-B339-5A84-1CAA-5805DDB47545}"/>
+                </a:ext>
+              </a:extLst>
+            </p:cNvPr>
+            <p:cNvSpPr/>
+            <p:nvPr/>
+          </p:nvSpPr>
+          <p:spPr>
+            <a:xfrm>
+              <a:off x="4016046" y="2327750"/>
+              <a:ext cx="406400" cy="479008"/>
+            </a:xfrm>
+            <a:prstGeom prst="rightArrow">
+              <a:avLst/>
+            </a:prstGeom>
+          </p:spPr>
+          <p:style>
+            <a:lnRef idx="2">
+              <a:schemeClr val="dk1">
+                <a:shade val="15000"/>
+              </a:schemeClr>
+            </a:lnRef>
+            <a:fillRef idx="1">
+              <a:schemeClr val="dk1"/>
+            </a:fillRef>
+            <a:effectRef idx="0">
+              <a:schemeClr val="dk1"/>
+            </a:effectRef>
+            <a:fontRef idx="minor">
+              <a:schemeClr val="lt1"/>
+            </a:fontRef>
+          </p:style>
+          <p:txBody>
+            <a:bodyPr rtlCol="0" anchor="ctr"/>
+            <a:lstStyle/>
+            <a:p>
+              <a:pPr algn="ctr"/>
+              <a:endParaRPr lang="en-US"/>
+            </a:p>
+          </p:txBody>
+        </p:sp>
+        <p:sp>
+          <p:nvSpPr>
+            <p:cNvPr id="32" name="ZoneTexte 31">
+              <a:extLst>
+                <a:ext uri="{FF2B5EF4-FFF2-40B4-BE49-F238E27FC236}">
+                  <a16:creationId xmlns:a16="http://schemas.microsoft.com/office/drawing/2014/main" id="{4914CBD8-11AB-7775-FF9B-0E5C8691D7FA}"/>
+                </a:ext>
+              </a:extLst>
+            </p:cNvPr>
+            <p:cNvSpPr txBox="1"/>
+            <p:nvPr/>
+          </p:nvSpPr>
+          <p:spPr>
+            <a:xfrm>
+              <a:off x="775447" y="1728477"/>
+              <a:ext cx="239168" cy="369332"/>
+            </a:xfrm>
+            <a:prstGeom prst="rect">
+              <a:avLst/>
+            </a:prstGeom>
+            <a:noFill/>
+          </p:spPr>
+          <p:txBody>
+            <a:bodyPr wrap="none" rtlCol="0">
+              <a:spAutoFit/>
+            </a:bodyPr>
+            <a:lstStyle/>
+            <a:p>
+              <a:r>
+                <a:rPr lang="en-US" dirty="0" err="1">
+                  <a:solidFill>
+                    <a:schemeClr val="accent1"/>
+                  </a:solidFill>
+                </a:rPr>
+                <a:t>i</a:t>
+              </a:r>
+              <a:endParaRPr lang="en-US" dirty="0">
+                <a:solidFill>
+                  <a:schemeClr val="accent1"/>
+                </a:solidFill>
+              </a:endParaRPr>
+            </a:p>
+          </p:txBody>
+        </p:sp>
+        <p:sp>
+          <p:nvSpPr>
+            <p:cNvPr id="33" name="ZoneTexte 32">
+              <a:extLst>
+                <a:ext uri="{FF2B5EF4-FFF2-40B4-BE49-F238E27FC236}">
+                  <a16:creationId xmlns:a16="http://schemas.microsoft.com/office/drawing/2014/main" id="{527207C0-95A6-4828-C7B2-E2BF31131390}"/>
+                </a:ext>
+              </a:extLst>
+            </p:cNvPr>
+            <p:cNvSpPr txBox="1"/>
+            <p:nvPr/>
+          </p:nvSpPr>
+          <p:spPr>
+            <a:xfrm>
+              <a:off x="466292" y="2785414"/>
+              <a:ext cx="239168" cy="369332"/>
+            </a:xfrm>
+            <a:prstGeom prst="rect">
+              <a:avLst/>
+            </a:prstGeom>
+            <a:noFill/>
+          </p:spPr>
+          <p:txBody>
+            <a:bodyPr wrap="none" rtlCol="0">
+              <a:spAutoFit/>
+            </a:bodyPr>
+            <a:lstStyle/>
+            <a:p>
+              <a:r>
+                <a:rPr lang="en-US" dirty="0">
+                  <a:solidFill>
+                    <a:schemeClr val="accent2"/>
+                  </a:solidFill>
+                </a:rPr>
+                <a:t>j</a:t>
+              </a:r>
+            </a:p>
+          </p:txBody>
+        </p:sp>
+        <p:sp>
+          <p:nvSpPr>
+            <p:cNvPr id="34" name="Ellipse 33">
+              <a:extLst>
+                <a:ext uri="{FF2B5EF4-FFF2-40B4-BE49-F238E27FC236}">
+                  <a16:creationId xmlns:a16="http://schemas.microsoft.com/office/drawing/2014/main" id="{E3970930-6C5E-83A4-D785-D9E9EBB622C2}"/>
+                </a:ext>
+              </a:extLst>
+            </p:cNvPr>
+            <p:cNvSpPr/>
+            <p:nvPr/>
+          </p:nvSpPr>
+          <p:spPr>
+            <a:xfrm>
+              <a:off x="5814922" y="1751193"/>
+              <a:ext cx="161193" cy="161950"/>
+            </a:xfrm>
+            <a:prstGeom prst="ellipse">
+              <a:avLst/>
+            </a:prstGeom>
+          </p:spPr>
+          <p:style>
+            <a:lnRef idx="2">
+              <a:schemeClr val="accent1">
+                <a:shade val="15000"/>
+              </a:schemeClr>
+            </a:lnRef>
+            <a:fillRef idx="1">
+              <a:schemeClr val="accent1"/>
+            </a:fillRef>
+            <a:effectRef idx="0">
+              <a:schemeClr val="accent1"/>
+            </a:effectRef>
+            <a:fontRef idx="minor">
+              <a:schemeClr val="lt1"/>
+            </a:fontRef>
+          </p:style>
+          <p:txBody>
+            <a:bodyPr rtlCol="0" anchor="ctr"/>
+            <a:lstStyle/>
+            <a:p>
+              <a:pPr algn="ctr"/>
+              <a:endParaRPr lang="en-US" dirty="0"/>
+            </a:p>
+          </p:txBody>
+        </p:sp>
+        <p:sp>
+          <p:nvSpPr>
+            <p:cNvPr id="35" name="Ellipse 34">
+              <a:extLst>
+                <a:ext uri="{FF2B5EF4-FFF2-40B4-BE49-F238E27FC236}">
+                  <a16:creationId xmlns:a16="http://schemas.microsoft.com/office/drawing/2014/main" id="{D1621B41-0EFD-4F8E-7A90-759C3780D8CB}"/>
+                </a:ext>
+              </a:extLst>
+            </p:cNvPr>
+            <p:cNvSpPr/>
+            <p:nvPr/>
+          </p:nvSpPr>
+          <p:spPr>
+            <a:xfrm>
+              <a:off x="6420784" y="792375"/>
+              <a:ext cx="161193" cy="161950"/>
+            </a:xfrm>
+            <a:prstGeom prst="ellipse">
+              <a:avLst/>
+            </a:prstGeom>
+          </p:spPr>
+          <p:style>
+            <a:lnRef idx="2">
+              <a:schemeClr val="accent1">
+                <a:shade val="15000"/>
+              </a:schemeClr>
+            </a:lnRef>
+            <a:fillRef idx="1">
+              <a:schemeClr val="accent1"/>
+            </a:fillRef>
+            <a:effectRef idx="0">
+              <a:schemeClr val="accent1"/>
+            </a:effectRef>
+            <a:fontRef idx="minor">
+              <a:schemeClr val="lt1"/>
+            </a:fontRef>
+          </p:style>
+          <p:txBody>
+            <a:bodyPr rtlCol="0" anchor="ctr"/>
+            <a:lstStyle/>
+            <a:p>
+              <a:pPr algn="ctr"/>
+              <a:endParaRPr lang="en-US" dirty="0"/>
+            </a:p>
+          </p:txBody>
+        </p:sp>
+        <p:sp>
+          <p:nvSpPr>
+            <p:cNvPr id="36" name="Ellipse 35">
+              <a:extLst>
+                <a:ext uri="{FF2B5EF4-FFF2-40B4-BE49-F238E27FC236}">
+                  <a16:creationId xmlns:a16="http://schemas.microsoft.com/office/drawing/2014/main" id="{82BA95A0-B783-9DD6-F77F-255B3D9F6D18}"/>
+                </a:ext>
+              </a:extLst>
+            </p:cNvPr>
+            <p:cNvSpPr/>
+            <p:nvPr/>
+          </p:nvSpPr>
+          <p:spPr>
+            <a:xfrm>
+              <a:off x="7248997" y="800547"/>
+              <a:ext cx="161193" cy="161950"/>
+            </a:xfrm>
+            <a:prstGeom prst="ellipse">
+              <a:avLst/>
+            </a:prstGeom>
+          </p:spPr>
+          <p:style>
+            <a:lnRef idx="2">
+              <a:schemeClr val="accent1">
+                <a:shade val="15000"/>
+              </a:schemeClr>
+            </a:lnRef>
+            <a:fillRef idx="1">
+              <a:schemeClr val="accent1"/>
+            </a:fillRef>
+            <a:effectRef idx="0">
+              <a:schemeClr val="accent1"/>
+            </a:effectRef>
+            <a:fontRef idx="minor">
+              <a:schemeClr val="lt1"/>
+            </a:fontRef>
+          </p:style>
+          <p:txBody>
+            <a:bodyPr rtlCol="0" anchor="ctr"/>
+            <a:lstStyle/>
+            <a:p>
+              <a:pPr algn="ctr"/>
+              <a:endParaRPr lang="en-US" dirty="0"/>
+            </a:p>
+          </p:txBody>
+        </p:sp>
+        <p:sp>
+          <p:nvSpPr>
+            <p:cNvPr id="37" name="Ellipse 36">
+              <a:extLst>
+                <a:ext uri="{FF2B5EF4-FFF2-40B4-BE49-F238E27FC236}">
+                  <a16:creationId xmlns:a16="http://schemas.microsoft.com/office/drawing/2014/main" id="{3CE832CC-370F-3CC9-DBD5-6E43D6FD89C5}"/>
+                </a:ext>
+              </a:extLst>
+            </p:cNvPr>
+            <p:cNvSpPr/>
+            <p:nvPr/>
+          </p:nvSpPr>
+          <p:spPr>
+            <a:xfrm>
+              <a:off x="7638065" y="2050713"/>
+              <a:ext cx="161193" cy="161950"/>
+            </a:xfrm>
+            <a:prstGeom prst="ellipse">
+              <a:avLst/>
+            </a:prstGeom>
+          </p:spPr>
+          <p:style>
+            <a:lnRef idx="2">
+              <a:schemeClr val="accent1">
+                <a:shade val="15000"/>
+              </a:schemeClr>
+            </a:lnRef>
+            <a:fillRef idx="1">
+              <a:schemeClr val="accent1"/>
+            </a:fillRef>
+            <a:effectRef idx="0">
+              <a:schemeClr val="accent1"/>
+            </a:effectRef>
+            <a:fontRef idx="minor">
+              <a:schemeClr val="lt1"/>
+            </a:fontRef>
+          </p:style>
+          <p:txBody>
+            <a:bodyPr rtlCol="0" anchor="ctr"/>
+            <a:lstStyle/>
+            <a:p>
+              <a:pPr algn="ctr"/>
+              <a:endParaRPr lang="en-US" dirty="0"/>
+            </a:p>
+          </p:txBody>
+        </p:sp>
+        <p:sp>
+          <p:nvSpPr>
+            <p:cNvPr id="38" name="Ellipse 37">
+              <a:extLst>
+                <a:ext uri="{FF2B5EF4-FFF2-40B4-BE49-F238E27FC236}">
+                  <a16:creationId xmlns:a16="http://schemas.microsoft.com/office/drawing/2014/main" id="{FE3BE06A-24F0-D0A2-11CE-828CD20A0D98}"/>
+                </a:ext>
+              </a:extLst>
+            </p:cNvPr>
+            <p:cNvSpPr/>
+            <p:nvPr/>
+          </p:nvSpPr>
+          <p:spPr>
+            <a:xfrm>
+              <a:off x="6593093" y="2481487"/>
+              <a:ext cx="161193" cy="161950"/>
+            </a:xfrm>
+            <a:prstGeom prst="ellipse">
+              <a:avLst/>
+            </a:prstGeom>
+          </p:spPr>
+          <p:style>
+            <a:lnRef idx="2">
+              <a:schemeClr val="accent6"/>
+            </a:lnRef>
+            <a:fillRef idx="1">
+              <a:schemeClr val="lt1"/>
+            </a:fillRef>
+            <a:effectRef idx="0">
+              <a:schemeClr val="accent6"/>
+            </a:effectRef>
+            <a:fontRef idx="minor">
+              <a:schemeClr val="dk1"/>
+            </a:fontRef>
+          </p:style>
+          <p:txBody>
+            <a:bodyPr rtlCol="0" anchor="ctr"/>
+            <a:lstStyle/>
+            <a:p>
+              <a:pPr algn="ctr"/>
+              <a:endParaRPr lang="en-US" dirty="0"/>
+            </a:p>
+          </p:txBody>
+        </p:sp>
+        <p:cxnSp>
+          <p:nvCxnSpPr>
+            <p:cNvPr id="39" name="Connecteur droit 38">
+              <a:extLst>
+                <a:ext uri="{FF2B5EF4-FFF2-40B4-BE49-F238E27FC236}">
+                  <a16:creationId xmlns:a16="http://schemas.microsoft.com/office/drawing/2014/main" id="{044422F9-F2AA-3BCC-6EAB-1B69449E5D32}"/>
+                </a:ext>
+              </a:extLst>
+            </p:cNvPr>
+            <p:cNvCxnSpPr>
+              <a:stCxn id="34" idx="5"/>
+              <a:endCxn id="38" idx="1"/>
+            </p:cNvCxnSpPr>
+            <p:nvPr/>
+          </p:nvCxnSpPr>
+          <p:spPr>
+            <a:xfrm>
+              <a:off x="5952509" y="1889426"/>
+              <a:ext cx="664190" cy="615777"/>
+            </a:xfrm>
+            <a:prstGeom prst="line">
+              <a:avLst/>
+            </a:prstGeom>
+            <a:ln w="28575">
+              <a:solidFill>
+                <a:schemeClr val="accent1">
+                  <a:alpha val="20000"/>
+                </a:schemeClr>
+              </a:solidFill>
+            </a:ln>
+          </p:spPr>
+          <p:style>
+            <a:lnRef idx="2">
+              <a:schemeClr val="accent1"/>
+            </a:lnRef>
+            <a:fillRef idx="0">
+              <a:schemeClr val="accent1"/>
+            </a:fillRef>
+            <a:effectRef idx="1">
+              <a:schemeClr val="accent1"/>
+            </a:effectRef>
+            <a:fontRef idx="minor">
+              <a:schemeClr val="tx1"/>
+            </a:fontRef>
+          </p:style>
+        </p:cxnSp>
+        <p:cxnSp>
+          <p:nvCxnSpPr>
+            <p:cNvPr id="40" name="Connecteur droit 39">
+              <a:extLst>
+                <a:ext uri="{FF2B5EF4-FFF2-40B4-BE49-F238E27FC236}">
+                  <a16:creationId xmlns:a16="http://schemas.microsoft.com/office/drawing/2014/main" id="{E3692A4B-C7C5-9D4E-6588-3AAF7EE006F8}"/>
+                </a:ext>
+              </a:extLst>
+            </p:cNvPr>
+            <p:cNvCxnSpPr>
+              <a:cxnSpLocks/>
+              <a:stCxn id="34" idx="7"/>
+              <a:endCxn id="35" idx="3"/>
+            </p:cNvCxnSpPr>
+            <p:nvPr/>
+          </p:nvCxnSpPr>
+          <p:spPr>
+            <a:xfrm flipV="1">
+              <a:off x="5952509" y="930608"/>
+              <a:ext cx="491881" cy="844302"/>
+            </a:xfrm>
+            <a:prstGeom prst="line">
+              <a:avLst/>
+            </a:prstGeom>
+            <a:ln w="28575"/>
+          </p:spPr>
+          <p:style>
+            <a:lnRef idx="2">
+              <a:schemeClr val="accent1"/>
+            </a:lnRef>
+            <a:fillRef idx="0">
+              <a:schemeClr val="accent1"/>
+            </a:fillRef>
+            <a:effectRef idx="1">
+              <a:schemeClr val="accent1"/>
+            </a:effectRef>
+            <a:fontRef idx="minor">
+              <a:schemeClr val="tx1"/>
+            </a:fontRef>
+          </p:style>
+        </p:cxnSp>
+        <p:cxnSp>
+          <p:nvCxnSpPr>
+            <p:cNvPr id="41" name="Connecteur droit 40">
+              <a:extLst>
+                <a:ext uri="{FF2B5EF4-FFF2-40B4-BE49-F238E27FC236}">
+                  <a16:creationId xmlns:a16="http://schemas.microsoft.com/office/drawing/2014/main" id="{7534EF1E-F160-2D59-F0F2-D4DB93F7C20D}"/>
+                </a:ext>
+              </a:extLst>
+            </p:cNvPr>
+            <p:cNvCxnSpPr>
+              <a:cxnSpLocks/>
+              <a:stCxn id="36" idx="2"/>
+              <a:endCxn id="35" idx="6"/>
+            </p:cNvCxnSpPr>
+            <p:nvPr/>
+          </p:nvCxnSpPr>
+          <p:spPr>
+            <a:xfrm flipH="1" flipV="1">
+              <a:off x="6581977" y="873350"/>
+              <a:ext cx="667021" cy="8172"/>
+            </a:xfrm>
+            <a:prstGeom prst="line">
+              <a:avLst/>
+            </a:prstGeom>
+            <a:ln w="28575"/>
+          </p:spPr>
+          <p:style>
+            <a:lnRef idx="2">
+              <a:schemeClr val="accent1"/>
+            </a:lnRef>
+            <a:fillRef idx="0">
+              <a:schemeClr val="accent1"/>
+            </a:fillRef>
+            <a:effectRef idx="1">
+              <a:schemeClr val="accent1"/>
+            </a:effectRef>
+            <a:fontRef idx="minor">
+              <a:schemeClr val="tx1"/>
+            </a:fontRef>
+          </p:style>
+        </p:cxnSp>
+        <p:cxnSp>
+          <p:nvCxnSpPr>
+            <p:cNvPr id="42" name="Connecteur droit 41">
+              <a:extLst>
+                <a:ext uri="{FF2B5EF4-FFF2-40B4-BE49-F238E27FC236}">
+                  <a16:creationId xmlns:a16="http://schemas.microsoft.com/office/drawing/2014/main" id="{F76B6E8C-BB3B-ADF1-E5D1-62CD3252BFB6}"/>
+                </a:ext>
+              </a:extLst>
+            </p:cNvPr>
+            <p:cNvCxnSpPr>
+              <a:cxnSpLocks/>
+              <a:stCxn id="37" idx="0"/>
+              <a:endCxn id="44" idx="4"/>
+            </p:cNvCxnSpPr>
+            <p:nvPr/>
+          </p:nvCxnSpPr>
+          <p:spPr>
+            <a:xfrm flipV="1">
+              <a:off x="7718662" y="1357249"/>
+              <a:ext cx="23606" cy="693465"/>
+            </a:xfrm>
+            <a:prstGeom prst="line">
+              <a:avLst/>
+            </a:prstGeom>
+            <a:ln w="28575"/>
+          </p:spPr>
+          <p:style>
+            <a:lnRef idx="2">
+              <a:schemeClr val="accent1"/>
+            </a:lnRef>
+            <a:fillRef idx="0">
+              <a:schemeClr val="accent1"/>
+            </a:fillRef>
+            <a:effectRef idx="1">
+              <a:schemeClr val="accent1"/>
+            </a:effectRef>
+            <a:fontRef idx="minor">
+              <a:schemeClr val="tx1"/>
+            </a:fontRef>
+          </p:style>
+        </p:cxnSp>
+        <p:cxnSp>
+          <p:nvCxnSpPr>
+            <p:cNvPr id="43" name="Connecteur droit 42">
+              <a:extLst>
+                <a:ext uri="{FF2B5EF4-FFF2-40B4-BE49-F238E27FC236}">
+                  <a16:creationId xmlns:a16="http://schemas.microsoft.com/office/drawing/2014/main" id="{5C7C6643-8544-B730-7407-A2227FD2D4CE}"/>
+                </a:ext>
+              </a:extLst>
+            </p:cNvPr>
+            <p:cNvCxnSpPr>
+              <a:cxnSpLocks/>
+              <a:stCxn id="38" idx="7"/>
+              <a:endCxn id="37" idx="2"/>
+            </p:cNvCxnSpPr>
+            <p:nvPr/>
+          </p:nvCxnSpPr>
+          <p:spPr>
+            <a:xfrm flipV="1">
+              <a:off x="6730680" y="2131689"/>
+              <a:ext cx="907386" cy="373515"/>
+            </a:xfrm>
+            <a:prstGeom prst="line">
+              <a:avLst/>
+            </a:prstGeom>
+            <a:ln w="28575"/>
+          </p:spPr>
+          <p:style>
+            <a:lnRef idx="2">
+              <a:schemeClr val="accent1"/>
+            </a:lnRef>
+            <a:fillRef idx="0">
+              <a:schemeClr val="accent1"/>
+            </a:fillRef>
+            <a:effectRef idx="1">
+              <a:schemeClr val="accent1"/>
+            </a:effectRef>
+            <a:fontRef idx="minor">
+              <a:schemeClr val="tx1"/>
+            </a:fontRef>
+          </p:style>
+        </p:cxnSp>
+        <p:sp>
+          <p:nvSpPr>
+            <p:cNvPr id="44" name="Ellipse 43">
+              <a:extLst>
+                <a:ext uri="{FF2B5EF4-FFF2-40B4-BE49-F238E27FC236}">
+                  <a16:creationId xmlns:a16="http://schemas.microsoft.com/office/drawing/2014/main" id="{794BE4D0-2C24-2300-5783-DF1031789607}"/>
+                </a:ext>
+              </a:extLst>
+            </p:cNvPr>
+            <p:cNvSpPr/>
+            <p:nvPr/>
+          </p:nvSpPr>
+          <p:spPr>
+            <a:xfrm>
+              <a:off x="7661671" y="1195298"/>
+              <a:ext cx="161193" cy="161950"/>
+            </a:xfrm>
+            <a:prstGeom prst="ellipse">
+              <a:avLst/>
+            </a:prstGeom>
+          </p:spPr>
+          <p:style>
+            <a:lnRef idx="2">
+              <a:schemeClr val="accent1">
+                <a:shade val="15000"/>
+              </a:schemeClr>
+            </a:lnRef>
+            <a:fillRef idx="1">
+              <a:schemeClr val="accent1"/>
+            </a:fillRef>
+            <a:effectRef idx="0">
+              <a:schemeClr val="accent1"/>
+            </a:effectRef>
+            <a:fontRef idx="minor">
+              <a:schemeClr val="lt1"/>
+            </a:fontRef>
+          </p:style>
+          <p:txBody>
+            <a:bodyPr rtlCol="0" anchor="ctr"/>
+            <a:lstStyle/>
+            <a:p>
+              <a:pPr algn="ctr"/>
+              <a:endParaRPr lang="en-US" dirty="0"/>
+            </a:p>
+          </p:txBody>
+        </p:sp>
+        <p:cxnSp>
+          <p:nvCxnSpPr>
+            <p:cNvPr id="45" name="Connecteur droit 44">
+              <a:extLst>
+                <a:ext uri="{FF2B5EF4-FFF2-40B4-BE49-F238E27FC236}">
+                  <a16:creationId xmlns:a16="http://schemas.microsoft.com/office/drawing/2014/main" id="{383C7356-94F9-09CC-1350-64ECE6F2855F}"/>
+                </a:ext>
+              </a:extLst>
+            </p:cNvPr>
+            <p:cNvCxnSpPr>
+              <a:cxnSpLocks/>
+              <a:stCxn id="44" idx="1"/>
+              <a:endCxn id="36" idx="5"/>
+            </p:cNvCxnSpPr>
+            <p:nvPr/>
+          </p:nvCxnSpPr>
+          <p:spPr>
+            <a:xfrm flipH="1" flipV="1">
+              <a:off x="7386584" y="938780"/>
+              <a:ext cx="298693" cy="280235"/>
+            </a:xfrm>
+            <a:prstGeom prst="line">
+              <a:avLst/>
+            </a:prstGeom>
+            <a:ln w="28575"/>
+          </p:spPr>
+          <p:style>
+            <a:lnRef idx="2">
+              <a:schemeClr val="accent1"/>
+            </a:lnRef>
+            <a:fillRef idx="0">
+              <a:schemeClr val="accent1"/>
+            </a:fillRef>
+            <a:effectRef idx="1">
+              <a:schemeClr val="accent1"/>
+            </a:effectRef>
+            <a:fontRef idx="minor">
+              <a:schemeClr val="tx1"/>
+            </a:fontRef>
+          </p:style>
+        </p:cxnSp>
+        <p:sp>
+          <p:nvSpPr>
+            <p:cNvPr id="46" name="Ellipse 45">
+              <a:extLst>
+                <a:ext uri="{FF2B5EF4-FFF2-40B4-BE49-F238E27FC236}">
+                  <a16:creationId xmlns:a16="http://schemas.microsoft.com/office/drawing/2014/main" id="{187DFAF9-1BF5-0A2A-4182-3192754FC47E}"/>
+                </a:ext>
+              </a:extLst>
+            </p:cNvPr>
+            <p:cNvSpPr/>
+            <p:nvPr/>
+          </p:nvSpPr>
+          <p:spPr>
+            <a:xfrm>
+              <a:off x="7948594" y="3420021"/>
+              <a:ext cx="161193" cy="161950"/>
+            </a:xfrm>
+            <a:prstGeom prst="ellipse">
+              <a:avLst/>
+            </a:prstGeom>
+          </p:spPr>
+          <p:style>
+            <a:lnRef idx="2">
+              <a:schemeClr val="accent2">
+                <a:shade val="15000"/>
+              </a:schemeClr>
+            </a:lnRef>
+            <a:fillRef idx="1">
+              <a:schemeClr val="accent2"/>
+            </a:fillRef>
+            <a:effectRef idx="0">
+              <a:schemeClr val="accent2"/>
+            </a:effectRef>
+            <a:fontRef idx="minor">
+              <a:schemeClr val="lt1"/>
+            </a:fontRef>
+          </p:style>
+          <p:txBody>
+            <a:bodyPr rtlCol="0" anchor="ctr"/>
+            <a:lstStyle/>
+            <a:p>
+              <a:pPr algn="ctr"/>
+              <a:endParaRPr lang="en-US" dirty="0"/>
+            </a:p>
+          </p:txBody>
+        </p:sp>
+        <p:sp>
+          <p:nvSpPr>
+            <p:cNvPr id="47" name="Ellipse 46">
+              <a:extLst>
+                <a:ext uri="{FF2B5EF4-FFF2-40B4-BE49-F238E27FC236}">
+                  <a16:creationId xmlns:a16="http://schemas.microsoft.com/office/drawing/2014/main" id="{48B13D54-AF56-7C2F-BF17-1738178CDD45}"/>
+                </a:ext>
+              </a:extLst>
+            </p:cNvPr>
+            <p:cNvSpPr/>
+            <p:nvPr/>
+          </p:nvSpPr>
+          <p:spPr>
+            <a:xfrm>
+              <a:off x="7023180" y="3880659"/>
+              <a:ext cx="161193" cy="161950"/>
+            </a:xfrm>
+            <a:prstGeom prst="ellipse">
+              <a:avLst/>
+            </a:prstGeom>
+          </p:spPr>
+          <p:style>
+            <a:lnRef idx="2">
+              <a:schemeClr val="accent2">
+                <a:shade val="15000"/>
+              </a:schemeClr>
+            </a:lnRef>
+            <a:fillRef idx="1">
+              <a:schemeClr val="accent2"/>
+            </a:fillRef>
+            <a:effectRef idx="0">
+              <a:schemeClr val="accent2"/>
+            </a:effectRef>
+            <a:fontRef idx="minor">
+              <a:schemeClr val="lt1"/>
+            </a:fontRef>
+          </p:style>
+          <p:txBody>
+            <a:bodyPr rtlCol="0" anchor="ctr"/>
+            <a:lstStyle/>
+            <a:p>
+              <a:pPr algn="ctr"/>
+              <a:endParaRPr lang="en-US" dirty="0"/>
+            </a:p>
+          </p:txBody>
+        </p:sp>
+        <p:sp>
+          <p:nvSpPr>
+            <p:cNvPr id="48" name="Ellipse 47">
+              <a:extLst>
+                <a:ext uri="{FF2B5EF4-FFF2-40B4-BE49-F238E27FC236}">
+                  <a16:creationId xmlns:a16="http://schemas.microsoft.com/office/drawing/2014/main" id="{58A6ABFF-D96E-EAC9-4525-7866EC858E23}"/>
+                </a:ext>
+              </a:extLst>
+            </p:cNvPr>
+            <p:cNvSpPr/>
+            <p:nvPr/>
+          </p:nvSpPr>
+          <p:spPr>
+            <a:xfrm>
+              <a:off x="5782801" y="3640028"/>
+              <a:ext cx="161193" cy="161950"/>
+            </a:xfrm>
+            <a:prstGeom prst="ellipse">
+              <a:avLst/>
+            </a:prstGeom>
+          </p:spPr>
+          <p:style>
+            <a:lnRef idx="2">
+              <a:schemeClr val="accent2">
+                <a:shade val="15000"/>
+              </a:schemeClr>
+            </a:lnRef>
+            <a:fillRef idx="1">
+              <a:schemeClr val="accent2"/>
+            </a:fillRef>
+            <a:effectRef idx="0">
+              <a:schemeClr val="accent2"/>
+            </a:effectRef>
+            <a:fontRef idx="minor">
+              <a:schemeClr val="lt1"/>
+            </a:fontRef>
+          </p:style>
+          <p:txBody>
+            <a:bodyPr rtlCol="0" anchor="ctr"/>
+            <a:lstStyle/>
+            <a:p>
+              <a:pPr algn="ctr"/>
+              <a:endParaRPr lang="en-US" dirty="0"/>
+            </a:p>
+          </p:txBody>
+        </p:sp>
+        <p:sp>
+          <p:nvSpPr>
+            <p:cNvPr id="49" name="Ellipse 48">
+              <a:extLst>
+                <a:ext uri="{FF2B5EF4-FFF2-40B4-BE49-F238E27FC236}">
+                  <a16:creationId xmlns:a16="http://schemas.microsoft.com/office/drawing/2014/main" id="{713648D3-E9C2-FEE8-BE17-C560C7247845}"/>
+                </a:ext>
+              </a:extLst>
+            </p:cNvPr>
+            <p:cNvSpPr/>
+            <p:nvPr/>
+          </p:nvSpPr>
+          <p:spPr>
+            <a:xfrm>
+              <a:off x="5494152" y="2808130"/>
+              <a:ext cx="161193" cy="161950"/>
+            </a:xfrm>
+            <a:prstGeom prst="ellipse">
+              <a:avLst/>
+            </a:prstGeom>
+          </p:spPr>
+          <p:style>
+            <a:lnRef idx="2">
+              <a:schemeClr val="accent2">
+                <a:shade val="15000"/>
+              </a:schemeClr>
+            </a:lnRef>
+            <a:fillRef idx="1">
+              <a:schemeClr val="accent2"/>
+            </a:fillRef>
+            <a:effectRef idx="0">
+              <a:schemeClr val="accent2"/>
+            </a:effectRef>
+            <a:fontRef idx="minor">
+              <a:schemeClr val="lt1"/>
+            </a:fontRef>
+          </p:style>
+          <p:txBody>
+            <a:bodyPr rtlCol="0" anchor="ctr"/>
+            <a:lstStyle/>
+            <a:p>
+              <a:pPr algn="ctr"/>
+              <a:endParaRPr lang="en-US" dirty="0"/>
+            </a:p>
+          </p:txBody>
+        </p:sp>
+        <p:cxnSp>
+          <p:nvCxnSpPr>
+            <p:cNvPr id="50" name="Connecteur droit 49">
+              <a:extLst>
+                <a:ext uri="{FF2B5EF4-FFF2-40B4-BE49-F238E27FC236}">
+                  <a16:creationId xmlns:a16="http://schemas.microsoft.com/office/drawing/2014/main" id="{19F9ABD9-38EB-C733-A56C-63104C7292B2}"/>
+                </a:ext>
+              </a:extLst>
+            </p:cNvPr>
+            <p:cNvCxnSpPr>
+              <a:cxnSpLocks/>
+              <a:stCxn id="38" idx="5"/>
+              <a:endCxn id="46" idx="1"/>
+            </p:cNvCxnSpPr>
+            <p:nvPr/>
+          </p:nvCxnSpPr>
+          <p:spPr>
+            <a:xfrm>
+              <a:off x="6730680" y="2619720"/>
+              <a:ext cx="1241520" cy="824018"/>
+            </a:xfrm>
+            <a:prstGeom prst="line">
+              <a:avLst/>
+            </a:prstGeom>
+            <a:ln w="28575">
+              <a:solidFill>
+                <a:schemeClr val="accent2"/>
+              </a:solidFill>
+            </a:ln>
+          </p:spPr>
+          <p:style>
+            <a:lnRef idx="2">
+              <a:schemeClr val="accent1"/>
+            </a:lnRef>
+            <a:fillRef idx="0">
+              <a:schemeClr val="accent1"/>
+            </a:fillRef>
+            <a:effectRef idx="1">
+              <a:schemeClr val="accent1"/>
+            </a:effectRef>
+            <a:fontRef idx="minor">
+              <a:schemeClr val="tx1"/>
+            </a:fontRef>
+          </p:style>
+        </p:cxnSp>
+        <p:cxnSp>
+          <p:nvCxnSpPr>
+            <p:cNvPr id="51" name="Connecteur droit 50">
+              <a:extLst>
+                <a:ext uri="{FF2B5EF4-FFF2-40B4-BE49-F238E27FC236}">
+                  <a16:creationId xmlns:a16="http://schemas.microsoft.com/office/drawing/2014/main" id="{8AD77B72-1235-2B58-C39B-44BC56D88FAB}"/>
+                </a:ext>
+              </a:extLst>
+            </p:cNvPr>
+            <p:cNvCxnSpPr>
+              <a:cxnSpLocks/>
+              <a:stCxn id="47" idx="6"/>
+              <a:endCxn id="46" idx="3"/>
+            </p:cNvCxnSpPr>
+            <p:nvPr/>
+          </p:nvCxnSpPr>
+          <p:spPr>
+            <a:xfrm flipV="1">
+              <a:off x="7184373" y="3558254"/>
+              <a:ext cx="787827" cy="403380"/>
+            </a:xfrm>
+            <a:prstGeom prst="line">
+              <a:avLst/>
+            </a:prstGeom>
+            <a:ln w="28575">
+              <a:solidFill>
+                <a:schemeClr val="accent2"/>
+              </a:solidFill>
+            </a:ln>
+          </p:spPr>
+          <p:style>
+            <a:lnRef idx="2">
+              <a:schemeClr val="accent1"/>
+            </a:lnRef>
+            <a:fillRef idx="0">
+              <a:schemeClr val="accent1"/>
+            </a:fillRef>
+            <a:effectRef idx="1">
+              <a:schemeClr val="accent1"/>
+            </a:effectRef>
+            <a:fontRef idx="minor">
+              <a:schemeClr val="tx1"/>
+            </a:fontRef>
+          </p:style>
+        </p:cxnSp>
+        <p:cxnSp>
+          <p:nvCxnSpPr>
+            <p:cNvPr id="52" name="Connecteur droit 51">
+              <a:extLst>
+                <a:ext uri="{FF2B5EF4-FFF2-40B4-BE49-F238E27FC236}">
+                  <a16:creationId xmlns:a16="http://schemas.microsoft.com/office/drawing/2014/main" id="{5B37A6DC-0DCD-954E-8284-676BAB597FFB}"/>
+                </a:ext>
+              </a:extLst>
+            </p:cNvPr>
+            <p:cNvCxnSpPr>
+              <a:cxnSpLocks/>
+              <a:stCxn id="48" idx="5"/>
+              <a:endCxn id="47" idx="2"/>
+            </p:cNvCxnSpPr>
+            <p:nvPr/>
+          </p:nvCxnSpPr>
+          <p:spPr>
+            <a:xfrm>
+              <a:off x="5920388" y="3778261"/>
+              <a:ext cx="1102792" cy="183373"/>
+            </a:xfrm>
+            <a:prstGeom prst="line">
+              <a:avLst/>
+            </a:prstGeom>
+            <a:ln w="28575">
+              <a:solidFill>
+                <a:schemeClr val="accent2"/>
+              </a:solidFill>
+            </a:ln>
+          </p:spPr>
+          <p:style>
+            <a:lnRef idx="2">
+              <a:schemeClr val="accent1"/>
+            </a:lnRef>
+            <a:fillRef idx="0">
+              <a:schemeClr val="accent1"/>
+            </a:fillRef>
+            <a:effectRef idx="1">
+              <a:schemeClr val="accent1"/>
+            </a:effectRef>
+            <a:fontRef idx="minor">
+              <a:schemeClr val="tx1"/>
+            </a:fontRef>
+          </p:style>
+        </p:cxnSp>
+        <p:cxnSp>
+          <p:nvCxnSpPr>
+            <p:cNvPr id="53" name="Connecteur droit 52">
+              <a:extLst>
+                <a:ext uri="{FF2B5EF4-FFF2-40B4-BE49-F238E27FC236}">
+                  <a16:creationId xmlns:a16="http://schemas.microsoft.com/office/drawing/2014/main" id="{CAA78DF4-1947-C1C7-B2D8-92A7897DDF47}"/>
+                </a:ext>
+              </a:extLst>
+            </p:cNvPr>
+            <p:cNvCxnSpPr>
+              <a:cxnSpLocks/>
+              <a:stCxn id="49" idx="4"/>
+              <a:endCxn id="48" idx="1"/>
+            </p:cNvCxnSpPr>
+            <p:nvPr/>
+          </p:nvCxnSpPr>
+          <p:spPr>
+            <a:xfrm>
+              <a:off x="5574749" y="2970080"/>
+              <a:ext cx="231658" cy="693665"/>
+            </a:xfrm>
+            <a:prstGeom prst="line">
+              <a:avLst/>
+            </a:prstGeom>
+            <a:ln w="28575">
+              <a:solidFill>
+                <a:schemeClr val="accent2"/>
+              </a:solidFill>
+            </a:ln>
+          </p:spPr>
+          <p:style>
+            <a:lnRef idx="2">
+              <a:schemeClr val="accent1"/>
+            </a:lnRef>
+            <a:fillRef idx="0">
+              <a:schemeClr val="accent1"/>
+            </a:fillRef>
+            <a:effectRef idx="1">
+              <a:schemeClr val="accent1"/>
+            </a:effectRef>
+            <a:fontRef idx="minor">
+              <a:schemeClr val="tx1"/>
+            </a:fontRef>
+          </p:style>
+        </p:cxnSp>
+        <p:cxnSp>
+          <p:nvCxnSpPr>
+            <p:cNvPr id="54" name="Connecteur droit 53">
+              <a:extLst>
+                <a:ext uri="{FF2B5EF4-FFF2-40B4-BE49-F238E27FC236}">
+                  <a16:creationId xmlns:a16="http://schemas.microsoft.com/office/drawing/2014/main" id="{F36D730F-AAF6-59C8-CAE3-AD94B94A9831}"/>
+                </a:ext>
+              </a:extLst>
+            </p:cNvPr>
+            <p:cNvCxnSpPr>
+              <a:cxnSpLocks/>
+              <a:stCxn id="49" idx="7"/>
+              <a:endCxn id="38" idx="2"/>
+            </p:cNvCxnSpPr>
+            <p:nvPr/>
+          </p:nvCxnSpPr>
+          <p:spPr>
+            <a:xfrm flipV="1">
+              <a:off x="5631739" y="2562462"/>
+              <a:ext cx="961354" cy="269385"/>
+            </a:xfrm>
+            <a:prstGeom prst="line">
+              <a:avLst/>
+            </a:prstGeom>
+            <a:ln w="28575">
+              <a:solidFill>
+                <a:schemeClr val="accent2">
+                  <a:alpha val="20000"/>
+                </a:schemeClr>
+              </a:solidFill>
+            </a:ln>
+          </p:spPr>
+          <p:style>
+            <a:lnRef idx="2">
+              <a:schemeClr val="accent1"/>
+            </a:lnRef>
+            <a:fillRef idx="0">
+              <a:schemeClr val="accent1"/>
+            </a:fillRef>
+            <a:effectRef idx="1">
+              <a:schemeClr val="accent1"/>
+            </a:effectRef>
+            <a:fontRef idx="minor">
+              <a:schemeClr val="tx1"/>
+            </a:fontRef>
+          </p:style>
+        </p:cxnSp>
+        <p:sp>
+          <p:nvSpPr>
+            <p:cNvPr id="55" name="ZoneTexte 54">
+              <a:extLst>
+                <a:ext uri="{FF2B5EF4-FFF2-40B4-BE49-F238E27FC236}">
+                  <a16:creationId xmlns:a16="http://schemas.microsoft.com/office/drawing/2014/main" id="{AECC0CDF-E235-5832-A3D0-257C5FACDCBB}"/>
+                </a:ext>
+              </a:extLst>
+            </p:cNvPr>
+            <p:cNvSpPr txBox="1"/>
+            <p:nvPr/>
+          </p:nvSpPr>
+          <p:spPr>
+            <a:xfrm>
+              <a:off x="5495346" y="1647502"/>
+              <a:ext cx="239168" cy="369332"/>
+            </a:xfrm>
+            <a:prstGeom prst="rect">
+              <a:avLst/>
+            </a:prstGeom>
+            <a:noFill/>
+          </p:spPr>
+          <p:txBody>
+            <a:bodyPr wrap="none" rtlCol="0">
+              <a:spAutoFit/>
+            </a:bodyPr>
+            <a:lstStyle/>
+            <a:p>
+              <a:r>
+                <a:rPr lang="en-US" dirty="0" err="1">
+                  <a:solidFill>
+                    <a:schemeClr val="accent1"/>
+                  </a:solidFill>
+                </a:rPr>
+                <a:t>i</a:t>
+              </a:r>
+              <a:endParaRPr lang="en-US" dirty="0">
+                <a:solidFill>
+                  <a:schemeClr val="accent1"/>
+                </a:solidFill>
+              </a:endParaRPr>
+            </a:p>
+          </p:txBody>
+        </p:sp>
+        <p:sp>
+          <p:nvSpPr>
+            <p:cNvPr id="56" name="ZoneTexte 55">
+              <a:extLst>
+                <a:ext uri="{FF2B5EF4-FFF2-40B4-BE49-F238E27FC236}">
+                  <a16:creationId xmlns:a16="http://schemas.microsoft.com/office/drawing/2014/main" id="{40D1BAED-790E-A01D-E820-7E6E2FA3DCCF}"/>
+                </a:ext>
+              </a:extLst>
+            </p:cNvPr>
+            <p:cNvSpPr txBox="1"/>
+            <p:nvPr/>
+          </p:nvSpPr>
+          <p:spPr>
+            <a:xfrm>
+              <a:off x="5186191" y="2704439"/>
+              <a:ext cx="239168" cy="369332"/>
+            </a:xfrm>
+            <a:prstGeom prst="rect">
+              <a:avLst/>
+            </a:prstGeom>
+            <a:noFill/>
+          </p:spPr>
+          <p:txBody>
+            <a:bodyPr wrap="none" rtlCol="0">
+              <a:spAutoFit/>
+            </a:bodyPr>
+            <a:lstStyle/>
+            <a:p>
+              <a:r>
+                <a:rPr lang="en-US" dirty="0">
+                  <a:solidFill>
+                    <a:schemeClr val="accent2"/>
+                  </a:solidFill>
+                </a:rPr>
+                <a:t>j</a:t>
+              </a:r>
+            </a:p>
+          </p:txBody>
+        </p:sp>
+        <p:cxnSp>
+          <p:nvCxnSpPr>
+            <p:cNvPr id="57" name="Connecteur droit 56">
+              <a:extLst>
+                <a:ext uri="{FF2B5EF4-FFF2-40B4-BE49-F238E27FC236}">
+                  <a16:creationId xmlns:a16="http://schemas.microsoft.com/office/drawing/2014/main" id="{8F848E92-4C48-BC04-4886-595D04C7829E}"/>
+                </a:ext>
+              </a:extLst>
+            </p:cNvPr>
+            <p:cNvCxnSpPr>
+              <a:cxnSpLocks/>
+              <a:stCxn id="34" idx="4"/>
+              <a:endCxn id="49" idx="0"/>
+            </p:cNvCxnSpPr>
+            <p:nvPr/>
+          </p:nvCxnSpPr>
+          <p:spPr>
+            <a:xfrm flipH="1">
+              <a:off x="5574749" y="1913143"/>
+              <a:ext cx="320770" cy="894987"/>
+            </a:xfrm>
+            <a:prstGeom prst="line">
+              <a:avLst/>
+            </a:prstGeom>
+            <a:ln w="28575">
+              <a:solidFill>
+                <a:schemeClr val="accent6"/>
+              </a:solidFill>
+            </a:ln>
+          </p:spPr>
+          <p:style>
+            <a:lnRef idx="2">
+              <a:schemeClr val="accent1"/>
+            </a:lnRef>
+            <a:fillRef idx="0">
+              <a:schemeClr val="accent1"/>
+            </a:fillRef>
+            <a:effectRef idx="1">
+              <a:schemeClr val="accent1"/>
+            </a:effectRef>
+            <a:fontRef idx="minor">
+              <a:schemeClr val="tx1"/>
+            </a:fontRef>
+          </p:style>
+        </p:cxnSp>
+        <p:sp>
+          <p:nvSpPr>
+            <p:cNvPr id="58" name="ZoneTexte 57">
+              <a:extLst>
+                <a:ext uri="{FF2B5EF4-FFF2-40B4-BE49-F238E27FC236}">
+                  <a16:creationId xmlns:a16="http://schemas.microsoft.com/office/drawing/2014/main" id="{ED05B354-FB49-99EA-B74B-E03CA7FEB48E}"/>
+                </a:ext>
+              </a:extLst>
+            </p:cNvPr>
+            <p:cNvSpPr txBox="1"/>
+            <p:nvPr/>
+          </p:nvSpPr>
+          <p:spPr>
+            <a:xfrm>
+              <a:off x="2918173" y="772998"/>
+              <a:ext cx="1154937" cy="456610"/>
+            </a:xfrm>
+            <a:prstGeom prst="rect">
+              <a:avLst/>
+            </a:prstGeom>
+            <a:noFill/>
+          </p:spPr>
+          <p:txBody>
+            <a:bodyPr wrap="none" rtlCol="0">
+              <a:spAutoFit/>
+            </a:bodyPr>
+            <a:lstStyle/>
+            <a:p>
+              <a:r>
+                <a:rPr lang="en-US" sz="1400" dirty="0">
+                  <a:solidFill>
+                    <a:schemeClr val="accent1"/>
+                  </a:solidFill>
+                </a:rPr>
+                <a:t>Route 1</a:t>
+              </a:r>
+            </a:p>
+          </p:txBody>
+        </p:sp>
+        <p:sp>
+          <p:nvSpPr>
+            <p:cNvPr id="59" name="ZoneTexte 58">
+              <a:extLst>
+                <a:ext uri="{FF2B5EF4-FFF2-40B4-BE49-F238E27FC236}">
+                  <a16:creationId xmlns:a16="http://schemas.microsoft.com/office/drawing/2014/main" id="{1BAA65C9-9234-BF1B-4AD7-30992686C03D}"/>
+                </a:ext>
+              </a:extLst>
+            </p:cNvPr>
+            <p:cNvSpPr txBox="1"/>
+            <p:nvPr/>
+          </p:nvSpPr>
+          <p:spPr>
+            <a:xfrm>
+              <a:off x="3088853" y="3822903"/>
+              <a:ext cx="1154937" cy="456610"/>
+            </a:xfrm>
+            <a:prstGeom prst="rect">
+              <a:avLst/>
+            </a:prstGeom>
+            <a:noFill/>
+          </p:spPr>
+          <p:txBody>
+            <a:bodyPr wrap="none" rtlCol="0">
+              <a:spAutoFit/>
+            </a:bodyPr>
+            <a:lstStyle/>
+            <a:p>
+              <a:r>
+                <a:rPr lang="en-US" sz="1400" dirty="0">
+                  <a:solidFill>
+                    <a:schemeClr val="accent2"/>
+                  </a:solidFill>
+                </a:rPr>
+                <a:t>Route 2</a:t>
+              </a:r>
+            </a:p>
+          </p:txBody>
+        </p:sp>
+      </p:grpSp>
+      <p:sp>
+        <p:nvSpPr>
+          <p:cNvPr id="60" name="ZoneTexte 59">
+            <a:extLst>
+              <a:ext uri="{FF2B5EF4-FFF2-40B4-BE49-F238E27FC236}">
+                <a16:creationId xmlns:a16="http://schemas.microsoft.com/office/drawing/2014/main" id="{19D35902-236C-3BF0-5018-9ED351C96165}"/>
+              </a:ext>
+            </a:extLst>
+          </p:cNvPr>
+          <p:cNvSpPr txBox="1"/>
+          <p:nvPr/>
+        </p:nvSpPr>
+        <p:spPr>
+          <a:xfrm>
+            <a:off x="8451535" y="5586554"/>
+            <a:ext cx="1947328" cy="369332"/>
+          </a:xfrm>
+          <a:prstGeom prst="rect">
+            <a:avLst/>
+          </a:prstGeom>
+          <a:noFill/>
+        </p:spPr>
+        <p:txBody>
+          <a:bodyPr wrap="none" rtlCol="0">
+            <a:spAutoFit/>
+          </a:bodyPr>
+          <a:lstStyle/>
+          <a:p>
+            <a:r>
+              <a:rPr lang="en-US" dirty="0">
+                <a:solidFill>
+                  <a:schemeClr val="tx1">
+                    <a:lumMod val="65000"/>
+                    <a:lumOff val="35000"/>
+                  </a:schemeClr>
+                </a:solidFill>
+              </a:rPr>
+              <a:t>Fusion des routes</a:t>
+            </a:r>
+          </a:p>
+        </p:txBody>
+      </p:sp>
+      <p:pic>
+        <p:nvPicPr>
+          <p:cNvPr id="64" name="Image 63" descr="Une image contenant Police, blanc, écriture manuscrite, typographie&#10;&#10;Le contenu généré par l’IA peut être incorrect.">
+            <a:extLst>
+              <a:ext uri="{FF2B5EF4-FFF2-40B4-BE49-F238E27FC236}">
+                <a16:creationId xmlns:a16="http://schemas.microsoft.com/office/drawing/2014/main" id="{8AE08FAE-320E-56B0-A830-1C6A05DBDB47}"/>
+              </a:ext>
+            </a:extLst>
+          </p:cNvPr>
+          <p:cNvPicPr>
+            <a:picLocks noChangeAspect="1"/>
+          </p:cNvPicPr>
+          <p:nvPr/>
+        </p:nvPicPr>
+        <p:blipFill>
+          <a:blip r:embed="rId3"/>
+          <a:stretch>
+            <a:fillRect/>
+          </a:stretch>
+        </p:blipFill>
+        <p:spPr>
+          <a:xfrm>
+            <a:off x="1883111" y="3879713"/>
+            <a:ext cx="2832996" cy="693795"/>
+          </a:xfrm>
+          <a:prstGeom prst="rect">
+            <a:avLst/>
+          </a:prstGeom>
+        </p:spPr>
+      </p:pic>
     </p:spTree>
     <p:extLst>
       <p:ext uri="{BB962C8B-B14F-4D97-AF65-F5344CB8AC3E}">
-        <p14:creationId xmlns:p14="http://schemas.microsoft.com/office/powerpoint/2010/main" val="421864264"/>
+        <p14:creationId xmlns:p14="http://schemas.microsoft.com/office/powerpoint/2010/main" val="1359428797"/>
       </p:ext>
     </p:extLst>
   </p:cSld>
@@ -4783,7 +6594,7 @@
         <p:cNvPr id="1" name="">
           <a:extLst>
             <a:ext uri="{FF2B5EF4-FFF2-40B4-BE49-F238E27FC236}">
-              <a16:creationId xmlns:a16="http://schemas.microsoft.com/office/drawing/2014/main" id="{DA153164-0384-8838-124B-FA55BE9113E7}"/>
+              <a16:creationId xmlns:a16="http://schemas.microsoft.com/office/drawing/2014/main" id="{49D1F0F0-4AE2-A632-4E39-75EAEBE4E35C}"/>
             </a:ext>
           </a:extLst>
         </p:cNvPr>
@@ -4803,7 +6614,7 @@
           <p:cNvPr id="2" name="Titre 1">
             <a:extLst>
               <a:ext uri="{FF2B5EF4-FFF2-40B4-BE49-F238E27FC236}">
-                <a16:creationId xmlns:a16="http://schemas.microsoft.com/office/drawing/2014/main" id="{54AE25E4-5338-4DFE-312C-57ADE42CE4B4}"/>
+                <a16:creationId xmlns:a16="http://schemas.microsoft.com/office/drawing/2014/main" id="{CDD02D32-CAC0-6E18-9C3A-0D44B08D38E4}"/>
               </a:ext>
             </a:extLst>
           </p:cNvPr>
@@ -4825,7 +6636,7 @@
                   <a:schemeClr val="tx2"/>
                 </a:solidFill>
               </a:rPr>
-              <a:t>Heuristique Gloutonne</a:t>
+              <a:t>Dual</a:t>
             </a:r>
           </a:p>
         </p:txBody>
@@ -4835,7 +6646,7 @@
           <p:cNvPr id="3" name="Espace réservé du contenu 2">
             <a:extLst>
               <a:ext uri="{FF2B5EF4-FFF2-40B4-BE49-F238E27FC236}">
-                <a16:creationId xmlns:a16="http://schemas.microsoft.com/office/drawing/2014/main" id="{2322BD01-4D2E-C6FE-F33D-177F2916127F}"/>
+                <a16:creationId xmlns:a16="http://schemas.microsoft.com/office/drawing/2014/main" id="{444C7895-84D4-21A0-DDF0-A3A49ABB4A8E}"/>
               </a:ext>
             </a:extLst>
           </p:cNvPr>
@@ -4851,106 +6662,16 @@
           <a:bodyPr/>
           <a:lstStyle/>
           <a:p>
-            <a:r>
-              <a:rPr lang="fr-FR" b="1" dirty="0">
-                <a:solidFill>
-                  <a:schemeClr val="tx1">
-                    <a:lumMod val="65000"/>
-                    <a:lumOff val="35000"/>
-                  </a:schemeClr>
-                </a:solidFill>
-              </a:rPr>
-              <a:t>Première proposition: heuristique gloutonne simple </a:t>
-            </a:r>
-          </a:p>
-          <a:p>
-            <a:pPr lvl="1"/>
-            <a:r>
-              <a:rPr lang="fr-FR" sz="2000" dirty="0">
-                <a:solidFill>
-                  <a:schemeClr val="tx1">
-                    <a:lumMod val="65000"/>
-                    <a:lumOff val="35000"/>
-                  </a:schemeClr>
-                </a:solidFill>
-              </a:rPr>
-              <a:t>Tri les affectations dans l’ordre des c/r décroissant pour la maximisation</a:t>
-            </a:r>
-          </a:p>
-          <a:p>
-            <a:pPr lvl="1"/>
-            <a:r>
-              <a:rPr lang="fr-FR" sz="2000" dirty="0">
-                <a:solidFill>
-                  <a:schemeClr val="tx1">
-                    <a:lumMod val="65000"/>
-                    <a:lumOff val="35000"/>
-                  </a:schemeClr>
-                </a:solidFill>
-              </a:rPr>
-              <a:t>Ajout des affectations depuis cette liste à la solution courante lorsqu’elle la laisse admissible</a:t>
-            </a:r>
-          </a:p>
-          <a:p>
-            <a:pPr lvl="1"/>
-            <a:r>
-              <a:rPr lang="fr-FR" sz="2000" dirty="0">
-                <a:solidFill>
-                  <a:schemeClr val="tx1">
-                    <a:lumMod val="65000"/>
-                    <a:lumOff val="35000"/>
-                  </a:schemeClr>
-                </a:solidFill>
-              </a:rPr>
-              <a:t>Problèmes : </a:t>
-            </a:r>
-          </a:p>
-          <a:p>
-            <a:pPr lvl="2"/>
-            <a:r>
-              <a:rPr lang="fr-FR" sz="1600" dirty="0">
-                <a:solidFill>
-                  <a:schemeClr val="tx1">
-                    <a:lumMod val="65000"/>
-                    <a:lumOff val="35000"/>
-                  </a:schemeClr>
-                </a:solidFill>
-              </a:rPr>
-              <a:t>Ne converge pas nécessairement vers une solution admissible</a:t>
-            </a:r>
-          </a:p>
-          <a:p>
-            <a:pPr lvl="2"/>
-            <a:r>
-              <a:rPr lang="fr-FR" sz="1600" dirty="0">
-                <a:solidFill>
-                  <a:schemeClr val="tx1">
-                    <a:lumMod val="65000"/>
-                    <a:lumOff val="35000"/>
-                  </a:schemeClr>
-                </a:solidFill>
-              </a:rPr>
-              <a:t>Ne fournit qu’une solution</a:t>
-            </a:r>
-          </a:p>
-          <a:p>
-            <a:endParaRPr lang="fr-FR" dirty="0">
-              <a:solidFill>
-                <a:schemeClr val="tx1">
-                  <a:lumMod val="65000"/>
-                  <a:lumOff val="35000"/>
-                </a:schemeClr>
-              </a:solidFill>
-            </a:endParaRPr>
-          </a:p>
-        </p:txBody>
-      </p:sp>
-      <p:sp>
-        <p:nvSpPr>
-          <p:cNvPr id="6" name="Espace réservé de la date 5">
-            <a:extLst>
-              <a:ext uri="{FF2B5EF4-FFF2-40B4-BE49-F238E27FC236}">
-                <a16:creationId xmlns:a16="http://schemas.microsoft.com/office/drawing/2014/main" id="{01BD1D62-0FCE-85FC-4300-D9AD727EA3C3}"/>
+            <a:endParaRPr lang="fr-FR" dirty="0"/>
+          </a:p>
+        </p:txBody>
+      </p:sp>
+      <p:sp>
+        <p:nvSpPr>
+          <p:cNvPr id="4" name="Espace réservé de la date 3">
+            <a:extLst>
+              <a:ext uri="{FF2B5EF4-FFF2-40B4-BE49-F238E27FC236}">
+                <a16:creationId xmlns:a16="http://schemas.microsoft.com/office/drawing/2014/main" id="{E6F884B7-4344-E4C7-51C0-44BD792D9BAB}"/>
               </a:ext>
             </a:extLst>
           </p:cNvPr>
@@ -4966,20 +6687,19 @@
           <a:bodyPr/>
           <a:lstStyle/>
           <a:p>
-            <a:fld id="{9B178EF8-2854-8745-98D8-C98E5A6BD67D}" type="datetime1">
-              <a:rPr lang="fr-FR" smtClean="0"/>
-              <a:t>12/11/2024</a:t>
-            </a:fld>
-            <a:endParaRPr lang="fr-FR"/>
-          </a:p>
-        </p:txBody>
-      </p:sp>
-      <p:sp>
-        <p:nvSpPr>
-          <p:cNvPr id="4" name="Espace réservé du pied de page 3">
-            <a:extLst>
-              <a:ext uri="{FF2B5EF4-FFF2-40B4-BE49-F238E27FC236}">
-                <a16:creationId xmlns:a16="http://schemas.microsoft.com/office/drawing/2014/main" id="{6312F5A0-FF31-406A-A51E-D16D716A2E0C}"/>
+            <a:r>
+              <a:rPr lang="fr-FR"/>
+              <a:t>14/02/2025</a:t>
+            </a:r>
+          </a:p>
+        </p:txBody>
+      </p:sp>
+      <p:sp>
+        <p:nvSpPr>
+          <p:cNvPr id="5" name="Espace réservé du pied de page 4">
+            <a:extLst>
+              <a:ext uri="{FF2B5EF4-FFF2-40B4-BE49-F238E27FC236}">
+                <a16:creationId xmlns:a16="http://schemas.microsoft.com/office/drawing/2014/main" id="{AEDB6568-8929-8F1C-FE83-B6923A8154ED}"/>
               </a:ext>
             </a:extLst>
           </p:cNvPr>
@@ -4997,17 +6717,18 @@
           <a:p>
             <a:r>
               <a:rPr lang="fr-FR"/>
-              <a:t>Problème d'affectation généralisée</a:t>
-            </a:r>
-          </a:p>
-        </p:txBody>
-      </p:sp>
-      <p:sp>
-        <p:nvSpPr>
-          <p:cNvPr id="5" name="Espace réservé du numéro de diapositive 4">
-            <a:extLst>
-              <a:ext uri="{FF2B5EF4-FFF2-40B4-BE49-F238E27FC236}">
-                <a16:creationId xmlns:a16="http://schemas.microsoft.com/office/drawing/2014/main" id="{075E992E-ECC4-3ED4-54F7-DB3B1FB63C69}"/>
+              <a:t>VRP robuste</a:t>
+            </a:r>
+            <a:endParaRPr lang="fr-FR" dirty="0"/>
+          </a:p>
+        </p:txBody>
+      </p:sp>
+      <p:sp>
+        <p:nvSpPr>
+          <p:cNvPr id="6" name="Espace réservé du numéro de diapositive 5">
+            <a:extLst>
+              <a:ext uri="{FF2B5EF4-FFF2-40B4-BE49-F238E27FC236}">
+                <a16:creationId xmlns:a16="http://schemas.microsoft.com/office/drawing/2014/main" id="{3487B01E-8915-0DBB-B9F9-88C0E2169E2A}"/>
               </a:ext>
             </a:extLst>
           </p:cNvPr>
@@ -5034,7 +6755,7 @@
     </p:spTree>
     <p:extLst>
       <p:ext uri="{BB962C8B-B14F-4D97-AF65-F5344CB8AC3E}">
-        <p14:creationId xmlns:p14="http://schemas.microsoft.com/office/powerpoint/2010/main" val="3123377310"/>
+        <p14:creationId xmlns:p14="http://schemas.microsoft.com/office/powerpoint/2010/main" val="2929504581"/>
       </p:ext>
     </p:extLst>
   </p:cSld>
@@ -5052,7 +6773,7 @@
         <p:cNvPr id="1" name="">
           <a:extLst>
             <a:ext uri="{FF2B5EF4-FFF2-40B4-BE49-F238E27FC236}">
-              <a16:creationId xmlns:a16="http://schemas.microsoft.com/office/drawing/2014/main" id="{18371794-80E2-D780-63BD-8529D6C2A3A6}"/>
+              <a16:creationId xmlns:a16="http://schemas.microsoft.com/office/drawing/2014/main" id="{2E62B33E-D35B-6519-7ED0-65339E6671B3}"/>
             </a:ext>
           </a:extLst>
         </p:cNvPr>
@@ -5067,42 +6788,12 @@
           <a:chExt cx="0" cy="0"/>
         </a:xfrm>
       </p:grpSpPr>
-      <p:pic>
-        <p:nvPicPr>
-          <p:cNvPr id="7" name="Image 6">
-            <a:extLst>
-              <a:ext uri="{FF2B5EF4-FFF2-40B4-BE49-F238E27FC236}">
-                <a16:creationId xmlns:a16="http://schemas.microsoft.com/office/drawing/2014/main" id="{DFECDD89-3B0A-2278-F945-366596C42DFA}"/>
-              </a:ext>
-            </a:extLst>
-          </p:cNvPr>
-          <p:cNvPicPr>
-            <a:picLocks noChangeAspect="1"/>
-          </p:cNvPicPr>
-          <p:nvPr/>
-        </p:nvPicPr>
-        <p:blipFill>
-          <a:blip r:embed="rId2"/>
-          <a:stretch>
-            <a:fillRect/>
-          </a:stretch>
-        </p:blipFill>
-        <p:spPr>
-          <a:xfrm>
-            <a:off x="8926689" y="3429000"/>
-            <a:ext cx="2771336" cy="2462400"/>
-          </a:xfrm>
-          <a:prstGeom prst="rect">
-            <a:avLst/>
-          </a:prstGeom>
-        </p:spPr>
-      </p:pic>
       <p:sp>
         <p:nvSpPr>
           <p:cNvPr id="2" name="Titre 1">
             <a:extLst>
               <a:ext uri="{FF2B5EF4-FFF2-40B4-BE49-F238E27FC236}">
-                <a16:creationId xmlns:a16="http://schemas.microsoft.com/office/drawing/2014/main" id="{B83A7268-0D21-538A-79CB-CDC534E86665}"/>
+                <a16:creationId xmlns:a16="http://schemas.microsoft.com/office/drawing/2014/main" id="{1ACA22FB-249E-4719-C905-3E93706C5BB6}"/>
               </a:ext>
             </a:extLst>
           </p:cNvPr>
@@ -5124,8 +6815,37 @@
                   <a:schemeClr val="tx2"/>
                 </a:solidFill>
               </a:rPr>
-              <a:t>Heuristique Gloutonne</a:t>
-            </a:r>
+              <a:t>Plans coupants et </a:t>
+            </a:r>
+            <a:r>
+              <a:rPr lang="fr-FR" b="1" dirty="0" err="1">
+                <a:solidFill>
+                  <a:schemeClr val="tx2"/>
+                </a:solidFill>
+              </a:rPr>
+              <a:t>branch</a:t>
+            </a:r>
+            <a:r>
+              <a:rPr lang="fr-FR" b="1" dirty="0">
+                <a:solidFill>
+                  <a:schemeClr val="tx2"/>
+                </a:solidFill>
+              </a:rPr>
+              <a:t> and </a:t>
+            </a:r>
+            <a:r>
+              <a:rPr lang="fr-FR" b="1" dirty="0" err="1">
+                <a:solidFill>
+                  <a:schemeClr val="tx2"/>
+                </a:solidFill>
+              </a:rPr>
+              <a:t>cut</a:t>
+            </a:r>
+            <a:endParaRPr lang="fr-FR" b="1" dirty="0">
+              <a:solidFill>
+                <a:schemeClr val="tx2"/>
+              </a:solidFill>
+            </a:endParaRPr>
           </a:p>
         </p:txBody>
       </p:sp>
@@ -5134,7 +6854,7 @@
           <p:cNvPr id="3" name="Espace réservé du contenu 2">
             <a:extLst>
               <a:ext uri="{FF2B5EF4-FFF2-40B4-BE49-F238E27FC236}">
-                <a16:creationId xmlns:a16="http://schemas.microsoft.com/office/drawing/2014/main" id="{417BD21B-0AF3-FD50-3E30-E8D5C76D1349}"/>
+                <a16:creationId xmlns:a16="http://schemas.microsoft.com/office/drawing/2014/main" id="{592BB89A-CEC7-1ACA-1378-AECDA9AA6ABE}"/>
               </a:ext>
             </a:extLst>
           </p:cNvPr>
@@ -5145,208 +6865,21 @@
             <p:ph idx="1"/>
           </p:nvPr>
         </p:nvSpPr>
-        <p:spPr>
-          <a:xfrm>
-            <a:off x="493975" y="1690688"/>
-            <a:ext cx="10515600" cy="4351338"/>
-          </a:xfrm>
-        </p:spPr>
+        <p:spPr/>
         <p:txBody>
           <a:bodyPr/>
           <a:lstStyle/>
           <a:p>
-            <a:r>
-              <a:rPr lang="fr-FR" b="1" dirty="0">
-                <a:solidFill>
-                  <a:schemeClr val="tx1">
-                    <a:lumMod val="65000"/>
-                    <a:lumOff val="35000"/>
-                  </a:schemeClr>
-                </a:solidFill>
-              </a:rPr>
-              <a:t>Deuxième proposition : exploration d’un arbre avec </a:t>
-            </a:r>
-            <a:r>
-              <a:rPr lang="fr-FR" b="1" dirty="0" err="1">
-                <a:solidFill>
-                  <a:schemeClr val="tx1">
-                    <a:lumMod val="65000"/>
-                    <a:lumOff val="35000"/>
-                  </a:schemeClr>
-                </a:solidFill>
-              </a:rPr>
-              <a:t>Backtrack</a:t>
-            </a:r>
-            <a:endParaRPr lang="fr-FR" b="1" dirty="0">
-              <a:solidFill>
-                <a:schemeClr val="tx1">
-                  <a:lumMod val="65000"/>
-                  <a:lumOff val="35000"/>
-                </a:schemeClr>
-              </a:solidFill>
-            </a:endParaRPr>
-          </a:p>
-          <a:p>
-            <a:pPr lvl="1"/>
-            <a:r>
-              <a:rPr lang="fr-FR" sz="2000" dirty="0">
-                <a:solidFill>
-                  <a:schemeClr val="tx1">
-                    <a:lumMod val="65000"/>
-                    <a:lumOff val="35000"/>
-                  </a:schemeClr>
-                </a:solidFill>
-              </a:rPr>
-              <a:t>Tri les affectations dans l’ordre des c/r décroissant pour la maximisation</a:t>
-            </a:r>
-          </a:p>
-          <a:p>
-            <a:pPr lvl="1"/>
-            <a:r>
-              <a:rPr lang="fr-FR" sz="2000" dirty="0">
-                <a:solidFill>
-                  <a:schemeClr val="tx1">
-                    <a:lumMod val="65000"/>
-                    <a:lumOff val="35000"/>
-                  </a:schemeClr>
-                </a:solidFill>
-              </a:rPr>
-              <a:t>« Bruitage » de la liste </a:t>
-            </a:r>
-          </a:p>
-          <a:p>
-            <a:pPr lvl="1"/>
-            <a:r>
-              <a:rPr lang="fr-FR" sz="2000" dirty="0">
-                <a:solidFill>
-                  <a:schemeClr val="tx1">
-                    <a:lumMod val="65000"/>
-                    <a:lumOff val="35000"/>
-                  </a:schemeClr>
-                </a:solidFill>
-              </a:rPr>
-              <a:t>Parcours de l’arbre des possibilités</a:t>
-            </a:r>
-          </a:p>
-          <a:p>
-            <a:pPr lvl="1"/>
-            <a:r>
-              <a:rPr lang="fr-FR" sz="2000" dirty="0">
-                <a:solidFill>
-                  <a:schemeClr val="tx1">
-                    <a:lumMod val="65000"/>
-                    <a:lumOff val="35000"/>
-                  </a:schemeClr>
-                </a:solidFill>
-              </a:rPr>
-              <a:t>Quand on arrive à une inconsistance, on </a:t>
-            </a:r>
-            <a:r>
-              <a:rPr lang="fr-FR" sz="2000" dirty="0" err="1">
-                <a:solidFill>
-                  <a:schemeClr val="tx1">
-                    <a:lumMod val="65000"/>
-                    <a:lumOff val="35000"/>
-                  </a:schemeClr>
-                </a:solidFill>
-              </a:rPr>
-              <a:t>backtrack</a:t>
-            </a:r>
-            <a:endParaRPr lang="fr-FR" sz="2000" dirty="0">
-              <a:solidFill>
-                <a:schemeClr val="tx1">
-                  <a:lumMod val="65000"/>
-                  <a:lumOff val="35000"/>
-                </a:schemeClr>
-              </a:solidFill>
-            </a:endParaRPr>
-          </a:p>
-          <a:p>
-            <a:pPr lvl="1"/>
-            <a:r>
-              <a:rPr lang="fr-FR" sz="2000" dirty="0">
-                <a:solidFill>
-                  <a:schemeClr val="tx1">
-                    <a:lumMod val="65000"/>
-                    <a:lumOff val="35000"/>
-                  </a:schemeClr>
-                </a:solidFill>
-              </a:rPr>
-              <a:t>La liste triée des affectations permet d’obtenir une solution correcte</a:t>
-            </a:r>
-          </a:p>
-          <a:p>
-            <a:pPr lvl="1"/>
-            <a:endParaRPr lang="fr-FR" sz="2000" dirty="0">
-              <a:solidFill>
-                <a:schemeClr val="tx1">
-                  <a:lumMod val="65000"/>
-                  <a:lumOff val="35000"/>
-                </a:schemeClr>
-              </a:solidFill>
-            </a:endParaRPr>
-          </a:p>
-          <a:p>
-            <a:pPr lvl="1"/>
-            <a:r>
-              <a:rPr lang="fr-FR" sz="2000" dirty="0">
-                <a:solidFill>
-                  <a:schemeClr val="tx1">
-                    <a:lumMod val="65000"/>
-                    <a:lumOff val="35000"/>
-                  </a:schemeClr>
-                </a:solidFill>
-              </a:rPr>
-              <a:t>Avantages de cette méthode:</a:t>
-            </a:r>
-          </a:p>
-          <a:p>
-            <a:pPr lvl="2"/>
-            <a:r>
-              <a:rPr lang="fr-FR" sz="1600" dirty="0">
-                <a:solidFill>
-                  <a:schemeClr val="tx1">
-                    <a:lumMod val="65000"/>
-                    <a:lumOff val="35000"/>
-                  </a:schemeClr>
-                </a:solidFill>
-              </a:rPr>
-              <a:t>Assure de renvoyer une solution admissible si elle existe</a:t>
-            </a:r>
-          </a:p>
-          <a:p>
-            <a:pPr lvl="2"/>
-            <a:r>
-              <a:rPr lang="fr-FR" sz="1600" dirty="0">
-                <a:solidFill>
-                  <a:schemeClr val="tx1">
-                    <a:lumMod val="65000"/>
-                    <a:lumOff val="35000"/>
-                  </a:schemeClr>
-                </a:solidFill>
-              </a:rPr>
-              <a:t> Le bruitage de la liste permet d’obtenir des solutions généralement différentes</a:t>
-            </a:r>
-          </a:p>
-          <a:p>
-            <a:pPr lvl="2"/>
-            <a:endParaRPr lang="fr-FR" sz="1600" dirty="0">
-              <a:solidFill>
-                <a:schemeClr val="tx1">
-                  <a:lumMod val="65000"/>
-                  <a:lumOff val="35000"/>
-                </a:schemeClr>
-              </a:solidFill>
-            </a:endParaRPr>
-          </a:p>
-        </p:txBody>
-      </p:sp>
-      <p:sp>
-        <p:nvSpPr>
-          <p:cNvPr id="6" name="Espace réservé de la date 5">
-            <a:extLst>
-              <a:ext uri="{FF2B5EF4-FFF2-40B4-BE49-F238E27FC236}">
-                <a16:creationId xmlns:a16="http://schemas.microsoft.com/office/drawing/2014/main" id="{95F1B2A9-CD69-5349-DB52-05B04F1064DC}"/>
+            <a:endParaRPr lang="fr-FR" dirty="0"/>
+          </a:p>
+        </p:txBody>
+      </p:sp>
+      <p:sp>
+        <p:nvSpPr>
+          <p:cNvPr id="4" name="Espace réservé de la date 3">
+            <a:extLst>
+              <a:ext uri="{FF2B5EF4-FFF2-40B4-BE49-F238E27FC236}">
+                <a16:creationId xmlns:a16="http://schemas.microsoft.com/office/drawing/2014/main" id="{C7825705-1233-E7F9-F915-A0F32FF6221B}"/>
               </a:ext>
             </a:extLst>
           </p:cNvPr>
@@ -5362,20 +6895,19 @@
           <a:bodyPr/>
           <a:lstStyle/>
           <a:p>
-            <a:fld id="{9B178EF8-2854-8745-98D8-C98E5A6BD67D}" type="datetime1">
-              <a:rPr lang="fr-FR" smtClean="0"/>
-              <a:t>13/11/2024</a:t>
-            </a:fld>
-            <a:endParaRPr lang="fr-FR"/>
-          </a:p>
-        </p:txBody>
-      </p:sp>
-      <p:sp>
-        <p:nvSpPr>
-          <p:cNvPr id="4" name="Espace réservé du pied de page 3">
-            <a:extLst>
-              <a:ext uri="{FF2B5EF4-FFF2-40B4-BE49-F238E27FC236}">
-                <a16:creationId xmlns:a16="http://schemas.microsoft.com/office/drawing/2014/main" id="{6E868D6D-D335-CDA5-27F4-48CBA9EBC558}"/>
+            <a:r>
+              <a:rPr lang="fr-FR"/>
+              <a:t>14/02/2025</a:t>
+            </a:r>
+          </a:p>
+        </p:txBody>
+      </p:sp>
+      <p:sp>
+        <p:nvSpPr>
+          <p:cNvPr id="5" name="Espace réservé du pied de page 4">
+            <a:extLst>
+              <a:ext uri="{FF2B5EF4-FFF2-40B4-BE49-F238E27FC236}">
+                <a16:creationId xmlns:a16="http://schemas.microsoft.com/office/drawing/2014/main" id="{0A6F0858-3278-C50D-E1CD-903EF5B6B746}"/>
               </a:ext>
             </a:extLst>
           </p:cNvPr>
@@ -5393,17 +6925,18 @@
           <a:p>
             <a:r>
               <a:rPr lang="fr-FR"/>
-              <a:t>Problème d'affectation généralisée</a:t>
-            </a:r>
-          </a:p>
-        </p:txBody>
-      </p:sp>
-      <p:sp>
-        <p:nvSpPr>
-          <p:cNvPr id="5" name="Espace réservé du numéro de diapositive 4">
-            <a:extLst>
-              <a:ext uri="{FF2B5EF4-FFF2-40B4-BE49-F238E27FC236}">
-                <a16:creationId xmlns:a16="http://schemas.microsoft.com/office/drawing/2014/main" id="{8D1E94F5-F1FD-0836-98AC-A5ECDE7296E4}"/>
+              <a:t>VRP robuste</a:t>
+            </a:r>
+            <a:endParaRPr lang="fr-FR" dirty="0"/>
+          </a:p>
+        </p:txBody>
+      </p:sp>
+      <p:sp>
+        <p:nvSpPr>
+          <p:cNvPr id="6" name="Espace réservé du numéro de diapositive 5">
+            <a:extLst>
+              <a:ext uri="{FF2B5EF4-FFF2-40B4-BE49-F238E27FC236}">
+                <a16:creationId xmlns:a16="http://schemas.microsoft.com/office/drawing/2014/main" id="{12CD5433-350A-CCC2-E7C2-4F7934C37029}"/>
               </a:ext>
             </a:extLst>
           </p:cNvPr>
@@ -5430,2254 +6963,7 @@
     </p:spTree>
     <p:extLst>
       <p:ext uri="{BB962C8B-B14F-4D97-AF65-F5344CB8AC3E}">
-        <p14:creationId xmlns:p14="http://schemas.microsoft.com/office/powerpoint/2010/main" val="568934600"/>
-      </p:ext>
-    </p:extLst>
-  </p:cSld>
-  <p:clrMapOvr>
-    <a:masterClrMapping/>
-  </p:clrMapOvr>
-</p:sld>
-</file>
-
-<file path=ppt/slides/slide5.xml><?xml version="1.0" encoding="utf-8"?>
-<p:sld xmlns:a="http://schemas.openxmlformats.org/drawingml/2006/main" xmlns:r="http://schemas.openxmlformats.org/officeDocument/2006/relationships" xmlns:p="http://schemas.openxmlformats.org/presentationml/2006/main">
-  <p:cSld>
-    <p:spTree>
-      <p:nvGrpSpPr>
-        <p:cNvPr id="1" name="">
-          <a:extLst>
-            <a:ext uri="{FF2B5EF4-FFF2-40B4-BE49-F238E27FC236}">
-              <a16:creationId xmlns:a16="http://schemas.microsoft.com/office/drawing/2014/main" id="{18BA201A-C009-ADC4-3C68-13F5192508DC}"/>
-            </a:ext>
-          </a:extLst>
-        </p:cNvPr>
-        <p:cNvGrpSpPr/>
-        <p:nvPr/>
-      </p:nvGrpSpPr>
-      <p:grpSpPr>
-        <a:xfrm>
-          <a:off x="0" y="0"/>
-          <a:ext cx="0" cy="0"/>
-          <a:chOff x="0" y="0"/>
-          <a:chExt cx="0" cy="0"/>
-        </a:xfrm>
-      </p:grpSpPr>
-      <p:sp>
-        <p:nvSpPr>
-          <p:cNvPr id="2" name="Titre 1">
-            <a:extLst>
-              <a:ext uri="{FF2B5EF4-FFF2-40B4-BE49-F238E27FC236}">
-                <a16:creationId xmlns:a16="http://schemas.microsoft.com/office/drawing/2014/main" id="{1C6B653F-1B6D-569F-BD31-EB995EBF86DE}"/>
-              </a:ext>
-            </a:extLst>
-          </p:cNvPr>
-          <p:cNvSpPr>
-            <a:spLocks noGrp="1"/>
-          </p:cNvSpPr>
-          <p:nvPr>
-            <p:ph type="title"/>
-          </p:nvPr>
-        </p:nvSpPr>
-        <p:spPr/>
-        <p:txBody>
-          <a:bodyPr/>
-          <a:lstStyle/>
-          <a:p>
-            <a:r>
-              <a:rPr lang="fr-FR" b="1" dirty="0">
-                <a:solidFill>
-                  <a:schemeClr val="tx2"/>
-                </a:solidFill>
-              </a:rPr>
-              <a:t>Recherche locale</a:t>
-            </a:r>
-          </a:p>
-        </p:txBody>
-      </p:sp>
-      <p:sp>
-        <p:nvSpPr>
-          <p:cNvPr id="3" name="Espace réservé du contenu 2">
-            <a:extLst>
-              <a:ext uri="{FF2B5EF4-FFF2-40B4-BE49-F238E27FC236}">
-                <a16:creationId xmlns:a16="http://schemas.microsoft.com/office/drawing/2014/main" id="{5AECD186-A2A4-54D3-818B-D0C8AF2159A7}"/>
-              </a:ext>
-            </a:extLst>
-          </p:cNvPr>
-          <p:cNvSpPr>
-            <a:spLocks noGrp="1"/>
-          </p:cNvSpPr>
-          <p:nvPr>
-            <p:ph idx="1"/>
-          </p:nvPr>
-        </p:nvSpPr>
-        <p:spPr/>
-        <p:txBody>
-          <a:bodyPr/>
-          <a:lstStyle/>
-          <a:p>
-            <a:endParaRPr lang="fr-FR">
-              <a:solidFill>
-                <a:schemeClr val="tx1">
-                  <a:lumMod val="65000"/>
-                  <a:lumOff val="35000"/>
-                </a:schemeClr>
-              </a:solidFill>
-            </a:endParaRPr>
-          </a:p>
-        </p:txBody>
-      </p:sp>
-      <p:sp>
-        <p:nvSpPr>
-          <p:cNvPr id="6" name="Espace réservé de la date 5">
-            <a:extLst>
-              <a:ext uri="{FF2B5EF4-FFF2-40B4-BE49-F238E27FC236}">
-                <a16:creationId xmlns:a16="http://schemas.microsoft.com/office/drawing/2014/main" id="{306601B3-289F-6C28-8686-B7E7B7213C0F}"/>
-              </a:ext>
-            </a:extLst>
-          </p:cNvPr>
-          <p:cNvSpPr>
-            <a:spLocks noGrp="1"/>
-          </p:cNvSpPr>
-          <p:nvPr>
-            <p:ph type="dt" sz="half" idx="10"/>
-          </p:nvPr>
-        </p:nvSpPr>
-        <p:spPr/>
-        <p:txBody>
-          <a:bodyPr/>
-          <a:lstStyle/>
-          <a:p>
-            <a:fld id="{ABCAFA30-AD1C-BF41-B123-870228E29C0E}" type="datetime1">
-              <a:rPr lang="fr-FR" smtClean="0"/>
-              <a:t>12/11/2024</a:t>
-            </a:fld>
-            <a:endParaRPr lang="fr-FR"/>
-          </a:p>
-        </p:txBody>
-      </p:sp>
-      <p:sp>
-        <p:nvSpPr>
-          <p:cNvPr id="4" name="Espace réservé du pied de page 3">
-            <a:extLst>
-              <a:ext uri="{FF2B5EF4-FFF2-40B4-BE49-F238E27FC236}">
-                <a16:creationId xmlns:a16="http://schemas.microsoft.com/office/drawing/2014/main" id="{CD9FFEFE-D93F-F2CE-9542-5370801E9349}"/>
-              </a:ext>
-            </a:extLst>
-          </p:cNvPr>
-          <p:cNvSpPr>
-            <a:spLocks noGrp="1"/>
-          </p:cNvSpPr>
-          <p:nvPr>
-            <p:ph type="ftr" sz="quarter" idx="11"/>
-          </p:nvPr>
-        </p:nvSpPr>
-        <p:spPr/>
-        <p:txBody>
-          <a:bodyPr/>
-          <a:lstStyle/>
-          <a:p>
-            <a:r>
-              <a:rPr lang="fr-FR"/>
-              <a:t>Problème d'affectation généralisée</a:t>
-            </a:r>
-          </a:p>
-        </p:txBody>
-      </p:sp>
-      <p:sp>
-        <p:nvSpPr>
-          <p:cNvPr id="5" name="Espace réservé du numéro de diapositive 4">
-            <a:extLst>
-              <a:ext uri="{FF2B5EF4-FFF2-40B4-BE49-F238E27FC236}">
-                <a16:creationId xmlns:a16="http://schemas.microsoft.com/office/drawing/2014/main" id="{6C0031D4-275B-8E0A-B33B-B6A90D81BD94}"/>
-              </a:ext>
-            </a:extLst>
-          </p:cNvPr>
-          <p:cNvSpPr>
-            <a:spLocks noGrp="1"/>
-          </p:cNvSpPr>
-          <p:nvPr>
-            <p:ph type="sldNum" sz="quarter" idx="12"/>
-          </p:nvPr>
-        </p:nvSpPr>
-        <p:spPr/>
-        <p:txBody>
-          <a:bodyPr/>
-          <a:lstStyle/>
-          <a:p>
-            <a:fld id="{49D9D136-35C4-F945-9AC1-0F0ED400EE8E}" type="slidenum">
-              <a:rPr lang="fr-FR" smtClean="0"/>
-              <a:t>5</a:t>
-            </a:fld>
-            <a:endParaRPr lang="fr-FR"/>
-          </a:p>
-        </p:txBody>
-      </p:sp>
-    </p:spTree>
-    <p:extLst>
-      <p:ext uri="{BB962C8B-B14F-4D97-AF65-F5344CB8AC3E}">
-        <p14:creationId xmlns:p14="http://schemas.microsoft.com/office/powerpoint/2010/main" val="2449307760"/>
-      </p:ext>
-    </p:extLst>
-  </p:cSld>
-  <p:clrMapOvr>
-    <a:masterClrMapping/>
-  </p:clrMapOvr>
-</p:sld>
-</file>
-
-<file path=ppt/slides/slide6.xml><?xml version="1.0" encoding="utf-8"?>
-<p:sld xmlns:a="http://schemas.openxmlformats.org/drawingml/2006/main" xmlns:r="http://schemas.openxmlformats.org/officeDocument/2006/relationships" xmlns:p="http://schemas.openxmlformats.org/presentationml/2006/main">
-  <p:cSld>
-    <p:spTree>
-      <p:nvGrpSpPr>
-        <p:cNvPr id="1" name="">
-          <a:extLst>
-            <a:ext uri="{FF2B5EF4-FFF2-40B4-BE49-F238E27FC236}">
-              <a16:creationId xmlns:a16="http://schemas.microsoft.com/office/drawing/2014/main" id="{D99DBB6D-AB18-9668-F1B8-5B2B76793832}"/>
-            </a:ext>
-          </a:extLst>
-        </p:cNvPr>
-        <p:cNvGrpSpPr/>
-        <p:nvPr/>
-      </p:nvGrpSpPr>
-      <p:grpSpPr>
-        <a:xfrm>
-          <a:off x="0" y="0"/>
-          <a:ext cx="0" cy="0"/>
-          <a:chOff x="0" y="0"/>
-          <a:chExt cx="0" cy="0"/>
-        </a:xfrm>
-      </p:grpSpPr>
-      <p:sp>
-        <p:nvSpPr>
-          <p:cNvPr id="2" name="Titre 1">
-            <a:extLst>
-              <a:ext uri="{FF2B5EF4-FFF2-40B4-BE49-F238E27FC236}">
-                <a16:creationId xmlns:a16="http://schemas.microsoft.com/office/drawing/2014/main" id="{1FE07BAE-76C8-7521-DB77-6FCB615320DB}"/>
-              </a:ext>
-            </a:extLst>
-          </p:cNvPr>
-          <p:cNvSpPr>
-            <a:spLocks noGrp="1"/>
-          </p:cNvSpPr>
-          <p:nvPr>
-            <p:ph type="title"/>
-          </p:nvPr>
-        </p:nvSpPr>
-        <p:spPr/>
-        <p:txBody>
-          <a:bodyPr/>
-          <a:lstStyle/>
-          <a:p>
-            <a:r>
-              <a:rPr lang="fr-FR" b="1" dirty="0">
-                <a:solidFill>
-                  <a:schemeClr val="tx2"/>
-                </a:solidFill>
-              </a:rPr>
-              <a:t>Recherche taboue</a:t>
-            </a:r>
-          </a:p>
-        </p:txBody>
-      </p:sp>
-      <p:sp>
-        <p:nvSpPr>
-          <p:cNvPr id="3" name="Espace réservé du contenu 2">
-            <a:extLst>
-              <a:ext uri="{FF2B5EF4-FFF2-40B4-BE49-F238E27FC236}">
-                <a16:creationId xmlns:a16="http://schemas.microsoft.com/office/drawing/2014/main" id="{C115BC31-5007-7BBD-E190-D018F05BB10A}"/>
-              </a:ext>
-            </a:extLst>
-          </p:cNvPr>
-          <p:cNvSpPr>
-            <a:spLocks noGrp="1"/>
-          </p:cNvSpPr>
-          <p:nvPr>
-            <p:ph idx="1"/>
-          </p:nvPr>
-        </p:nvSpPr>
-        <p:spPr/>
-        <p:txBody>
-          <a:bodyPr/>
-          <a:lstStyle/>
-          <a:p>
-            <a:endParaRPr lang="fr-FR">
-              <a:solidFill>
-                <a:schemeClr val="tx1">
-                  <a:lumMod val="65000"/>
-                  <a:lumOff val="35000"/>
-                </a:schemeClr>
-              </a:solidFill>
-            </a:endParaRPr>
-          </a:p>
-        </p:txBody>
-      </p:sp>
-      <p:sp>
-        <p:nvSpPr>
-          <p:cNvPr id="6" name="Espace réservé de la date 5">
-            <a:extLst>
-              <a:ext uri="{FF2B5EF4-FFF2-40B4-BE49-F238E27FC236}">
-                <a16:creationId xmlns:a16="http://schemas.microsoft.com/office/drawing/2014/main" id="{AF6E3332-F130-C7D0-8CDF-EB1E431865A0}"/>
-              </a:ext>
-            </a:extLst>
-          </p:cNvPr>
-          <p:cNvSpPr>
-            <a:spLocks noGrp="1"/>
-          </p:cNvSpPr>
-          <p:nvPr>
-            <p:ph type="dt" sz="half" idx="10"/>
-          </p:nvPr>
-        </p:nvSpPr>
-        <p:spPr/>
-        <p:txBody>
-          <a:bodyPr/>
-          <a:lstStyle/>
-          <a:p>
-            <a:fld id="{853874DB-4315-0440-A3BB-BEE40B249589}" type="datetime1">
-              <a:rPr lang="fr-FR" smtClean="0"/>
-              <a:t>12/11/2024</a:t>
-            </a:fld>
-            <a:endParaRPr lang="fr-FR"/>
-          </a:p>
-        </p:txBody>
-      </p:sp>
-      <p:sp>
-        <p:nvSpPr>
-          <p:cNvPr id="4" name="Espace réservé du pied de page 3">
-            <a:extLst>
-              <a:ext uri="{FF2B5EF4-FFF2-40B4-BE49-F238E27FC236}">
-                <a16:creationId xmlns:a16="http://schemas.microsoft.com/office/drawing/2014/main" id="{D2B685C3-CA73-27BD-E169-C7276ECB5BFE}"/>
-              </a:ext>
-            </a:extLst>
-          </p:cNvPr>
-          <p:cNvSpPr>
-            <a:spLocks noGrp="1"/>
-          </p:cNvSpPr>
-          <p:nvPr>
-            <p:ph type="ftr" sz="quarter" idx="11"/>
-          </p:nvPr>
-        </p:nvSpPr>
-        <p:spPr/>
-        <p:txBody>
-          <a:bodyPr/>
-          <a:lstStyle/>
-          <a:p>
-            <a:r>
-              <a:rPr lang="fr-FR"/>
-              <a:t>Problème d'affectation généralisée</a:t>
-            </a:r>
-          </a:p>
-        </p:txBody>
-      </p:sp>
-      <p:sp>
-        <p:nvSpPr>
-          <p:cNvPr id="5" name="Espace réservé du numéro de diapositive 4">
-            <a:extLst>
-              <a:ext uri="{FF2B5EF4-FFF2-40B4-BE49-F238E27FC236}">
-                <a16:creationId xmlns:a16="http://schemas.microsoft.com/office/drawing/2014/main" id="{80AE6F78-D3D7-C7AD-3CC2-DC97B881B458}"/>
-              </a:ext>
-            </a:extLst>
-          </p:cNvPr>
-          <p:cNvSpPr>
-            <a:spLocks noGrp="1"/>
-          </p:cNvSpPr>
-          <p:nvPr>
-            <p:ph type="sldNum" sz="quarter" idx="12"/>
-          </p:nvPr>
-        </p:nvSpPr>
-        <p:spPr/>
-        <p:txBody>
-          <a:bodyPr/>
-          <a:lstStyle/>
-          <a:p>
-            <a:fld id="{49D9D136-35C4-F945-9AC1-0F0ED400EE8E}" type="slidenum">
-              <a:rPr lang="fr-FR" smtClean="0"/>
-              <a:t>6</a:t>
-            </a:fld>
-            <a:endParaRPr lang="fr-FR"/>
-          </a:p>
-        </p:txBody>
-      </p:sp>
-    </p:spTree>
-    <p:extLst>
-      <p:ext uri="{BB962C8B-B14F-4D97-AF65-F5344CB8AC3E}">
-        <p14:creationId xmlns:p14="http://schemas.microsoft.com/office/powerpoint/2010/main" val="161960460"/>
-      </p:ext>
-    </p:extLst>
-  </p:cSld>
-  <p:clrMapOvr>
-    <a:masterClrMapping/>
-  </p:clrMapOvr>
-</p:sld>
-</file>
-
-<file path=ppt/slides/slide7.xml><?xml version="1.0" encoding="utf-8"?>
-<p:sld xmlns:a="http://schemas.openxmlformats.org/drawingml/2006/main" xmlns:r="http://schemas.openxmlformats.org/officeDocument/2006/relationships" xmlns:p="http://schemas.openxmlformats.org/presentationml/2006/main">
-  <p:cSld>
-    <p:spTree>
-      <p:nvGrpSpPr>
-        <p:cNvPr id="1" name="">
-          <a:extLst>
-            <a:ext uri="{FF2B5EF4-FFF2-40B4-BE49-F238E27FC236}">
-              <a16:creationId xmlns:a16="http://schemas.microsoft.com/office/drawing/2014/main" id="{B8EB67B3-26CF-12B8-2A13-4FE53B276C99}"/>
-            </a:ext>
-          </a:extLst>
-        </p:cNvPr>
-        <p:cNvGrpSpPr/>
-        <p:nvPr/>
-      </p:nvGrpSpPr>
-      <p:grpSpPr>
-        <a:xfrm>
-          <a:off x="0" y="0"/>
-          <a:ext cx="0" cy="0"/>
-          <a:chOff x="0" y="0"/>
-          <a:chExt cx="0" cy="0"/>
-        </a:xfrm>
-      </p:grpSpPr>
-      <p:sp>
-        <p:nvSpPr>
-          <p:cNvPr id="2" name="Titre 1">
-            <a:extLst>
-              <a:ext uri="{FF2B5EF4-FFF2-40B4-BE49-F238E27FC236}">
-                <a16:creationId xmlns:a16="http://schemas.microsoft.com/office/drawing/2014/main" id="{B98BB7D1-AF07-854C-BB0A-094E828665AA}"/>
-              </a:ext>
-            </a:extLst>
-          </p:cNvPr>
-          <p:cNvSpPr>
-            <a:spLocks noGrp="1"/>
-          </p:cNvSpPr>
-          <p:nvPr>
-            <p:ph type="title"/>
-          </p:nvPr>
-        </p:nvSpPr>
-        <p:spPr/>
-        <p:txBody>
-          <a:bodyPr/>
-          <a:lstStyle/>
-          <a:p>
-            <a:r>
-              <a:rPr lang="fr-FR" b="1" dirty="0">
-                <a:solidFill>
-                  <a:schemeClr val="tx2"/>
-                </a:solidFill>
-              </a:rPr>
-              <a:t>Recherche mémétique</a:t>
-            </a:r>
-          </a:p>
-        </p:txBody>
-      </p:sp>
-      <p:sp>
-        <p:nvSpPr>
-          <p:cNvPr id="6" name="Espace réservé de la date 5">
-            <a:extLst>
-              <a:ext uri="{FF2B5EF4-FFF2-40B4-BE49-F238E27FC236}">
-                <a16:creationId xmlns:a16="http://schemas.microsoft.com/office/drawing/2014/main" id="{23A7939D-010A-5E00-4398-A831FA77A658}"/>
-              </a:ext>
-            </a:extLst>
-          </p:cNvPr>
-          <p:cNvSpPr>
-            <a:spLocks noGrp="1"/>
-          </p:cNvSpPr>
-          <p:nvPr>
-            <p:ph type="dt" sz="half" idx="10"/>
-          </p:nvPr>
-        </p:nvSpPr>
-        <p:spPr/>
-        <p:txBody>
-          <a:bodyPr/>
-          <a:lstStyle/>
-          <a:p>
-            <a:fld id="{D498F7DC-8453-F942-B6B6-EDFB800C36FE}" type="datetime1">
-              <a:rPr lang="fr-FR" smtClean="0"/>
-              <a:t>13/11/2024</a:t>
-            </a:fld>
-            <a:endParaRPr lang="fr-FR"/>
-          </a:p>
-        </p:txBody>
-      </p:sp>
-      <p:sp>
-        <p:nvSpPr>
-          <p:cNvPr id="4" name="Espace réservé du pied de page 3">
-            <a:extLst>
-              <a:ext uri="{FF2B5EF4-FFF2-40B4-BE49-F238E27FC236}">
-                <a16:creationId xmlns:a16="http://schemas.microsoft.com/office/drawing/2014/main" id="{20CE7F82-A1F6-EEB6-A940-16E8B0A59190}"/>
-              </a:ext>
-            </a:extLst>
-          </p:cNvPr>
-          <p:cNvSpPr>
-            <a:spLocks noGrp="1"/>
-          </p:cNvSpPr>
-          <p:nvPr>
-            <p:ph type="ftr" sz="quarter" idx="11"/>
-          </p:nvPr>
-        </p:nvSpPr>
-        <p:spPr/>
-        <p:txBody>
-          <a:bodyPr/>
-          <a:lstStyle/>
-          <a:p>
-            <a:r>
-              <a:rPr lang="fr-FR"/>
-              <a:t>Problème d'affectation généralisée</a:t>
-            </a:r>
-          </a:p>
-        </p:txBody>
-      </p:sp>
-      <p:sp>
-        <p:nvSpPr>
-          <p:cNvPr id="5" name="Espace réservé du numéro de diapositive 4">
-            <a:extLst>
-              <a:ext uri="{FF2B5EF4-FFF2-40B4-BE49-F238E27FC236}">
-                <a16:creationId xmlns:a16="http://schemas.microsoft.com/office/drawing/2014/main" id="{A892A60E-84B9-32ED-0088-DDDCC77D7CCF}"/>
-              </a:ext>
-            </a:extLst>
-          </p:cNvPr>
-          <p:cNvSpPr>
-            <a:spLocks noGrp="1"/>
-          </p:cNvSpPr>
-          <p:nvPr>
-            <p:ph type="sldNum" sz="quarter" idx="12"/>
-          </p:nvPr>
-        </p:nvSpPr>
-        <p:spPr/>
-        <p:txBody>
-          <a:bodyPr/>
-          <a:lstStyle/>
-          <a:p>
-            <a:fld id="{49D9D136-35C4-F945-9AC1-0F0ED400EE8E}" type="slidenum">
-              <a:rPr lang="fr-FR" smtClean="0"/>
-              <a:t>7</a:t>
-            </a:fld>
-            <a:endParaRPr lang="fr-FR"/>
-          </a:p>
-        </p:txBody>
-      </p:sp>
-      <p:grpSp>
-        <p:nvGrpSpPr>
-          <p:cNvPr id="32" name="Groupe 31">
-            <a:extLst>
-              <a:ext uri="{FF2B5EF4-FFF2-40B4-BE49-F238E27FC236}">
-                <a16:creationId xmlns:a16="http://schemas.microsoft.com/office/drawing/2014/main" id="{B5814AAE-22A9-8C27-2511-40E612354A2C}"/>
-              </a:ext>
-            </a:extLst>
-          </p:cNvPr>
-          <p:cNvGrpSpPr/>
-          <p:nvPr/>
-        </p:nvGrpSpPr>
-        <p:grpSpPr>
-          <a:xfrm>
-            <a:off x="326402" y="1561810"/>
-            <a:ext cx="11362266" cy="2484264"/>
-            <a:chOff x="326402" y="1690688"/>
-            <a:chExt cx="11362266" cy="2484264"/>
-          </a:xfrm>
-        </p:grpSpPr>
-        <p:sp>
-          <p:nvSpPr>
-            <p:cNvPr id="30" name="Rectangle 29">
-              <a:extLst>
-                <a:ext uri="{FF2B5EF4-FFF2-40B4-BE49-F238E27FC236}">
-                  <a16:creationId xmlns:a16="http://schemas.microsoft.com/office/drawing/2014/main" id="{2F419C81-DDD8-CCE1-86A0-E06BF1382C9C}"/>
-                </a:ext>
-              </a:extLst>
-            </p:cNvPr>
-            <p:cNvSpPr/>
-            <p:nvPr/>
-          </p:nvSpPr>
-          <p:spPr>
-            <a:xfrm>
-              <a:off x="4038600" y="1690688"/>
-              <a:ext cx="5821680" cy="2484264"/>
-            </a:xfrm>
-            <a:prstGeom prst="rect">
-              <a:avLst/>
-            </a:prstGeom>
-            <a:solidFill>
-              <a:srgbClr val="163E64">
-                <a:alpha val="41961"/>
-              </a:srgbClr>
-            </a:solidFill>
-          </p:spPr>
-          <p:style>
-            <a:lnRef idx="2">
-              <a:schemeClr val="accent1">
-                <a:shade val="15000"/>
-              </a:schemeClr>
-            </a:lnRef>
-            <a:fillRef idx="1">
-              <a:schemeClr val="accent1"/>
-            </a:fillRef>
-            <a:effectRef idx="0">
-              <a:schemeClr val="accent1"/>
-            </a:effectRef>
-            <a:fontRef idx="minor">
-              <a:schemeClr val="lt1"/>
-            </a:fontRef>
-          </p:style>
-          <p:txBody>
-            <a:bodyPr rtlCol="0" anchor="ctr"/>
-            <a:lstStyle/>
-            <a:p>
-              <a:pPr algn="ctr"/>
-              <a:endParaRPr lang="fr-FR" dirty="0"/>
-            </a:p>
-          </p:txBody>
-        </p:sp>
-        <p:sp>
-          <p:nvSpPr>
-            <p:cNvPr id="14" name="Rectangle 13">
-              <a:extLst>
-                <a:ext uri="{FF2B5EF4-FFF2-40B4-BE49-F238E27FC236}">
-                  <a16:creationId xmlns:a16="http://schemas.microsoft.com/office/drawing/2014/main" id="{D4A2590B-8E3A-574C-FA7B-09A664FD983C}"/>
-                </a:ext>
-              </a:extLst>
-            </p:cNvPr>
-            <p:cNvSpPr/>
-            <p:nvPr/>
-          </p:nvSpPr>
-          <p:spPr>
-            <a:xfrm>
-              <a:off x="326402" y="2352411"/>
-              <a:ext cx="1659466" cy="1176690"/>
-            </a:xfrm>
-            <a:prstGeom prst="rect">
-              <a:avLst/>
-            </a:prstGeom>
-          </p:spPr>
-          <p:style>
-            <a:lnRef idx="2">
-              <a:schemeClr val="accent1">
-                <a:shade val="15000"/>
-              </a:schemeClr>
-            </a:lnRef>
-            <a:fillRef idx="1">
-              <a:schemeClr val="accent1"/>
-            </a:fillRef>
-            <a:effectRef idx="0">
-              <a:schemeClr val="accent1"/>
-            </a:effectRef>
-            <a:fontRef idx="minor">
-              <a:schemeClr val="lt1"/>
-            </a:fontRef>
-          </p:style>
-          <p:txBody>
-            <a:bodyPr rtlCol="0" anchor="ctr"/>
-            <a:lstStyle/>
-            <a:p>
-              <a:pPr algn="ctr"/>
-              <a:r>
-                <a:rPr lang="fr-FR" dirty="0"/>
-                <a:t>Famille de solutions (</a:t>
-              </a:r>
-              <a:r>
-                <a:rPr lang="fr-FR" b="1" dirty="0"/>
-                <a:t>algo glouton</a:t>
-              </a:r>
-              <a:r>
-                <a:rPr lang="fr-FR" dirty="0"/>
-                <a:t>)</a:t>
-              </a:r>
-            </a:p>
-          </p:txBody>
-        </p:sp>
-        <p:sp>
-          <p:nvSpPr>
-            <p:cNvPr id="15" name="Rectangle 14">
-              <a:extLst>
-                <a:ext uri="{FF2B5EF4-FFF2-40B4-BE49-F238E27FC236}">
-                  <a16:creationId xmlns:a16="http://schemas.microsoft.com/office/drawing/2014/main" id="{06E1634A-6CC3-91A4-1FA8-AD8FBE5BCB25}"/>
-                </a:ext>
-              </a:extLst>
-            </p:cNvPr>
-            <p:cNvSpPr/>
-            <p:nvPr/>
-          </p:nvSpPr>
-          <p:spPr>
-            <a:xfrm>
-              <a:off x="2266962" y="2349766"/>
-              <a:ext cx="1659466" cy="1176690"/>
-            </a:xfrm>
-            <a:prstGeom prst="rect">
-              <a:avLst/>
-            </a:prstGeom>
-          </p:spPr>
-          <p:style>
-            <a:lnRef idx="2">
-              <a:schemeClr val="accent1">
-                <a:shade val="15000"/>
-              </a:schemeClr>
-            </a:lnRef>
-            <a:fillRef idx="1">
-              <a:schemeClr val="accent1"/>
-            </a:fillRef>
-            <a:effectRef idx="0">
-              <a:schemeClr val="accent1"/>
-            </a:effectRef>
-            <a:fontRef idx="minor">
-              <a:schemeClr val="lt1"/>
-            </a:fontRef>
-          </p:style>
-          <p:txBody>
-            <a:bodyPr rtlCol="0" anchor="ctr"/>
-            <a:lstStyle/>
-            <a:p>
-              <a:pPr algn="ctr"/>
-              <a:r>
-                <a:rPr lang="fr-FR" b="1" dirty="0"/>
-                <a:t>R. taboue </a:t>
-              </a:r>
-              <a:r>
-                <a:rPr lang="fr-FR" dirty="0"/>
-                <a:t>sur chaque individu</a:t>
-              </a:r>
-            </a:p>
-          </p:txBody>
-        </p:sp>
-        <p:sp>
-          <p:nvSpPr>
-            <p:cNvPr id="16" name="Rectangle 15">
-              <a:extLst>
-                <a:ext uri="{FF2B5EF4-FFF2-40B4-BE49-F238E27FC236}">
-                  <a16:creationId xmlns:a16="http://schemas.microsoft.com/office/drawing/2014/main" id="{55FC232D-523C-049A-B306-B1194BA19639}"/>
-                </a:ext>
-              </a:extLst>
-            </p:cNvPr>
-            <p:cNvSpPr/>
-            <p:nvPr/>
-          </p:nvSpPr>
-          <p:spPr>
-            <a:xfrm>
-              <a:off x="4207522" y="2349766"/>
-              <a:ext cx="1659466" cy="1176690"/>
-            </a:xfrm>
-            <a:prstGeom prst="rect">
-              <a:avLst/>
-            </a:prstGeom>
-          </p:spPr>
-          <p:style>
-            <a:lnRef idx="2">
-              <a:schemeClr val="accent1">
-                <a:shade val="15000"/>
-              </a:schemeClr>
-            </a:lnRef>
-            <a:fillRef idx="1">
-              <a:schemeClr val="accent1"/>
-            </a:fillRef>
-            <a:effectRef idx="0">
-              <a:schemeClr val="accent1"/>
-            </a:effectRef>
-            <a:fontRef idx="minor">
-              <a:schemeClr val="lt1"/>
-            </a:fontRef>
-          </p:style>
-          <p:txBody>
-            <a:bodyPr rtlCol="0" anchor="ctr"/>
-            <a:lstStyle/>
-            <a:p>
-              <a:pPr algn="ctr"/>
-              <a:r>
-                <a:rPr lang="fr-FR" dirty="0"/>
-                <a:t>Croisement</a:t>
-              </a:r>
-            </a:p>
-          </p:txBody>
-        </p:sp>
-        <p:sp>
-          <p:nvSpPr>
-            <p:cNvPr id="17" name="Rectangle 16">
-              <a:extLst>
-                <a:ext uri="{FF2B5EF4-FFF2-40B4-BE49-F238E27FC236}">
-                  <a16:creationId xmlns:a16="http://schemas.microsoft.com/office/drawing/2014/main" id="{83EC5DD5-3986-76E1-AD54-3013AA014B01}"/>
-                </a:ext>
-              </a:extLst>
-            </p:cNvPr>
-            <p:cNvSpPr/>
-            <p:nvPr/>
-          </p:nvSpPr>
-          <p:spPr>
-            <a:xfrm>
-              <a:off x="6148082" y="2349766"/>
-              <a:ext cx="1659466" cy="1176690"/>
-            </a:xfrm>
-            <a:prstGeom prst="rect">
-              <a:avLst/>
-            </a:prstGeom>
-          </p:spPr>
-          <p:style>
-            <a:lnRef idx="2">
-              <a:schemeClr val="accent1">
-                <a:shade val="15000"/>
-              </a:schemeClr>
-            </a:lnRef>
-            <a:fillRef idx="1">
-              <a:schemeClr val="accent1"/>
-            </a:fillRef>
-            <a:effectRef idx="0">
-              <a:schemeClr val="accent1"/>
-            </a:effectRef>
-            <a:fontRef idx="minor">
-              <a:schemeClr val="lt1"/>
-            </a:fontRef>
-          </p:style>
-          <p:txBody>
-            <a:bodyPr rtlCol="0" anchor="ctr"/>
-            <a:lstStyle/>
-            <a:p>
-              <a:pPr algn="ctr"/>
-              <a:r>
-                <a:rPr lang="fr-FR" dirty="0"/>
-                <a:t>Mutations</a:t>
-              </a:r>
-            </a:p>
-          </p:txBody>
-        </p:sp>
-        <p:sp>
-          <p:nvSpPr>
-            <p:cNvPr id="19" name="Rectangle 18">
-              <a:extLst>
-                <a:ext uri="{FF2B5EF4-FFF2-40B4-BE49-F238E27FC236}">
-                  <a16:creationId xmlns:a16="http://schemas.microsoft.com/office/drawing/2014/main" id="{2FB4A5B8-5AA5-ACED-2A4E-DC7CF4AF649C}"/>
-                </a:ext>
-              </a:extLst>
-            </p:cNvPr>
-            <p:cNvSpPr/>
-            <p:nvPr/>
-          </p:nvSpPr>
-          <p:spPr>
-            <a:xfrm>
-              <a:off x="8088642" y="2349766"/>
-              <a:ext cx="1659466" cy="1176690"/>
-            </a:xfrm>
-            <a:prstGeom prst="rect">
-              <a:avLst/>
-            </a:prstGeom>
-          </p:spPr>
-          <p:style>
-            <a:lnRef idx="2">
-              <a:schemeClr val="accent1">
-                <a:shade val="15000"/>
-              </a:schemeClr>
-            </a:lnRef>
-            <a:fillRef idx="1">
-              <a:schemeClr val="accent1"/>
-            </a:fillRef>
-            <a:effectRef idx="0">
-              <a:schemeClr val="accent1"/>
-            </a:effectRef>
-            <a:fontRef idx="minor">
-              <a:schemeClr val="lt1"/>
-            </a:fontRef>
-          </p:style>
-          <p:txBody>
-            <a:bodyPr rtlCol="0" anchor="ctr"/>
-            <a:lstStyle/>
-            <a:p>
-              <a:pPr algn="ctr"/>
-              <a:r>
-                <a:rPr lang="fr-FR" b="1" dirty="0"/>
-                <a:t>R. taboue </a:t>
-              </a:r>
-              <a:r>
-                <a:rPr lang="fr-FR" dirty="0"/>
-                <a:t>sur chaque individu</a:t>
-              </a:r>
-            </a:p>
-          </p:txBody>
-        </p:sp>
-        <p:sp>
-          <p:nvSpPr>
-            <p:cNvPr id="20" name="Rectangle 19">
-              <a:extLst>
-                <a:ext uri="{FF2B5EF4-FFF2-40B4-BE49-F238E27FC236}">
-                  <a16:creationId xmlns:a16="http://schemas.microsoft.com/office/drawing/2014/main" id="{4549F476-5597-3ACA-637A-AF246AC4C83E}"/>
-                </a:ext>
-              </a:extLst>
-            </p:cNvPr>
-            <p:cNvSpPr/>
-            <p:nvPr/>
-          </p:nvSpPr>
-          <p:spPr>
-            <a:xfrm>
-              <a:off x="10029202" y="2349766"/>
-              <a:ext cx="1659466" cy="1176690"/>
-            </a:xfrm>
-            <a:prstGeom prst="rect">
-              <a:avLst/>
-            </a:prstGeom>
-          </p:spPr>
-          <p:style>
-            <a:lnRef idx="2">
-              <a:schemeClr val="accent1">
-                <a:shade val="15000"/>
-              </a:schemeClr>
-            </a:lnRef>
-            <a:fillRef idx="1">
-              <a:schemeClr val="accent1"/>
-            </a:fillRef>
-            <a:effectRef idx="0">
-              <a:schemeClr val="accent1"/>
-            </a:effectRef>
-            <a:fontRef idx="minor">
-              <a:schemeClr val="lt1"/>
-            </a:fontRef>
-          </p:style>
-          <p:txBody>
-            <a:bodyPr rtlCol="0" anchor="ctr"/>
-            <a:lstStyle/>
-            <a:p>
-              <a:pPr algn="ctr"/>
-              <a:r>
-                <a:rPr lang="fr-FR" b="1" dirty="0"/>
-                <a:t>Solution</a:t>
-              </a:r>
-              <a:endParaRPr lang="fr-FR" dirty="0"/>
-            </a:p>
-          </p:txBody>
-        </p:sp>
-        <p:cxnSp>
-          <p:nvCxnSpPr>
-            <p:cNvPr id="22" name="Connecteur droit avec flèche 21">
-              <a:extLst>
-                <a:ext uri="{FF2B5EF4-FFF2-40B4-BE49-F238E27FC236}">
-                  <a16:creationId xmlns:a16="http://schemas.microsoft.com/office/drawing/2014/main" id="{9C163C59-1D00-FAB8-0AEC-16A6CFEBAAFA}"/>
-                </a:ext>
-              </a:extLst>
-            </p:cNvPr>
-            <p:cNvCxnSpPr>
-              <a:stCxn id="14" idx="3"/>
-              <a:endCxn id="15" idx="1"/>
-            </p:cNvCxnSpPr>
-            <p:nvPr/>
-          </p:nvCxnSpPr>
-          <p:spPr>
-            <a:xfrm flipV="1">
-              <a:off x="1985868" y="2938111"/>
-              <a:ext cx="281094" cy="2645"/>
-            </a:xfrm>
-            <a:prstGeom prst="straightConnector1">
-              <a:avLst/>
-            </a:prstGeom>
-            <a:ln>
-              <a:headEnd type="none" w="med" len="med"/>
-              <a:tailEnd type="arrow" w="med" len="med"/>
-            </a:ln>
-          </p:spPr>
-          <p:style>
-            <a:lnRef idx="3">
-              <a:schemeClr val="accent2"/>
-            </a:lnRef>
-            <a:fillRef idx="0">
-              <a:schemeClr val="accent2"/>
-            </a:fillRef>
-            <a:effectRef idx="2">
-              <a:schemeClr val="accent2"/>
-            </a:effectRef>
-            <a:fontRef idx="minor">
-              <a:schemeClr val="tx1"/>
-            </a:fontRef>
-          </p:style>
-        </p:cxnSp>
-        <p:cxnSp>
-          <p:nvCxnSpPr>
-            <p:cNvPr id="23" name="Connecteur droit avec flèche 22">
-              <a:extLst>
-                <a:ext uri="{FF2B5EF4-FFF2-40B4-BE49-F238E27FC236}">
-                  <a16:creationId xmlns:a16="http://schemas.microsoft.com/office/drawing/2014/main" id="{B87BD5D3-C0BA-160C-9A10-C9EA65011A9F}"/>
-                </a:ext>
-              </a:extLst>
-            </p:cNvPr>
-            <p:cNvCxnSpPr/>
-            <p:nvPr/>
-          </p:nvCxnSpPr>
-          <p:spPr>
-            <a:xfrm flipV="1">
-              <a:off x="3926428" y="2935465"/>
-              <a:ext cx="281094" cy="2645"/>
-            </a:xfrm>
-            <a:prstGeom prst="straightConnector1">
-              <a:avLst/>
-            </a:prstGeom>
-            <a:ln>
-              <a:headEnd type="none" w="med" len="med"/>
-              <a:tailEnd type="arrow" w="med" len="med"/>
-            </a:ln>
-          </p:spPr>
-          <p:style>
-            <a:lnRef idx="3">
-              <a:schemeClr val="accent2"/>
-            </a:lnRef>
-            <a:fillRef idx="0">
-              <a:schemeClr val="accent2"/>
-            </a:fillRef>
-            <a:effectRef idx="2">
-              <a:schemeClr val="accent2"/>
-            </a:effectRef>
-            <a:fontRef idx="minor">
-              <a:schemeClr val="tx1"/>
-            </a:fontRef>
-          </p:style>
-        </p:cxnSp>
-        <p:cxnSp>
-          <p:nvCxnSpPr>
-            <p:cNvPr id="24" name="Connecteur droit avec flèche 23">
-              <a:extLst>
-                <a:ext uri="{FF2B5EF4-FFF2-40B4-BE49-F238E27FC236}">
-                  <a16:creationId xmlns:a16="http://schemas.microsoft.com/office/drawing/2014/main" id="{E220F3F4-FE92-D87E-8242-D828492E4A2E}"/>
-                </a:ext>
-              </a:extLst>
-            </p:cNvPr>
-            <p:cNvCxnSpPr/>
-            <p:nvPr/>
-          </p:nvCxnSpPr>
-          <p:spPr>
-            <a:xfrm flipV="1">
-              <a:off x="5866988" y="2935465"/>
-              <a:ext cx="281094" cy="2645"/>
-            </a:xfrm>
-            <a:prstGeom prst="straightConnector1">
-              <a:avLst/>
-            </a:prstGeom>
-            <a:ln>
-              <a:headEnd type="none" w="med" len="med"/>
-              <a:tailEnd type="arrow" w="med" len="med"/>
-            </a:ln>
-          </p:spPr>
-          <p:style>
-            <a:lnRef idx="3">
-              <a:schemeClr val="accent2"/>
-            </a:lnRef>
-            <a:fillRef idx="0">
-              <a:schemeClr val="accent2"/>
-            </a:fillRef>
-            <a:effectRef idx="2">
-              <a:schemeClr val="accent2"/>
-            </a:effectRef>
-            <a:fontRef idx="minor">
-              <a:schemeClr val="tx1"/>
-            </a:fontRef>
-          </p:style>
-        </p:cxnSp>
-        <p:cxnSp>
-          <p:nvCxnSpPr>
-            <p:cNvPr id="25" name="Connecteur droit avec flèche 24">
-              <a:extLst>
-                <a:ext uri="{FF2B5EF4-FFF2-40B4-BE49-F238E27FC236}">
-                  <a16:creationId xmlns:a16="http://schemas.microsoft.com/office/drawing/2014/main" id="{19DA2637-6778-9831-0820-B6891AF90E24}"/>
-                </a:ext>
-              </a:extLst>
-            </p:cNvPr>
-            <p:cNvCxnSpPr/>
-            <p:nvPr/>
-          </p:nvCxnSpPr>
-          <p:spPr>
-            <a:xfrm flipV="1">
-              <a:off x="7804163" y="2935465"/>
-              <a:ext cx="281094" cy="2645"/>
-            </a:xfrm>
-            <a:prstGeom prst="straightConnector1">
-              <a:avLst/>
-            </a:prstGeom>
-            <a:ln>
-              <a:headEnd type="none" w="med" len="med"/>
-              <a:tailEnd type="arrow" w="med" len="med"/>
-            </a:ln>
-          </p:spPr>
-          <p:style>
-            <a:lnRef idx="3">
-              <a:schemeClr val="accent2"/>
-            </a:lnRef>
-            <a:fillRef idx="0">
-              <a:schemeClr val="accent2"/>
-            </a:fillRef>
-            <a:effectRef idx="2">
-              <a:schemeClr val="accent2"/>
-            </a:effectRef>
-            <a:fontRef idx="minor">
-              <a:schemeClr val="tx1"/>
-            </a:fontRef>
-          </p:style>
-        </p:cxnSp>
-        <p:cxnSp>
-          <p:nvCxnSpPr>
-            <p:cNvPr id="26" name="Connecteur droit avec flèche 25">
-              <a:extLst>
-                <a:ext uri="{FF2B5EF4-FFF2-40B4-BE49-F238E27FC236}">
-                  <a16:creationId xmlns:a16="http://schemas.microsoft.com/office/drawing/2014/main" id="{DD137577-C69D-DAF9-E557-31B20E566897}"/>
-                </a:ext>
-              </a:extLst>
-            </p:cNvPr>
-            <p:cNvCxnSpPr/>
-            <p:nvPr/>
-          </p:nvCxnSpPr>
-          <p:spPr>
-            <a:xfrm flipV="1">
-              <a:off x="9741338" y="2932820"/>
-              <a:ext cx="281094" cy="2645"/>
-            </a:xfrm>
-            <a:prstGeom prst="straightConnector1">
-              <a:avLst/>
-            </a:prstGeom>
-            <a:ln>
-              <a:headEnd type="none" w="med" len="med"/>
-              <a:tailEnd type="arrow" w="med" len="med"/>
-            </a:ln>
-          </p:spPr>
-          <p:style>
-            <a:lnRef idx="3">
-              <a:schemeClr val="accent2"/>
-            </a:lnRef>
-            <a:fillRef idx="0">
-              <a:schemeClr val="accent2"/>
-            </a:fillRef>
-            <a:effectRef idx="2">
-              <a:schemeClr val="accent2"/>
-            </a:effectRef>
-            <a:fontRef idx="minor">
-              <a:schemeClr val="tx1"/>
-            </a:fontRef>
-          </p:style>
-        </p:cxnSp>
-        <p:cxnSp>
-          <p:nvCxnSpPr>
-            <p:cNvPr id="28" name="Connecteur en angle 27">
-              <a:extLst>
-                <a:ext uri="{FF2B5EF4-FFF2-40B4-BE49-F238E27FC236}">
-                  <a16:creationId xmlns:a16="http://schemas.microsoft.com/office/drawing/2014/main" id="{BBC20354-B9D3-2102-C360-CC20AB5B9218}"/>
-                </a:ext>
-              </a:extLst>
-            </p:cNvPr>
-            <p:cNvCxnSpPr>
-              <a:stCxn id="19" idx="2"/>
-              <a:endCxn id="16" idx="2"/>
-            </p:cNvCxnSpPr>
-            <p:nvPr/>
-          </p:nvCxnSpPr>
-          <p:spPr>
-            <a:xfrm rot="5400000">
-              <a:off x="6977815" y="1585896"/>
-              <a:ext cx="12700" cy="3881120"/>
-            </a:xfrm>
-            <a:prstGeom prst="bentConnector3">
-              <a:avLst>
-                <a:gd name="adj1" fmla="val 3755551"/>
-              </a:avLst>
-            </a:prstGeom>
-            <a:ln>
-              <a:tailEnd type="triangle"/>
-            </a:ln>
-          </p:spPr>
-          <p:style>
-            <a:lnRef idx="3">
-              <a:schemeClr val="accent3"/>
-            </a:lnRef>
-            <a:fillRef idx="0">
-              <a:schemeClr val="accent3"/>
-            </a:fillRef>
-            <a:effectRef idx="2">
-              <a:schemeClr val="accent3"/>
-            </a:effectRef>
-            <a:fontRef idx="minor">
-              <a:schemeClr val="tx1"/>
-            </a:fontRef>
-          </p:style>
-        </p:cxnSp>
-        <p:sp>
-          <p:nvSpPr>
-            <p:cNvPr id="31" name="ZoneTexte 30">
-              <a:extLst>
-                <a:ext uri="{FF2B5EF4-FFF2-40B4-BE49-F238E27FC236}">
-                  <a16:creationId xmlns:a16="http://schemas.microsoft.com/office/drawing/2014/main" id="{2AE621E3-CE90-617C-5971-AD2EFC4F19B3}"/>
-                </a:ext>
-              </a:extLst>
-            </p:cNvPr>
-            <p:cNvSpPr txBox="1"/>
-            <p:nvPr/>
-          </p:nvSpPr>
-          <p:spPr>
-            <a:xfrm>
-              <a:off x="6115784" y="1756523"/>
-              <a:ext cx="1724062" cy="523220"/>
-            </a:xfrm>
-            <a:prstGeom prst="rect">
-              <a:avLst/>
-            </a:prstGeom>
-            <a:noFill/>
-          </p:spPr>
-          <p:txBody>
-            <a:bodyPr wrap="none" rtlCol="0">
-              <a:spAutoFit/>
-            </a:bodyPr>
-            <a:lstStyle/>
-            <a:p>
-              <a:r>
-                <a:rPr lang="fr-FR" sz="2800" b="1" dirty="0"/>
-                <a:t>Evolution</a:t>
-              </a:r>
-            </a:p>
-          </p:txBody>
-        </p:sp>
-      </p:grpSp>
-      <p:sp>
-        <p:nvSpPr>
-          <p:cNvPr id="33" name="ZoneTexte 32">
-            <a:extLst>
-              <a:ext uri="{FF2B5EF4-FFF2-40B4-BE49-F238E27FC236}">
-                <a16:creationId xmlns:a16="http://schemas.microsoft.com/office/drawing/2014/main" id="{CE9188B6-A886-EC87-C903-5C97498F03D9}"/>
-              </a:ext>
-            </a:extLst>
-          </p:cNvPr>
-          <p:cNvSpPr txBox="1"/>
-          <p:nvPr/>
-        </p:nvSpPr>
-        <p:spPr>
-          <a:xfrm>
-            <a:off x="534786" y="4324049"/>
-            <a:ext cx="3998210" cy="1754326"/>
-          </a:xfrm>
-          <a:prstGeom prst="rect">
-            <a:avLst/>
-          </a:prstGeom>
-          <a:noFill/>
-        </p:spPr>
-        <p:txBody>
-          <a:bodyPr wrap="none" rtlCol="0">
-            <a:spAutoFit/>
-          </a:bodyPr>
-          <a:lstStyle/>
-          <a:p>
-            <a:r>
-              <a:rPr lang="fr-FR" dirty="0">
-                <a:solidFill>
-                  <a:schemeClr val="tx1">
-                    <a:lumMod val="65000"/>
-                    <a:lumOff val="35000"/>
-                  </a:schemeClr>
-                </a:solidFill>
-              </a:rPr>
-              <a:t>Paramètres :</a:t>
-            </a:r>
-          </a:p>
-          <a:p>
-            <a:pPr marL="285750" indent="-285750">
-              <a:buFont typeface="Arial" panose="020B0604020202020204" pitchFamily="34" charset="0"/>
-              <a:buChar char="•"/>
-            </a:pPr>
-            <a:r>
-              <a:rPr lang="fr-FR" dirty="0">
-                <a:solidFill>
-                  <a:schemeClr val="tx1">
-                    <a:lumMod val="65000"/>
-                    <a:lumOff val="35000"/>
-                  </a:schemeClr>
-                </a:solidFill>
-              </a:rPr>
-              <a:t>Temps alloué à la recherche taboue</a:t>
-            </a:r>
-          </a:p>
-          <a:p>
-            <a:pPr marL="285750" indent="-285750">
-              <a:buFont typeface="Arial" panose="020B0604020202020204" pitchFamily="34" charset="0"/>
-              <a:buChar char="•"/>
-            </a:pPr>
-            <a:r>
-              <a:rPr lang="fr-FR" dirty="0">
-                <a:solidFill>
-                  <a:schemeClr val="tx1">
-                    <a:lumMod val="65000"/>
-                    <a:lumOff val="35000"/>
-                  </a:schemeClr>
-                </a:solidFill>
-              </a:rPr>
-              <a:t>Taux de mutation</a:t>
-            </a:r>
-          </a:p>
-          <a:p>
-            <a:pPr marL="285750" indent="-285750">
-              <a:buFont typeface="Arial" panose="020B0604020202020204" pitchFamily="34" charset="0"/>
-              <a:buChar char="•"/>
-            </a:pPr>
-            <a:r>
-              <a:rPr lang="fr-FR" dirty="0">
-                <a:solidFill>
-                  <a:schemeClr val="tx1">
-                    <a:lumMod val="65000"/>
-                    <a:lumOff val="35000"/>
-                  </a:schemeClr>
-                </a:solidFill>
-              </a:rPr>
-              <a:t>Sélection des parents</a:t>
-            </a:r>
-          </a:p>
-          <a:p>
-            <a:pPr marL="285750" indent="-285750">
-              <a:buFont typeface="Arial" panose="020B0604020202020204" pitchFamily="34" charset="0"/>
-              <a:buChar char="•"/>
-            </a:pPr>
-            <a:r>
-              <a:rPr lang="fr-FR" dirty="0">
-                <a:solidFill>
-                  <a:schemeClr val="tx1">
-                    <a:lumMod val="65000"/>
-                    <a:lumOff val="35000"/>
-                  </a:schemeClr>
-                </a:solidFill>
-              </a:rPr>
-              <a:t>Taille de la population</a:t>
-            </a:r>
-          </a:p>
-          <a:p>
-            <a:pPr marL="285750" indent="-285750">
-              <a:buFont typeface="Arial" panose="020B0604020202020204" pitchFamily="34" charset="0"/>
-              <a:buChar char="•"/>
-            </a:pPr>
-            <a:r>
-              <a:rPr lang="fr-FR" dirty="0">
-                <a:solidFill>
-                  <a:schemeClr val="tx1">
-                    <a:lumMod val="65000"/>
-                    <a:lumOff val="35000"/>
-                  </a:schemeClr>
-                </a:solidFill>
-              </a:rPr>
-              <a:t>Critère d’arrêt</a:t>
-            </a:r>
-          </a:p>
-        </p:txBody>
-      </p:sp>
-      <p:sp>
-        <p:nvSpPr>
-          <p:cNvPr id="34" name="ZoneTexte 33">
-            <a:extLst>
-              <a:ext uri="{FF2B5EF4-FFF2-40B4-BE49-F238E27FC236}">
-                <a16:creationId xmlns:a16="http://schemas.microsoft.com/office/drawing/2014/main" id="{CF81D2AE-0164-5F75-BF23-E497C285EAAD}"/>
-              </a:ext>
-            </a:extLst>
-          </p:cNvPr>
-          <p:cNvSpPr txBox="1"/>
-          <p:nvPr/>
-        </p:nvSpPr>
-        <p:spPr>
-          <a:xfrm>
-            <a:off x="5094517" y="5032555"/>
-            <a:ext cx="4787368" cy="461665"/>
-          </a:xfrm>
-          <a:prstGeom prst="rect">
-            <a:avLst/>
-          </a:prstGeom>
-          <a:noFill/>
-        </p:spPr>
-        <p:txBody>
-          <a:bodyPr wrap="square" rtlCol="0">
-            <a:spAutoFit/>
-          </a:bodyPr>
-          <a:lstStyle/>
-          <a:p>
-            <a:pPr algn="ctr"/>
-            <a:r>
-              <a:rPr lang="fr-FR" sz="2400" b="1" dirty="0">
-                <a:solidFill>
-                  <a:schemeClr val="tx1">
-                    <a:lumMod val="65000"/>
-                    <a:lumOff val="35000"/>
-                  </a:schemeClr>
-                </a:solidFill>
-              </a:rPr>
-              <a:t>Compromis à trouver</a:t>
-            </a:r>
-          </a:p>
-        </p:txBody>
-      </p:sp>
-      <p:sp>
-        <p:nvSpPr>
-          <p:cNvPr id="35" name="Flèche vers la droite 34">
-            <a:extLst>
-              <a:ext uri="{FF2B5EF4-FFF2-40B4-BE49-F238E27FC236}">
-                <a16:creationId xmlns:a16="http://schemas.microsoft.com/office/drawing/2014/main" id="{3667B84E-705C-C501-A0EF-E9551C7CB19D}"/>
-              </a:ext>
-            </a:extLst>
-          </p:cNvPr>
-          <p:cNvSpPr/>
-          <p:nvPr/>
-        </p:nvSpPr>
-        <p:spPr>
-          <a:xfrm>
-            <a:off x="5268138" y="5032555"/>
-            <a:ext cx="448377" cy="461665"/>
-          </a:xfrm>
-          <a:prstGeom prst="rightArrow">
-            <a:avLst>
-              <a:gd name="adj1" fmla="val 57867"/>
-              <a:gd name="adj2" fmla="val 50000"/>
-            </a:avLst>
-          </a:prstGeom>
-        </p:spPr>
-        <p:style>
-          <a:lnRef idx="2">
-            <a:schemeClr val="accent1">
-              <a:shade val="15000"/>
-            </a:schemeClr>
-          </a:lnRef>
-          <a:fillRef idx="1">
-            <a:schemeClr val="accent1"/>
-          </a:fillRef>
-          <a:effectRef idx="0">
-            <a:schemeClr val="accent1"/>
-          </a:effectRef>
-          <a:fontRef idx="minor">
-            <a:schemeClr val="lt1"/>
-          </a:fontRef>
-        </p:style>
-        <p:txBody>
-          <a:bodyPr rtlCol="0" anchor="ctr"/>
-          <a:lstStyle/>
-          <a:p>
-            <a:pPr algn="ctr"/>
-            <a:endParaRPr lang="fr-FR"/>
-          </a:p>
-        </p:txBody>
-      </p:sp>
-    </p:spTree>
-    <p:extLst>
-      <p:ext uri="{BB962C8B-B14F-4D97-AF65-F5344CB8AC3E}">
-        <p14:creationId xmlns:p14="http://schemas.microsoft.com/office/powerpoint/2010/main" val="1636382608"/>
-      </p:ext>
-    </p:extLst>
-  </p:cSld>
-  <p:clrMapOvr>
-    <a:masterClrMapping/>
-  </p:clrMapOvr>
-</p:sld>
-</file>
-
-<file path=ppt/slides/slide8.xml><?xml version="1.0" encoding="utf-8"?>
-<p:sld xmlns:a="http://schemas.openxmlformats.org/drawingml/2006/main" xmlns:r="http://schemas.openxmlformats.org/officeDocument/2006/relationships" xmlns:p="http://schemas.openxmlformats.org/presentationml/2006/main">
-  <p:cSld>
-    <p:spTree>
-      <p:nvGrpSpPr>
-        <p:cNvPr id="1" name="">
-          <a:extLst>
-            <a:ext uri="{FF2B5EF4-FFF2-40B4-BE49-F238E27FC236}">
-              <a16:creationId xmlns:a16="http://schemas.microsoft.com/office/drawing/2014/main" id="{9BF75F3A-9EB1-A075-B9D0-35E7515A8AD6}"/>
-            </a:ext>
-          </a:extLst>
-        </p:cNvPr>
-        <p:cNvGrpSpPr/>
-        <p:nvPr/>
-      </p:nvGrpSpPr>
-      <p:grpSpPr>
-        <a:xfrm>
-          <a:off x="0" y="0"/>
-          <a:ext cx="0" cy="0"/>
-          <a:chOff x="0" y="0"/>
-          <a:chExt cx="0" cy="0"/>
-        </a:xfrm>
-      </p:grpSpPr>
-      <p:sp>
-        <p:nvSpPr>
-          <p:cNvPr id="2" name="Titre 1">
-            <a:extLst>
-              <a:ext uri="{FF2B5EF4-FFF2-40B4-BE49-F238E27FC236}">
-                <a16:creationId xmlns:a16="http://schemas.microsoft.com/office/drawing/2014/main" id="{E1AE25E8-A62D-3629-BC47-63D7AB22495E}"/>
-              </a:ext>
-            </a:extLst>
-          </p:cNvPr>
-          <p:cNvSpPr>
-            <a:spLocks noGrp="1"/>
-          </p:cNvSpPr>
-          <p:nvPr>
-            <p:ph type="title"/>
-          </p:nvPr>
-        </p:nvSpPr>
-        <p:spPr/>
-        <p:txBody>
-          <a:bodyPr/>
-          <a:lstStyle/>
-          <a:p>
-            <a:r>
-              <a:rPr lang="fr-FR" b="1" dirty="0">
-                <a:solidFill>
-                  <a:schemeClr val="tx2"/>
-                </a:solidFill>
-              </a:rPr>
-              <a:t>Test sur les instances proposées et résultats</a:t>
-            </a:r>
-          </a:p>
-        </p:txBody>
-      </p:sp>
-      <p:sp>
-        <p:nvSpPr>
-          <p:cNvPr id="6" name="Espace réservé de la date 5">
-            <a:extLst>
-              <a:ext uri="{FF2B5EF4-FFF2-40B4-BE49-F238E27FC236}">
-                <a16:creationId xmlns:a16="http://schemas.microsoft.com/office/drawing/2014/main" id="{E78F5DFD-A2EB-2670-119F-DF59EE11D417}"/>
-              </a:ext>
-            </a:extLst>
-          </p:cNvPr>
-          <p:cNvSpPr>
-            <a:spLocks noGrp="1"/>
-          </p:cNvSpPr>
-          <p:nvPr>
-            <p:ph type="dt" sz="half" idx="10"/>
-          </p:nvPr>
-        </p:nvSpPr>
-        <p:spPr/>
-        <p:txBody>
-          <a:bodyPr/>
-          <a:lstStyle/>
-          <a:p>
-            <a:fld id="{DF4496CB-CBCE-3344-B099-3CBAC33A7F4E}" type="datetime1">
-              <a:rPr lang="fr-FR" smtClean="0"/>
-              <a:t>12/11/2024</a:t>
-            </a:fld>
-            <a:endParaRPr lang="fr-FR"/>
-          </a:p>
-        </p:txBody>
-      </p:sp>
-      <p:sp>
-        <p:nvSpPr>
-          <p:cNvPr id="4" name="Espace réservé du pied de page 3">
-            <a:extLst>
-              <a:ext uri="{FF2B5EF4-FFF2-40B4-BE49-F238E27FC236}">
-                <a16:creationId xmlns:a16="http://schemas.microsoft.com/office/drawing/2014/main" id="{7646318C-B01B-74C8-178D-322C719A42EC}"/>
-              </a:ext>
-            </a:extLst>
-          </p:cNvPr>
-          <p:cNvSpPr>
-            <a:spLocks noGrp="1"/>
-          </p:cNvSpPr>
-          <p:nvPr>
-            <p:ph type="ftr" sz="quarter" idx="11"/>
-          </p:nvPr>
-        </p:nvSpPr>
-        <p:spPr/>
-        <p:txBody>
-          <a:bodyPr/>
-          <a:lstStyle/>
-          <a:p>
-            <a:r>
-              <a:rPr lang="fr-FR"/>
-              <a:t>Problème d'affectation généralisée</a:t>
-            </a:r>
-          </a:p>
-        </p:txBody>
-      </p:sp>
-      <p:sp>
-        <p:nvSpPr>
-          <p:cNvPr id="5" name="Espace réservé du numéro de diapositive 4">
-            <a:extLst>
-              <a:ext uri="{FF2B5EF4-FFF2-40B4-BE49-F238E27FC236}">
-                <a16:creationId xmlns:a16="http://schemas.microsoft.com/office/drawing/2014/main" id="{52410C23-0D28-373C-5833-9E7F5AF01B1D}"/>
-              </a:ext>
-            </a:extLst>
-          </p:cNvPr>
-          <p:cNvSpPr>
-            <a:spLocks noGrp="1"/>
-          </p:cNvSpPr>
-          <p:nvPr>
-            <p:ph type="sldNum" sz="quarter" idx="12"/>
-          </p:nvPr>
-        </p:nvSpPr>
-        <p:spPr/>
-        <p:txBody>
-          <a:bodyPr/>
-          <a:lstStyle/>
-          <a:p>
-            <a:fld id="{49D9D136-35C4-F945-9AC1-0F0ED400EE8E}" type="slidenum">
-              <a:rPr lang="fr-FR" smtClean="0"/>
-              <a:t>8</a:t>
-            </a:fld>
-            <a:endParaRPr lang="fr-FR"/>
-          </a:p>
-        </p:txBody>
-      </p:sp>
-      <p:graphicFrame>
-        <p:nvGraphicFramePr>
-          <p:cNvPr id="11" name="Tableau 10">
-            <a:extLst>
-              <a:ext uri="{FF2B5EF4-FFF2-40B4-BE49-F238E27FC236}">
-                <a16:creationId xmlns:a16="http://schemas.microsoft.com/office/drawing/2014/main" id="{15BEF458-D529-475E-27DE-5C3927CB3F88}"/>
-              </a:ext>
-            </a:extLst>
-          </p:cNvPr>
-          <p:cNvGraphicFramePr>
-            <a:graphicFrameLocks noGrp="1"/>
-          </p:cNvGraphicFramePr>
-          <p:nvPr>
-            <p:extLst>
-              <p:ext uri="{D42A27DB-BD31-4B8C-83A1-F6EECF244321}">
-                <p14:modId xmlns:p14="http://schemas.microsoft.com/office/powerpoint/2010/main" val="1626677818"/>
-              </p:ext>
-            </p:extLst>
-          </p:nvPr>
-        </p:nvGraphicFramePr>
-        <p:xfrm>
-          <a:off x="838200" y="1870075"/>
-          <a:ext cx="10515600" cy="1381760"/>
-        </p:xfrm>
-        <a:graphic>
-          <a:graphicData uri="http://schemas.openxmlformats.org/drawingml/2006/table">
-            <a:tbl>
-              <a:tblPr firstRow="1" bandRow="1">
-                <a:tableStyleId>{5C22544A-7EE6-4342-B048-85BDC9FD1C3A}</a:tableStyleId>
-              </a:tblPr>
-              <a:tblGrid>
-                <a:gridCol w="2103120">
-                  <a:extLst>
-                    <a:ext uri="{9D8B030D-6E8A-4147-A177-3AD203B41FA5}">
-                      <a16:colId xmlns:a16="http://schemas.microsoft.com/office/drawing/2014/main" val="3313398393"/>
-                    </a:ext>
-                  </a:extLst>
-                </a:gridCol>
-                <a:gridCol w="2103120">
-                  <a:extLst>
-                    <a:ext uri="{9D8B030D-6E8A-4147-A177-3AD203B41FA5}">
-                      <a16:colId xmlns:a16="http://schemas.microsoft.com/office/drawing/2014/main" val="1424358944"/>
-                    </a:ext>
-                  </a:extLst>
-                </a:gridCol>
-                <a:gridCol w="2103120">
-                  <a:extLst>
-                    <a:ext uri="{9D8B030D-6E8A-4147-A177-3AD203B41FA5}">
-                      <a16:colId xmlns:a16="http://schemas.microsoft.com/office/drawing/2014/main" val="4130620859"/>
-                    </a:ext>
-                  </a:extLst>
-                </a:gridCol>
-                <a:gridCol w="2103120">
-                  <a:extLst>
-                    <a:ext uri="{9D8B030D-6E8A-4147-A177-3AD203B41FA5}">
-                      <a16:colId xmlns:a16="http://schemas.microsoft.com/office/drawing/2014/main" val="281738129"/>
-                    </a:ext>
-                  </a:extLst>
-                </a:gridCol>
-                <a:gridCol w="2103120">
-                  <a:extLst>
-                    <a:ext uri="{9D8B030D-6E8A-4147-A177-3AD203B41FA5}">
-                      <a16:colId xmlns:a16="http://schemas.microsoft.com/office/drawing/2014/main" val="3127317115"/>
-                    </a:ext>
-                  </a:extLst>
-                </a:gridCol>
-              </a:tblGrid>
-              <a:tr h="370840">
-                <a:tc>
-                  <a:txBody>
-                    <a:bodyPr/>
-                    <a:lstStyle/>
-                    <a:p>
-                      <a:r>
-                        <a:rPr lang="fr-FR" dirty="0"/>
-                        <a:t>Instances</a:t>
-                      </a:r>
-                    </a:p>
-                  </a:txBody>
-                  <a:tcPr/>
-                </a:tc>
-                <a:tc>
-                  <a:txBody>
-                    <a:bodyPr/>
-                    <a:lstStyle/>
-                    <a:p>
-                      <a:r>
-                        <a:rPr lang="fr-FR" dirty="0"/>
-                        <a:t>Gloutonne </a:t>
-                      </a:r>
-                      <a:r>
-                        <a:rPr lang="fr-FR" dirty="0" err="1"/>
-                        <a:t>stoch</a:t>
-                      </a:r>
-                      <a:r>
-                        <a:rPr lang="fr-FR" dirty="0"/>
-                        <a:t>.</a:t>
-                      </a:r>
-                    </a:p>
-                  </a:txBody>
-                  <a:tcPr/>
-                </a:tc>
-                <a:tc>
-                  <a:txBody>
-                    <a:bodyPr/>
-                    <a:lstStyle/>
-                    <a:p>
-                      <a:r>
-                        <a:rPr lang="fr-FR" dirty="0"/>
-                        <a:t>Recherche locale</a:t>
-                      </a:r>
-                    </a:p>
-                  </a:txBody>
-                  <a:tcPr/>
-                </a:tc>
-                <a:tc>
-                  <a:txBody>
-                    <a:bodyPr/>
-                    <a:lstStyle/>
-                    <a:p>
-                      <a:r>
-                        <a:rPr lang="fr-FR" dirty="0"/>
-                        <a:t>Recherche taboue</a:t>
-                      </a:r>
-                    </a:p>
-                  </a:txBody>
-                  <a:tcPr/>
-                </a:tc>
-                <a:tc>
-                  <a:txBody>
-                    <a:bodyPr/>
-                    <a:lstStyle/>
-                    <a:p>
-                      <a:r>
-                        <a:rPr lang="fr-FR" dirty="0"/>
-                        <a:t>Recherche mémétique</a:t>
-                      </a:r>
-                    </a:p>
-                  </a:txBody>
-                  <a:tcPr/>
-                </a:tc>
-                <a:extLst>
-                  <a:ext uri="{0D108BD9-81ED-4DB2-BD59-A6C34878D82A}">
-                    <a16:rowId xmlns:a16="http://schemas.microsoft.com/office/drawing/2014/main" val="3732152231"/>
-                  </a:ext>
-                </a:extLst>
-              </a:tr>
-              <a:tr h="370840">
-                <a:tc>
-                  <a:txBody>
-                    <a:bodyPr/>
-                    <a:lstStyle/>
-                    <a:p>
-                      <a:r>
-                        <a:rPr lang="fr-FR" dirty="0"/>
-                        <a:t>Gap 1-12</a:t>
-                      </a:r>
-                    </a:p>
-                  </a:txBody>
-                  <a:tcPr/>
-                </a:tc>
-                <a:tc>
-                  <a:txBody>
-                    <a:bodyPr/>
-                    <a:lstStyle/>
-                    <a:p>
-                      <a:r>
-                        <a:rPr lang="fr-FR" dirty="0"/>
-                        <a:t>8.45 %</a:t>
-                      </a:r>
-                    </a:p>
-                  </a:txBody>
-                  <a:tcPr/>
-                </a:tc>
-                <a:tc>
-                  <a:txBody>
-                    <a:bodyPr/>
-                    <a:lstStyle/>
-                    <a:p>
-                      <a:r>
-                        <a:rPr lang="fr-FR" dirty="0"/>
-                        <a:t>1.16 %</a:t>
-                      </a:r>
-                    </a:p>
-                  </a:txBody>
-                  <a:tcPr/>
-                </a:tc>
-                <a:tc>
-                  <a:txBody>
-                    <a:bodyPr/>
-                    <a:lstStyle/>
-                    <a:p>
-                      <a:r>
-                        <a:rPr lang="fr-FR" dirty="0"/>
-                        <a:t>0.51 %</a:t>
-                      </a:r>
-                    </a:p>
-                  </a:txBody>
-                  <a:tcPr/>
-                </a:tc>
-                <a:tc>
-                  <a:txBody>
-                    <a:bodyPr/>
-                    <a:lstStyle/>
-                    <a:p>
-                      <a:r>
-                        <a:rPr lang="fr-FR" dirty="0"/>
-                        <a:t>0.39 %</a:t>
-                      </a:r>
-                    </a:p>
-                  </a:txBody>
-                  <a:tcPr/>
-                </a:tc>
-                <a:extLst>
-                  <a:ext uri="{0D108BD9-81ED-4DB2-BD59-A6C34878D82A}">
-                    <a16:rowId xmlns:a16="http://schemas.microsoft.com/office/drawing/2014/main" val="2637908655"/>
-                  </a:ext>
-                </a:extLst>
-              </a:tr>
-              <a:tr h="370840">
-                <a:tc>
-                  <a:txBody>
-                    <a:bodyPr/>
-                    <a:lstStyle/>
-                    <a:p>
-                      <a:r>
-                        <a:rPr lang="fr-FR" dirty="0"/>
-                        <a:t>Gap </a:t>
-                      </a:r>
-                      <a:r>
-                        <a:rPr lang="fr-FR" dirty="0" err="1"/>
-                        <a:t>a-d</a:t>
-                      </a:r>
-                      <a:endParaRPr lang="fr-FR" dirty="0"/>
-                    </a:p>
-                  </a:txBody>
-                  <a:tcPr/>
-                </a:tc>
-                <a:tc>
-                  <a:txBody>
-                    <a:bodyPr/>
-                    <a:lstStyle/>
-                    <a:p>
-                      <a:r>
-                        <a:rPr lang="fr-FR" dirty="0"/>
-                        <a:t>26.39 %</a:t>
-                      </a:r>
-                    </a:p>
-                  </a:txBody>
-                  <a:tcPr/>
-                </a:tc>
-                <a:tc>
-                  <a:txBody>
-                    <a:bodyPr/>
-                    <a:lstStyle/>
-                    <a:p>
-                      <a:r>
-                        <a:rPr lang="fr-FR" dirty="0"/>
-                        <a:t>3.21 % </a:t>
-                      </a:r>
-                    </a:p>
-                  </a:txBody>
-                  <a:tcPr/>
-                </a:tc>
-                <a:tc>
-                  <a:txBody>
-                    <a:bodyPr/>
-                    <a:lstStyle/>
-                    <a:p>
-                      <a:r>
-                        <a:rPr lang="fr-FR" dirty="0"/>
-                        <a:t>2.35 %</a:t>
-                      </a:r>
-                    </a:p>
-                  </a:txBody>
-                  <a:tcPr/>
-                </a:tc>
-                <a:tc>
-                  <a:txBody>
-                    <a:bodyPr/>
-                    <a:lstStyle/>
-                    <a:p>
-                      <a:r>
-                        <a:rPr lang="fr-FR" dirty="0"/>
-                        <a:t>2.26 %</a:t>
-                      </a:r>
-                    </a:p>
-                  </a:txBody>
-                  <a:tcPr/>
-                </a:tc>
-                <a:extLst>
-                  <a:ext uri="{0D108BD9-81ED-4DB2-BD59-A6C34878D82A}">
-                    <a16:rowId xmlns:a16="http://schemas.microsoft.com/office/drawing/2014/main" val="1909341442"/>
-                  </a:ext>
-                </a:extLst>
-              </a:tr>
-            </a:tbl>
-          </a:graphicData>
-        </a:graphic>
-      </p:graphicFrame>
-      <p:sp>
-        <p:nvSpPr>
-          <p:cNvPr id="13" name="Espace réservé du contenu 12">
-            <a:extLst>
-              <a:ext uri="{FF2B5EF4-FFF2-40B4-BE49-F238E27FC236}">
-                <a16:creationId xmlns:a16="http://schemas.microsoft.com/office/drawing/2014/main" id="{5194668E-ACB6-4180-3D02-AB5F60FF98E1}"/>
-              </a:ext>
-            </a:extLst>
-          </p:cNvPr>
-          <p:cNvSpPr>
-            <a:spLocks noGrp="1"/>
-          </p:cNvSpPr>
-          <p:nvPr>
-            <p:ph idx="1"/>
-          </p:nvPr>
-        </p:nvSpPr>
-        <p:spPr>
-          <a:xfrm>
-            <a:off x="838200" y="3429000"/>
-            <a:ext cx="10515600" cy="2659284"/>
-          </a:xfrm>
-        </p:spPr>
-        <p:txBody>
-          <a:bodyPr>
-            <a:normAutofit/>
-          </a:bodyPr>
-          <a:lstStyle/>
-          <a:p>
-            <a:r>
-              <a:rPr lang="fr-FR" sz="2000" dirty="0">
-                <a:solidFill>
-                  <a:schemeClr val="tx1">
-                    <a:lumMod val="65000"/>
-                    <a:lumOff val="35000"/>
-                  </a:schemeClr>
-                </a:solidFill>
-              </a:rPr>
-              <a:t>Résultats qui </a:t>
-            </a:r>
-            <a:r>
-              <a:rPr lang="fr-FR" sz="2000" b="1" dirty="0">
-                <a:solidFill>
-                  <a:schemeClr val="tx1">
-                    <a:lumMod val="65000"/>
-                    <a:lumOff val="35000"/>
-                  </a:schemeClr>
-                </a:solidFill>
-              </a:rPr>
-              <a:t>correspondent aux attentes </a:t>
-            </a:r>
-            <a:r>
-              <a:rPr lang="fr-FR" sz="2000" dirty="0">
-                <a:solidFill>
-                  <a:schemeClr val="tx1">
-                    <a:lumMod val="65000"/>
-                    <a:lumOff val="35000"/>
-                  </a:schemeClr>
-                </a:solidFill>
-              </a:rPr>
-              <a:t>: chaque algorithme présenté ici est le prolongement du précédent, et est effectivement plus efficace</a:t>
-            </a:r>
-          </a:p>
-          <a:p>
-            <a:r>
-              <a:rPr lang="fr-FR" sz="2000" dirty="0">
-                <a:solidFill>
-                  <a:schemeClr val="tx1">
-                    <a:lumMod val="65000"/>
-                    <a:lumOff val="35000"/>
-                  </a:schemeClr>
-                </a:solidFill>
-              </a:rPr>
-              <a:t>Un </a:t>
-            </a:r>
-            <a:r>
-              <a:rPr lang="fr-FR" sz="2000" b="1" dirty="0">
-                <a:solidFill>
-                  <a:schemeClr val="tx1">
-                    <a:lumMod val="65000"/>
-                    <a:lumOff val="35000"/>
-                  </a:schemeClr>
-                </a:solidFill>
-              </a:rPr>
-              <a:t>algorithme stochastique </a:t>
-            </a:r>
-            <a:r>
-              <a:rPr lang="fr-FR" sz="2000" dirty="0">
-                <a:solidFill>
-                  <a:schemeClr val="tx1">
-                    <a:lumMod val="65000"/>
-                    <a:lumOff val="35000"/>
-                  </a:schemeClr>
-                </a:solidFill>
-              </a:rPr>
-              <a:t>donnant une famille de solution est plus efficace qu’un algorithme glouton simple, et permet des recherches à démarrages multiples</a:t>
-            </a:r>
-          </a:p>
-          <a:p>
-            <a:r>
-              <a:rPr lang="fr-FR" sz="2000" dirty="0">
-                <a:solidFill>
-                  <a:schemeClr val="tx1">
-                    <a:lumMod val="65000"/>
-                    <a:lumOff val="35000"/>
-                  </a:schemeClr>
-                </a:solidFill>
-              </a:rPr>
-              <a:t>Les résultats de ces recherches n’ont pas tous été fait sur les mêmes ordinateurs et les </a:t>
-            </a:r>
-            <a:r>
-              <a:rPr lang="fr-FR" sz="2000" b="1" dirty="0">
-                <a:solidFill>
-                  <a:schemeClr val="tx1">
-                    <a:lumMod val="65000"/>
-                    <a:lumOff val="35000"/>
-                  </a:schemeClr>
-                </a:solidFill>
-              </a:rPr>
-              <a:t>temps de recherche alloués </a:t>
-            </a:r>
-            <a:r>
-              <a:rPr lang="fr-FR" sz="2000" dirty="0">
-                <a:solidFill>
-                  <a:schemeClr val="tx1">
-                    <a:lumMod val="65000"/>
-                    <a:lumOff val="35000"/>
-                  </a:schemeClr>
-                </a:solidFill>
-              </a:rPr>
-              <a:t>peuvent être assez différents (moins de 10s pour la recherche mémétique contre 120s pour la recherche taboue)</a:t>
-            </a:r>
-          </a:p>
-        </p:txBody>
-      </p:sp>
-    </p:spTree>
-    <p:extLst>
-      <p:ext uri="{BB962C8B-B14F-4D97-AF65-F5344CB8AC3E}">
-        <p14:creationId xmlns:p14="http://schemas.microsoft.com/office/powerpoint/2010/main" val="973221682"/>
-      </p:ext>
-    </p:extLst>
-  </p:cSld>
-  <p:clrMapOvr>
-    <a:masterClrMapping/>
-  </p:clrMapOvr>
-</p:sld>
-</file>
-
-<file path=ppt/slides/slide9.xml><?xml version="1.0" encoding="utf-8"?>
-<p:sld xmlns:a="http://schemas.openxmlformats.org/drawingml/2006/main" xmlns:r="http://schemas.openxmlformats.org/officeDocument/2006/relationships" xmlns:p="http://schemas.openxmlformats.org/presentationml/2006/main">
-  <p:cSld>
-    <p:spTree>
-      <p:nvGrpSpPr>
-        <p:cNvPr id="1" name="">
-          <a:extLst>
-            <a:ext uri="{FF2B5EF4-FFF2-40B4-BE49-F238E27FC236}">
-              <a16:creationId xmlns:a16="http://schemas.microsoft.com/office/drawing/2014/main" id="{FA16E723-FE69-E1F4-B9C1-ABB376325A63}"/>
-            </a:ext>
-          </a:extLst>
-        </p:cNvPr>
-        <p:cNvGrpSpPr/>
-        <p:nvPr/>
-      </p:nvGrpSpPr>
-      <p:grpSpPr>
-        <a:xfrm>
-          <a:off x="0" y="0"/>
-          <a:ext cx="0" cy="0"/>
-          <a:chOff x="0" y="0"/>
-          <a:chExt cx="0" cy="0"/>
-        </a:xfrm>
-      </p:grpSpPr>
-      <p:sp>
-        <p:nvSpPr>
-          <p:cNvPr id="2" name="Titre 1">
-            <a:extLst>
-              <a:ext uri="{FF2B5EF4-FFF2-40B4-BE49-F238E27FC236}">
-                <a16:creationId xmlns:a16="http://schemas.microsoft.com/office/drawing/2014/main" id="{B189A68D-F1B2-4A55-5033-9B113D161063}"/>
-              </a:ext>
-            </a:extLst>
-          </p:cNvPr>
-          <p:cNvSpPr>
-            <a:spLocks noGrp="1"/>
-          </p:cNvSpPr>
-          <p:nvPr>
-            <p:ph type="title"/>
-          </p:nvPr>
-        </p:nvSpPr>
-        <p:spPr/>
-        <p:txBody>
-          <a:bodyPr/>
-          <a:lstStyle/>
-          <a:p>
-            <a:r>
-              <a:rPr lang="fr-FR" b="1" dirty="0">
-                <a:solidFill>
-                  <a:schemeClr val="tx2"/>
-                </a:solidFill>
-              </a:rPr>
-              <a:t>Pistes d ’amélioration</a:t>
-            </a:r>
-          </a:p>
-        </p:txBody>
-      </p:sp>
-      <p:sp>
-        <p:nvSpPr>
-          <p:cNvPr id="3" name="Espace réservé du contenu 2">
-            <a:extLst>
-              <a:ext uri="{FF2B5EF4-FFF2-40B4-BE49-F238E27FC236}">
-                <a16:creationId xmlns:a16="http://schemas.microsoft.com/office/drawing/2014/main" id="{1BAFFD8D-39EE-DD15-9F90-7BBCF3FFC516}"/>
-              </a:ext>
-            </a:extLst>
-          </p:cNvPr>
-          <p:cNvSpPr>
-            <a:spLocks noGrp="1"/>
-          </p:cNvSpPr>
-          <p:nvPr>
-            <p:ph idx="1"/>
-          </p:nvPr>
-        </p:nvSpPr>
-        <p:spPr/>
-        <p:txBody>
-          <a:bodyPr vert="horz" lIns="91440" tIns="45720" rIns="91440" bIns="45720" rtlCol="0" anchor="t">
-            <a:normAutofit/>
-          </a:bodyPr>
-          <a:lstStyle/>
-          <a:p>
-            <a:r>
-              <a:rPr lang="fr-FR" dirty="0">
-                <a:solidFill>
-                  <a:schemeClr val="tx1">
-                    <a:lumMod val="65000"/>
-                    <a:lumOff val="35000"/>
-                  </a:schemeClr>
-                </a:solidFill>
-              </a:rPr>
-              <a:t>Utilisation d’un langage compilé</a:t>
-            </a:r>
-          </a:p>
-          <a:p>
-            <a:r>
-              <a:rPr lang="fr-FR" dirty="0">
-                <a:solidFill>
-                  <a:schemeClr val="tx1">
-                    <a:lumMod val="65000"/>
-                    <a:lumOff val="35000"/>
-                  </a:schemeClr>
-                </a:solidFill>
-              </a:rPr>
-              <a:t>Recherche dans plusieurs voisinages</a:t>
-            </a:r>
-          </a:p>
-          <a:p>
-            <a:r>
-              <a:rPr lang="fr-FR" dirty="0">
-                <a:solidFill>
-                  <a:schemeClr val="tx1">
-                    <a:lumMod val="65000"/>
-                    <a:lumOff val="35000"/>
-                  </a:schemeClr>
-                </a:solidFill>
-              </a:rPr>
-              <a:t>Optimisation des paramètres : taux de mutation, sélection des parents, temps alloué à la recherche taboue, à la recherche avec </a:t>
-            </a:r>
-            <a:r>
-              <a:rPr lang="fr-FR" dirty="0" err="1">
-                <a:solidFill>
-                  <a:schemeClr val="tx1">
-                    <a:lumMod val="65000"/>
-                    <a:lumOff val="35000"/>
-                  </a:schemeClr>
-                </a:solidFill>
-              </a:rPr>
-              <a:t>backtracking</a:t>
-            </a:r>
-            <a:endParaRPr lang="fr-FR" dirty="0">
-              <a:solidFill>
-                <a:schemeClr val="tx1">
-                  <a:lumMod val="65000"/>
-                  <a:lumOff val="35000"/>
-                </a:schemeClr>
-              </a:solidFill>
-            </a:endParaRPr>
-          </a:p>
-          <a:p>
-            <a:r>
-              <a:rPr lang="fr-FR" dirty="0">
-                <a:solidFill>
-                  <a:schemeClr val="tx1">
-                    <a:lumMod val="65000"/>
-                    <a:lumOff val="35000"/>
-                  </a:schemeClr>
-                </a:solidFill>
-              </a:rPr>
-              <a:t>Utilisation d’une pénalisation sur la fonction objectif plutôt que de rejeter les solutions non admissibles.</a:t>
-            </a:r>
-          </a:p>
-        </p:txBody>
-      </p:sp>
-      <p:sp>
-        <p:nvSpPr>
-          <p:cNvPr id="6" name="Espace réservé de la date 5">
-            <a:extLst>
-              <a:ext uri="{FF2B5EF4-FFF2-40B4-BE49-F238E27FC236}">
-                <a16:creationId xmlns:a16="http://schemas.microsoft.com/office/drawing/2014/main" id="{58FF498E-DD94-8399-E4B0-3D74824CF4E8}"/>
-              </a:ext>
-            </a:extLst>
-          </p:cNvPr>
-          <p:cNvSpPr>
-            <a:spLocks noGrp="1"/>
-          </p:cNvSpPr>
-          <p:nvPr>
-            <p:ph type="dt" sz="half" idx="10"/>
-          </p:nvPr>
-        </p:nvSpPr>
-        <p:spPr/>
-        <p:txBody>
-          <a:bodyPr/>
-          <a:lstStyle/>
-          <a:p>
-            <a:fld id="{14ED228F-104F-164C-BFFA-7663EDBC3BAD}" type="datetime1">
-              <a:rPr lang="fr-FR" smtClean="0"/>
-              <a:t>12/11/2024</a:t>
-            </a:fld>
-            <a:endParaRPr lang="fr-FR"/>
-          </a:p>
-        </p:txBody>
-      </p:sp>
-      <p:sp>
-        <p:nvSpPr>
-          <p:cNvPr id="4" name="Espace réservé du pied de page 3">
-            <a:extLst>
-              <a:ext uri="{FF2B5EF4-FFF2-40B4-BE49-F238E27FC236}">
-                <a16:creationId xmlns:a16="http://schemas.microsoft.com/office/drawing/2014/main" id="{7F5CDC75-7409-9EE5-4E7E-7829B371EEF1}"/>
-              </a:ext>
-            </a:extLst>
-          </p:cNvPr>
-          <p:cNvSpPr>
-            <a:spLocks noGrp="1"/>
-          </p:cNvSpPr>
-          <p:nvPr>
-            <p:ph type="ftr" sz="quarter" idx="11"/>
-          </p:nvPr>
-        </p:nvSpPr>
-        <p:spPr/>
-        <p:txBody>
-          <a:bodyPr/>
-          <a:lstStyle/>
-          <a:p>
-            <a:r>
-              <a:rPr lang="fr-FR"/>
-              <a:t>Problème d'affectation généralisée</a:t>
-            </a:r>
-          </a:p>
-        </p:txBody>
-      </p:sp>
-      <p:sp>
-        <p:nvSpPr>
-          <p:cNvPr id="5" name="Espace réservé du numéro de diapositive 4">
-            <a:extLst>
-              <a:ext uri="{FF2B5EF4-FFF2-40B4-BE49-F238E27FC236}">
-                <a16:creationId xmlns:a16="http://schemas.microsoft.com/office/drawing/2014/main" id="{407636FA-7CD4-8B8E-E177-BFCCFD8E4B1B}"/>
-              </a:ext>
-            </a:extLst>
-          </p:cNvPr>
-          <p:cNvSpPr>
-            <a:spLocks noGrp="1"/>
-          </p:cNvSpPr>
-          <p:nvPr>
-            <p:ph type="sldNum" sz="quarter" idx="12"/>
-          </p:nvPr>
-        </p:nvSpPr>
-        <p:spPr/>
-        <p:txBody>
-          <a:bodyPr/>
-          <a:lstStyle/>
-          <a:p>
-            <a:fld id="{49D9D136-35C4-F945-9AC1-0F0ED400EE8E}" type="slidenum">
-              <a:rPr lang="fr-FR" smtClean="0"/>
-              <a:t>9</a:t>
-            </a:fld>
-            <a:endParaRPr lang="fr-FR"/>
-          </a:p>
-        </p:txBody>
-      </p:sp>
-    </p:spTree>
-    <p:extLst>
-      <p:ext uri="{BB962C8B-B14F-4D97-AF65-F5344CB8AC3E}">
-        <p14:creationId xmlns:p14="http://schemas.microsoft.com/office/powerpoint/2010/main" val="2319741526"/>
+        <p14:creationId xmlns:p14="http://schemas.microsoft.com/office/powerpoint/2010/main" val="3180863888"/>
       </p:ext>
     </p:extLst>
   </p:cSld>

--- a/Présentation Projet.pptx
+++ b/Présentation Projet.pptx
@@ -5,13 +5,19 @@
     <p:sldMasterId id="2147483648" r:id="rId1"/>
   </p:sldMasterIdLst>
   <p:notesMasterIdLst>
-    <p:notesMasterId r:id="rId6"/>
+    <p:notesMasterId r:id="rId12"/>
   </p:notesMasterIdLst>
   <p:sldIdLst>
     <p:sldId id="256" r:id="rId2"/>
     <p:sldId id="257" r:id="rId3"/>
-    <p:sldId id="258" r:id="rId4"/>
-    <p:sldId id="259" r:id="rId5"/>
+    <p:sldId id="260" r:id="rId4"/>
+    <p:sldId id="261" r:id="rId5"/>
+    <p:sldId id="262" r:id="rId6"/>
+    <p:sldId id="264" r:id="rId7"/>
+    <p:sldId id="258" r:id="rId8"/>
+    <p:sldId id="259" r:id="rId9"/>
+    <p:sldId id="263" r:id="rId10"/>
+    <p:sldId id="265" r:id="rId11"/>
   </p:sldIdLst>
   <p:sldSz cx="12192000" cy="6858000"/>
   <p:notesSz cx="6858000" cy="9144000"/>
@@ -3846,6 +3852,336 @@
 </p:sld>
 </file>
 
+<file path=ppt/slides/slide10.xml><?xml version="1.0" encoding="utf-8"?>
+<p:sld xmlns:a="http://schemas.openxmlformats.org/drawingml/2006/main" xmlns:r="http://schemas.openxmlformats.org/officeDocument/2006/relationships" xmlns:p="http://schemas.openxmlformats.org/presentationml/2006/main">
+  <p:cSld>
+    <p:spTree>
+      <p:nvGrpSpPr>
+        <p:cNvPr id="1" name="">
+          <a:extLst>
+            <a:ext uri="{FF2B5EF4-FFF2-40B4-BE49-F238E27FC236}">
+              <a16:creationId xmlns:a16="http://schemas.microsoft.com/office/drawing/2014/main" id="{9C689BDF-69A4-DFB5-83C0-8AC4E821715B}"/>
+            </a:ext>
+          </a:extLst>
+        </p:cNvPr>
+        <p:cNvGrpSpPr/>
+        <p:nvPr/>
+      </p:nvGrpSpPr>
+      <p:grpSpPr>
+        <a:xfrm>
+          <a:off x="0" y="0"/>
+          <a:ext cx="0" cy="0"/>
+          <a:chOff x="0" y="0"/>
+          <a:chExt cx="0" cy="0"/>
+        </a:xfrm>
+      </p:grpSpPr>
+      <p:sp>
+        <p:nvSpPr>
+          <p:cNvPr id="2" name="Titre 1">
+            <a:extLst>
+              <a:ext uri="{FF2B5EF4-FFF2-40B4-BE49-F238E27FC236}">
+                <a16:creationId xmlns:a16="http://schemas.microsoft.com/office/drawing/2014/main" id="{5C9E64F4-D21D-376A-CAB5-D13FECA99194}"/>
+              </a:ext>
+            </a:extLst>
+          </p:cNvPr>
+          <p:cNvSpPr>
+            <a:spLocks noGrp="1"/>
+          </p:cNvSpPr>
+          <p:nvPr>
+            <p:ph type="title"/>
+          </p:nvPr>
+        </p:nvSpPr>
+        <p:spPr/>
+        <p:txBody>
+          <a:bodyPr/>
+          <a:lstStyle/>
+          <a:p>
+            <a:r>
+              <a:rPr lang="fr-FR" b="1" dirty="0">
+                <a:solidFill>
+                  <a:schemeClr val="tx2"/>
+                </a:solidFill>
+              </a:rPr>
+              <a:t>Résultats : Diagramme de performance</a:t>
+            </a:r>
+          </a:p>
+        </p:txBody>
+      </p:sp>
+      <p:sp>
+        <p:nvSpPr>
+          <p:cNvPr id="4" name="Espace réservé de la date 3">
+            <a:extLst>
+              <a:ext uri="{FF2B5EF4-FFF2-40B4-BE49-F238E27FC236}">
+                <a16:creationId xmlns:a16="http://schemas.microsoft.com/office/drawing/2014/main" id="{75D582E6-73A0-A1B7-0FD1-F45A38B474E9}"/>
+              </a:ext>
+            </a:extLst>
+          </p:cNvPr>
+          <p:cNvSpPr>
+            <a:spLocks noGrp="1"/>
+          </p:cNvSpPr>
+          <p:nvPr>
+            <p:ph type="dt" sz="half" idx="10"/>
+          </p:nvPr>
+        </p:nvSpPr>
+        <p:spPr/>
+        <p:txBody>
+          <a:bodyPr/>
+          <a:lstStyle/>
+          <a:p>
+            <a:r>
+              <a:rPr lang="fr-FR"/>
+              <a:t>14/02/2025</a:t>
+            </a:r>
+          </a:p>
+        </p:txBody>
+      </p:sp>
+      <p:sp>
+        <p:nvSpPr>
+          <p:cNvPr id="5" name="Espace réservé du pied de page 4">
+            <a:extLst>
+              <a:ext uri="{FF2B5EF4-FFF2-40B4-BE49-F238E27FC236}">
+                <a16:creationId xmlns:a16="http://schemas.microsoft.com/office/drawing/2014/main" id="{8F4EA94B-C3C5-4127-34B8-EE9CBB1CE60D}"/>
+              </a:ext>
+            </a:extLst>
+          </p:cNvPr>
+          <p:cNvSpPr>
+            <a:spLocks noGrp="1"/>
+          </p:cNvSpPr>
+          <p:nvPr>
+            <p:ph type="ftr" sz="quarter" idx="11"/>
+          </p:nvPr>
+        </p:nvSpPr>
+        <p:spPr/>
+        <p:txBody>
+          <a:bodyPr/>
+          <a:lstStyle/>
+          <a:p>
+            <a:r>
+              <a:rPr lang="fr-FR" dirty="0"/>
+              <a:t>VRP robuste</a:t>
+            </a:r>
+          </a:p>
+        </p:txBody>
+      </p:sp>
+      <p:sp>
+        <p:nvSpPr>
+          <p:cNvPr id="6" name="Espace réservé du numéro de diapositive 5">
+            <a:extLst>
+              <a:ext uri="{FF2B5EF4-FFF2-40B4-BE49-F238E27FC236}">
+                <a16:creationId xmlns:a16="http://schemas.microsoft.com/office/drawing/2014/main" id="{091E7D9A-A0DC-8586-5D6E-5A067E5C5745}"/>
+              </a:ext>
+            </a:extLst>
+          </p:cNvPr>
+          <p:cNvSpPr>
+            <a:spLocks noGrp="1"/>
+          </p:cNvSpPr>
+          <p:nvPr>
+            <p:ph type="sldNum" sz="quarter" idx="12"/>
+          </p:nvPr>
+        </p:nvSpPr>
+        <p:spPr/>
+        <p:txBody>
+          <a:bodyPr/>
+          <a:lstStyle/>
+          <a:p>
+            <a:fld id="{49D9D136-35C4-F945-9AC1-0F0ED400EE8E}" type="slidenum">
+              <a:rPr lang="fr-FR" smtClean="0"/>
+              <a:t>10</a:t>
+            </a:fld>
+            <a:endParaRPr lang="fr-FR" dirty="0"/>
+          </a:p>
+        </p:txBody>
+      </p:sp>
+      <p:sp>
+        <p:nvSpPr>
+          <p:cNvPr id="13" name="ZoneTexte 12">
+            <a:extLst>
+              <a:ext uri="{FF2B5EF4-FFF2-40B4-BE49-F238E27FC236}">
+                <a16:creationId xmlns:a16="http://schemas.microsoft.com/office/drawing/2014/main" id="{3CEE9EE5-D292-4E70-225A-492005EC547D}"/>
+              </a:ext>
+            </a:extLst>
+          </p:cNvPr>
+          <p:cNvSpPr txBox="1"/>
+          <p:nvPr/>
+        </p:nvSpPr>
+        <p:spPr>
+          <a:xfrm>
+            <a:off x="590029" y="5298718"/>
+            <a:ext cx="11151520" cy="646331"/>
+          </a:xfrm>
+          <a:prstGeom prst="rect">
+            <a:avLst/>
+          </a:prstGeom>
+          <a:noFill/>
+        </p:spPr>
+        <p:txBody>
+          <a:bodyPr wrap="square" rtlCol="0">
+            <a:spAutoFit/>
+          </a:bodyPr>
+          <a:lstStyle/>
+          <a:p>
+            <a:pPr marL="285750" indent="-285750">
+              <a:buFont typeface="Arial" panose="020B0604020202020204" pitchFamily="34" charset="0"/>
+              <a:buChar char="•"/>
+            </a:pPr>
+            <a:r>
+              <a:rPr lang="fr-FR" dirty="0">
+                <a:solidFill>
+                  <a:schemeClr val="tx1">
+                    <a:lumMod val="65000"/>
+                    <a:lumOff val="35000"/>
+                  </a:schemeClr>
+                </a:solidFill>
+              </a:rPr>
+              <a:t>Méthode </a:t>
+            </a:r>
+            <a:r>
+              <a:rPr lang="fr-FR" b="1" dirty="0">
+                <a:solidFill>
+                  <a:schemeClr val="tx1">
+                    <a:lumMod val="65000"/>
+                    <a:lumOff val="35000"/>
+                  </a:schemeClr>
+                </a:solidFill>
+              </a:rPr>
+              <a:t>duale</a:t>
+            </a:r>
+            <a:r>
+              <a:rPr lang="fr-FR" dirty="0">
+                <a:solidFill>
+                  <a:schemeClr val="tx1">
+                    <a:lumMod val="65000"/>
+                    <a:lumOff val="35000"/>
+                  </a:schemeClr>
+                </a:solidFill>
+              </a:rPr>
+              <a:t> qui donne le meilleur gap</a:t>
+            </a:r>
+          </a:p>
+          <a:p>
+            <a:pPr marL="285750" indent="-285750">
+              <a:buFont typeface="Arial" panose="020B0604020202020204" pitchFamily="34" charset="0"/>
+              <a:buChar char="•"/>
+            </a:pPr>
+            <a:r>
+              <a:rPr lang="fr-FR" dirty="0">
+                <a:solidFill>
+                  <a:schemeClr val="tx1">
+                    <a:lumMod val="65000"/>
+                    <a:lumOff val="35000"/>
+                  </a:schemeClr>
+                </a:solidFill>
+              </a:rPr>
+              <a:t>Performances de </a:t>
+            </a:r>
+            <a:r>
+              <a:rPr lang="fr-FR" b="1" dirty="0">
+                <a:solidFill>
+                  <a:schemeClr val="tx1">
+                    <a:lumMod val="65000"/>
+                    <a:lumOff val="35000"/>
+                  </a:schemeClr>
+                </a:solidFill>
+              </a:rPr>
+              <a:t>l’heuristique</a:t>
+            </a:r>
+            <a:r>
+              <a:rPr lang="fr-FR" dirty="0">
+                <a:solidFill>
+                  <a:schemeClr val="tx1">
+                    <a:lumMod val="65000"/>
+                    <a:lumOff val="35000"/>
+                  </a:schemeClr>
+                </a:solidFill>
+              </a:rPr>
+              <a:t> proches de la </a:t>
+            </a:r>
+            <a:r>
+              <a:rPr lang="fr-FR" b="1" dirty="0">
+                <a:solidFill>
+                  <a:schemeClr val="tx1">
+                    <a:lumMod val="65000"/>
+                    <a:lumOff val="35000"/>
+                  </a:schemeClr>
+                </a:solidFill>
+              </a:rPr>
+              <a:t>meilleure méthode exacte</a:t>
+            </a:r>
+          </a:p>
+        </p:txBody>
+      </p:sp>
+      <p:pic>
+        <p:nvPicPr>
+          <p:cNvPr id="10" name="Espace réservé du contenu 9" descr="Une image contenant ligne, Tracé, diagramme, capture d’écran&#10;&#10;Le contenu généré par l’IA peut être incorrect.">
+            <a:extLst>
+              <a:ext uri="{FF2B5EF4-FFF2-40B4-BE49-F238E27FC236}">
+                <a16:creationId xmlns:a16="http://schemas.microsoft.com/office/drawing/2014/main" id="{B01C0361-F42F-AF59-65A0-AE31F75704B5}"/>
+              </a:ext>
+            </a:extLst>
+          </p:cNvPr>
+          <p:cNvPicPr>
+            <a:picLocks noGrp="1" noChangeAspect="1"/>
+          </p:cNvPicPr>
+          <p:nvPr>
+            <p:ph idx="1"/>
+          </p:nvPr>
+        </p:nvPicPr>
+        <p:blipFill>
+          <a:blip r:embed="rId2"/>
+          <a:stretch>
+            <a:fillRect/>
+          </a:stretch>
+        </p:blipFill>
+        <p:spPr>
+          <a:xfrm>
+            <a:off x="590029" y="1470717"/>
+            <a:ext cx="5505971" cy="3576606"/>
+          </a:xfrm>
+        </p:spPr>
+      </p:pic>
+      <p:pic>
+        <p:nvPicPr>
+          <p:cNvPr id="12" name="Image 11" descr="Une image contenant texte, ligne, diagramme, Tracé&#10;&#10;Le contenu généré par l’IA peut être incorrect.">
+            <a:extLst>
+              <a:ext uri="{FF2B5EF4-FFF2-40B4-BE49-F238E27FC236}">
+                <a16:creationId xmlns:a16="http://schemas.microsoft.com/office/drawing/2014/main" id="{3627E73B-0C6F-01C0-880B-FDEB7FFFCF12}"/>
+              </a:ext>
+            </a:extLst>
+          </p:cNvPr>
+          <p:cNvPicPr>
+            <a:picLocks noChangeAspect="1"/>
+          </p:cNvPicPr>
+          <p:nvPr/>
+        </p:nvPicPr>
+        <p:blipFill>
+          <a:blip r:embed="rId3"/>
+          <a:stretch>
+            <a:fillRect/>
+          </a:stretch>
+        </p:blipFill>
+        <p:spPr>
+          <a:xfrm>
+            <a:off x="6344171" y="1470717"/>
+            <a:ext cx="5674905" cy="3644179"/>
+          </a:xfrm>
+          <a:prstGeom prst="rect">
+            <a:avLst/>
+          </a:prstGeom>
+        </p:spPr>
+      </p:pic>
+    </p:spTree>
+    <p:extLst>
+      <p:ext uri="{BB962C8B-B14F-4D97-AF65-F5344CB8AC3E}">
+        <p14:creationId xmlns:p14="http://schemas.microsoft.com/office/powerpoint/2010/main" val="2602220637"/>
+      </p:ext>
+    </p:extLst>
+  </p:cSld>
+  <p:clrMapOvr>
+    <a:masterClrMapping/>
+  </p:clrMapOvr>
+</p:sld>
+</file>
+
 <file path=ppt/slides/slide2.xml><?xml version="1.0" encoding="utf-8"?>
 <p:sld xmlns:a="http://schemas.openxmlformats.org/drawingml/2006/main" xmlns:r="http://schemas.openxmlformats.org/officeDocument/2006/relationships" xmlns:p="http://schemas.openxmlformats.org/presentationml/2006/main">
   <p:cSld>
@@ -4121,6 +4457,17 @@
               </a:lnSpc>
             </a:pPr>
             <a:r>
+              <a:rPr lang="fr-FR" sz="2000" b="1" dirty="0">
+                <a:solidFill>
+                  <a:schemeClr val="tx1">
+                    <a:lumMod val="65000"/>
+                    <a:lumOff val="35000"/>
+                  </a:schemeClr>
+                </a:solidFill>
+              </a:rPr>
+              <a:t>Fusion</a:t>
+            </a:r>
+            <a:r>
               <a:rPr lang="fr-FR" sz="2000" dirty="0">
                 <a:solidFill>
                   <a:schemeClr val="tx1">
@@ -4129,7 +4476,7 @@
                   </a:schemeClr>
                 </a:solidFill>
               </a:rPr>
-              <a:t>Fusion des routes lorsque c’est possible </a:t>
+              <a:t> des routes lorsque c’est possible </a:t>
             </a:r>
           </a:p>
           <a:p>
@@ -6594,6 +6941,1595 @@
         <p:cNvPr id="1" name="">
           <a:extLst>
             <a:ext uri="{FF2B5EF4-FFF2-40B4-BE49-F238E27FC236}">
+              <a16:creationId xmlns:a16="http://schemas.microsoft.com/office/drawing/2014/main" id="{48B98994-5FB9-737A-94B2-88FB1EBA368E}"/>
+            </a:ext>
+          </a:extLst>
+        </p:cNvPr>
+        <p:cNvGrpSpPr/>
+        <p:nvPr/>
+      </p:nvGrpSpPr>
+      <p:grpSpPr>
+        <a:xfrm>
+          <a:off x="0" y="0"/>
+          <a:ext cx="0" cy="0"/>
+          <a:chOff x="0" y="0"/>
+          <a:chExt cx="0" cy="0"/>
+        </a:xfrm>
+      </p:grpSpPr>
+      <p:sp>
+        <p:nvSpPr>
+          <p:cNvPr id="2" name="Titre 1">
+            <a:extLst>
+              <a:ext uri="{FF2B5EF4-FFF2-40B4-BE49-F238E27FC236}">
+                <a16:creationId xmlns:a16="http://schemas.microsoft.com/office/drawing/2014/main" id="{3FC05974-767A-B8E6-E070-0C90A16F3407}"/>
+              </a:ext>
+            </a:extLst>
+          </p:cNvPr>
+          <p:cNvSpPr>
+            <a:spLocks noGrp="1"/>
+          </p:cNvSpPr>
+          <p:nvPr>
+            <p:ph type="title"/>
+          </p:nvPr>
+        </p:nvSpPr>
+        <p:spPr/>
+        <p:txBody>
+          <a:bodyPr/>
+          <a:lstStyle/>
+          <a:p>
+            <a:r>
+              <a:rPr lang="fr-FR" b="1" dirty="0">
+                <a:solidFill>
+                  <a:schemeClr val="tx2"/>
+                </a:solidFill>
+              </a:rPr>
+              <a:t>Heuristique : Voisinages 2-opt ou 3-opt des sous-tours</a:t>
+            </a:r>
+          </a:p>
+        </p:txBody>
+      </p:sp>
+      <p:sp>
+        <p:nvSpPr>
+          <p:cNvPr id="3" name="Espace réservé du contenu 2">
+            <a:extLst>
+              <a:ext uri="{FF2B5EF4-FFF2-40B4-BE49-F238E27FC236}">
+                <a16:creationId xmlns:a16="http://schemas.microsoft.com/office/drawing/2014/main" id="{81DFF59F-C03B-9ED6-D7ED-613FD2F36FF2}"/>
+              </a:ext>
+            </a:extLst>
+          </p:cNvPr>
+          <p:cNvSpPr>
+            <a:spLocks noGrp="1"/>
+          </p:cNvSpPr>
+          <p:nvPr>
+            <p:ph idx="1"/>
+          </p:nvPr>
+        </p:nvSpPr>
+        <p:spPr>
+          <a:xfrm>
+            <a:off x="409222" y="1884218"/>
+            <a:ext cx="6795142" cy="4157808"/>
+          </a:xfrm>
+        </p:spPr>
+        <p:txBody>
+          <a:bodyPr/>
+          <a:lstStyle/>
+          <a:p>
+            <a:pPr>
+              <a:lnSpc>
+                <a:spcPct val="100000"/>
+              </a:lnSpc>
+            </a:pPr>
+            <a:r>
+              <a:rPr lang="fr-FR" sz="2400" dirty="0">
+                <a:solidFill>
+                  <a:schemeClr val="tx1">
+                    <a:lumMod val="65000"/>
+                    <a:lumOff val="35000"/>
+                  </a:schemeClr>
+                </a:solidFill>
+              </a:rPr>
+              <a:t>A partir d’une solution générée par l’algorithme de Clarke and Wright</a:t>
+            </a:r>
+          </a:p>
+          <a:p>
+            <a:pPr>
+              <a:lnSpc>
+                <a:spcPct val="100000"/>
+              </a:lnSpc>
+            </a:pPr>
+            <a:endParaRPr lang="fr-FR" sz="2400" b="1" dirty="0">
+              <a:solidFill>
+                <a:schemeClr val="tx1">
+                  <a:lumMod val="65000"/>
+                  <a:lumOff val="35000"/>
+                </a:schemeClr>
+              </a:solidFill>
+            </a:endParaRPr>
+          </a:p>
+          <a:p>
+            <a:pPr>
+              <a:lnSpc>
+                <a:spcPct val="100000"/>
+              </a:lnSpc>
+            </a:pPr>
+            <a:r>
+              <a:rPr lang="fr-FR" sz="2400" dirty="0">
+                <a:solidFill>
+                  <a:schemeClr val="tx1">
+                    <a:lumMod val="65000"/>
+                    <a:lumOff val="35000"/>
+                  </a:schemeClr>
+                </a:solidFill>
+              </a:rPr>
+              <a:t>Exploration des voisinages </a:t>
+            </a:r>
+          </a:p>
+          <a:p>
+            <a:pPr>
+              <a:lnSpc>
+                <a:spcPct val="100000"/>
+              </a:lnSpc>
+            </a:pPr>
+            <a:r>
+              <a:rPr lang="fr-FR" sz="2400" b="1" dirty="0">
+                <a:solidFill>
+                  <a:schemeClr val="tx1">
+                    <a:lumMod val="65000"/>
+                    <a:lumOff val="35000"/>
+                  </a:schemeClr>
+                </a:solidFill>
+              </a:rPr>
+              <a:t>Le meilleur voisin</a:t>
+            </a:r>
+            <a:r>
+              <a:rPr lang="fr-FR" sz="2400" dirty="0">
+                <a:solidFill>
+                  <a:schemeClr val="tx1">
+                    <a:lumMod val="65000"/>
+                    <a:lumOff val="35000"/>
+                  </a:schemeClr>
+                </a:solidFill>
+              </a:rPr>
+              <a:t> devient la solution courante</a:t>
+            </a:r>
+          </a:p>
+          <a:p>
+            <a:pPr>
+              <a:lnSpc>
+                <a:spcPct val="100000"/>
+              </a:lnSpc>
+            </a:pPr>
+            <a:r>
+              <a:rPr lang="fr-FR" sz="2400" dirty="0">
+                <a:solidFill>
+                  <a:schemeClr val="tx1">
+                    <a:lumMod val="65000"/>
+                    <a:lumOff val="35000"/>
+                  </a:schemeClr>
+                </a:solidFill>
+              </a:rPr>
+              <a:t>L’algorithme </a:t>
+            </a:r>
+            <a:r>
+              <a:rPr lang="fr-FR" sz="2400" b="1" dirty="0">
+                <a:solidFill>
+                  <a:schemeClr val="tx1">
+                    <a:lumMod val="65000"/>
+                    <a:lumOff val="35000"/>
+                  </a:schemeClr>
+                </a:solidFill>
+              </a:rPr>
+              <a:t>s’arrête</a:t>
+            </a:r>
+            <a:r>
+              <a:rPr lang="fr-FR" sz="2400" dirty="0">
+                <a:solidFill>
+                  <a:schemeClr val="tx1">
+                    <a:lumMod val="65000"/>
+                    <a:lumOff val="35000"/>
+                  </a:schemeClr>
+                </a:solidFill>
+              </a:rPr>
+              <a:t> lorsqu’il ne trouve </a:t>
+            </a:r>
+            <a:r>
+              <a:rPr lang="fr-FR" sz="2400" b="1" dirty="0">
+                <a:solidFill>
+                  <a:schemeClr val="tx1">
+                    <a:lumMod val="65000"/>
+                    <a:lumOff val="35000"/>
+                  </a:schemeClr>
+                </a:solidFill>
+              </a:rPr>
+              <a:t>plus d’amélioration</a:t>
+            </a:r>
+          </a:p>
+          <a:p>
+            <a:pPr>
+              <a:lnSpc>
+                <a:spcPct val="100000"/>
+              </a:lnSpc>
+            </a:pPr>
+            <a:endParaRPr lang="fr-FR" dirty="0">
+              <a:solidFill>
+                <a:schemeClr val="tx1">
+                  <a:lumMod val="65000"/>
+                  <a:lumOff val="35000"/>
+                </a:schemeClr>
+              </a:solidFill>
+            </a:endParaRPr>
+          </a:p>
+        </p:txBody>
+      </p:sp>
+      <p:sp>
+        <p:nvSpPr>
+          <p:cNvPr id="4" name="Espace réservé de la date 3">
+            <a:extLst>
+              <a:ext uri="{FF2B5EF4-FFF2-40B4-BE49-F238E27FC236}">
+                <a16:creationId xmlns:a16="http://schemas.microsoft.com/office/drawing/2014/main" id="{F879B114-26AA-715B-79C0-DD9987B5DC0E}"/>
+              </a:ext>
+            </a:extLst>
+          </p:cNvPr>
+          <p:cNvSpPr>
+            <a:spLocks noGrp="1"/>
+          </p:cNvSpPr>
+          <p:nvPr>
+            <p:ph type="dt" sz="half" idx="10"/>
+          </p:nvPr>
+        </p:nvSpPr>
+        <p:spPr/>
+        <p:txBody>
+          <a:bodyPr/>
+          <a:lstStyle/>
+          <a:p>
+            <a:r>
+              <a:rPr lang="fr-FR" dirty="0"/>
+              <a:t>14/02/2025</a:t>
+            </a:r>
+          </a:p>
+        </p:txBody>
+      </p:sp>
+      <p:sp>
+        <p:nvSpPr>
+          <p:cNvPr id="5" name="Espace réservé du pied de page 4">
+            <a:extLst>
+              <a:ext uri="{FF2B5EF4-FFF2-40B4-BE49-F238E27FC236}">
+                <a16:creationId xmlns:a16="http://schemas.microsoft.com/office/drawing/2014/main" id="{B80A4839-7D62-2FFD-9930-4959E484A86B}"/>
+              </a:ext>
+            </a:extLst>
+          </p:cNvPr>
+          <p:cNvSpPr>
+            <a:spLocks noGrp="1"/>
+          </p:cNvSpPr>
+          <p:nvPr>
+            <p:ph type="ftr" sz="quarter" idx="11"/>
+          </p:nvPr>
+        </p:nvSpPr>
+        <p:spPr/>
+        <p:txBody>
+          <a:bodyPr/>
+          <a:lstStyle/>
+          <a:p>
+            <a:r>
+              <a:rPr lang="fr-FR" dirty="0"/>
+              <a:t>VRP robuste</a:t>
+            </a:r>
+          </a:p>
+        </p:txBody>
+      </p:sp>
+      <p:sp>
+        <p:nvSpPr>
+          <p:cNvPr id="6" name="Espace réservé du numéro de diapositive 5">
+            <a:extLst>
+              <a:ext uri="{FF2B5EF4-FFF2-40B4-BE49-F238E27FC236}">
+                <a16:creationId xmlns:a16="http://schemas.microsoft.com/office/drawing/2014/main" id="{89EFEF2F-0A12-2317-ADF1-8087E1DCE0F9}"/>
+              </a:ext>
+            </a:extLst>
+          </p:cNvPr>
+          <p:cNvSpPr>
+            <a:spLocks noGrp="1"/>
+          </p:cNvSpPr>
+          <p:nvPr>
+            <p:ph type="sldNum" sz="quarter" idx="12"/>
+          </p:nvPr>
+        </p:nvSpPr>
+        <p:spPr/>
+        <p:txBody>
+          <a:bodyPr/>
+          <a:lstStyle/>
+          <a:p>
+            <a:fld id="{49D9D136-35C4-F945-9AC1-0F0ED400EE8E}" type="slidenum">
+              <a:rPr lang="fr-FR" smtClean="0"/>
+              <a:t>3</a:t>
+            </a:fld>
+            <a:endParaRPr lang="fr-FR"/>
+          </a:p>
+        </p:txBody>
+      </p:sp>
+      <p:sp>
+        <p:nvSpPr>
+          <p:cNvPr id="60" name="ZoneTexte 59">
+            <a:extLst>
+              <a:ext uri="{FF2B5EF4-FFF2-40B4-BE49-F238E27FC236}">
+                <a16:creationId xmlns:a16="http://schemas.microsoft.com/office/drawing/2014/main" id="{4D2C442F-6470-93D5-0ACB-ACEB1CCD7856}"/>
+              </a:ext>
+            </a:extLst>
+          </p:cNvPr>
+          <p:cNvSpPr txBox="1"/>
+          <p:nvPr/>
+        </p:nvSpPr>
+        <p:spPr>
+          <a:xfrm>
+            <a:off x="8830699" y="5531355"/>
+            <a:ext cx="1720086" cy="369332"/>
+          </a:xfrm>
+          <a:prstGeom prst="rect">
+            <a:avLst/>
+          </a:prstGeom>
+          <a:noFill/>
+        </p:spPr>
+        <p:txBody>
+          <a:bodyPr wrap="none" rtlCol="0">
+            <a:spAutoFit/>
+          </a:bodyPr>
+          <a:lstStyle/>
+          <a:p>
+            <a:r>
+              <a:rPr lang="fr-FR">
+                <a:solidFill>
+                  <a:schemeClr val="tx1">
+                    <a:lumMod val="65000"/>
+                    <a:lumOff val="35000"/>
+                  </a:schemeClr>
+                </a:solidFill>
+              </a:rPr>
+              <a:t>Voisinage 3-opt</a:t>
+            </a:r>
+          </a:p>
+        </p:txBody>
+      </p:sp>
+      <p:pic>
+        <p:nvPicPr>
+          <p:cNvPr id="61" name="Image 60" descr="Une image contenant cercle, ligne, capture d’écran, astronomie&#10;&#10;Le contenu généré par l’IA peut être incorrect.">
+            <a:extLst>
+              <a:ext uri="{FF2B5EF4-FFF2-40B4-BE49-F238E27FC236}">
+                <a16:creationId xmlns:a16="http://schemas.microsoft.com/office/drawing/2014/main" id="{84DC19CF-BE8C-B980-E552-55B133B8E5FA}"/>
+              </a:ext>
+            </a:extLst>
+          </p:cNvPr>
+          <p:cNvPicPr>
+            <a:picLocks noChangeAspect="1"/>
+          </p:cNvPicPr>
+          <p:nvPr/>
+        </p:nvPicPr>
+        <p:blipFill>
+          <a:blip r:embed="rId2"/>
+          <a:stretch>
+            <a:fillRect/>
+          </a:stretch>
+        </p:blipFill>
+        <p:spPr>
+          <a:xfrm>
+            <a:off x="7633342" y="1646221"/>
+            <a:ext cx="3924299" cy="1611578"/>
+          </a:xfrm>
+          <a:prstGeom prst="rect">
+            <a:avLst/>
+          </a:prstGeom>
+        </p:spPr>
+      </p:pic>
+      <p:sp>
+        <p:nvSpPr>
+          <p:cNvPr id="62" name="ZoneTexte 61">
+            <a:extLst>
+              <a:ext uri="{FF2B5EF4-FFF2-40B4-BE49-F238E27FC236}">
+                <a16:creationId xmlns:a16="http://schemas.microsoft.com/office/drawing/2014/main" id="{A8FF9DA4-369D-2D0E-C438-68E33363F469}"/>
+              </a:ext>
+            </a:extLst>
+          </p:cNvPr>
+          <p:cNvSpPr txBox="1"/>
+          <p:nvPr/>
+        </p:nvSpPr>
+        <p:spPr>
+          <a:xfrm>
+            <a:off x="8774721" y="3073133"/>
+            <a:ext cx="1641540" cy="369332"/>
+          </a:xfrm>
+          <a:prstGeom prst="rect">
+            <a:avLst/>
+          </a:prstGeom>
+          <a:noFill/>
+        </p:spPr>
+        <p:txBody>
+          <a:bodyPr wrap="none" rtlCol="0">
+            <a:spAutoFit/>
+          </a:bodyPr>
+          <a:lstStyle/>
+          <a:p>
+            <a:r>
+              <a:rPr lang="fr-FR" dirty="0">
+                <a:solidFill>
+                  <a:schemeClr val="tx1">
+                    <a:lumMod val="65000"/>
+                    <a:lumOff val="35000"/>
+                  </a:schemeClr>
+                </a:solidFill>
+              </a:rPr>
+              <a:t>Voisinage 2opt</a:t>
+            </a:r>
+          </a:p>
+        </p:txBody>
+      </p:sp>
+      <p:pic>
+        <p:nvPicPr>
+          <p:cNvPr id="65" name="Image 64" descr="Une image contenant cercle, art, léger, étoile&#10;&#10;Le contenu généré par l’IA peut être incorrect.">
+            <a:extLst>
+              <a:ext uri="{FF2B5EF4-FFF2-40B4-BE49-F238E27FC236}">
+                <a16:creationId xmlns:a16="http://schemas.microsoft.com/office/drawing/2014/main" id="{2538CC70-4510-51E3-2E71-2D37FF0E3B4F}"/>
+              </a:ext>
+            </a:extLst>
+          </p:cNvPr>
+          <p:cNvPicPr>
+            <a:picLocks noChangeAspect="1"/>
+          </p:cNvPicPr>
+          <p:nvPr/>
+        </p:nvPicPr>
+        <p:blipFill>
+          <a:blip r:embed="rId3"/>
+          <a:stretch>
+            <a:fillRect/>
+          </a:stretch>
+        </p:blipFill>
+        <p:spPr>
+          <a:xfrm>
+            <a:off x="7633342" y="3805520"/>
+            <a:ext cx="4114801" cy="1547446"/>
+          </a:xfrm>
+          <a:prstGeom prst="rect">
+            <a:avLst/>
+          </a:prstGeom>
+        </p:spPr>
+      </p:pic>
+    </p:spTree>
+    <p:extLst>
+      <p:ext uri="{BB962C8B-B14F-4D97-AF65-F5344CB8AC3E}">
+        <p14:creationId xmlns:p14="http://schemas.microsoft.com/office/powerpoint/2010/main" val="3393572120"/>
+      </p:ext>
+    </p:extLst>
+  </p:cSld>
+  <p:clrMapOvr>
+    <a:masterClrMapping/>
+  </p:clrMapOvr>
+</p:sld>
+</file>
+
+<file path=ppt/slides/slide4.xml><?xml version="1.0" encoding="utf-8"?>
+<p:sld xmlns:a="http://schemas.openxmlformats.org/drawingml/2006/main" xmlns:r="http://schemas.openxmlformats.org/officeDocument/2006/relationships" xmlns:p="http://schemas.openxmlformats.org/presentationml/2006/main">
+  <p:cSld>
+    <p:spTree>
+      <p:nvGrpSpPr>
+        <p:cNvPr id="1" name="">
+          <a:extLst>
+            <a:ext uri="{FF2B5EF4-FFF2-40B4-BE49-F238E27FC236}">
+              <a16:creationId xmlns:a16="http://schemas.microsoft.com/office/drawing/2014/main" id="{A02ECB50-5A13-6F03-E3CC-23B216236CF8}"/>
+            </a:ext>
+          </a:extLst>
+        </p:cNvPr>
+        <p:cNvGrpSpPr/>
+        <p:nvPr/>
+      </p:nvGrpSpPr>
+      <p:grpSpPr>
+        <a:xfrm>
+          <a:off x="0" y="0"/>
+          <a:ext cx="0" cy="0"/>
+          <a:chOff x="0" y="0"/>
+          <a:chExt cx="0" cy="0"/>
+        </a:xfrm>
+      </p:grpSpPr>
+      <p:sp>
+        <p:nvSpPr>
+          <p:cNvPr id="2" name="Titre 1">
+            <a:extLst>
+              <a:ext uri="{FF2B5EF4-FFF2-40B4-BE49-F238E27FC236}">
+                <a16:creationId xmlns:a16="http://schemas.microsoft.com/office/drawing/2014/main" id="{40522C6D-82E0-3BF0-7BAA-3A83532FC9AA}"/>
+              </a:ext>
+            </a:extLst>
+          </p:cNvPr>
+          <p:cNvSpPr>
+            <a:spLocks noGrp="1"/>
+          </p:cNvSpPr>
+          <p:nvPr>
+            <p:ph type="title"/>
+          </p:nvPr>
+        </p:nvSpPr>
+        <p:spPr/>
+        <p:txBody>
+          <a:bodyPr/>
+          <a:lstStyle/>
+          <a:p>
+            <a:r>
+              <a:rPr lang="fr-FR" b="1" dirty="0">
+                <a:solidFill>
+                  <a:schemeClr val="tx2"/>
+                </a:solidFill>
+              </a:rPr>
+              <a:t>Heuristique : Voisinages 2-opt de la solution complète</a:t>
+            </a:r>
+          </a:p>
+        </p:txBody>
+      </p:sp>
+      <p:sp>
+        <p:nvSpPr>
+          <p:cNvPr id="3" name="Espace réservé du contenu 2">
+            <a:extLst>
+              <a:ext uri="{FF2B5EF4-FFF2-40B4-BE49-F238E27FC236}">
+                <a16:creationId xmlns:a16="http://schemas.microsoft.com/office/drawing/2014/main" id="{D6EDBFBF-6DDA-C98E-41AB-2FE2F12F466F}"/>
+              </a:ext>
+            </a:extLst>
+          </p:cNvPr>
+          <p:cNvSpPr>
+            <a:spLocks noGrp="1"/>
+          </p:cNvSpPr>
+          <p:nvPr>
+            <p:ph idx="1"/>
+          </p:nvPr>
+        </p:nvSpPr>
+        <p:spPr>
+          <a:xfrm>
+            <a:off x="450786" y="2131652"/>
+            <a:ext cx="6795142" cy="3783734"/>
+          </a:xfrm>
+        </p:spPr>
+        <p:txBody>
+          <a:bodyPr/>
+          <a:lstStyle/>
+          <a:p>
+            <a:pPr>
+              <a:lnSpc>
+                <a:spcPct val="100000"/>
+              </a:lnSpc>
+            </a:pPr>
+            <a:r>
+              <a:rPr lang="fr-FR" sz="2400" dirty="0">
+                <a:solidFill>
+                  <a:schemeClr val="tx1">
+                    <a:lumMod val="65000"/>
+                    <a:lumOff val="35000"/>
+                  </a:schemeClr>
+                </a:solidFill>
+              </a:rPr>
+              <a:t>Exploration des voisinages 2-opt</a:t>
+            </a:r>
+          </a:p>
+          <a:p>
+            <a:pPr>
+              <a:lnSpc>
+                <a:spcPct val="100000"/>
+              </a:lnSpc>
+            </a:pPr>
+            <a:r>
+              <a:rPr lang="fr-FR" sz="2400" dirty="0">
+                <a:solidFill>
+                  <a:schemeClr val="tx1">
+                    <a:lumMod val="65000"/>
+                    <a:lumOff val="35000"/>
+                  </a:schemeClr>
+                </a:solidFill>
+              </a:rPr>
+              <a:t>Sur </a:t>
+            </a:r>
+            <a:r>
+              <a:rPr lang="fr-FR" sz="2400" b="1" dirty="0">
+                <a:solidFill>
+                  <a:schemeClr val="tx1">
+                    <a:lumMod val="65000"/>
+                    <a:lumOff val="35000"/>
+                  </a:schemeClr>
+                </a:solidFill>
+              </a:rPr>
+              <a:t>chaque voisin</a:t>
+            </a:r>
+            <a:r>
+              <a:rPr lang="fr-FR" sz="2400" dirty="0">
+                <a:solidFill>
+                  <a:schemeClr val="tx1">
+                    <a:lumMod val="65000"/>
+                    <a:lumOff val="35000"/>
+                  </a:schemeClr>
+                </a:solidFill>
+              </a:rPr>
+              <a:t> :</a:t>
+            </a:r>
+          </a:p>
+          <a:p>
+            <a:pPr lvl="1">
+              <a:lnSpc>
+                <a:spcPct val="100000"/>
+              </a:lnSpc>
+            </a:pPr>
+            <a:r>
+              <a:rPr lang="fr-FR" sz="2000" dirty="0">
+                <a:solidFill>
+                  <a:schemeClr val="tx1">
+                    <a:lumMod val="65000"/>
+                    <a:lumOff val="35000"/>
+                  </a:schemeClr>
+                </a:solidFill>
+              </a:rPr>
+              <a:t>Exploration 2/3-opt sur chaque sous-tours</a:t>
+            </a:r>
+          </a:p>
+          <a:p>
+            <a:pPr>
+              <a:lnSpc>
+                <a:spcPct val="100000"/>
+              </a:lnSpc>
+            </a:pPr>
+            <a:r>
+              <a:rPr lang="fr-FR" sz="2400" b="1" dirty="0">
+                <a:solidFill>
+                  <a:schemeClr val="tx1">
+                    <a:lumMod val="65000"/>
+                    <a:lumOff val="35000"/>
+                  </a:schemeClr>
+                </a:solidFill>
+              </a:rPr>
+              <a:t>Le meilleur voisin</a:t>
+            </a:r>
+            <a:r>
+              <a:rPr lang="fr-FR" sz="2400" dirty="0">
+                <a:solidFill>
+                  <a:schemeClr val="tx1">
+                    <a:lumMod val="65000"/>
+                    <a:lumOff val="35000"/>
+                  </a:schemeClr>
+                </a:solidFill>
+              </a:rPr>
+              <a:t> (possiblement amélioré) devient la solution courante</a:t>
+            </a:r>
+          </a:p>
+          <a:p>
+            <a:pPr>
+              <a:lnSpc>
+                <a:spcPct val="100000"/>
+              </a:lnSpc>
+            </a:pPr>
+            <a:r>
+              <a:rPr lang="fr-FR" sz="2400" dirty="0">
+                <a:solidFill>
+                  <a:schemeClr val="tx1">
+                    <a:lumMod val="65000"/>
+                    <a:lumOff val="35000"/>
+                  </a:schemeClr>
+                </a:solidFill>
+              </a:rPr>
+              <a:t>L’algorithme </a:t>
+            </a:r>
+            <a:r>
+              <a:rPr lang="fr-FR" sz="2400" b="1" dirty="0">
+                <a:solidFill>
+                  <a:schemeClr val="tx1">
+                    <a:lumMod val="65000"/>
+                    <a:lumOff val="35000"/>
+                  </a:schemeClr>
+                </a:solidFill>
+              </a:rPr>
+              <a:t>s’arrête</a:t>
+            </a:r>
+            <a:r>
+              <a:rPr lang="fr-FR" sz="2400" dirty="0">
+                <a:solidFill>
+                  <a:schemeClr val="tx1">
+                    <a:lumMod val="65000"/>
+                    <a:lumOff val="35000"/>
+                  </a:schemeClr>
+                </a:solidFill>
+              </a:rPr>
+              <a:t> lorsqu’il ne trouve </a:t>
+            </a:r>
+            <a:r>
+              <a:rPr lang="fr-FR" sz="2400" b="1" dirty="0">
+                <a:solidFill>
+                  <a:schemeClr val="tx1">
+                    <a:lumMod val="65000"/>
+                    <a:lumOff val="35000"/>
+                  </a:schemeClr>
+                </a:solidFill>
+              </a:rPr>
+              <a:t>plus d’amélioration</a:t>
+            </a:r>
+          </a:p>
+          <a:p>
+            <a:pPr>
+              <a:lnSpc>
+                <a:spcPct val="100000"/>
+              </a:lnSpc>
+            </a:pPr>
+            <a:endParaRPr lang="fr-FR" dirty="0">
+              <a:solidFill>
+                <a:schemeClr val="tx1">
+                  <a:lumMod val="65000"/>
+                  <a:lumOff val="35000"/>
+                </a:schemeClr>
+              </a:solidFill>
+            </a:endParaRPr>
+          </a:p>
+        </p:txBody>
+      </p:sp>
+      <p:sp>
+        <p:nvSpPr>
+          <p:cNvPr id="4" name="Espace réservé de la date 3">
+            <a:extLst>
+              <a:ext uri="{FF2B5EF4-FFF2-40B4-BE49-F238E27FC236}">
+                <a16:creationId xmlns:a16="http://schemas.microsoft.com/office/drawing/2014/main" id="{457A525F-44A8-F852-B434-4C1F4DDEF1F0}"/>
+              </a:ext>
+            </a:extLst>
+          </p:cNvPr>
+          <p:cNvSpPr>
+            <a:spLocks noGrp="1"/>
+          </p:cNvSpPr>
+          <p:nvPr>
+            <p:ph type="dt" sz="half" idx="10"/>
+          </p:nvPr>
+        </p:nvSpPr>
+        <p:spPr/>
+        <p:txBody>
+          <a:bodyPr/>
+          <a:lstStyle/>
+          <a:p>
+            <a:r>
+              <a:rPr lang="fr-FR" dirty="0"/>
+              <a:t>14/02/2025</a:t>
+            </a:r>
+          </a:p>
+        </p:txBody>
+      </p:sp>
+      <p:sp>
+        <p:nvSpPr>
+          <p:cNvPr id="5" name="Espace réservé du pied de page 4">
+            <a:extLst>
+              <a:ext uri="{FF2B5EF4-FFF2-40B4-BE49-F238E27FC236}">
+                <a16:creationId xmlns:a16="http://schemas.microsoft.com/office/drawing/2014/main" id="{C8444DE2-EDBE-AF47-EB02-5C1205536A3B}"/>
+              </a:ext>
+            </a:extLst>
+          </p:cNvPr>
+          <p:cNvSpPr>
+            <a:spLocks noGrp="1"/>
+          </p:cNvSpPr>
+          <p:nvPr>
+            <p:ph type="ftr" sz="quarter" idx="11"/>
+          </p:nvPr>
+        </p:nvSpPr>
+        <p:spPr/>
+        <p:txBody>
+          <a:bodyPr/>
+          <a:lstStyle/>
+          <a:p>
+            <a:r>
+              <a:rPr lang="fr-FR" dirty="0"/>
+              <a:t>VRP robuste</a:t>
+            </a:r>
+          </a:p>
+        </p:txBody>
+      </p:sp>
+      <p:sp>
+        <p:nvSpPr>
+          <p:cNvPr id="6" name="Espace réservé du numéro de diapositive 5">
+            <a:extLst>
+              <a:ext uri="{FF2B5EF4-FFF2-40B4-BE49-F238E27FC236}">
+                <a16:creationId xmlns:a16="http://schemas.microsoft.com/office/drawing/2014/main" id="{922DF258-DB2A-E9CF-A208-BB949C6B593F}"/>
+              </a:ext>
+            </a:extLst>
+          </p:cNvPr>
+          <p:cNvSpPr>
+            <a:spLocks noGrp="1"/>
+          </p:cNvSpPr>
+          <p:nvPr>
+            <p:ph type="sldNum" sz="quarter" idx="12"/>
+          </p:nvPr>
+        </p:nvSpPr>
+        <p:spPr/>
+        <p:txBody>
+          <a:bodyPr/>
+          <a:lstStyle/>
+          <a:p>
+            <a:fld id="{49D9D136-35C4-F945-9AC1-0F0ED400EE8E}" type="slidenum">
+              <a:rPr lang="fr-FR" smtClean="0"/>
+              <a:t>4</a:t>
+            </a:fld>
+            <a:endParaRPr lang="fr-FR"/>
+          </a:p>
+        </p:txBody>
+      </p:sp>
+      <p:sp>
+        <p:nvSpPr>
+          <p:cNvPr id="62" name="ZoneTexte 61">
+            <a:extLst>
+              <a:ext uri="{FF2B5EF4-FFF2-40B4-BE49-F238E27FC236}">
+                <a16:creationId xmlns:a16="http://schemas.microsoft.com/office/drawing/2014/main" id="{1E136270-78F1-FFEE-8411-ACC027D8B4E3}"/>
+              </a:ext>
+            </a:extLst>
+          </p:cNvPr>
+          <p:cNvSpPr txBox="1"/>
+          <p:nvPr/>
+        </p:nvSpPr>
+        <p:spPr>
+          <a:xfrm>
+            <a:off x="8792328" y="5296280"/>
+            <a:ext cx="1641540" cy="369332"/>
+          </a:xfrm>
+          <a:prstGeom prst="rect">
+            <a:avLst/>
+          </a:prstGeom>
+          <a:noFill/>
+        </p:spPr>
+        <p:txBody>
+          <a:bodyPr wrap="none" rtlCol="0">
+            <a:spAutoFit/>
+          </a:bodyPr>
+          <a:lstStyle/>
+          <a:p>
+            <a:r>
+              <a:rPr lang="fr-FR" dirty="0">
+                <a:solidFill>
+                  <a:schemeClr val="tx1">
+                    <a:lumMod val="65000"/>
+                    <a:lumOff val="35000"/>
+                  </a:schemeClr>
+                </a:solidFill>
+              </a:rPr>
+              <a:t>Voisinage 2opt</a:t>
+            </a:r>
+          </a:p>
+        </p:txBody>
+      </p:sp>
+      <p:pic>
+        <p:nvPicPr>
+          <p:cNvPr id="10" name="Image 9" descr="Une image contenant ligne, diagramme, conception, léger&#10;&#10;Le contenu généré par l’IA peut être incorrect.">
+            <a:extLst>
+              <a:ext uri="{FF2B5EF4-FFF2-40B4-BE49-F238E27FC236}">
+                <a16:creationId xmlns:a16="http://schemas.microsoft.com/office/drawing/2014/main" id="{D815D63A-9BBF-7EE7-97B7-37D0AC6B2808}"/>
+              </a:ext>
+            </a:extLst>
+          </p:cNvPr>
+          <p:cNvPicPr>
+            <a:picLocks noChangeAspect="1"/>
+          </p:cNvPicPr>
+          <p:nvPr/>
+        </p:nvPicPr>
+        <p:blipFill>
+          <a:blip r:embed="rId2"/>
+          <a:stretch>
+            <a:fillRect/>
+          </a:stretch>
+        </p:blipFill>
+        <p:spPr>
+          <a:xfrm>
+            <a:off x="7484982" y="1693005"/>
+            <a:ext cx="4256232" cy="3471989"/>
+          </a:xfrm>
+          <a:prstGeom prst="rect">
+            <a:avLst/>
+          </a:prstGeom>
+        </p:spPr>
+      </p:pic>
+    </p:spTree>
+    <p:extLst>
+      <p:ext uri="{BB962C8B-B14F-4D97-AF65-F5344CB8AC3E}">
+        <p14:creationId xmlns:p14="http://schemas.microsoft.com/office/powerpoint/2010/main" val="3873401432"/>
+      </p:ext>
+    </p:extLst>
+  </p:cSld>
+  <p:clrMapOvr>
+    <a:masterClrMapping/>
+  </p:clrMapOvr>
+</p:sld>
+</file>
+
+<file path=ppt/slides/slide5.xml><?xml version="1.0" encoding="utf-8"?>
+<p:sld xmlns:a="http://schemas.openxmlformats.org/drawingml/2006/main" xmlns:r="http://schemas.openxmlformats.org/officeDocument/2006/relationships" xmlns:p="http://schemas.openxmlformats.org/presentationml/2006/main">
+  <p:cSld>
+    <p:spTree>
+      <p:nvGrpSpPr>
+        <p:cNvPr id="1" name="">
+          <a:extLst>
+            <a:ext uri="{FF2B5EF4-FFF2-40B4-BE49-F238E27FC236}">
+              <a16:creationId xmlns:a16="http://schemas.microsoft.com/office/drawing/2014/main" id="{323F4C8F-489A-6897-3015-D5D1E902B199}"/>
+            </a:ext>
+          </a:extLst>
+        </p:cNvPr>
+        <p:cNvGrpSpPr/>
+        <p:nvPr/>
+      </p:nvGrpSpPr>
+      <p:grpSpPr>
+        <a:xfrm>
+          <a:off x="0" y="0"/>
+          <a:ext cx="0" cy="0"/>
+          <a:chOff x="0" y="0"/>
+          <a:chExt cx="0" cy="0"/>
+        </a:xfrm>
+      </p:grpSpPr>
+      <p:sp>
+        <p:nvSpPr>
+          <p:cNvPr id="2" name="Titre 1">
+            <a:extLst>
+              <a:ext uri="{FF2B5EF4-FFF2-40B4-BE49-F238E27FC236}">
+                <a16:creationId xmlns:a16="http://schemas.microsoft.com/office/drawing/2014/main" id="{62A8DA81-4632-A5B1-D4C5-3F96EC332000}"/>
+              </a:ext>
+            </a:extLst>
+          </p:cNvPr>
+          <p:cNvSpPr>
+            <a:spLocks noGrp="1"/>
+          </p:cNvSpPr>
+          <p:nvPr>
+            <p:ph type="title"/>
+          </p:nvPr>
+        </p:nvSpPr>
+        <p:spPr/>
+        <p:txBody>
+          <a:bodyPr/>
+          <a:lstStyle/>
+          <a:p>
+            <a:r>
+              <a:rPr lang="fr-FR" b="1" dirty="0">
+                <a:solidFill>
+                  <a:schemeClr val="tx2"/>
+                </a:solidFill>
+              </a:rPr>
+              <a:t>Heuristique : Résultats</a:t>
+            </a:r>
+          </a:p>
+        </p:txBody>
+      </p:sp>
+      <p:sp>
+        <p:nvSpPr>
+          <p:cNvPr id="4" name="Espace réservé de la date 3">
+            <a:extLst>
+              <a:ext uri="{FF2B5EF4-FFF2-40B4-BE49-F238E27FC236}">
+                <a16:creationId xmlns:a16="http://schemas.microsoft.com/office/drawing/2014/main" id="{A36B018E-3BE0-9BFF-DE7D-CF4ED831898A}"/>
+              </a:ext>
+            </a:extLst>
+          </p:cNvPr>
+          <p:cNvSpPr>
+            <a:spLocks noGrp="1"/>
+          </p:cNvSpPr>
+          <p:nvPr>
+            <p:ph type="dt" sz="half" idx="10"/>
+          </p:nvPr>
+        </p:nvSpPr>
+        <p:spPr/>
+        <p:txBody>
+          <a:bodyPr/>
+          <a:lstStyle/>
+          <a:p>
+            <a:r>
+              <a:rPr lang="fr-FR" dirty="0"/>
+              <a:t>14/02/2025</a:t>
+            </a:r>
+          </a:p>
+        </p:txBody>
+      </p:sp>
+      <p:sp>
+        <p:nvSpPr>
+          <p:cNvPr id="5" name="Espace réservé du pied de page 4">
+            <a:extLst>
+              <a:ext uri="{FF2B5EF4-FFF2-40B4-BE49-F238E27FC236}">
+                <a16:creationId xmlns:a16="http://schemas.microsoft.com/office/drawing/2014/main" id="{93381CA1-8549-538A-51F3-CB6934003E4B}"/>
+              </a:ext>
+            </a:extLst>
+          </p:cNvPr>
+          <p:cNvSpPr>
+            <a:spLocks noGrp="1"/>
+          </p:cNvSpPr>
+          <p:nvPr>
+            <p:ph type="ftr" sz="quarter" idx="11"/>
+          </p:nvPr>
+        </p:nvSpPr>
+        <p:spPr/>
+        <p:txBody>
+          <a:bodyPr/>
+          <a:lstStyle/>
+          <a:p>
+            <a:r>
+              <a:rPr lang="fr-FR" dirty="0"/>
+              <a:t>VRP robuste</a:t>
+            </a:r>
+          </a:p>
+        </p:txBody>
+      </p:sp>
+      <p:sp>
+        <p:nvSpPr>
+          <p:cNvPr id="6" name="Espace réservé du numéro de diapositive 5">
+            <a:extLst>
+              <a:ext uri="{FF2B5EF4-FFF2-40B4-BE49-F238E27FC236}">
+                <a16:creationId xmlns:a16="http://schemas.microsoft.com/office/drawing/2014/main" id="{77627394-4223-739D-FF40-8A8D90C7117C}"/>
+              </a:ext>
+            </a:extLst>
+          </p:cNvPr>
+          <p:cNvSpPr>
+            <a:spLocks noGrp="1"/>
+          </p:cNvSpPr>
+          <p:nvPr>
+            <p:ph type="sldNum" sz="quarter" idx="12"/>
+          </p:nvPr>
+        </p:nvSpPr>
+        <p:spPr/>
+        <p:txBody>
+          <a:bodyPr/>
+          <a:lstStyle/>
+          <a:p>
+            <a:fld id="{49D9D136-35C4-F945-9AC1-0F0ED400EE8E}" type="slidenum">
+              <a:rPr lang="fr-FR" smtClean="0"/>
+              <a:t>5</a:t>
+            </a:fld>
+            <a:endParaRPr lang="fr-FR"/>
+          </a:p>
+        </p:txBody>
+      </p:sp>
+      <p:pic>
+        <p:nvPicPr>
+          <p:cNvPr id="11" name="Image 10">
+            <a:extLst>
+              <a:ext uri="{FF2B5EF4-FFF2-40B4-BE49-F238E27FC236}">
+                <a16:creationId xmlns:a16="http://schemas.microsoft.com/office/drawing/2014/main" id="{81FADE53-22A6-4799-7555-3AA1876E250C}"/>
+              </a:ext>
+            </a:extLst>
+          </p:cNvPr>
+          <p:cNvPicPr>
+            <a:picLocks noChangeAspect="1"/>
+          </p:cNvPicPr>
+          <p:nvPr/>
+        </p:nvPicPr>
+        <p:blipFill>
+          <a:blip r:embed="rId2"/>
+          <a:stretch>
+            <a:fillRect/>
+          </a:stretch>
+        </p:blipFill>
+        <p:spPr>
+          <a:xfrm>
+            <a:off x="381000" y="1500479"/>
+            <a:ext cx="7772400" cy="4423772"/>
+          </a:xfrm>
+          <a:prstGeom prst="rect">
+            <a:avLst/>
+          </a:prstGeom>
+        </p:spPr>
+      </p:pic>
+      <p:sp>
+        <p:nvSpPr>
+          <p:cNvPr id="12" name="ZoneTexte 11">
+            <a:extLst>
+              <a:ext uri="{FF2B5EF4-FFF2-40B4-BE49-F238E27FC236}">
+                <a16:creationId xmlns:a16="http://schemas.microsoft.com/office/drawing/2014/main" id="{F6FE8B18-A5DA-ADAA-251D-A8BCD46A2A81}"/>
+              </a:ext>
+            </a:extLst>
+          </p:cNvPr>
+          <p:cNvSpPr txBox="1"/>
+          <p:nvPr/>
+        </p:nvSpPr>
+        <p:spPr>
+          <a:xfrm>
+            <a:off x="8354291" y="1681040"/>
+            <a:ext cx="3699163" cy="3139321"/>
+          </a:xfrm>
+          <a:prstGeom prst="rect">
+            <a:avLst/>
+          </a:prstGeom>
+          <a:noFill/>
+        </p:spPr>
+        <p:txBody>
+          <a:bodyPr wrap="square" rtlCol="0">
+            <a:spAutoFit/>
+          </a:bodyPr>
+          <a:lstStyle/>
+          <a:p>
+            <a:pPr marL="285750" indent="-285750">
+              <a:buFont typeface="Arial" panose="020B0604020202020204" pitchFamily="34" charset="0"/>
+              <a:buChar char="•"/>
+            </a:pPr>
+            <a:r>
+              <a:rPr lang="fr-FR" dirty="0">
+                <a:solidFill>
+                  <a:schemeClr val="tx1">
+                    <a:lumMod val="65000"/>
+                    <a:lumOff val="35000"/>
+                  </a:schemeClr>
+                </a:solidFill>
+              </a:rPr>
+              <a:t>Gap avec le relâché continu du modèle dual</a:t>
+            </a:r>
+          </a:p>
+          <a:p>
+            <a:pPr marL="285750" indent="-285750">
+              <a:buFont typeface="Arial" panose="020B0604020202020204" pitchFamily="34" charset="0"/>
+              <a:buChar char="•"/>
+            </a:pPr>
+            <a:endParaRPr lang="fr-FR" dirty="0">
+              <a:solidFill>
+                <a:schemeClr val="tx1">
+                  <a:lumMod val="65000"/>
+                  <a:lumOff val="35000"/>
+                </a:schemeClr>
+              </a:solidFill>
+            </a:endParaRPr>
+          </a:p>
+          <a:p>
+            <a:pPr marL="285750" indent="-285750">
+              <a:buFont typeface="Arial" panose="020B0604020202020204" pitchFamily="34" charset="0"/>
+              <a:buChar char="•"/>
+            </a:pPr>
+            <a:r>
+              <a:rPr lang="fr-FR" dirty="0">
+                <a:solidFill>
+                  <a:schemeClr val="tx1">
+                    <a:lumMod val="65000"/>
+                    <a:lumOff val="35000"/>
+                  </a:schemeClr>
+                </a:solidFill>
+              </a:rPr>
+              <a:t>Temps de calcul des heuristiques sur les </a:t>
+            </a:r>
+            <a:r>
+              <a:rPr lang="fr-FR" b="1" dirty="0">
+                <a:solidFill>
+                  <a:schemeClr val="tx1">
+                    <a:lumMod val="65000"/>
+                    <a:lumOff val="35000"/>
+                  </a:schemeClr>
+                </a:solidFill>
+              </a:rPr>
+              <a:t>solutions complètes plusieurs ordres de grandeurs</a:t>
+            </a:r>
+            <a:r>
+              <a:rPr lang="fr-FR" dirty="0">
+                <a:solidFill>
+                  <a:schemeClr val="tx1">
+                    <a:lumMod val="65000"/>
+                    <a:lumOff val="35000"/>
+                  </a:schemeClr>
+                </a:solidFill>
+              </a:rPr>
+              <a:t> au dessus de  celles sur </a:t>
+            </a:r>
+            <a:r>
+              <a:rPr lang="fr-FR" b="1" dirty="0">
+                <a:solidFill>
+                  <a:schemeClr val="tx1">
+                    <a:lumMod val="65000"/>
+                    <a:lumOff val="35000"/>
+                  </a:schemeClr>
+                </a:solidFill>
+              </a:rPr>
+              <a:t>les sous-tours</a:t>
+            </a:r>
+          </a:p>
+          <a:p>
+            <a:pPr marL="285750" indent="-285750">
+              <a:buFont typeface="Arial" panose="020B0604020202020204" pitchFamily="34" charset="0"/>
+              <a:buChar char="•"/>
+            </a:pPr>
+            <a:endParaRPr lang="fr-FR" b="1" dirty="0">
+              <a:solidFill>
+                <a:schemeClr val="tx1">
+                  <a:lumMod val="65000"/>
+                  <a:lumOff val="35000"/>
+                </a:schemeClr>
+              </a:solidFill>
+            </a:endParaRPr>
+          </a:p>
+          <a:p>
+            <a:pPr marL="285750" indent="-285750">
+              <a:buFont typeface="Arial" panose="020B0604020202020204" pitchFamily="34" charset="0"/>
+              <a:buChar char="•"/>
+            </a:pPr>
+            <a:r>
+              <a:rPr lang="fr-FR" dirty="0">
+                <a:solidFill>
+                  <a:schemeClr val="tx1">
+                    <a:lumMod val="65000"/>
+                    <a:lumOff val="35000"/>
+                  </a:schemeClr>
+                </a:solidFill>
+              </a:rPr>
+              <a:t>Peu de gain sur les instances euclidiennes</a:t>
+            </a:r>
+          </a:p>
+        </p:txBody>
+      </p:sp>
+    </p:spTree>
+    <p:extLst>
+      <p:ext uri="{BB962C8B-B14F-4D97-AF65-F5344CB8AC3E}">
+        <p14:creationId xmlns:p14="http://schemas.microsoft.com/office/powerpoint/2010/main" val="899183435"/>
+      </p:ext>
+    </p:extLst>
+  </p:cSld>
+  <p:clrMapOvr>
+    <a:masterClrMapping/>
+  </p:clrMapOvr>
+</p:sld>
+</file>
+
+<file path=ppt/slides/slide6.xml><?xml version="1.0" encoding="utf-8"?>
+<p:sld xmlns:a="http://schemas.openxmlformats.org/drawingml/2006/main" xmlns:r="http://schemas.openxmlformats.org/officeDocument/2006/relationships" xmlns:p="http://schemas.openxmlformats.org/presentationml/2006/main">
+  <p:cSld>
+    <p:spTree>
+      <p:nvGrpSpPr>
+        <p:cNvPr id="1" name="">
+          <a:extLst>
+            <a:ext uri="{FF2B5EF4-FFF2-40B4-BE49-F238E27FC236}">
+              <a16:creationId xmlns:a16="http://schemas.microsoft.com/office/drawing/2014/main" id="{219A13E3-B9ED-10B6-EE94-7EF3067A6E90}"/>
+            </a:ext>
+          </a:extLst>
+        </p:cNvPr>
+        <p:cNvGrpSpPr/>
+        <p:nvPr/>
+      </p:nvGrpSpPr>
+      <p:grpSpPr>
+        <a:xfrm>
+          <a:off x="0" y="0"/>
+          <a:ext cx="0" cy="0"/>
+          <a:chOff x="0" y="0"/>
+          <a:chExt cx="0" cy="0"/>
+        </a:xfrm>
+      </p:grpSpPr>
+      <p:sp>
+        <p:nvSpPr>
+          <p:cNvPr id="2" name="Titre 1">
+            <a:extLst>
+              <a:ext uri="{FF2B5EF4-FFF2-40B4-BE49-F238E27FC236}">
+                <a16:creationId xmlns:a16="http://schemas.microsoft.com/office/drawing/2014/main" id="{764D7F47-5ECF-B870-BEB2-4894058F8B48}"/>
+              </a:ext>
+            </a:extLst>
+          </p:cNvPr>
+          <p:cNvSpPr>
+            <a:spLocks noGrp="1"/>
+          </p:cNvSpPr>
+          <p:nvPr>
+            <p:ph type="title"/>
+          </p:nvPr>
+        </p:nvSpPr>
+        <p:spPr/>
+        <p:txBody>
+          <a:bodyPr/>
+          <a:lstStyle/>
+          <a:p>
+            <a:r>
+              <a:rPr lang="fr-FR" b="1" dirty="0">
+                <a:solidFill>
+                  <a:schemeClr val="tx2"/>
+                </a:solidFill>
+              </a:rPr>
+              <a:t>Heuristique : Comparaison avec les méthodes exactes</a:t>
+            </a:r>
+          </a:p>
+        </p:txBody>
+      </p:sp>
+      <p:sp>
+        <p:nvSpPr>
+          <p:cNvPr id="4" name="Espace réservé de la date 3">
+            <a:extLst>
+              <a:ext uri="{FF2B5EF4-FFF2-40B4-BE49-F238E27FC236}">
+                <a16:creationId xmlns:a16="http://schemas.microsoft.com/office/drawing/2014/main" id="{CBAB51CE-904F-CCBE-7F95-12CBCC515660}"/>
+              </a:ext>
+            </a:extLst>
+          </p:cNvPr>
+          <p:cNvSpPr>
+            <a:spLocks noGrp="1"/>
+          </p:cNvSpPr>
+          <p:nvPr>
+            <p:ph type="dt" sz="half" idx="10"/>
+          </p:nvPr>
+        </p:nvSpPr>
+        <p:spPr/>
+        <p:txBody>
+          <a:bodyPr/>
+          <a:lstStyle/>
+          <a:p>
+            <a:r>
+              <a:rPr lang="fr-FR" dirty="0"/>
+              <a:t>14/02/2025</a:t>
+            </a:r>
+          </a:p>
+        </p:txBody>
+      </p:sp>
+      <p:sp>
+        <p:nvSpPr>
+          <p:cNvPr id="5" name="Espace réservé du pied de page 4">
+            <a:extLst>
+              <a:ext uri="{FF2B5EF4-FFF2-40B4-BE49-F238E27FC236}">
+                <a16:creationId xmlns:a16="http://schemas.microsoft.com/office/drawing/2014/main" id="{2AEFD001-BF10-5955-A6EB-0C5A79725435}"/>
+              </a:ext>
+            </a:extLst>
+          </p:cNvPr>
+          <p:cNvSpPr>
+            <a:spLocks noGrp="1"/>
+          </p:cNvSpPr>
+          <p:nvPr>
+            <p:ph type="ftr" sz="quarter" idx="11"/>
+          </p:nvPr>
+        </p:nvSpPr>
+        <p:spPr/>
+        <p:txBody>
+          <a:bodyPr/>
+          <a:lstStyle/>
+          <a:p>
+            <a:r>
+              <a:rPr lang="fr-FR" dirty="0"/>
+              <a:t>VRP robuste</a:t>
+            </a:r>
+          </a:p>
+        </p:txBody>
+      </p:sp>
+      <p:sp>
+        <p:nvSpPr>
+          <p:cNvPr id="6" name="Espace réservé du numéro de diapositive 5">
+            <a:extLst>
+              <a:ext uri="{FF2B5EF4-FFF2-40B4-BE49-F238E27FC236}">
+                <a16:creationId xmlns:a16="http://schemas.microsoft.com/office/drawing/2014/main" id="{4B4316E5-5587-59F3-45B2-900135EC9781}"/>
+              </a:ext>
+            </a:extLst>
+          </p:cNvPr>
+          <p:cNvSpPr>
+            <a:spLocks noGrp="1"/>
+          </p:cNvSpPr>
+          <p:nvPr>
+            <p:ph type="sldNum" sz="quarter" idx="12"/>
+          </p:nvPr>
+        </p:nvSpPr>
+        <p:spPr/>
+        <p:txBody>
+          <a:bodyPr/>
+          <a:lstStyle/>
+          <a:p>
+            <a:fld id="{49D9D136-35C4-F945-9AC1-0F0ED400EE8E}" type="slidenum">
+              <a:rPr lang="fr-FR" smtClean="0"/>
+              <a:t>6</a:t>
+            </a:fld>
+            <a:endParaRPr lang="fr-FR"/>
+          </a:p>
+        </p:txBody>
+      </p:sp>
+      <p:sp>
+        <p:nvSpPr>
+          <p:cNvPr id="12" name="ZoneTexte 11">
+            <a:extLst>
+              <a:ext uri="{FF2B5EF4-FFF2-40B4-BE49-F238E27FC236}">
+                <a16:creationId xmlns:a16="http://schemas.microsoft.com/office/drawing/2014/main" id="{84E2D1AF-1443-2423-5A7E-125CE5D66CC8}"/>
+              </a:ext>
+            </a:extLst>
+          </p:cNvPr>
+          <p:cNvSpPr txBox="1"/>
+          <p:nvPr/>
+        </p:nvSpPr>
+        <p:spPr>
+          <a:xfrm>
+            <a:off x="838200" y="5058726"/>
+            <a:ext cx="10009909" cy="646331"/>
+          </a:xfrm>
+          <a:prstGeom prst="rect">
+            <a:avLst/>
+          </a:prstGeom>
+          <a:noFill/>
+        </p:spPr>
+        <p:txBody>
+          <a:bodyPr wrap="square" rtlCol="0">
+            <a:spAutoFit/>
+          </a:bodyPr>
+          <a:lstStyle/>
+          <a:p>
+            <a:pPr marL="285750" indent="-285750">
+              <a:buFont typeface="Arial" panose="020B0604020202020204" pitchFamily="34" charset="0"/>
+              <a:buChar char="•"/>
+            </a:pPr>
+            <a:r>
+              <a:rPr lang="fr-FR" dirty="0">
+                <a:solidFill>
+                  <a:schemeClr val="tx1">
+                    <a:lumMod val="65000"/>
+                    <a:lumOff val="35000"/>
+                  </a:schemeClr>
+                </a:solidFill>
+              </a:rPr>
+              <a:t>Avec un </a:t>
+            </a:r>
+            <a:r>
+              <a:rPr lang="fr-FR" b="1" dirty="0">
+                <a:solidFill>
+                  <a:schemeClr val="tx1">
+                    <a:lumMod val="65000"/>
+                    <a:lumOff val="35000"/>
+                  </a:schemeClr>
+                </a:solidFill>
+              </a:rPr>
+              <a:t>temps limite de 2s</a:t>
+            </a:r>
+            <a:r>
+              <a:rPr lang="fr-FR" dirty="0">
+                <a:solidFill>
+                  <a:schemeClr val="tx1">
+                    <a:lumMod val="65000"/>
+                    <a:lumOff val="35000"/>
+                  </a:schemeClr>
+                </a:solidFill>
+              </a:rPr>
+              <a:t> :</a:t>
+            </a:r>
+          </a:p>
+          <a:p>
+            <a:pPr marL="742950" lvl="1" indent="-285750">
+              <a:buFont typeface="Arial" panose="020B0604020202020204" pitchFamily="34" charset="0"/>
+              <a:buChar char="•"/>
+            </a:pPr>
+            <a:r>
+              <a:rPr lang="fr-FR" dirty="0">
+                <a:solidFill>
+                  <a:schemeClr val="tx1">
+                    <a:lumMod val="65000"/>
+                    <a:lumOff val="35000"/>
+                  </a:schemeClr>
+                </a:solidFill>
+              </a:rPr>
+              <a:t>L’heuristique </a:t>
+            </a:r>
+            <a:r>
+              <a:rPr lang="fr-FR" b="1" dirty="0">
+                <a:solidFill>
+                  <a:schemeClr val="tx1">
+                    <a:lumMod val="65000"/>
+                    <a:lumOff val="35000"/>
+                  </a:schemeClr>
+                </a:solidFill>
+              </a:rPr>
+              <a:t>3-opt sur les sous tours </a:t>
+            </a:r>
+            <a:r>
+              <a:rPr lang="fr-FR" dirty="0">
+                <a:solidFill>
+                  <a:schemeClr val="tx1">
+                    <a:lumMod val="65000"/>
+                    <a:lumOff val="35000"/>
+                  </a:schemeClr>
+                </a:solidFill>
+              </a:rPr>
+              <a:t>est meilleure dès la </a:t>
+            </a:r>
+            <a:r>
+              <a:rPr lang="fr-FR" b="1" dirty="0">
+                <a:solidFill>
+                  <a:schemeClr val="tx1">
+                    <a:lumMod val="65000"/>
+                    <a:lumOff val="35000"/>
+                  </a:schemeClr>
+                </a:solidFill>
+              </a:rPr>
+              <a:t>14</a:t>
+            </a:r>
+            <a:r>
+              <a:rPr lang="fr-FR" b="1" baseline="30000" dirty="0">
+                <a:solidFill>
+                  <a:schemeClr val="tx1">
+                    <a:lumMod val="65000"/>
+                    <a:lumOff val="35000"/>
+                  </a:schemeClr>
+                </a:solidFill>
+              </a:rPr>
+              <a:t>ème</a:t>
+            </a:r>
+            <a:r>
+              <a:rPr lang="fr-FR" b="1" dirty="0">
+                <a:solidFill>
+                  <a:schemeClr val="tx1">
+                    <a:lumMod val="65000"/>
+                    <a:lumOff val="35000"/>
+                  </a:schemeClr>
+                </a:solidFill>
+              </a:rPr>
+              <a:t> instance </a:t>
+            </a:r>
+            <a:r>
+              <a:rPr lang="fr-FR" dirty="0">
+                <a:solidFill>
+                  <a:schemeClr val="tx1">
+                    <a:lumMod val="65000"/>
+                    <a:lumOff val="35000"/>
+                  </a:schemeClr>
+                </a:solidFill>
+              </a:rPr>
+              <a:t>en euclidien</a:t>
+            </a:r>
+            <a:endParaRPr lang="fr-FR" b="1" dirty="0">
+              <a:solidFill>
+                <a:schemeClr val="tx1">
+                  <a:lumMod val="65000"/>
+                  <a:lumOff val="35000"/>
+                </a:schemeClr>
+              </a:solidFill>
+            </a:endParaRPr>
+          </a:p>
+        </p:txBody>
+      </p:sp>
+      <p:pic>
+        <p:nvPicPr>
+          <p:cNvPr id="15" name="Image 14">
+            <a:extLst>
+              <a:ext uri="{FF2B5EF4-FFF2-40B4-BE49-F238E27FC236}">
+                <a16:creationId xmlns:a16="http://schemas.microsoft.com/office/drawing/2014/main" id="{7D4971C1-C422-CC41-9EFA-2523CFB6CF98}"/>
+              </a:ext>
+            </a:extLst>
+          </p:cNvPr>
+          <p:cNvPicPr>
+            <a:picLocks noChangeAspect="1"/>
+          </p:cNvPicPr>
+          <p:nvPr/>
+        </p:nvPicPr>
+        <p:blipFill>
+          <a:blip r:embed="rId2"/>
+          <a:stretch>
+            <a:fillRect/>
+          </a:stretch>
+        </p:blipFill>
+        <p:spPr>
+          <a:xfrm>
+            <a:off x="1156427" y="1884175"/>
+            <a:ext cx="4589167" cy="2981063"/>
+          </a:xfrm>
+          <a:prstGeom prst="rect">
+            <a:avLst/>
+          </a:prstGeom>
+        </p:spPr>
+      </p:pic>
+      <p:pic>
+        <p:nvPicPr>
+          <p:cNvPr id="17" name="Image 16">
+            <a:extLst>
+              <a:ext uri="{FF2B5EF4-FFF2-40B4-BE49-F238E27FC236}">
+                <a16:creationId xmlns:a16="http://schemas.microsoft.com/office/drawing/2014/main" id="{566CDD27-6E51-AB6F-1EDF-0E6B96AACAC8}"/>
+              </a:ext>
+            </a:extLst>
+          </p:cNvPr>
+          <p:cNvPicPr>
+            <a:picLocks noChangeAspect="1"/>
+          </p:cNvPicPr>
+          <p:nvPr/>
+        </p:nvPicPr>
+        <p:blipFill>
+          <a:blip r:embed="rId3"/>
+          <a:stretch>
+            <a:fillRect/>
+          </a:stretch>
+        </p:blipFill>
+        <p:spPr>
+          <a:xfrm>
+            <a:off x="6258942" y="1918274"/>
+            <a:ext cx="4589167" cy="2946964"/>
+          </a:xfrm>
+          <a:prstGeom prst="rect">
+            <a:avLst/>
+          </a:prstGeom>
+        </p:spPr>
+      </p:pic>
+    </p:spTree>
+    <p:extLst>
+      <p:ext uri="{BB962C8B-B14F-4D97-AF65-F5344CB8AC3E}">
+        <p14:creationId xmlns:p14="http://schemas.microsoft.com/office/powerpoint/2010/main" val="3818322718"/>
+      </p:ext>
+    </p:extLst>
+  </p:cSld>
+  <p:clrMapOvr>
+    <a:masterClrMapping/>
+  </p:clrMapOvr>
+</p:sld>
+</file>
+
+<file path=ppt/slides/slide7.xml><?xml version="1.0" encoding="utf-8"?>
+<p:sld xmlns:a="http://schemas.openxmlformats.org/drawingml/2006/main" xmlns:r="http://schemas.openxmlformats.org/officeDocument/2006/relationships" xmlns:p="http://schemas.openxmlformats.org/presentationml/2006/main">
+  <p:cSld>
+    <p:spTree>
+      <p:nvGrpSpPr>
+        <p:cNvPr id="1" name="">
+          <a:extLst>
+            <a:ext uri="{FF2B5EF4-FFF2-40B4-BE49-F238E27FC236}">
               <a16:creationId xmlns:a16="http://schemas.microsoft.com/office/drawing/2014/main" id="{49D1F0F0-4AE2-A632-4E39-75EAEBE4E35C}"/>
             </a:ext>
           </a:extLst>
@@ -6746,7 +8682,7 @@
           <a:p>
             <a:fld id="{49D9D136-35C4-F945-9AC1-0F0ED400EE8E}" type="slidenum">
               <a:rPr lang="fr-FR" smtClean="0"/>
-              <a:t>3</a:t>
+              <a:t>7</a:t>
             </a:fld>
             <a:endParaRPr lang="fr-FR"/>
           </a:p>
@@ -6765,7 +8701,7 @@
 </p:sld>
 </file>
 
-<file path=ppt/slides/slide4.xml><?xml version="1.0" encoding="utf-8"?>
+<file path=ppt/slides/slide8.xml><?xml version="1.0" encoding="utf-8"?>
 <p:sld xmlns:a="http://schemas.openxmlformats.org/drawingml/2006/main" xmlns:r="http://schemas.openxmlformats.org/officeDocument/2006/relationships" xmlns:p="http://schemas.openxmlformats.org/presentationml/2006/main">
   <p:cSld>
     <p:spTree>
@@ -6954,7 +8890,7 @@
           <a:p>
             <a:fld id="{49D9D136-35C4-F945-9AC1-0F0ED400EE8E}" type="slidenum">
               <a:rPr lang="fr-FR" smtClean="0"/>
-              <a:t>4</a:t>
+              <a:t>8</a:t>
             </a:fld>
             <a:endParaRPr lang="fr-FR"/>
           </a:p>
@@ -6964,6 +8900,352 @@
     <p:extLst>
       <p:ext uri="{BB962C8B-B14F-4D97-AF65-F5344CB8AC3E}">
         <p14:creationId xmlns:p14="http://schemas.microsoft.com/office/powerpoint/2010/main" val="3180863888"/>
+      </p:ext>
+    </p:extLst>
+  </p:cSld>
+  <p:clrMapOvr>
+    <a:masterClrMapping/>
+  </p:clrMapOvr>
+</p:sld>
+</file>
+
+<file path=ppt/slides/slide9.xml><?xml version="1.0" encoding="utf-8"?>
+<p:sld xmlns:a="http://schemas.openxmlformats.org/drawingml/2006/main" xmlns:r="http://schemas.openxmlformats.org/officeDocument/2006/relationships" xmlns:p="http://schemas.openxmlformats.org/presentationml/2006/main">
+  <p:cSld>
+    <p:spTree>
+      <p:nvGrpSpPr>
+        <p:cNvPr id="1" name="">
+          <a:extLst>
+            <a:ext uri="{FF2B5EF4-FFF2-40B4-BE49-F238E27FC236}">
+              <a16:creationId xmlns:a16="http://schemas.microsoft.com/office/drawing/2014/main" id="{4EE5E00F-C73A-075F-E46E-4C7CD2452633}"/>
+            </a:ext>
+          </a:extLst>
+        </p:cNvPr>
+        <p:cNvGrpSpPr/>
+        <p:nvPr/>
+      </p:nvGrpSpPr>
+      <p:grpSpPr>
+        <a:xfrm>
+          <a:off x="0" y="0"/>
+          <a:ext cx="0" cy="0"/>
+          <a:chOff x="0" y="0"/>
+          <a:chExt cx="0" cy="0"/>
+        </a:xfrm>
+      </p:grpSpPr>
+      <p:sp>
+        <p:nvSpPr>
+          <p:cNvPr id="2" name="Titre 1">
+            <a:extLst>
+              <a:ext uri="{FF2B5EF4-FFF2-40B4-BE49-F238E27FC236}">
+                <a16:creationId xmlns:a16="http://schemas.microsoft.com/office/drawing/2014/main" id="{251D73E8-14ED-9CCC-4F9C-18088908B757}"/>
+              </a:ext>
+            </a:extLst>
+          </p:cNvPr>
+          <p:cNvSpPr>
+            <a:spLocks noGrp="1"/>
+          </p:cNvSpPr>
+          <p:nvPr>
+            <p:ph type="title"/>
+          </p:nvPr>
+        </p:nvSpPr>
+        <p:spPr/>
+        <p:txBody>
+          <a:bodyPr/>
+          <a:lstStyle/>
+          <a:p>
+            <a:r>
+              <a:rPr lang="fr-FR" b="1" dirty="0">
+                <a:solidFill>
+                  <a:schemeClr val="tx2"/>
+                </a:solidFill>
+              </a:rPr>
+              <a:t>Résultats : Diagramme de performance</a:t>
+            </a:r>
+          </a:p>
+        </p:txBody>
+      </p:sp>
+      <p:pic>
+        <p:nvPicPr>
+          <p:cNvPr id="8" name="Espace réservé du contenu 7">
+            <a:extLst>
+              <a:ext uri="{FF2B5EF4-FFF2-40B4-BE49-F238E27FC236}">
+                <a16:creationId xmlns:a16="http://schemas.microsoft.com/office/drawing/2014/main" id="{0D5823BF-A8FF-C727-90A6-F38035A6673F}"/>
+              </a:ext>
+            </a:extLst>
+          </p:cNvPr>
+          <p:cNvPicPr>
+            <a:picLocks noGrp="1" noChangeAspect="1"/>
+          </p:cNvPicPr>
+          <p:nvPr>
+            <p:ph idx="1"/>
+          </p:nvPr>
+        </p:nvPicPr>
+        <p:blipFill>
+          <a:blip r:embed="rId2"/>
+          <a:stretch>
+            <a:fillRect/>
+          </a:stretch>
+        </p:blipFill>
+        <p:spPr>
+          <a:xfrm>
+            <a:off x="838200" y="1777358"/>
+            <a:ext cx="5784273" cy="3757388"/>
+          </a:xfrm>
+        </p:spPr>
+      </p:pic>
+      <p:sp>
+        <p:nvSpPr>
+          <p:cNvPr id="4" name="Espace réservé de la date 3">
+            <a:extLst>
+              <a:ext uri="{FF2B5EF4-FFF2-40B4-BE49-F238E27FC236}">
+                <a16:creationId xmlns:a16="http://schemas.microsoft.com/office/drawing/2014/main" id="{B7DF419E-076B-63B3-DE96-E57B5982C567}"/>
+              </a:ext>
+            </a:extLst>
+          </p:cNvPr>
+          <p:cNvSpPr>
+            <a:spLocks noGrp="1"/>
+          </p:cNvSpPr>
+          <p:nvPr>
+            <p:ph type="dt" sz="half" idx="10"/>
+          </p:nvPr>
+        </p:nvSpPr>
+        <p:spPr/>
+        <p:txBody>
+          <a:bodyPr/>
+          <a:lstStyle/>
+          <a:p>
+            <a:r>
+              <a:rPr lang="fr-FR"/>
+              <a:t>14/02/2025</a:t>
+            </a:r>
+          </a:p>
+        </p:txBody>
+      </p:sp>
+      <p:sp>
+        <p:nvSpPr>
+          <p:cNvPr id="5" name="Espace réservé du pied de page 4">
+            <a:extLst>
+              <a:ext uri="{FF2B5EF4-FFF2-40B4-BE49-F238E27FC236}">
+                <a16:creationId xmlns:a16="http://schemas.microsoft.com/office/drawing/2014/main" id="{F7A560FB-5671-2293-9247-E3B86760E380}"/>
+              </a:ext>
+            </a:extLst>
+          </p:cNvPr>
+          <p:cNvSpPr>
+            <a:spLocks noGrp="1"/>
+          </p:cNvSpPr>
+          <p:nvPr>
+            <p:ph type="ftr" sz="quarter" idx="11"/>
+          </p:nvPr>
+        </p:nvSpPr>
+        <p:spPr/>
+        <p:txBody>
+          <a:bodyPr/>
+          <a:lstStyle/>
+          <a:p>
+            <a:r>
+              <a:rPr lang="fr-FR"/>
+              <a:t>VRP robuste</a:t>
+            </a:r>
+            <a:endParaRPr lang="fr-FR" dirty="0"/>
+          </a:p>
+        </p:txBody>
+      </p:sp>
+      <p:sp>
+        <p:nvSpPr>
+          <p:cNvPr id="6" name="Espace réservé du numéro de diapositive 5">
+            <a:extLst>
+              <a:ext uri="{FF2B5EF4-FFF2-40B4-BE49-F238E27FC236}">
+                <a16:creationId xmlns:a16="http://schemas.microsoft.com/office/drawing/2014/main" id="{E6CBEE9D-5D62-0AB9-85FE-C3BC97E6F109}"/>
+              </a:ext>
+            </a:extLst>
+          </p:cNvPr>
+          <p:cNvSpPr>
+            <a:spLocks noGrp="1"/>
+          </p:cNvSpPr>
+          <p:nvPr>
+            <p:ph type="sldNum" sz="quarter" idx="12"/>
+          </p:nvPr>
+        </p:nvSpPr>
+        <p:spPr/>
+        <p:txBody>
+          <a:bodyPr/>
+          <a:lstStyle/>
+          <a:p>
+            <a:fld id="{49D9D136-35C4-F945-9AC1-0F0ED400EE8E}" type="slidenum">
+              <a:rPr lang="fr-FR" smtClean="0"/>
+              <a:t>9</a:t>
+            </a:fld>
+            <a:endParaRPr lang="fr-FR"/>
+          </a:p>
+        </p:txBody>
+      </p:sp>
+      <p:sp>
+        <p:nvSpPr>
+          <p:cNvPr id="13" name="ZoneTexte 12">
+            <a:extLst>
+              <a:ext uri="{FF2B5EF4-FFF2-40B4-BE49-F238E27FC236}">
+                <a16:creationId xmlns:a16="http://schemas.microsoft.com/office/drawing/2014/main" id="{005748A6-99C5-A7C0-9C5A-CA20A67BA0E1}"/>
+              </a:ext>
+            </a:extLst>
+          </p:cNvPr>
+          <p:cNvSpPr txBox="1"/>
+          <p:nvPr/>
+        </p:nvSpPr>
+        <p:spPr>
+          <a:xfrm>
+            <a:off x="7107382" y="2307739"/>
+            <a:ext cx="4246418" cy="2308324"/>
+          </a:xfrm>
+          <a:prstGeom prst="rect">
+            <a:avLst/>
+          </a:prstGeom>
+          <a:noFill/>
+        </p:spPr>
+        <p:txBody>
+          <a:bodyPr wrap="square" rtlCol="0">
+            <a:spAutoFit/>
+          </a:bodyPr>
+          <a:lstStyle/>
+          <a:p>
+            <a:pPr marL="285750" indent="-285750">
+              <a:buFont typeface="Arial" panose="020B0604020202020204" pitchFamily="34" charset="0"/>
+              <a:buChar char="•"/>
+            </a:pPr>
+            <a:r>
+              <a:rPr lang="fr-FR" dirty="0">
+                <a:solidFill>
+                  <a:schemeClr val="tx1">
+                    <a:lumMod val="65000"/>
+                    <a:lumOff val="35000"/>
+                  </a:schemeClr>
+                </a:solidFill>
+              </a:rPr>
+              <a:t>Méthode </a:t>
+            </a:r>
+            <a:r>
+              <a:rPr lang="fr-FR" b="1" dirty="0">
+                <a:solidFill>
+                  <a:schemeClr val="tx1">
+                    <a:lumMod val="65000"/>
+                    <a:lumOff val="35000"/>
+                  </a:schemeClr>
+                </a:solidFill>
+              </a:rPr>
+              <a:t>duale</a:t>
+            </a:r>
+            <a:r>
+              <a:rPr lang="fr-FR" dirty="0">
+                <a:solidFill>
+                  <a:schemeClr val="tx1">
+                    <a:lumMod val="65000"/>
+                    <a:lumOff val="35000"/>
+                  </a:schemeClr>
+                </a:solidFill>
+              </a:rPr>
+              <a:t> de loin la plus efficace</a:t>
+            </a:r>
+          </a:p>
+          <a:p>
+            <a:pPr marL="285750" indent="-285750">
+              <a:buFont typeface="Arial" panose="020B0604020202020204" pitchFamily="34" charset="0"/>
+              <a:buChar char="•"/>
+            </a:pPr>
+            <a:endParaRPr lang="fr-FR" dirty="0">
+              <a:solidFill>
+                <a:schemeClr val="tx1">
+                  <a:lumMod val="65000"/>
+                  <a:lumOff val="35000"/>
+                </a:schemeClr>
+              </a:solidFill>
+            </a:endParaRPr>
+          </a:p>
+          <a:p>
+            <a:pPr marL="285750" indent="-285750">
+              <a:buFont typeface="Arial" panose="020B0604020202020204" pitchFamily="34" charset="0"/>
+              <a:buChar char="•"/>
+            </a:pPr>
+            <a:r>
+              <a:rPr lang="fr-FR" dirty="0">
+                <a:solidFill>
+                  <a:schemeClr val="tx1">
+                    <a:lumMod val="65000"/>
+                    <a:lumOff val="35000"/>
+                  </a:schemeClr>
+                </a:solidFill>
+              </a:rPr>
+              <a:t>Peu de gains avec la </a:t>
+            </a:r>
+            <a:r>
+              <a:rPr lang="fr-FR" b="1" dirty="0">
+                <a:solidFill>
+                  <a:schemeClr val="tx1">
+                    <a:lumMod val="65000"/>
+                    <a:lumOff val="35000"/>
+                  </a:schemeClr>
+                </a:solidFill>
+              </a:rPr>
+              <a:t>résolution heuristique du sous problème </a:t>
+            </a:r>
+            <a:r>
+              <a:rPr lang="fr-FR" dirty="0">
+                <a:solidFill>
+                  <a:schemeClr val="tx1">
+                    <a:lumMod val="65000"/>
+                    <a:lumOff val="35000"/>
+                  </a:schemeClr>
+                </a:solidFill>
+              </a:rPr>
+              <a:t>pour le B&amp;C</a:t>
+            </a:r>
+          </a:p>
+          <a:p>
+            <a:pPr marL="285750" indent="-285750">
+              <a:buFont typeface="Arial" panose="020B0604020202020204" pitchFamily="34" charset="0"/>
+              <a:buChar char="•"/>
+            </a:pPr>
+            <a:endParaRPr lang="fr-FR" dirty="0">
+              <a:solidFill>
+                <a:schemeClr val="tx1">
+                  <a:lumMod val="65000"/>
+                  <a:lumOff val="35000"/>
+                </a:schemeClr>
+              </a:solidFill>
+            </a:endParaRPr>
+          </a:p>
+          <a:p>
+            <a:pPr marL="285750" indent="-285750">
+              <a:buFont typeface="Arial" panose="020B0604020202020204" pitchFamily="34" charset="0"/>
+              <a:buChar char="•"/>
+            </a:pPr>
+            <a:r>
+              <a:rPr lang="fr-FR" dirty="0">
+                <a:solidFill>
+                  <a:schemeClr val="tx1">
+                    <a:lumMod val="65000"/>
+                    <a:lumOff val="35000"/>
+                  </a:schemeClr>
+                </a:solidFill>
+              </a:rPr>
+              <a:t>Perte de qualité avec l’utilisation  d’un </a:t>
+            </a:r>
+            <a:r>
+              <a:rPr lang="fr-FR" b="1" dirty="0">
+                <a:solidFill>
+                  <a:schemeClr val="tx1">
+                    <a:lumMod val="65000"/>
+                    <a:lumOff val="35000"/>
+                  </a:schemeClr>
+                </a:solidFill>
+              </a:rPr>
+              <a:t>warm start </a:t>
+            </a:r>
+          </a:p>
+        </p:txBody>
+      </p:sp>
+    </p:spTree>
+    <p:extLst>
+      <p:ext uri="{BB962C8B-B14F-4D97-AF65-F5344CB8AC3E}">
+        <p14:creationId xmlns:p14="http://schemas.microsoft.com/office/powerpoint/2010/main" val="2414714243"/>
       </p:ext>
     </p:extLst>
   </p:cSld>

--- a/Présentation Projet.pptx
+++ b/Présentation Projet.pptx
@@ -3902,7 +3902,7 @@
                   <a:schemeClr val="tx2"/>
                 </a:solidFill>
               </a:rPr>
-              <a:t>Résultats : Diagramme de performance</a:t>
+              <a:t>Résultats : Comparaison des gaps </a:t>
             </a:r>
           </a:p>
         </p:txBody>

--- a/Présentation Projet.pptx
+++ b/Présentation Projet.pptx
@@ -4221,12 +4221,20 @@
           <a:lstStyle/>
           <a:p>
             <a:r>
+              <a:rPr lang="fr-FR" b="1">
+                <a:solidFill>
+                  <a:schemeClr val="tx2"/>
+                </a:solidFill>
+              </a:rPr>
+              <a:t>Heuristiques </a:t>
+            </a:r>
+            <a:r>
               <a:rPr lang="fr-FR" b="1" dirty="0">
                 <a:solidFill>
                   <a:schemeClr val="tx2"/>
                 </a:solidFill>
               </a:rPr>
-              <a:t>Heuristique : Clarke and Wright</a:t>
+              <a:t>: Clarke and Wright</a:t>
             </a:r>
           </a:p>
         </p:txBody>
@@ -6983,7 +6991,7 @@
                   <a:schemeClr val="tx2"/>
                 </a:solidFill>
               </a:rPr>
-              <a:t>Heuristique : Voisinages 2-opt ou 3-opt des sous-tours</a:t>
+              <a:t>Heuristiques : Voisinages 2-opt ou 3-opt des sous-tours</a:t>
             </a:r>
           </a:p>
         </p:txBody>
@@ -7453,7 +7461,7 @@
                   <a:schemeClr val="tx2"/>
                 </a:solidFill>
               </a:rPr>
-              <a:t>Heuristique : Voisinages 2-opt de la solution complète</a:t>
+              <a:t>Heuristiques : Voisinages 2-opt de la solution complète</a:t>
             </a:r>
           </a:p>
         </p:txBody>
@@ -7876,7 +7884,7 @@
                   <a:schemeClr val="tx2"/>
                 </a:solidFill>
               </a:rPr>
-              <a:t>Heuristique : Résultats</a:t>
+              <a:t>Heuristiques : Résultats</a:t>
             </a:r>
           </a:p>
         </p:txBody>

--- a/Présentation Projet.pptx
+++ b/Présentation Projet.pptx
@@ -5,19 +5,20 @@
     <p:sldMasterId id="2147483648" r:id="rId1"/>
   </p:sldMasterIdLst>
   <p:notesMasterIdLst>
-    <p:notesMasterId r:id="rId12"/>
+    <p:notesMasterId r:id="rId13"/>
   </p:notesMasterIdLst>
   <p:sldIdLst>
     <p:sldId id="256" r:id="rId2"/>
-    <p:sldId id="257" r:id="rId3"/>
-    <p:sldId id="260" r:id="rId4"/>
-    <p:sldId id="261" r:id="rId5"/>
-    <p:sldId id="262" r:id="rId6"/>
-    <p:sldId id="264" r:id="rId7"/>
-    <p:sldId id="258" r:id="rId8"/>
-    <p:sldId id="259" r:id="rId9"/>
-    <p:sldId id="263" r:id="rId10"/>
-    <p:sldId id="265" r:id="rId11"/>
+    <p:sldId id="266" r:id="rId3"/>
+    <p:sldId id="257" r:id="rId4"/>
+    <p:sldId id="260" r:id="rId5"/>
+    <p:sldId id="261" r:id="rId6"/>
+    <p:sldId id="262" r:id="rId7"/>
+    <p:sldId id="264" r:id="rId8"/>
+    <p:sldId id="258" r:id="rId9"/>
+    <p:sldId id="259" r:id="rId10"/>
+    <p:sldId id="263" r:id="rId11"/>
+    <p:sldId id="265" r:id="rId12"/>
   </p:sldIdLst>
   <p:sldSz cx="12192000" cy="6858000"/>
   <p:notesSz cx="6858000" cy="9144000"/>
@@ -3860,6 +3861,352 @@
         <p:cNvPr id="1" name="">
           <a:extLst>
             <a:ext uri="{FF2B5EF4-FFF2-40B4-BE49-F238E27FC236}">
+              <a16:creationId xmlns:a16="http://schemas.microsoft.com/office/drawing/2014/main" id="{4EE5E00F-C73A-075F-E46E-4C7CD2452633}"/>
+            </a:ext>
+          </a:extLst>
+        </p:cNvPr>
+        <p:cNvGrpSpPr/>
+        <p:nvPr/>
+      </p:nvGrpSpPr>
+      <p:grpSpPr>
+        <a:xfrm>
+          <a:off x="0" y="0"/>
+          <a:ext cx="0" cy="0"/>
+          <a:chOff x="0" y="0"/>
+          <a:chExt cx="0" cy="0"/>
+        </a:xfrm>
+      </p:grpSpPr>
+      <p:sp>
+        <p:nvSpPr>
+          <p:cNvPr id="2" name="Titre 1">
+            <a:extLst>
+              <a:ext uri="{FF2B5EF4-FFF2-40B4-BE49-F238E27FC236}">
+                <a16:creationId xmlns:a16="http://schemas.microsoft.com/office/drawing/2014/main" id="{251D73E8-14ED-9CCC-4F9C-18088908B757}"/>
+              </a:ext>
+            </a:extLst>
+          </p:cNvPr>
+          <p:cNvSpPr>
+            <a:spLocks noGrp="1"/>
+          </p:cNvSpPr>
+          <p:nvPr>
+            <p:ph type="title"/>
+          </p:nvPr>
+        </p:nvSpPr>
+        <p:spPr/>
+        <p:txBody>
+          <a:bodyPr/>
+          <a:lstStyle/>
+          <a:p>
+            <a:r>
+              <a:rPr lang="fr-FR" b="1" dirty="0">
+                <a:solidFill>
+                  <a:schemeClr val="tx2"/>
+                </a:solidFill>
+              </a:rPr>
+              <a:t>Résultats : Diagramme de performance</a:t>
+            </a:r>
+          </a:p>
+        </p:txBody>
+      </p:sp>
+      <p:pic>
+        <p:nvPicPr>
+          <p:cNvPr id="8" name="Espace réservé du contenu 7">
+            <a:extLst>
+              <a:ext uri="{FF2B5EF4-FFF2-40B4-BE49-F238E27FC236}">
+                <a16:creationId xmlns:a16="http://schemas.microsoft.com/office/drawing/2014/main" id="{0D5823BF-A8FF-C727-90A6-F38035A6673F}"/>
+              </a:ext>
+            </a:extLst>
+          </p:cNvPr>
+          <p:cNvPicPr>
+            <a:picLocks noGrp="1" noChangeAspect="1"/>
+          </p:cNvPicPr>
+          <p:nvPr>
+            <p:ph idx="1"/>
+          </p:nvPr>
+        </p:nvPicPr>
+        <p:blipFill>
+          <a:blip r:embed="rId2"/>
+          <a:stretch>
+            <a:fillRect/>
+          </a:stretch>
+        </p:blipFill>
+        <p:spPr>
+          <a:xfrm>
+            <a:off x="838200" y="1777358"/>
+            <a:ext cx="5784273" cy="3757388"/>
+          </a:xfrm>
+        </p:spPr>
+      </p:pic>
+      <p:sp>
+        <p:nvSpPr>
+          <p:cNvPr id="4" name="Espace réservé de la date 3">
+            <a:extLst>
+              <a:ext uri="{FF2B5EF4-FFF2-40B4-BE49-F238E27FC236}">
+                <a16:creationId xmlns:a16="http://schemas.microsoft.com/office/drawing/2014/main" id="{B7DF419E-076B-63B3-DE96-E57B5982C567}"/>
+              </a:ext>
+            </a:extLst>
+          </p:cNvPr>
+          <p:cNvSpPr>
+            <a:spLocks noGrp="1"/>
+          </p:cNvSpPr>
+          <p:nvPr>
+            <p:ph type="dt" sz="half" idx="10"/>
+          </p:nvPr>
+        </p:nvSpPr>
+        <p:spPr/>
+        <p:txBody>
+          <a:bodyPr/>
+          <a:lstStyle/>
+          <a:p>
+            <a:r>
+              <a:rPr lang="fr-FR"/>
+              <a:t>14/02/2025</a:t>
+            </a:r>
+          </a:p>
+        </p:txBody>
+      </p:sp>
+      <p:sp>
+        <p:nvSpPr>
+          <p:cNvPr id="5" name="Espace réservé du pied de page 4">
+            <a:extLst>
+              <a:ext uri="{FF2B5EF4-FFF2-40B4-BE49-F238E27FC236}">
+                <a16:creationId xmlns:a16="http://schemas.microsoft.com/office/drawing/2014/main" id="{F7A560FB-5671-2293-9247-E3B86760E380}"/>
+              </a:ext>
+            </a:extLst>
+          </p:cNvPr>
+          <p:cNvSpPr>
+            <a:spLocks noGrp="1"/>
+          </p:cNvSpPr>
+          <p:nvPr>
+            <p:ph type="ftr" sz="quarter" idx="11"/>
+          </p:nvPr>
+        </p:nvSpPr>
+        <p:spPr/>
+        <p:txBody>
+          <a:bodyPr/>
+          <a:lstStyle/>
+          <a:p>
+            <a:r>
+              <a:rPr lang="fr-FR"/>
+              <a:t>VRP robuste</a:t>
+            </a:r>
+            <a:endParaRPr lang="fr-FR" dirty="0"/>
+          </a:p>
+        </p:txBody>
+      </p:sp>
+      <p:sp>
+        <p:nvSpPr>
+          <p:cNvPr id="6" name="Espace réservé du numéro de diapositive 5">
+            <a:extLst>
+              <a:ext uri="{FF2B5EF4-FFF2-40B4-BE49-F238E27FC236}">
+                <a16:creationId xmlns:a16="http://schemas.microsoft.com/office/drawing/2014/main" id="{E6CBEE9D-5D62-0AB9-85FE-C3BC97E6F109}"/>
+              </a:ext>
+            </a:extLst>
+          </p:cNvPr>
+          <p:cNvSpPr>
+            <a:spLocks noGrp="1"/>
+          </p:cNvSpPr>
+          <p:nvPr>
+            <p:ph type="sldNum" sz="quarter" idx="12"/>
+          </p:nvPr>
+        </p:nvSpPr>
+        <p:spPr/>
+        <p:txBody>
+          <a:bodyPr/>
+          <a:lstStyle/>
+          <a:p>
+            <a:fld id="{49D9D136-35C4-F945-9AC1-0F0ED400EE8E}" type="slidenum">
+              <a:rPr lang="fr-FR" smtClean="0"/>
+              <a:t>10</a:t>
+            </a:fld>
+            <a:endParaRPr lang="fr-FR"/>
+          </a:p>
+        </p:txBody>
+      </p:sp>
+      <p:sp>
+        <p:nvSpPr>
+          <p:cNvPr id="13" name="ZoneTexte 12">
+            <a:extLst>
+              <a:ext uri="{FF2B5EF4-FFF2-40B4-BE49-F238E27FC236}">
+                <a16:creationId xmlns:a16="http://schemas.microsoft.com/office/drawing/2014/main" id="{005748A6-99C5-A7C0-9C5A-CA20A67BA0E1}"/>
+              </a:ext>
+            </a:extLst>
+          </p:cNvPr>
+          <p:cNvSpPr txBox="1"/>
+          <p:nvPr/>
+        </p:nvSpPr>
+        <p:spPr>
+          <a:xfrm>
+            <a:off x="7107382" y="2307739"/>
+            <a:ext cx="4246418" cy="2308324"/>
+          </a:xfrm>
+          <a:prstGeom prst="rect">
+            <a:avLst/>
+          </a:prstGeom>
+          <a:noFill/>
+        </p:spPr>
+        <p:txBody>
+          <a:bodyPr wrap="square" rtlCol="0">
+            <a:spAutoFit/>
+          </a:bodyPr>
+          <a:lstStyle/>
+          <a:p>
+            <a:pPr marL="285750" indent="-285750">
+              <a:buFont typeface="Arial" panose="020B0604020202020204" pitchFamily="34" charset="0"/>
+              <a:buChar char="•"/>
+            </a:pPr>
+            <a:r>
+              <a:rPr lang="fr-FR" dirty="0">
+                <a:solidFill>
+                  <a:schemeClr val="tx1">
+                    <a:lumMod val="65000"/>
+                    <a:lumOff val="35000"/>
+                  </a:schemeClr>
+                </a:solidFill>
+              </a:rPr>
+              <a:t>Méthode </a:t>
+            </a:r>
+            <a:r>
+              <a:rPr lang="fr-FR" b="1" dirty="0">
+                <a:solidFill>
+                  <a:schemeClr val="tx1">
+                    <a:lumMod val="65000"/>
+                    <a:lumOff val="35000"/>
+                  </a:schemeClr>
+                </a:solidFill>
+              </a:rPr>
+              <a:t>duale</a:t>
+            </a:r>
+            <a:r>
+              <a:rPr lang="fr-FR" dirty="0">
+                <a:solidFill>
+                  <a:schemeClr val="tx1">
+                    <a:lumMod val="65000"/>
+                    <a:lumOff val="35000"/>
+                  </a:schemeClr>
+                </a:solidFill>
+              </a:rPr>
+              <a:t> de loin la plus efficace</a:t>
+            </a:r>
+          </a:p>
+          <a:p>
+            <a:pPr marL="285750" indent="-285750">
+              <a:buFont typeface="Arial" panose="020B0604020202020204" pitchFamily="34" charset="0"/>
+              <a:buChar char="•"/>
+            </a:pPr>
+            <a:endParaRPr lang="fr-FR" dirty="0">
+              <a:solidFill>
+                <a:schemeClr val="tx1">
+                  <a:lumMod val="65000"/>
+                  <a:lumOff val="35000"/>
+                </a:schemeClr>
+              </a:solidFill>
+            </a:endParaRPr>
+          </a:p>
+          <a:p>
+            <a:pPr marL="285750" indent="-285750">
+              <a:buFont typeface="Arial" panose="020B0604020202020204" pitchFamily="34" charset="0"/>
+              <a:buChar char="•"/>
+            </a:pPr>
+            <a:r>
+              <a:rPr lang="fr-FR" dirty="0">
+                <a:solidFill>
+                  <a:schemeClr val="tx1">
+                    <a:lumMod val="65000"/>
+                    <a:lumOff val="35000"/>
+                  </a:schemeClr>
+                </a:solidFill>
+              </a:rPr>
+              <a:t>Peu de gains avec la </a:t>
+            </a:r>
+            <a:r>
+              <a:rPr lang="fr-FR" b="1" dirty="0">
+                <a:solidFill>
+                  <a:schemeClr val="tx1">
+                    <a:lumMod val="65000"/>
+                    <a:lumOff val="35000"/>
+                  </a:schemeClr>
+                </a:solidFill>
+              </a:rPr>
+              <a:t>résolution heuristique du sous problème </a:t>
+            </a:r>
+            <a:r>
+              <a:rPr lang="fr-FR" dirty="0">
+                <a:solidFill>
+                  <a:schemeClr val="tx1">
+                    <a:lumMod val="65000"/>
+                    <a:lumOff val="35000"/>
+                  </a:schemeClr>
+                </a:solidFill>
+              </a:rPr>
+              <a:t>pour le B&amp;C</a:t>
+            </a:r>
+          </a:p>
+          <a:p>
+            <a:pPr marL="285750" indent="-285750">
+              <a:buFont typeface="Arial" panose="020B0604020202020204" pitchFamily="34" charset="0"/>
+              <a:buChar char="•"/>
+            </a:pPr>
+            <a:endParaRPr lang="fr-FR" dirty="0">
+              <a:solidFill>
+                <a:schemeClr val="tx1">
+                  <a:lumMod val="65000"/>
+                  <a:lumOff val="35000"/>
+                </a:schemeClr>
+              </a:solidFill>
+            </a:endParaRPr>
+          </a:p>
+          <a:p>
+            <a:pPr marL="285750" indent="-285750">
+              <a:buFont typeface="Arial" panose="020B0604020202020204" pitchFamily="34" charset="0"/>
+              <a:buChar char="•"/>
+            </a:pPr>
+            <a:r>
+              <a:rPr lang="fr-FR" dirty="0">
+                <a:solidFill>
+                  <a:schemeClr val="tx1">
+                    <a:lumMod val="65000"/>
+                    <a:lumOff val="35000"/>
+                  </a:schemeClr>
+                </a:solidFill>
+              </a:rPr>
+              <a:t>Perte de qualité avec l’utilisation  d’un </a:t>
+            </a:r>
+            <a:r>
+              <a:rPr lang="fr-FR" b="1" dirty="0">
+                <a:solidFill>
+                  <a:schemeClr val="tx1">
+                    <a:lumMod val="65000"/>
+                    <a:lumOff val="35000"/>
+                  </a:schemeClr>
+                </a:solidFill>
+              </a:rPr>
+              <a:t>warm start </a:t>
+            </a:r>
+          </a:p>
+        </p:txBody>
+      </p:sp>
+    </p:spTree>
+    <p:extLst>
+      <p:ext uri="{BB962C8B-B14F-4D97-AF65-F5344CB8AC3E}">
+        <p14:creationId xmlns:p14="http://schemas.microsoft.com/office/powerpoint/2010/main" val="2414714243"/>
+      </p:ext>
+    </p:extLst>
+  </p:cSld>
+  <p:clrMapOvr>
+    <a:masterClrMapping/>
+  </p:clrMapOvr>
+</p:sld>
+</file>
+
+<file path=ppt/slides/slide11.xml><?xml version="1.0" encoding="utf-8"?>
+<p:sld xmlns:a="http://schemas.openxmlformats.org/drawingml/2006/main" xmlns:r="http://schemas.openxmlformats.org/officeDocument/2006/relationships" xmlns:p="http://schemas.openxmlformats.org/presentationml/2006/main">
+  <p:cSld>
+    <p:spTree>
+      <p:nvGrpSpPr>
+        <p:cNvPr id="1" name="">
+          <a:extLst>
+            <a:ext uri="{FF2B5EF4-FFF2-40B4-BE49-F238E27FC236}">
               <a16:creationId xmlns:a16="http://schemas.microsoft.com/office/drawing/2014/main" id="{9C689BDF-69A4-DFB5-83C0-8AC4E821715B}"/>
             </a:ext>
           </a:extLst>
@@ -3986,7 +4333,7 @@
           <a:p>
             <a:fld id="{49D9D136-35C4-F945-9AC1-0F0ED400EE8E}" type="slidenum">
               <a:rPr lang="fr-FR" smtClean="0"/>
-              <a:t>10</a:t>
+              <a:t>11</a:t>
             </a:fld>
             <a:endParaRPr lang="fr-FR" dirty="0"/>
           </a:p>
@@ -4204,6 +4551,374 @@
           <p:cNvPr id="2" name="Titre 1">
             <a:extLst>
               <a:ext uri="{FF2B5EF4-FFF2-40B4-BE49-F238E27FC236}">
+                <a16:creationId xmlns:a16="http://schemas.microsoft.com/office/drawing/2014/main" id="{8385EC7A-B0B5-6459-3D31-694F249D7E73}"/>
+              </a:ext>
+            </a:extLst>
+          </p:cNvPr>
+          <p:cNvSpPr>
+            <a:spLocks noGrp="1"/>
+          </p:cNvSpPr>
+          <p:nvPr>
+            <p:ph type="title"/>
+          </p:nvPr>
+        </p:nvSpPr>
+        <p:spPr/>
+        <p:txBody>
+          <a:bodyPr/>
+          <a:lstStyle/>
+          <a:p>
+            <a:r>
+              <a:rPr lang="en-US" b="1" dirty="0" err="1">
+                <a:solidFill>
+                  <a:schemeClr val="tx2"/>
+                </a:solidFill>
+              </a:rPr>
+              <a:t>Sommaire</a:t>
+            </a:r>
+            <a:endParaRPr lang="en-US" b="1" dirty="0">
+              <a:solidFill>
+                <a:schemeClr val="tx2"/>
+              </a:solidFill>
+            </a:endParaRPr>
+          </a:p>
+        </p:txBody>
+      </p:sp>
+      <p:sp>
+        <p:nvSpPr>
+          <p:cNvPr id="3" name="Espace réservé du contenu 2">
+            <a:extLst>
+              <a:ext uri="{FF2B5EF4-FFF2-40B4-BE49-F238E27FC236}">
+                <a16:creationId xmlns:a16="http://schemas.microsoft.com/office/drawing/2014/main" id="{EF200934-1052-3CF7-1D24-1886B50C43AD}"/>
+              </a:ext>
+            </a:extLst>
+          </p:cNvPr>
+          <p:cNvSpPr>
+            <a:spLocks noGrp="1"/>
+          </p:cNvSpPr>
+          <p:nvPr>
+            <p:ph idx="1"/>
+          </p:nvPr>
+        </p:nvSpPr>
+        <p:spPr/>
+        <p:txBody>
+          <a:bodyPr/>
+          <a:lstStyle/>
+          <a:p>
+            <a:pPr marL="514350" indent="-514350">
+              <a:buFont typeface="+mj-lt"/>
+              <a:buAutoNum type="arabicPeriod"/>
+            </a:pPr>
+            <a:r>
+              <a:rPr lang="en-US" dirty="0" err="1">
+                <a:solidFill>
+                  <a:schemeClr val="tx1">
+                    <a:lumMod val="65000"/>
+                    <a:lumOff val="35000"/>
+                  </a:schemeClr>
+                </a:solidFill>
+              </a:rPr>
+              <a:t>Heuristiques</a:t>
+            </a:r>
+            <a:endParaRPr lang="en-US" dirty="0">
+              <a:solidFill>
+                <a:schemeClr val="tx1">
+                  <a:lumMod val="65000"/>
+                  <a:lumOff val="35000"/>
+                </a:schemeClr>
+              </a:solidFill>
+            </a:endParaRPr>
+          </a:p>
+          <a:p>
+            <a:pPr marL="514350" indent="-514350">
+              <a:buFont typeface="+mj-lt"/>
+              <a:buAutoNum type="arabicPeriod"/>
+            </a:pPr>
+            <a:endParaRPr lang="en-US" dirty="0">
+              <a:solidFill>
+                <a:schemeClr val="tx1">
+                  <a:lumMod val="65000"/>
+                  <a:lumOff val="35000"/>
+                </a:schemeClr>
+              </a:solidFill>
+            </a:endParaRPr>
+          </a:p>
+          <a:p>
+            <a:pPr marL="514350" indent="-514350">
+              <a:buFont typeface="+mj-lt"/>
+              <a:buAutoNum type="arabicPeriod"/>
+            </a:pPr>
+            <a:r>
+              <a:rPr lang="en-US" dirty="0" err="1">
+                <a:solidFill>
+                  <a:schemeClr val="tx1">
+                    <a:lumMod val="65000"/>
+                    <a:lumOff val="35000"/>
+                  </a:schemeClr>
+                </a:solidFill>
+              </a:rPr>
+              <a:t>Méthodes</a:t>
+            </a:r>
+            <a:r>
+              <a:rPr lang="en-US" dirty="0">
+                <a:solidFill>
+                  <a:schemeClr val="tx1">
+                    <a:lumMod val="65000"/>
+                    <a:lumOff val="35000"/>
+                  </a:schemeClr>
+                </a:solidFill>
+              </a:rPr>
+              <a:t> </a:t>
+            </a:r>
+            <a:r>
+              <a:rPr lang="en-US" dirty="0" err="1">
+                <a:solidFill>
+                  <a:schemeClr val="tx1">
+                    <a:lumMod val="65000"/>
+                    <a:lumOff val="35000"/>
+                  </a:schemeClr>
+                </a:solidFill>
+              </a:rPr>
+              <a:t>exactes</a:t>
+            </a:r>
+            <a:endParaRPr lang="en-US" dirty="0">
+              <a:solidFill>
+                <a:schemeClr val="tx1">
+                  <a:lumMod val="65000"/>
+                  <a:lumOff val="35000"/>
+                </a:schemeClr>
+              </a:solidFill>
+            </a:endParaRPr>
+          </a:p>
+          <a:p>
+            <a:pPr marL="971550" lvl="1" indent="-514350">
+              <a:buFont typeface="+mj-lt"/>
+              <a:buAutoNum type="arabicPeriod"/>
+            </a:pPr>
+            <a:r>
+              <a:rPr lang="en-US" dirty="0">
+                <a:solidFill>
+                  <a:schemeClr val="tx1">
+                    <a:lumMod val="65000"/>
+                    <a:lumOff val="35000"/>
+                  </a:schemeClr>
+                </a:solidFill>
+              </a:rPr>
+              <a:t>Dual</a:t>
+            </a:r>
+          </a:p>
+          <a:p>
+            <a:pPr marL="971550" lvl="1" indent="-514350">
+              <a:buFont typeface="+mj-lt"/>
+              <a:buAutoNum type="arabicPeriod"/>
+            </a:pPr>
+            <a:r>
+              <a:rPr lang="en-US" dirty="0">
+                <a:solidFill>
+                  <a:schemeClr val="tx1">
+                    <a:lumMod val="65000"/>
+                    <a:lumOff val="35000"/>
+                  </a:schemeClr>
+                </a:solidFill>
+              </a:rPr>
+              <a:t>Plans </a:t>
+            </a:r>
+            <a:r>
+              <a:rPr lang="en-US" dirty="0" err="1">
+                <a:solidFill>
+                  <a:schemeClr val="tx1">
+                    <a:lumMod val="65000"/>
+                    <a:lumOff val="35000"/>
+                  </a:schemeClr>
+                </a:solidFill>
+              </a:rPr>
+              <a:t>coupants</a:t>
+            </a:r>
+            <a:endParaRPr lang="en-US" dirty="0">
+              <a:solidFill>
+                <a:schemeClr val="tx1">
+                  <a:lumMod val="65000"/>
+                  <a:lumOff val="35000"/>
+                </a:schemeClr>
+              </a:solidFill>
+            </a:endParaRPr>
+          </a:p>
+          <a:p>
+            <a:pPr marL="971550" lvl="1" indent="-514350">
+              <a:buFont typeface="+mj-lt"/>
+              <a:buAutoNum type="arabicPeriod"/>
+            </a:pPr>
+            <a:r>
+              <a:rPr lang="en-US" dirty="0">
+                <a:solidFill>
+                  <a:schemeClr val="tx1">
+                    <a:lumMod val="65000"/>
+                    <a:lumOff val="35000"/>
+                  </a:schemeClr>
+                </a:solidFill>
+              </a:rPr>
+              <a:t>B&amp;C</a:t>
+            </a:r>
+          </a:p>
+          <a:p>
+            <a:pPr marL="457200" lvl="1" indent="0">
+              <a:buNone/>
+            </a:pPr>
+            <a:endParaRPr lang="en-US" dirty="0">
+              <a:solidFill>
+                <a:schemeClr val="tx1">
+                  <a:lumMod val="65000"/>
+                  <a:lumOff val="35000"/>
+                </a:schemeClr>
+              </a:solidFill>
+            </a:endParaRPr>
+          </a:p>
+          <a:p>
+            <a:pPr marL="514350" indent="-514350">
+              <a:buFont typeface="+mj-lt"/>
+              <a:buAutoNum type="arabicPeriod"/>
+            </a:pPr>
+            <a:r>
+              <a:rPr lang="en-US" dirty="0" err="1">
+                <a:solidFill>
+                  <a:schemeClr val="tx1">
+                    <a:lumMod val="65000"/>
+                    <a:lumOff val="35000"/>
+                  </a:schemeClr>
+                </a:solidFill>
+              </a:rPr>
+              <a:t>Résultats</a:t>
+            </a:r>
+            <a:endParaRPr lang="en-US" dirty="0">
+              <a:solidFill>
+                <a:schemeClr val="tx1">
+                  <a:lumMod val="65000"/>
+                  <a:lumOff val="35000"/>
+                </a:schemeClr>
+              </a:solidFill>
+            </a:endParaRPr>
+          </a:p>
+        </p:txBody>
+      </p:sp>
+      <p:sp>
+        <p:nvSpPr>
+          <p:cNvPr id="4" name="Espace réservé de la date 3">
+            <a:extLst>
+              <a:ext uri="{FF2B5EF4-FFF2-40B4-BE49-F238E27FC236}">
+                <a16:creationId xmlns:a16="http://schemas.microsoft.com/office/drawing/2014/main" id="{C4F8D31B-7A90-0F02-48A9-54E8F86C7191}"/>
+              </a:ext>
+            </a:extLst>
+          </p:cNvPr>
+          <p:cNvSpPr>
+            <a:spLocks noGrp="1"/>
+          </p:cNvSpPr>
+          <p:nvPr>
+            <p:ph type="dt" sz="half" idx="10"/>
+          </p:nvPr>
+        </p:nvSpPr>
+        <p:spPr/>
+        <p:txBody>
+          <a:bodyPr/>
+          <a:lstStyle/>
+          <a:p>
+            <a:r>
+              <a:rPr lang="fr-FR"/>
+              <a:t>14/02/2025</a:t>
+            </a:r>
+          </a:p>
+        </p:txBody>
+      </p:sp>
+      <p:sp>
+        <p:nvSpPr>
+          <p:cNvPr id="5" name="Espace réservé du pied de page 4">
+            <a:extLst>
+              <a:ext uri="{FF2B5EF4-FFF2-40B4-BE49-F238E27FC236}">
+                <a16:creationId xmlns:a16="http://schemas.microsoft.com/office/drawing/2014/main" id="{1167F9D0-BFB1-2597-38D5-E24A94B90190}"/>
+              </a:ext>
+            </a:extLst>
+          </p:cNvPr>
+          <p:cNvSpPr>
+            <a:spLocks noGrp="1"/>
+          </p:cNvSpPr>
+          <p:nvPr>
+            <p:ph type="ftr" sz="quarter" idx="11"/>
+          </p:nvPr>
+        </p:nvSpPr>
+        <p:spPr/>
+        <p:txBody>
+          <a:bodyPr/>
+          <a:lstStyle/>
+          <a:p>
+            <a:r>
+              <a:rPr lang="fr-FR"/>
+              <a:t>VRP robuste</a:t>
+            </a:r>
+          </a:p>
+        </p:txBody>
+      </p:sp>
+      <p:sp>
+        <p:nvSpPr>
+          <p:cNvPr id="6" name="Espace réservé du numéro de diapositive 5">
+            <a:extLst>
+              <a:ext uri="{FF2B5EF4-FFF2-40B4-BE49-F238E27FC236}">
+                <a16:creationId xmlns:a16="http://schemas.microsoft.com/office/drawing/2014/main" id="{F40DC920-3968-B41D-E4F2-EAD6880F67A8}"/>
+              </a:ext>
+            </a:extLst>
+          </p:cNvPr>
+          <p:cNvSpPr>
+            <a:spLocks noGrp="1"/>
+          </p:cNvSpPr>
+          <p:nvPr>
+            <p:ph type="sldNum" sz="quarter" idx="12"/>
+          </p:nvPr>
+        </p:nvSpPr>
+        <p:spPr/>
+        <p:txBody>
+          <a:bodyPr/>
+          <a:lstStyle/>
+          <a:p>
+            <a:fld id="{49D9D136-35C4-F945-9AC1-0F0ED400EE8E}" type="slidenum">
+              <a:rPr lang="fr-FR" smtClean="0"/>
+              <a:t>2</a:t>
+            </a:fld>
+            <a:endParaRPr lang="fr-FR"/>
+          </a:p>
+        </p:txBody>
+      </p:sp>
+    </p:spTree>
+    <p:extLst>
+      <p:ext uri="{BB962C8B-B14F-4D97-AF65-F5344CB8AC3E}">
+        <p14:creationId xmlns:p14="http://schemas.microsoft.com/office/powerpoint/2010/main" val="3525332716"/>
+      </p:ext>
+    </p:extLst>
+  </p:cSld>
+  <p:clrMapOvr>
+    <a:masterClrMapping/>
+  </p:clrMapOvr>
+</p:sld>
+</file>
+
+<file path=ppt/slides/slide3.xml><?xml version="1.0" encoding="utf-8"?>
+<p:sld xmlns:a="http://schemas.openxmlformats.org/drawingml/2006/main" xmlns:r="http://schemas.openxmlformats.org/officeDocument/2006/relationships" xmlns:p="http://schemas.openxmlformats.org/presentationml/2006/main">
+  <p:cSld>
+    <p:spTree>
+      <p:nvGrpSpPr>
+        <p:cNvPr id="1" name=""/>
+        <p:cNvGrpSpPr/>
+        <p:nvPr/>
+      </p:nvGrpSpPr>
+      <p:grpSpPr>
+        <a:xfrm>
+          <a:off x="0" y="0"/>
+          <a:ext cx="0" cy="0"/>
+          <a:chOff x="0" y="0"/>
+          <a:chExt cx="0" cy="0"/>
+        </a:xfrm>
+      </p:grpSpPr>
+      <p:sp>
+        <p:nvSpPr>
+          <p:cNvPr id="2" name="Titre 1">
+            <a:extLst>
+              <a:ext uri="{FF2B5EF4-FFF2-40B4-BE49-F238E27FC236}">
                 <a16:creationId xmlns:a16="http://schemas.microsoft.com/office/drawing/2014/main" id="{21C89AE7-3EA5-EDE1-FD10-2E42D10F3245}"/>
               </a:ext>
             </a:extLst>
@@ -4221,20 +4936,12 @@
           <a:lstStyle/>
           <a:p>
             <a:r>
-              <a:rPr lang="fr-FR" b="1">
+              <a:rPr lang="fr-FR" b="1" dirty="0">
                 <a:solidFill>
                   <a:schemeClr val="tx2"/>
                 </a:solidFill>
               </a:rPr>
-              <a:t>Heuristiques </a:t>
-            </a:r>
-            <a:r>
-              <a:rPr lang="fr-FR" b="1" dirty="0">
-                <a:solidFill>
-                  <a:schemeClr val="tx2"/>
-                </a:solidFill>
-              </a:rPr>
-              <a:t>: Clarke and Wright</a:t>
+              <a:t>Heuristiques : Clarke and Wright</a:t>
             </a:r>
           </a:p>
         </p:txBody>
@@ -4598,7 +5305,7 @@
           <a:p>
             <a:fld id="{49D9D136-35C4-F945-9AC1-0F0ED400EE8E}" type="slidenum">
               <a:rPr lang="fr-FR" smtClean="0"/>
-              <a:t>2</a:t>
+              <a:t>3</a:t>
             </a:fld>
             <a:endParaRPr lang="fr-FR"/>
           </a:p>
@@ -6941,7 +7648,7 @@
 </p:sld>
 </file>
 
-<file path=ppt/slides/slide3.xml><?xml version="1.0" encoding="utf-8"?>
+<file path=ppt/slides/slide4.xml><?xml version="1.0" encoding="utf-8"?>
 <p:sld xmlns:a="http://schemas.openxmlformats.org/drawingml/2006/main" xmlns:r="http://schemas.openxmlformats.org/officeDocument/2006/relationships" xmlns:p="http://schemas.openxmlformats.org/presentationml/2006/main">
   <p:cSld>
     <p:spTree>
@@ -7248,7 +7955,7 @@
           <a:p>
             <a:fld id="{49D9D136-35C4-F945-9AC1-0F0ED400EE8E}" type="slidenum">
               <a:rPr lang="fr-FR" smtClean="0"/>
-              <a:t>3</a:t>
+              <a:t>4</a:t>
             </a:fld>
             <a:endParaRPr lang="fr-FR"/>
           </a:p>
@@ -7411,7 +8118,7 @@
 </p:sld>
 </file>
 
-<file path=ppt/slides/slide4.xml><?xml version="1.0" encoding="utf-8"?>
+<file path=ppt/slides/slide5.xml><?xml version="1.0" encoding="utf-8"?>
 <p:sld xmlns:a="http://schemas.openxmlformats.org/drawingml/2006/main" xmlns:r="http://schemas.openxmlformats.org/officeDocument/2006/relationships" xmlns:p="http://schemas.openxmlformats.org/presentationml/2006/main">
   <p:cSld>
     <p:spTree>
@@ -7743,7 +8450,7 @@
           <a:p>
             <a:fld id="{49D9D136-35C4-F945-9AC1-0F0ED400EE8E}" type="slidenum">
               <a:rPr lang="fr-FR" smtClean="0"/>
-              <a:t>4</a:t>
+              <a:t>5</a:t>
             </a:fld>
             <a:endParaRPr lang="fr-FR"/>
           </a:p>
@@ -7834,7 +8541,7 @@
 </p:sld>
 </file>
 
-<file path=ppt/slides/slide5.xml><?xml version="1.0" encoding="utf-8"?>
+<file path=ppt/slides/slide6.xml><?xml version="1.0" encoding="utf-8"?>
 <p:sld xmlns:a="http://schemas.openxmlformats.org/drawingml/2006/main" xmlns:r="http://schemas.openxmlformats.org/officeDocument/2006/relationships" xmlns:p="http://schemas.openxmlformats.org/presentationml/2006/main">
   <p:cSld>
     <p:spTree>
@@ -7968,7 +8675,7 @@
           <a:p>
             <a:fld id="{49D9D136-35C4-F945-9AC1-0F0ED400EE8E}" type="slidenum">
               <a:rPr lang="fr-FR" smtClean="0"/>
-              <a:t>5</a:t>
+              <a:t>6</a:t>
             </a:fld>
             <a:endParaRPr lang="fr-FR"/>
           </a:p>
@@ -8158,7 +8865,7 @@
 </p:sld>
 </file>
 
-<file path=ppt/slides/slide6.xml><?xml version="1.0" encoding="utf-8"?>
+<file path=ppt/slides/slide7.xml><?xml version="1.0" encoding="utf-8"?>
 <p:sld xmlns:a="http://schemas.openxmlformats.org/drawingml/2006/main" xmlns:r="http://schemas.openxmlformats.org/officeDocument/2006/relationships" xmlns:p="http://schemas.openxmlformats.org/presentationml/2006/main">
   <p:cSld>
     <p:spTree>
@@ -8292,7 +8999,7 @@
           <a:p>
             <a:fld id="{49D9D136-35C4-F945-9AC1-0F0ED400EE8E}" type="slidenum">
               <a:rPr lang="fr-FR" smtClean="0"/>
-              <a:t>6</a:t>
+              <a:t>7</a:t>
             </a:fld>
             <a:endParaRPr lang="fr-FR"/>
           </a:p>
@@ -8530,7 +9237,7 @@
 </p:sld>
 </file>
 
-<file path=ppt/slides/slide7.xml><?xml version="1.0" encoding="utf-8"?>
+<file path=ppt/slides/slide8.xml><?xml version="1.0" encoding="utf-8"?>
 <p:sld xmlns:a="http://schemas.openxmlformats.org/drawingml/2006/main" xmlns:r="http://schemas.openxmlformats.org/officeDocument/2006/relationships" xmlns:p="http://schemas.openxmlformats.org/presentationml/2006/main">
   <p:cSld>
     <p:spTree>
@@ -8690,7 +9397,7 @@
           <a:p>
             <a:fld id="{49D9D136-35C4-F945-9AC1-0F0ED400EE8E}" type="slidenum">
               <a:rPr lang="fr-FR" smtClean="0"/>
-              <a:t>7</a:t>
+              <a:t>8</a:t>
             </a:fld>
             <a:endParaRPr lang="fr-FR"/>
           </a:p>
@@ -8709,7 +9416,7 @@
 </p:sld>
 </file>
 
-<file path=ppt/slides/slide8.xml><?xml version="1.0" encoding="utf-8"?>
+<file path=ppt/slides/slide9.xml><?xml version="1.0" encoding="utf-8"?>
 <p:sld xmlns:a="http://schemas.openxmlformats.org/drawingml/2006/main" xmlns:r="http://schemas.openxmlformats.org/officeDocument/2006/relationships" xmlns:p="http://schemas.openxmlformats.org/presentationml/2006/main">
   <p:cSld>
     <p:spTree>
@@ -8898,7 +9605,7 @@
           <a:p>
             <a:fld id="{49D9D136-35C4-F945-9AC1-0F0ED400EE8E}" type="slidenum">
               <a:rPr lang="fr-FR" smtClean="0"/>
-              <a:t>8</a:t>
+              <a:t>9</a:t>
             </a:fld>
             <a:endParaRPr lang="fr-FR"/>
           </a:p>
@@ -8908,352 +9615,6 @@
     <p:extLst>
       <p:ext uri="{BB962C8B-B14F-4D97-AF65-F5344CB8AC3E}">
         <p14:creationId xmlns:p14="http://schemas.microsoft.com/office/powerpoint/2010/main" val="3180863888"/>
-      </p:ext>
-    </p:extLst>
-  </p:cSld>
-  <p:clrMapOvr>
-    <a:masterClrMapping/>
-  </p:clrMapOvr>
-</p:sld>
-</file>
-
-<file path=ppt/slides/slide9.xml><?xml version="1.0" encoding="utf-8"?>
-<p:sld xmlns:a="http://schemas.openxmlformats.org/drawingml/2006/main" xmlns:r="http://schemas.openxmlformats.org/officeDocument/2006/relationships" xmlns:p="http://schemas.openxmlformats.org/presentationml/2006/main">
-  <p:cSld>
-    <p:spTree>
-      <p:nvGrpSpPr>
-        <p:cNvPr id="1" name="">
-          <a:extLst>
-            <a:ext uri="{FF2B5EF4-FFF2-40B4-BE49-F238E27FC236}">
-              <a16:creationId xmlns:a16="http://schemas.microsoft.com/office/drawing/2014/main" id="{4EE5E00F-C73A-075F-E46E-4C7CD2452633}"/>
-            </a:ext>
-          </a:extLst>
-        </p:cNvPr>
-        <p:cNvGrpSpPr/>
-        <p:nvPr/>
-      </p:nvGrpSpPr>
-      <p:grpSpPr>
-        <a:xfrm>
-          <a:off x="0" y="0"/>
-          <a:ext cx="0" cy="0"/>
-          <a:chOff x="0" y="0"/>
-          <a:chExt cx="0" cy="0"/>
-        </a:xfrm>
-      </p:grpSpPr>
-      <p:sp>
-        <p:nvSpPr>
-          <p:cNvPr id="2" name="Titre 1">
-            <a:extLst>
-              <a:ext uri="{FF2B5EF4-FFF2-40B4-BE49-F238E27FC236}">
-                <a16:creationId xmlns:a16="http://schemas.microsoft.com/office/drawing/2014/main" id="{251D73E8-14ED-9CCC-4F9C-18088908B757}"/>
-              </a:ext>
-            </a:extLst>
-          </p:cNvPr>
-          <p:cNvSpPr>
-            <a:spLocks noGrp="1"/>
-          </p:cNvSpPr>
-          <p:nvPr>
-            <p:ph type="title"/>
-          </p:nvPr>
-        </p:nvSpPr>
-        <p:spPr/>
-        <p:txBody>
-          <a:bodyPr/>
-          <a:lstStyle/>
-          <a:p>
-            <a:r>
-              <a:rPr lang="fr-FR" b="1" dirty="0">
-                <a:solidFill>
-                  <a:schemeClr val="tx2"/>
-                </a:solidFill>
-              </a:rPr>
-              <a:t>Résultats : Diagramme de performance</a:t>
-            </a:r>
-          </a:p>
-        </p:txBody>
-      </p:sp>
-      <p:pic>
-        <p:nvPicPr>
-          <p:cNvPr id="8" name="Espace réservé du contenu 7">
-            <a:extLst>
-              <a:ext uri="{FF2B5EF4-FFF2-40B4-BE49-F238E27FC236}">
-                <a16:creationId xmlns:a16="http://schemas.microsoft.com/office/drawing/2014/main" id="{0D5823BF-A8FF-C727-90A6-F38035A6673F}"/>
-              </a:ext>
-            </a:extLst>
-          </p:cNvPr>
-          <p:cNvPicPr>
-            <a:picLocks noGrp="1" noChangeAspect="1"/>
-          </p:cNvPicPr>
-          <p:nvPr>
-            <p:ph idx="1"/>
-          </p:nvPr>
-        </p:nvPicPr>
-        <p:blipFill>
-          <a:blip r:embed="rId2"/>
-          <a:stretch>
-            <a:fillRect/>
-          </a:stretch>
-        </p:blipFill>
-        <p:spPr>
-          <a:xfrm>
-            <a:off x="838200" y="1777358"/>
-            <a:ext cx="5784273" cy="3757388"/>
-          </a:xfrm>
-        </p:spPr>
-      </p:pic>
-      <p:sp>
-        <p:nvSpPr>
-          <p:cNvPr id="4" name="Espace réservé de la date 3">
-            <a:extLst>
-              <a:ext uri="{FF2B5EF4-FFF2-40B4-BE49-F238E27FC236}">
-                <a16:creationId xmlns:a16="http://schemas.microsoft.com/office/drawing/2014/main" id="{B7DF419E-076B-63B3-DE96-E57B5982C567}"/>
-              </a:ext>
-            </a:extLst>
-          </p:cNvPr>
-          <p:cNvSpPr>
-            <a:spLocks noGrp="1"/>
-          </p:cNvSpPr>
-          <p:nvPr>
-            <p:ph type="dt" sz="half" idx="10"/>
-          </p:nvPr>
-        </p:nvSpPr>
-        <p:spPr/>
-        <p:txBody>
-          <a:bodyPr/>
-          <a:lstStyle/>
-          <a:p>
-            <a:r>
-              <a:rPr lang="fr-FR"/>
-              <a:t>14/02/2025</a:t>
-            </a:r>
-          </a:p>
-        </p:txBody>
-      </p:sp>
-      <p:sp>
-        <p:nvSpPr>
-          <p:cNvPr id="5" name="Espace réservé du pied de page 4">
-            <a:extLst>
-              <a:ext uri="{FF2B5EF4-FFF2-40B4-BE49-F238E27FC236}">
-                <a16:creationId xmlns:a16="http://schemas.microsoft.com/office/drawing/2014/main" id="{F7A560FB-5671-2293-9247-E3B86760E380}"/>
-              </a:ext>
-            </a:extLst>
-          </p:cNvPr>
-          <p:cNvSpPr>
-            <a:spLocks noGrp="1"/>
-          </p:cNvSpPr>
-          <p:nvPr>
-            <p:ph type="ftr" sz="quarter" idx="11"/>
-          </p:nvPr>
-        </p:nvSpPr>
-        <p:spPr/>
-        <p:txBody>
-          <a:bodyPr/>
-          <a:lstStyle/>
-          <a:p>
-            <a:r>
-              <a:rPr lang="fr-FR"/>
-              <a:t>VRP robuste</a:t>
-            </a:r>
-            <a:endParaRPr lang="fr-FR" dirty="0"/>
-          </a:p>
-        </p:txBody>
-      </p:sp>
-      <p:sp>
-        <p:nvSpPr>
-          <p:cNvPr id="6" name="Espace réservé du numéro de diapositive 5">
-            <a:extLst>
-              <a:ext uri="{FF2B5EF4-FFF2-40B4-BE49-F238E27FC236}">
-                <a16:creationId xmlns:a16="http://schemas.microsoft.com/office/drawing/2014/main" id="{E6CBEE9D-5D62-0AB9-85FE-C3BC97E6F109}"/>
-              </a:ext>
-            </a:extLst>
-          </p:cNvPr>
-          <p:cNvSpPr>
-            <a:spLocks noGrp="1"/>
-          </p:cNvSpPr>
-          <p:nvPr>
-            <p:ph type="sldNum" sz="quarter" idx="12"/>
-          </p:nvPr>
-        </p:nvSpPr>
-        <p:spPr/>
-        <p:txBody>
-          <a:bodyPr/>
-          <a:lstStyle/>
-          <a:p>
-            <a:fld id="{49D9D136-35C4-F945-9AC1-0F0ED400EE8E}" type="slidenum">
-              <a:rPr lang="fr-FR" smtClean="0"/>
-              <a:t>9</a:t>
-            </a:fld>
-            <a:endParaRPr lang="fr-FR"/>
-          </a:p>
-        </p:txBody>
-      </p:sp>
-      <p:sp>
-        <p:nvSpPr>
-          <p:cNvPr id="13" name="ZoneTexte 12">
-            <a:extLst>
-              <a:ext uri="{FF2B5EF4-FFF2-40B4-BE49-F238E27FC236}">
-                <a16:creationId xmlns:a16="http://schemas.microsoft.com/office/drawing/2014/main" id="{005748A6-99C5-A7C0-9C5A-CA20A67BA0E1}"/>
-              </a:ext>
-            </a:extLst>
-          </p:cNvPr>
-          <p:cNvSpPr txBox="1"/>
-          <p:nvPr/>
-        </p:nvSpPr>
-        <p:spPr>
-          <a:xfrm>
-            <a:off x="7107382" y="2307739"/>
-            <a:ext cx="4246418" cy="2308324"/>
-          </a:xfrm>
-          <a:prstGeom prst="rect">
-            <a:avLst/>
-          </a:prstGeom>
-          <a:noFill/>
-        </p:spPr>
-        <p:txBody>
-          <a:bodyPr wrap="square" rtlCol="0">
-            <a:spAutoFit/>
-          </a:bodyPr>
-          <a:lstStyle/>
-          <a:p>
-            <a:pPr marL="285750" indent="-285750">
-              <a:buFont typeface="Arial" panose="020B0604020202020204" pitchFamily="34" charset="0"/>
-              <a:buChar char="•"/>
-            </a:pPr>
-            <a:r>
-              <a:rPr lang="fr-FR" dirty="0">
-                <a:solidFill>
-                  <a:schemeClr val="tx1">
-                    <a:lumMod val="65000"/>
-                    <a:lumOff val="35000"/>
-                  </a:schemeClr>
-                </a:solidFill>
-              </a:rPr>
-              <a:t>Méthode </a:t>
-            </a:r>
-            <a:r>
-              <a:rPr lang="fr-FR" b="1" dirty="0">
-                <a:solidFill>
-                  <a:schemeClr val="tx1">
-                    <a:lumMod val="65000"/>
-                    <a:lumOff val="35000"/>
-                  </a:schemeClr>
-                </a:solidFill>
-              </a:rPr>
-              <a:t>duale</a:t>
-            </a:r>
-            <a:r>
-              <a:rPr lang="fr-FR" dirty="0">
-                <a:solidFill>
-                  <a:schemeClr val="tx1">
-                    <a:lumMod val="65000"/>
-                    <a:lumOff val="35000"/>
-                  </a:schemeClr>
-                </a:solidFill>
-              </a:rPr>
-              <a:t> de loin la plus efficace</a:t>
-            </a:r>
-          </a:p>
-          <a:p>
-            <a:pPr marL="285750" indent="-285750">
-              <a:buFont typeface="Arial" panose="020B0604020202020204" pitchFamily="34" charset="0"/>
-              <a:buChar char="•"/>
-            </a:pPr>
-            <a:endParaRPr lang="fr-FR" dirty="0">
-              <a:solidFill>
-                <a:schemeClr val="tx1">
-                  <a:lumMod val="65000"/>
-                  <a:lumOff val="35000"/>
-                </a:schemeClr>
-              </a:solidFill>
-            </a:endParaRPr>
-          </a:p>
-          <a:p>
-            <a:pPr marL="285750" indent="-285750">
-              <a:buFont typeface="Arial" panose="020B0604020202020204" pitchFamily="34" charset="0"/>
-              <a:buChar char="•"/>
-            </a:pPr>
-            <a:r>
-              <a:rPr lang="fr-FR" dirty="0">
-                <a:solidFill>
-                  <a:schemeClr val="tx1">
-                    <a:lumMod val="65000"/>
-                    <a:lumOff val="35000"/>
-                  </a:schemeClr>
-                </a:solidFill>
-              </a:rPr>
-              <a:t>Peu de gains avec la </a:t>
-            </a:r>
-            <a:r>
-              <a:rPr lang="fr-FR" b="1" dirty="0">
-                <a:solidFill>
-                  <a:schemeClr val="tx1">
-                    <a:lumMod val="65000"/>
-                    <a:lumOff val="35000"/>
-                  </a:schemeClr>
-                </a:solidFill>
-              </a:rPr>
-              <a:t>résolution heuristique du sous problème </a:t>
-            </a:r>
-            <a:r>
-              <a:rPr lang="fr-FR" dirty="0">
-                <a:solidFill>
-                  <a:schemeClr val="tx1">
-                    <a:lumMod val="65000"/>
-                    <a:lumOff val="35000"/>
-                  </a:schemeClr>
-                </a:solidFill>
-              </a:rPr>
-              <a:t>pour le B&amp;C</a:t>
-            </a:r>
-          </a:p>
-          <a:p>
-            <a:pPr marL="285750" indent="-285750">
-              <a:buFont typeface="Arial" panose="020B0604020202020204" pitchFamily="34" charset="0"/>
-              <a:buChar char="•"/>
-            </a:pPr>
-            <a:endParaRPr lang="fr-FR" dirty="0">
-              <a:solidFill>
-                <a:schemeClr val="tx1">
-                  <a:lumMod val="65000"/>
-                  <a:lumOff val="35000"/>
-                </a:schemeClr>
-              </a:solidFill>
-            </a:endParaRPr>
-          </a:p>
-          <a:p>
-            <a:pPr marL="285750" indent="-285750">
-              <a:buFont typeface="Arial" panose="020B0604020202020204" pitchFamily="34" charset="0"/>
-              <a:buChar char="•"/>
-            </a:pPr>
-            <a:r>
-              <a:rPr lang="fr-FR" dirty="0">
-                <a:solidFill>
-                  <a:schemeClr val="tx1">
-                    <a:lumMod val="65000"/>
-                    <a:lumOff val="35000"/>
-                  </a:schemeClr>
-                </a:solidFill>
-              </a:rPr>
-              <a:t>Perte de qualité avec l’utilisation  d’un </a:t>
-            </a:r>
-            <a:r>
-              <a:rPr lang="fr-FR" b="1" dirty="0">
-                <a:solidFill>
-                  <a:schemeClr val="tx1">
-                    <a:lumMod val="65000"/>
-                    <a:lumOff val="35000"/>
-                  </a:schemeClr>
-                </a:solidFill>
-              </a:rPr>
-              <a:t>warm start </a:t>
-            </a:r>
-          </a:p>
-        </p:txBody>
-      </p:sp>
-    </p:spTree>
-    <p:extLst>
-      <p:ext uri="{BB962C8B-B14F-4D97-AF65-F5344CB8AC3E}">
-        <p14:creationId xmlns:p14="http://schemas.microsoft.com/office/powerpoint/2010/main" val="2414714243"/>
       </p:ext>
     </p:extLst>
   </p:cSld>

--- a/Présentation Projet.pptx
+++ b/Présentation Projet.pptx
@@ -8191,12 +8191,14 @@
         </p:nvSpPr>
         <p:spPr>
           <a:xfrm>
-            <a:off x="450786" y="2131652"/>
-            <a:ext cx="6795142" cy="3783734"/>
+            <a:off x="450786" y="1985870"/>
+            <a:ext cx="6795142" cy="4075297"/>
           </a:xfrm>
         </p:spPr>
         <p:txBody>
-          <a:bodyPr/>
+          <a:bodyPr>
+            <a:normAutofit/>
+          </a:bodyPr>
           <a:lstStyle/>
           <a:p>
             <a:pPr>
@@ -8213,7 +8215,145 @@
                   </a:schemeClr>
                 </a:solidFill>
               </a:rPr>
-              <a:t>Exploration des voisinages 2-opt</a:t>
+              <a:t>Exploration des voisinages 2-opt :</a:t>
+            </a:r>
+          </a:p>
+          <a:p>
+            <a:pPr lvl="1">
+              <a:lnSpc>
+                <a:spcPct val="100000"/>
+              </a:lnSpc>
+            </a:pPr>
+            <a:r>
+              <a:rPr lang="fr-FR" sz="2000" dirty="0">
+                <a:solidFill>
+                  <a:schemeClr val="tx1">
+                    <a:lumMod val="65000"/>
+                    <a:lumOff val="35000"/>
+                  </a:schemeClr>
+                </a:solidFill>
+              </a:rPr>
+              <a:t>Sur </a:t>
+            </a:r>
+            <a:r>
+              <a:rPr lang="fr-FR" sz="2000" b="1" dirty="0">
+                <a:solidFill>
+                  <a:schemeClr val="tx1">
+                    <a:lumMod val="65000"/>
+                    <a:lumOff val="35000"/>
+                  </a:schemeClr>
+                </a:solidFill>
+              </a:rPr>
+              <a:t>chaque voisin</a:t>
+            </a:r>
+            <a:r>
+              <a:rPr lang="fr-FR" sz="2000" dirty="0">
+                <a:solidFill>
+                  <a:schemeClr val="tx1">
+                    <a:lumMod val="65000"/>
+                    <a:lumOff val="35000"/>
+                  </a:schemeClr>
+                </a:solidFill>
+              </a:rPr>
+              <a:t> :</a:t>
+            </a:r>
+          </a:p>
+          <a:p>
+            <a:pPr lvl="2">
+              <a:lnSpc>
+                <a:spcPct val="100000"/>
+              </a:lnSpc>
+            </a:pPr>
+            <a:r>
+              <a:rPr lang="fr-FR" sz="1600" dirty="0">
+                <a:solidFill>
+                  <a:schemeClr val="tx1">
+                    <a:lumMod val="65000"/>
+                    <a:lumOff val="35000"/>
+                  </a:schemeClr>
+                </a:solidFill>
+              </a:rPr>
+              <a:t>Exploration 2/3-opt sur chaque sous-tours</a:t>
+            </a:r>
+          </a:p>
+          <a:p>
+            <a:pPr lvl="1">
+              <a:lnSpc>
+                <a:spcPct val="100000"/>
+              </a:lnSpc>
+            </a:pPr>
+            <a:r>
+              <a:rPr lang="fr-FR" sz="2000" b="1" dirty="0">
+                <a:solidFill>
+                  <a:schemeClr val="tx1">
+                    <a:lumMod val="65000"/>
+                    <a:lumOff val="35000"/>
+                  </a:schemeClr>
+                </a:solidFill>
+              </a:rPr>
+              <a:t>Le meilleur voisin</a:t>
+            </a:r>
+            <a:r>
+              <a:rPr lang="fr-FR" sz="2000" dirty="0">
+                <a:solidFill>
+                  <a:schemeClr val="tx1">
+                    <a:lumMod val="65000"/>
+                    <a:lumOff val="35000"/>
+                  </a:schemeClr>
+                </a:solidFill>
+              </a:rPr>
+              <a:t> (possiblement amélioré) devient la solution courante</a:t>
+            </a:r>
+          </a:p>
+          <a:p>
+            <a:pPr lvl="1">
+              <a:lnSpc>
+                <a:spcPct val="100000"/>
+              </a:lnSpc>
+            </a:pPr>
+            <a:r>
+              <a:rPr lang="fr-FR" sz="2000" dirty="0">
+                <a:solidFill>
+                  <a:schemeClr val="tx1">
+                    <a:lumMod val="65000"/>
+                    <a:lumOff val="35000"/>
+                  </a:schemeClr>
+                </a:solidFill>
+              </a:rPr>
+              <a:t>L’algorithme </a:t>
+            </a:r>
+            <a:r>
+              <a:rPr lang="fr-FR" sz="2000" b="1" dirty="0">
+                <a:solidFill>
+                  <a:schemeClr val="tx1">
+                    <a:lumMod val="65000"/>
+                    <a:lumOff val="35000"/>
+                  </a:schemeClr>
+                </a:solidFill>
+              </a:rPr>
+              <a:t>s’arrête</a:t>
+            </a:r>
+            <a:r>
+              <a:rPr lang="fr-FR" sz="2000" dirty="0">
+                <a:solidFill>
+                  <a:schemeClr val="tx1">
+                    <a:lumMod val="65000"/>
+                    <a:lumOff val="35000"/>
+                  </a:schemeClr>
+                </a:solidFill>
+              </a:rPr>
+              <a:t> lorsqu’il ne trouve </a:t>
+            </a:r>
+            <a:r>
+              <a:rPr lang="fr-FR" sz="2000" b="1" dirty="0">
+                <a:solidFill>
+                  <a:schemeClr val="tx1">
+                    <a:lumMod val="65000"/>
+                    <a:lumOff val="35000"/>
+                  </a:schemeClr>
+                </a:solidFill>
+              </a:rPr>
+              <a:t>plus d’amélioration</a:t>
             </a:r>
           </a:p>
           <a:p>
@@ -8231,7 +8371,7 @@
                   </a:schemeClr>
                 </a:solidFill>
               </a:rPr>
-              <a:t>Sur </a:t>
+              <a:t>Possibilité de prendre en compte le </a:t>
             </a:r>
             <a:r>
               <a:rPr lang="fr-FR" sz="2400" b="1" dirty="0">
@@ -8242,7 +8382,7 @@
                   </a:schemeClr>
                 </a:solidFill>
               </a:rPr>
-              <a:t>chaque voisin</a:t>
+              <a:t>coût exact </a:t>
             </a:r>
             <a:r>
               <a:rPr lang="fr-FR" sz="2400" dirty="0">
@@ -8253,105 +8393,7 @@
                   </a:schemeClr>
                 </a:solidFill>
               </a:rPr>
-              <a:t> :</a:t>
-            </a:r>
-          </a:p>
-          <a:p>
-            <a:pPr lvl="1">
-              <a:lnSpc>
-                <a:spcPct val="100000"/>
-              </a:lnSpc>
-            </a:pPr>
-            <a:r>
-              <a:rPr lang="fr-FR" sz="2000" dirty="0">
-                <a:solidFill>
-                  <a:schemeClr val="tx1">
-                    <a:lumMod val="65000"/>
-                    <a:lumOff val="35000"/>
-                  </a:schemeClr>
-                </a:solidFill>
-              </a:rPr>
-              <a:t>Exploration 2/3-opt sur chaque sous-tours</a:t>
-            </a:r>
-          </a:p>
-          <a:p>
-            <a:pPr>
-              <a:lnSpc>
-                <a:spcPct val="100000"/>
-              </a:lnSpc>
-            </a:pPr>
-            <a:r>
-              <a:rPr lang="fr-FR" sz="2400" b="1" dirty="0">
-                <a:solidFill>
-                  <a:schemeClr val="tx1">
-                    <a:lumMod val="65000"/>
-                    <a:lumOff val="35000"/>
-                  </a:schemeClr>
-                </a:solidFill>
-              </a:rPr>
-              <a:t>Le meilleur voisin</a:t>
-            </a:r>
-            <a:r>
-              <a:rPr lang="fr-FR" sz="2400" dirty="0">
-                <a:solidFill>
-                  <a:schemeClr val="tx1">
-                    <a:lumMod val="65000"/>
-                    <a:lumOff val="35000"/>
-                  </a:schemeClr>
-                </a:solidFill>
-              </a:rPr>
-              <a:t> (possiblement amélioré) devient la solution courante</a:t>
-            </a:r>
-          </a:p>
-          <a:p>
-            <a:pPr>
-              <a:lnSpc>
-                <a:spcPct val="100000"/>
-              </a:lnSpc>
-            </a:pPr>
-            <a:r>
-              <a:rPr lang="fr-FR" sz="2400" dirty="0">
-                <a:solidFill>
-                  <a:schemeClr val="tx1">
-                    <a:lumMod val="65000"/>
-                    <a:lumOff val="35000"/>
-                  </a:schemeClr>
-                </a:solidFill>
-              </a:rPr>
-              <a:t>L’algorithme </a:t>
-            </a:r>
-            <a:r>
-              <a:rPr lang="fr-FR" sz="2400" b="1" dirty="0">
-                <a:solidFill>
-                  <a:schemeClr val="tx1">
-                    <a:lumMod val="65000"/>
-                    <a:lumOff val="35000"/>
-                  </a:schemeClr>
-                </a:solidFill>
-              </a:rPr>
-              <a:t>s’arrête</a:t>
-            </a:r>
-            <a:r>
-              <a:rPr lang="fr-FR" sz="2400" dirty="0">
-                <a:solidFill>
-                  <a:schemeClr val="tx1">
-                    <a:lumMod val="65000"/>
-                    <a:lumOff val="35000"/>
-                  </a:schemeClr>
-                </a:solidFill>
-              </a:rPr>
-              <a:t> lorsqu’il ne trouve </a:t>
-            </a:r>
-            <a:r>
-              <a:rPr lang="fr-FR" sz="2400" b="1" dirty="0">
-                <a:solidFill>
-                  <a:schemeClr val="tx1">
-                    <a:lumMod val="65000"/>
-                    <a:lumOff val="35000"/>
-                  </a:schemeClr>
-                </a:solidFill>
-              </a:rPr>
-              <a:t>plus d’amélioration</a:t>
+              <a:t>d’une solution</a:t>
             </a:r>
           </a:p>
           <a:p>

--- a/Présentation Projet.pptx
+++ b/Présentation Projet.pptx
@@ -5,20 +5,22 @@
     <p:sldMasterId id="2147483648" r:id="rId1"/>
   </p:sldMasterIdLst>
   <p:notesMasterIdLst>
-    <p:notesMasterId r:id="rId13"/>
+    <p:notesMasterId r:id="rId15"/>
   </p:notesMasterIdLst>
   <p:sldIdLst>
     <p:sldId id="256" r:id="rId2"/>
     <p:sldId id="266" r:id="rId3"/>
-    <p:sldId id="257" r:id="rId4"/>
-    <p:sldId id="260" r:id="rId5"/>
-    <p:sldId id="261" r:id="rId6"/>
-    <p:sldId id="262" r:id="rId7"/>
-    <p:sldId id="264" r:id="rId8"/>
-    <p:sldId id="258" r:id="rId9"/>
-    <p:sldId id="259" r:id="rId10"/>
-    <p:sldId id="263" r:id="rId11"/>
-    <p:sldId id="265" r:id="rId12"/>
+    <p:sldId id="268" r:id="rId4"/>
+    <p:sldId id="259" r:id="rId5"/>
+    <p:sldId id="267" r:id="rId6"/>
+    <p:sldId id="258" r:id="rId7"/>
+    <p:sldId id="257" r:id="rId8"/>
+    <p:sldId id="260" r:id="rId9"/>
+    <p:sldId id="261" r:id="rId10"/>
+    <p:sldId id="262" r:id="rId11"/>
+    <p:sldId id="264" r:id="rId12"/>
+    <p:sldId id="263" r:id="rId13"/>
+    <p:sldId id="265" r:id="rId14"/>
   </p:sldIdLst>
   <p:sldSz cx="12192000" cy="6858000"/>
   <p:notesSz cx="6858000" cy="9144000"/>
@@ -125,6 +127,320 @@
 </p:presentation>
 </file>
 
+<file path=ppt/revisionInfo.xml><?xml version="1.0" encoding="utf-8"?>
+<p1510:revInfo xmlns:a="http://schemas.openxmlformats.org/drawingml/2006/main" xmlns:r="http://schemas.openxmlformats.org/officeDocument/2006/relationships" xmlns:p1510="http://schemas.microsoft.com/office/powerpoint/2015/10/main">
+  <p1510:revLst>
+    <p1510:client id="{5C383334-1F7E-4221-8E99-0467E94D315B}" v="161" dt="2025-02-14T08:31:14.677"/>
+  </p1510:revLst>
+</p1510:revInfo>
+</file>
+
+<file path=ppt/changesInfos/changesInfo1.xml><?xml version="1.0" encoding="utf-8"?>
+<pc:chgInfo xmlns:a="http://schemas.openxmlformats.org/drawingml/2006/main" xmlns:r="http://schemas.openxmlformats.org/officeDocument/2006/relationships" xmlns:ac="http://schemas.microsoft.com/office/drawing/2013/main/command" xmlns:pc="http://schemas.microsoft.com/office/powerpoint/2013/main/command">
+  <pc:docChgLst>
+    <pc:chgData name="Dimitri de Saint Guilhem" userId="b3a242cf8548cc63" providerId="LiveId" clId="{5C383334-1F7E-4221-8E99-0467E94D315B}"/>
+    <pc:docChg chg="undo custSel addSld delSld modSld sldOrd">
+      <pc:chgData name="Dimitri de Saint Guilhem" userId="b3a242cf8548cc63" providerId="LiveId" clId="{5C383334-1F7E-4221-8E99-0467E94D315B}" dt="2025-02-14T08:32:04.573" v="1159" actId="1076"/>
+      <pc:docMkLst>
+        <pc:docMk/>
+      </pc:docMkLst>
+      <pc:sldChg chg="ord">
+        <pc:chgData name="Dimitri de Saint Guilhem" userId="b3a242cf8548cc63" providerId="LiveId" clId="{5C383334-1F7E-4221-8E99-0467E94D315B}" dt="2025-02-14T08:26:51.546" v="1057"/>
+        <pc:sldMkLst>
+          <pc:docMk/>
+          <pc:sldMk cId="1359428797" sldId="257"/>
+        </pc:sldMkLst>
+      </pc:sldChg>
+      <pc:sldChg chg="modSp mod ord">
+        <pc:chgData name="Dimitri de Saint Guilhem" userId="b3a242cf8548cc63" providerId="LiveId" clId="{5C383334-1F7E-4221-8E99-0467E94D315B}" dt="2025-02-14T08:26:58.225" v="1064" actId="20577"/>
+        <pc:sldMkLst>
+          <pc:docMk/>
+          <pc:sldMk cId="2929504581" sldId="258"/>
+        </pc:sldMkLst>
+        <pc:spChg chg="mod">
+          <ac:chgData name="Dimitri de Saint Guilhem" userId="b3a242cf8548cc63" providerId="LiveId" clId="{5C383334-1F7E-4221-8E99-0467E94D315B}" dt="2025-02-14T08:26:58.225" v="1064" actId="20577"/>
+          <ac:spMkLst>
+            <pc:docMk/>
+            <pc:sldMk cId="2929504581" sldId="258"/>
+            <ac:spMk id="2" creationId="{CDD02D32-CAC0-6E18-9C3A-0D44B08D38E4}"/>
+          </ac:spMkLst>
+        </pc:spChg>
+        <pc:spChg chg="mod">
+          <ac:chgData name="Dimitri de Saint Guilhem" userId="b3a242cf8548cc63" providerId="LiveId" clId="{5C383334-1F7E-4221-8E99-0467E94D315B}" dt="2025-02-14T07:49:56.004" v="173" actId="2710"/>
+          <ac:spMkLst>
+            <pc:docMk/>
+            <pc:sldMk cId="2929504581" sldId="258"/>
+            <ac:spMk id="3" creationId="{444C7895-84D4-21A0-DDF0-A3A49ABB4A8E}"/>
+          </ac:spMkLst>
+        </pc:spChg>
+      </pc:sldChg>
+      <pc:sldChg chg="modSp mod">
+        <pc:chgData name="Dimitri de Saint Guilhem" userId="b3a242cf8548cc63" providerId="LiveId" clId="{5C383334-1F7E-4221-8E99-0467E94D315B}" dt="2025-02-14T08:27:36.174" v="1106" actId="20577"/>
+        <pc:sldMkLst>
+          <pc:docMk/>
+          <pc:sldMk cId="3180863888" sldId="259"/>
+        </pc:sldMkLst>
+        <pc:spChg chg="mod">
+          <ac:chgData name="Dimitri de Saint Guilhem" userId="b3a242cf8548cc63" providerId="LiveId" clId="{5C383334-1F7E-4221-8E99-0467E94D315B}" dt="2025-02-14T08:27:36.174" v="1106" actId="20577"/>
+          <ac:spMkLst>
+            <pc:docMk/>
+            <pc:sldMk cId="3180863888" sldId="259"/>
+            <ac:spMk id="3" creationId="{592BB89A-CEC7-1ACA-1378-AECDA9AA6ABE}"/>
+          </ac:spMkLst>
+        </pc:spChg>
+      </pc:sldChg>
+      <pc:sldChg chg="ord">
+        <pc:chgData name="Dimitri de Saint Guilhem" userId="b3a242cf8548cc63" providerId="LiveId" clId="{5C383334-1F7E-4221-8E99-0467E94D315B}" dt="2025-02-14T08:26:51.546" v="1057"/>
+        <pc:sldMkLst>
+          <pc:docMk/>
+          <pc:sldMk cId="3393572120" sldId="260"/>
+        </pc:sldMkLst>
+      </pc:sldChg>
+      <pc:sldChg chg="ord">
+        <pc:chgData name="Dimitri de Saint Guilhem" userId="b3a242cf8548cc63" providerId="LiveId" clId="{5C383334-1F7E-4221-8E99-0467E94D315B}" dt="2025-02-14T08:26:51.546" v="1057"/>
+        <pc:sldMkLst>
+          <pc:docMk/>
+          <pc:sldMk cId="3873401432" sldId="261"/>
+        </pc:sldMkLst>
+      </pc:sldChg>
+      <pc:sldChg chg="ord">
+        <pc:chgData name="Dimitri de Saint Guilhem" userId="b3a242cf8548cc63" providerId="LiveId" clId="{5C383334-1F7E-4221-8E99-0467E94D315B}" dt="2025-02-14T08:26:51.546" v="1057"/>
+        <pc:sldMkLst>
+          <pc:docMk/>
+          <pc:sldMk cId="899183435" sldId="262"/>
+        </pc:sldMkLst>
+      </pc:sldChg>
+      <pc:sldChg chg="addSp delSp modSp mod">
+        <pc:chgData name="Dimitri de Saint Guilhem" userId="b3a242cf8548cc63" providerId="LiveId" clId="{5C383334-1F7E-4221-8E99-0467E94D315B}" dt="2025-02-14T08:22:04.751" v="919" actId="20577"/>
+        <pc:sldMkLst>
+          <pc:docMk/>
+          <pc:sldMk cId="2414714243" sldId="263"/>
+        </pc:sldMkLst>
+        <pc:spChg chg="add del mod">
+          <ac:chgData name="Dimitri de Saint Guilhem" userId="b3a242cf8548cc63" providerId="LiveId" clId="{5C383334-1F7E-4221-8E99-0467E94D315B}" dt="2025-02-14T08:09:33.136" v="856" actId="478"/>
+          <ac:spMkLst>
+            <pc:docMk/>
+            <pc:sldMk cId="2414714243" sldId="263"/>
+            <ac:spMk id="7" creationId="{57F82F75-A80D-B3FC-0592-9F6675D30FAE}"/>
+          </ac:spMkLst>
+        </pc:spChg>
+        <pc:spChg chg="add del mod">
+          <ac:chgData name="Dimitri de Saint Guilhem" userId="b3a242cf8548cc63" providerId="LiveId" clId="{5C383334-1F7E-4221-8E99-0467E94D315B}" dt="2025-02-14T08:10:25.220" v="867" actId="478"/>
+          <ac:spMkLst>
+            <pc:docMk/>
+            <pc:sldMk cId="2414714243" sldId="263"/>
+            <ac:spMk id="12" creationId="{854565E3-C4F7-7AFA-BBF9-F2BF26EA8D44}"/>
+          </ac:spMkLst>
+        </pc:spChg>
+        <pc:spChg chg="mod">
+          <ac:chgData name="Dimitri de Saint Guilhem" userId="b3a242cf8548cc63" providerId="LiveId" clId="{5C383334-1F7E-4221-8E99-0467E94D315B}" dt="2025-02-14T08:22:04.751" v="919" actId="20577"/>
+          <ac:spMkLst>
+            <pc:docMk/>
+            <pc:sldMk cId="2414714243" sldId="263"/>
+            <ac:spMk id="13" creationId="{005748A6-99C5-A7C0-9C5A-CA20A67BA0E1}"/>
+          </ac:spMkLst>
+        </pc:spChg>
+        <pc:picChg chg="add del mod">
+          <ac:chgData name="Dimitri de Saint Guilhem" userId="b3a242cf8548cc63" providerId="LiveId" clId="{5C383334-1F7E-4221-8E99-0467E94D315B}" dt="2025-02-14T08:09:58.980" v="859" actId="478"/>
+          <ac:picMkLst>
+            <pc:docMk/>
+            <pc:sldMk cId="2414714243" sldId="263"/>
+            <ac:picMk id="8" creationId="{0D5823BF-A8FF-C727-90A6-F38035A6673F}"/>
+          </ac:picMkLst>
+        </pc:picChg>
+        <pc:picChg chg="add del mod">
+          <ac:chgData name="Dimitri de Saint Guilhem" userId="b3a242cf8548cc63" providerId="LiveId" clId="{5C383334-1F7E-4221-8E99-0467E94D315B}" dt="2025-02-14T08:09:32.623" v="855" actId="22"/>
+          <ac:picMkLst>
+            <pc:docMk/>
+            <pc:sldMk cId="2414714243" sldId="263"/>
+            <ac:picMk id="10" creationId="{F736FE0B-1962-93FC-B254-5108A5B2207B}"/>
+          </ac:picMkLst>
+        </pc:picChg>
+        <pc:picChg chg="add mod">
+          <ac:chgData name="Dimitri de Saint Guilhem" userId="b3a242cf8548cc63" providerId="LiveId" clId="{5C383334-1F7E-4221-8E99-0467E94D315B}" dt="2025-02-14T08:10:11.987" v="864" actId="1076"/>
+          <ac:picMkLst>
+            <pc:docMk/>
+            <pc:sldMk cId="2414714243" sldId="263"/>
+            <ac:picMk id="15" creationId="{85D785BA-18B0-4F1D-956C-669BBF052762}"/>
+          </ac:picMkLst>
+        </pc:picChg>
+      </pc:sldChg>
+      <pc:sldChg chg="ord">
+        <pc:chgData name="Dimitri de Saint Guilhem" userId="b3a242cf8548cc63" providerId="LiveId" clId="{5C383334-1F7E-4221-8E99-0467E94D315B}" dt="2025-02-14T08:26:51.546" v="1057"/>
+        <pc:sldMkLst>
+          <pc:docMk/>
+          <pc:sldMk cId="3818322718" sldId="264"/>
+        </pc:sldMkLst>
+      </pc:sldChg>
+      <pc:sldChg chg="modSp mod">
+        <pc:chgData name="Dimitri de Saint Guilhem" userId="b3a242cf8548cc63" providerId="LiveId" clId="{5C383334-1F7E-4221-8E99-0467E94D315B}" dt="2025-02-14T08:26:01.500" v="1053" actId="20577"/>
+        <pc:sldMkLst>
+          <pc:docMk/>
+          <pc:sldMk cId="3525332716" sldId="266"/>
+        </pc:sldMkLst>
+        <pc:spChg chg="mod">
+          <ac:chgData name="Dimitri de Saint Guilhem" userId="b3a242cf8548cc63" providerId="LiveId" clId="{5C383334-1F7E-4221-8E99-0467E94D315B}" dt="2025-02-14T08:26:01.500" v="1053" actId="20577"/>
+          <ac:spMkLst>
+            <pc:docMk/>
+            <pc:sldMk cId="3525332716" sldId="266"/>
+            <ac:spMk id="3" creationId="{EF200934-1052-3CF7-1D24-1886B50C43AD}"/>
+          </ac:spMkLst>
+        </pc:spChg>
+      </pc:sldChg>
+      <pc:sldChg chg="addSp modSp add mod">
+        <pc:chgData name="Dimitri de Saint Guilhem" userId="b3a242cf8548cc63" providerId="LiveId" clId="{5C383334-1F7E-4221-8E99-0467E94D315B}" dt="2025-02-14T08:31:11.003" v="1129" actId="164"/>
+        <pc:sldMkLst>
+          <pc:docMk/>
+          <pc:sldMk cId="256888344" sldId="267"/>
+        </pc:sldMkLst>
+        <pc:spChg chg="mod">
+          <ac:chgData name="Dimitri de Saint Guilhem" userId="b3a242cf8548cc63" providerId="LiveId" clId="{5C383334-1F7E-4221-8E99-0467E94D315B}" dt="2025-02-14T07:54:12.463" v="495" actId="20577"/>
+          <ac:spMkLst>
+            <pc:docMk/>
+            <pc:sldMk cId="256888344" sldId="267"/>
+            <ac:spMk id="2" creationId="{37FC921E-4129-1A79-1618-0ADF2E0D5CA0}"/>
+          </ac:spMkLst>
+        </pc:spChg>
+        <pc:spChg chg="mod">
+          <ac:chgData name="Dimitri de Saint Guilhem" userId="b3a242cf8548cc63" providerId="LiveId" clId="{5C383334-1F7E-4221-8E99-0467E94D315B}" dt="2025-02-14T08:04:01.992" v="848" actId="20577"/>
+          <ac:spMkLst>
+            <pc:docMk/>
+            <pc:sldMk cId="256888344" sldId="267"/>
+            <ac:spMk id="3" creationId="{AF88B8F9-B718-BFF2-A83D-C405D103B1B3}"/>
+          </ac:spMkLst>
+        </pc:spChg>
+        <pc:grpChg chg="add mod">
+          <ac:chgData name="Dimitri de Saint Guilhem" userId="b3a242cf8548cc63" providerId="LiveId" clId="{5C383334-1F7E-4221-8E99-0467E94D315B}" dt="2025-02-14T08:31:11.003" v="1129" actId="164"/>
+          <ac:grpSpMkLst>
+            <pc:docMk/>
+            <pc:sldMk cId="256888344" sldId="267"/>
+            <ac:grpSpMk id="10" creationId="{F9F58B65-C4FB-E838-7D52-3E2FEA5D813D}"/>
+          </ac:grpSpMkLst>
+        </pc:grpChg>
+        <pc:picChg chg="add mod modCrop">
+          <ac:chgData name="Dimitri de Saint Guilhem" userId="b3a242cf8548cc63" providerId="LiveId" clId="{5C383334-1F7E-4221-8E99-0467E94D315B}" dt="2025-02-14T08:31:11.003" v="1129" actId="164"/>
+          <ac:picMkLst>
+            <pc:docMk/>
+            <pc:sldMk cId="256888344" sldId="267"/>
+            <ac:picMk id="8" creationId="{4597D356-BFF2-7EF9-85AB-4808D7F16700}"/>
+          </ac:picMkLst>
+        </pc:picChg>
+        <pc:picChg chg="add mod modCrop">
+          <ac:chgData name="Dimitri de Saint Guilhem" userId="b3a242cf8548cc63" providerId="LiveId" clId="{5C383334-1F7E-4221-8E99-0467E94D315B}" dt="2025-02-14T08:31:11.003" v="1129" actId="164"/>
+          <ac:picMkLst>
+            <pc:docMk/>
+            <pc:sldMk cId="256888344" sldId="267"/>
+            <ac:picMk id="9" creationId="{0E760B68-780F-DB02-0E6B-FD557A2C78A2}"/>
+          </ac:picMkLst>
+        </pc:picChg>
+      </pc:sldChg>
+      <pc:sldChg chg="modSp new del mod">
+        <pc:chgData name="Dimitri de Saint Guilhem" userId="b3a242cf8548cc63" providerId="LiveId" clId="{5C383334-1F7E-4221-8E99-0467E94D315B}" dt="2025-02-14T07:53:58.700" v="462" actId="680"/>
+        <pc:sldMkLst>
+          <pc:docMk/>
+          <pc:sldMk cId="409131496" sldId="267"/>
+        </pc:sldMkLst>
+        <pc:spChg chg="mod">
+          <ac:chgData name="Dimitri de Saint Guilhem" userId="b3a242cf8548cc63" providerId="LiveId" clId="{5C383334-1F7E-4221-8E99-0467E94D315B}" dt="2025-02-14T07:53:57.696" v="461" actId="20577"/>
+          <ac:spMkLst>
+            <pc:docMk/>
+            <pc:sldMk cId="409131496" sldId="267"/>
+            <ac:spMk id="2" creationId="{F8417593-4AC1-0E67-FD0D-E13B548A9CF7}"/>
+          </ac:spMkLst>
+        </pc:spChg>
+      </pc:sldChg>
+      <pc:sldChg chg="addSp delSp modSp add mod ord">
+        <pc:chgData name="Dimitri de Saint Guilhem" userId="b3a242cf8548cc63" providerId="LiveId" clId="{5C383334-1F7E-4221-8E99-0467E94D315B}" dt="2025-02-14T08:32:04.573" v="1159" actId="1076"/>
+        <pc:sldMkLst>
+          <pc:docMk/>
+          <pc:sldMk cId="3055953057" sldId="268"/>
+        </pc:sldMkLst>
+        <pc:spChg chg="mod">
+          <ac:chgData name="Dimitri de Saint Guilhem" userId="b3a242cf8548cc63" providerId="LiveId" clId="{5C383334-1F7E-4221-8E99-0467E94D315B}" dt="2025-02-14T08:30:29.609" v="1127" actId="1076"/>
+          <ac:spMkLst>
+            <pc:docMk/>
+            <pc:sldMk cId="3055953057" sldId="268"/>
+            <ac:spMk id="2" creationId="{3336EC42-2F97-056A-81E2-4F572F6F2F7A}"/>
+          </ac:spMkLst>
+        </pc:spChg>
+        <pc:spChg chg="del">
+          <ac:chgData name="Dimitri de Saint Guilhem" userId="b3a242cf8548cc63" providerId="LiveId" clId="{5C383334-1F7E-4221-8E99-0467E94D315B}" dt="2025-02-14T08:27:54.916" v="1110" actId="478"/>
+          <ac:spMkLst>
+            <pc:docMk/>
+            <pc:sldMk cId="3055953057" sldId="268"/>
+            <ac:spMk id="3" creationId="{8E81D4A8-974D-E1BA-1657-EA2973456DF1}"/>
+          </ac:spMkLst>
+        </pc:spChg>
+        <pc:spChg chg="add del mod">
+          <ac:chgData name="Dimitri de Saint Guilhem" userId="b3a242cf8548cc63" providerId="LiveId" clId="{5C383334-1F7E-4221-8E99-0467E94D315B}" dt="2025-02-14T08:32:02.105" v="1158" actId="20577"/>
+          <ac:spMkLst>
+            <pc:docMk/>
+            <pc:sldMk cId="3055953057" sldId="268"/>
+            <ac:spMk id="8" creationId="{F928DC95-7EE4-FCA8-1F7D-4145F6B5E438}"/>
+          </ac:spMkLst>
+        </pc:spChg>
+        <pc:grpChg chg="add mod">
+          <ac:chgData name="Dimitri de Saint Guilhem" userId="b3a242cf8548cc63" providerId="LiveId" clId="{5C383334-1F7E-4221-8E99-0467E94D315B}" dt="2025-02-14T08:32:04.573" v="1159" actId="1076"/>
+          <ac:grpSpMkLst>
+            <pc:docMk/>
+            <pc:sldMk cId="3055953057" sldId="268"/>
+            <ac:grpSpMk id="14" creationId="{A48132AE-5513-F5A8-BCE1-32A05A699D5E}"/>
+          </ac:grpSpMkLst>
+        </pc:grpChg>
+        <pc:grpChg chg="add del mod">
+          <ac:chgData name="Dimitri de Saint Guilhem" userId="b3a242cf8548cc63" providerId="LiveId" clId="{5C383334-1F7E-4221-8E99-0467E94D315B}" dt="2025-02-14T08:31:27.904" v="1135" actId="478"/>
+          <ac:grpSpMkLst>
+            <pc:docMk/>
+            <pc:sldMk cId="3055953057" sldId="268"/>
+            <ac:grpSpMk id="15" creationId="{AD3AD89C-32E0-19FF-6AFE-B1F66C5DEE69}"/>
+          </ac:grpSpMkLst>
+        </pc:grpChg>
+        <pc:picChg chg="add mod ord modCrop">
+          <ac:chgData name="Dimitri de Saint Guilhem" userId="b3a242cf8548cc63" providerId="LiveId" clId="{5C383334-1F7E-4221-8E99-0467E94D315B}" dt="2025-02-14T08:30:20.217" v="1124" actId="164"/>
+          <ac:picMkLst>
+            <pc:docMk/>
+            <pc:sldMk cId="3055953057" sldId="268"/>
+            <ac:picMk id="10" creationId="{DF67FD38-D732-5976-1414-703B5A8F117C}"/>
+          </ac:picMkLst>
+        </pc:picChg>
+        <pc:picChg chg="add mod modCrop">
+          <ac:chgData name="Dimitri de Saint Guilhem" userId="b3a242cf8548cc63" providerId="LiveId" clId="{5C383334-1F7E-4221-8E99-0467E94D315B}" dt="2025-02-14T08:30:20.217" v="1124" actId="164"/>
+          <ac:picMkLst>
+            <pc:docMk/>
+            <pc:sldMk cId="3055953057" sldId="268"/>
+            <ac:picMk id="12" creationId="{E8D881AF-E2E3-F9DE-C599-8FD8DD181C30}"/>
+          </ac:picMkLst>
+        </pc:picChg>
+        <pc:picChg chg="add mod modCrop">
+          <ac:chgData name="Dimitri de Saint Guilhem" userId="b3a242cf8548cc63" providerId="LiveId" clId="{5C383334-1F7E-4221-8E99-0467E94D315B}" dt="2025-02-14T08:30:20.217" v="1124" actId="164"/>
+          <ac:picMkLst>
+            <pc:docMk/>
+            <pc:sldMk cId="3055953057" sldId="268"/>
+            <ac:picMk id="13" creationId="{AE181FB0-B989-1FCC-C14D-6DD0DF8E45CF}"/>
+          </ac:picMkLst>
+        </pc:picChg>
+        <pc:picChg chg="mod">
+          <ac:chgData name="Dimitri de Saint Guilhem" userId="b3a242cf8548cc63" providerId="LiveId" clId="{5C383334-1F7E-4221-8E99-0467E94D315B}" dt="2025-02-14T08:31:14.677" v="1130"/>
+          <ac:picMkLst>
+            <pc:docMk/>
+            <pc:sldMk cId="3055953057" sldId="268"/>
+            <ac:picMk id="16" creationId="{BD28F1DE-7CBC-D80F-115E-98C98E0C887D}"/>
+          </ac:picMkLst>
+        </pc:picChg>
+        <pc:picChg chg="mod">
+          <ac:chgData name="Dimitri de Saint Guilhem" userId="b3a242cf8548cc63" providerId="LiveId" clId="{5C383334-1F7E-4221-8E99-0467E94D315B}" dt="2025-02-14T08:31:14.677" v="1130"/>
+          <ac:picMkLst>
+            <pc:docMk/>
+            <pc:sldMk cId="3055953057" sldId="268"/>
+            <ac:picMk id="17" creationId="{B9041D66-5340-94C0-809E-B300A6EF0546}"/>
+          </ac:picMkLst>
+        </pc:picChg>
+      </pc:sldChg>
+    </pc:docChg>
+  </pc:docChgLst>
+</pc:chgInfo>
+</file>
+
 <file path=ppt/notesMasters/notesMaster1.xml><?xml version="1.0" encoding="utf-8"?>
 <p:notesMaster xmlns:a="http://schemas.openxmlformats.org/drawingml/2006/main" xmlns:r="http://schemas.openxmlformats.org/officeDocument/2006/relationships" xmlns:p="http://schemas.openxmlformats.org/presentationml/2006/main">
   <p:cSld>
@@ -207,7 +523,7 @@
           <a:p>
             <a:fld id="{93CB2302-459A-D849-968D-5F88268DAF04}" type="datetimeFigureOut">
               <a:rPr lang="fr-FR" smtClean="0"/>
-              <a:t>13/02/2025</a:t>
+              <a:t>14/02/2025</a:t>
             </a:fld>
             <a:endParaRPr lang="fr-FR"/>
           </a:p>
@@ -3861,6 +4177,702 @@
         <p:cNvPr id="1" name="">
           <a:extLst>
             <a:ext uri="{FF2B5EF4-FFF2-40B4-BE49-F238E27FC236}">
+              <a16:creationId xmlns:a16="http://schemas.microsoft.com/office/drawing/2014/main" id="{323F4C8F-489A-6897-3015-D5D1E902B199}"/>
+            </a:ext>
+          </a:extLst>
+        </p:cNvPr>
+        <p:cNvGrpSpPr/>
+        <p:nvPr/>
+      </p:nvGrpSpPr>
+      <p:grpSpPr>
+        <a:xfrm>
+          <a:off x="0" y="0"/>
+          <a:ext cx="0" cy="0"/>
+          <a:chOff x="0" y="0"/>
+          <a:chExt cx="0" cy="0"/>
+        </a:xfrm>
+      </p:grpSpPr>
+      <p:sp>
+        <p:nvSpPr>
+          <p:cNvPr id="2" name="Titre 1">
+            <a:extLst>
+              <a:ext uri="{FF2B5EF4-FFF2-40B4-BE49-F238E27FC236}">
+                <a16:creationId xmlns:a16="http://schemas.microsoft.com/office/drawing/2014/main" id="{62A8DA81-4632-A5B1-D4C5-3F96EC332000}"/>
+              </a:ext>
+            </a:extLst>
+          </p:cNvPr>
+          <p:cNvSpPr>
+            <a:spLocks noGrp="1"/>
+          </p:cNvSpPr>
+          <p:nvPr>
+            <p:ph type="title"/>
+          </p:nvPr>
+        </p:nvSpPr>
+        <p:spPr/>
+        <p:txBody>
+          <a:bodyPr/>
+          <a:lstStyle/>
+          <a:p>
+            <a:r>
+              <a:rPr lang="fr-FR" b="1" dirty="0">
+                <a:solidFill>
+                  <a:schemeClr val="tx2"/>
+                </a:solidFill>
+              </a:rPr>
+              <a:t>Heuristiques : Résultats</a:t>
+            </a:r>
+          </a:p>
+        </p:txBody>
+      </p:sp>
+      <p:sp>
+        <p:nvSpPr>
+          <p:cNvPr id="4" name="Espace réservé de la date 3">
+            <a:extLst>
+              <a:ext uri="{FF2B5EF4-FFF2-40B4-BE49-F238E27FC236}">
+                <a16:creationId xmlns:a16="http://schemas.microsoft.com/office/drawing/2014/main" id="{A36B018E-3BE0-9BFF-DE7D-CF4ED831898A}"/>
+              </a:ext>
+            </a:extLst>
+          </p:cNvPr>
+          <p:cNvSpPr>
+            <a:spLocks noGrp="1"/>
+          </p:cNvSpPr>
+          <p:nvPr>
+            <p:ph type="dt" sz="half" idx="10"/>
+          </p:nvPr>
+        </p:nvSpPr>
+        <p:spPr/>
+        <p:txBody>
+          <a:bodyPr/>
+          <a:lstStyle/>
+          <a:p>
+            <a:r>
+              <a:rPr lang="fr-FR" dirty="0"/>
+              <a:t>14/02/2025</a:t>
+            </a:r>
+          </a:p>
+        </p:txBody>
+      </p:sp>
+      <p:sp>
+        <p:nvSpPr>
+          <p:cNvPr id="5" name="Espace réservé du pied de page 4">
+            <a:extLst>
+              <a:ext uri="{FF2B5EF4-FFF2-40B4-BE49-F238E27FC236}">
+                <a16:creationId xmlns:a16="http://schemas.microsoft.com/office/drawing/2014/main" id="{93381CA1-8549-538A-51F3-CB6934003E4B}"/>
+              </a:ext>
+            </a:extLst>
+          </p:cNvPr>
+          <p:cNvSpPr>
+            <a:spLocks noGrp="1"/>
+          </p:cNvSpPr>
+          <p:nvPr>
+            <p:ph type="ftr" sz="quarter" idx="11"/>
+          </p:nvPr>
+        </p:nvSpPr>
+        <p:spPr/>
+        <p:txBody>
+          <a:bodyPr/>
+          <a:lstStyle/>
+          <a:p>
+            <a:r>
+              <a:rPr lang="fr-FR" dirty="0"/>
+              <a:t>VRP robuste</a:t>
+            </a:r>
+          </a:p>
+        </p:txBody>
+      </p:sp>
+      <p:sp>
+        <p:nvSpPr>
+          <p:cNvPr id="6" name="Espace réservé du numéro de diapositive 5">
+            <a:extLst>
+              <a:ext uri="{FF2B5EF4-FFF2-40B4-BE49-F238E27FC236}">
+                <a16:creationId xmlns:a16="http://schemas.microsoft.com/office/drawing/2014/main" id="{77627394-4223-739D-FF40-8A8D90C7117C}"/>
+              </a:ext>
+            </a:extLst>
+          </p:cNvPr>
+          <p:cNvSpPr>
+            <a:spLocks noGrp="1"/>
+          </p:cNvSpPr>
+          <p:nvPr>
+            <p:ph type="sldNum" sz="quarter" idx="12"/>
+          </p:nvPr>
+        </p:nvSpPr>
+        <p:spPr/>
+        <p:txBody>
+          <a:bodyPr/>
+          <a:lstStyle/>
+          <a:p>
+            <a:fld id="{49D9D136-35C4-F945-9AC1-0F0ED400EE8E}" type="slidenum">
+              <a:rPr lang="fr-FR" smtClean="0"/>
+              <a:t>10</a:t>
+            </a:fld>
+            <a:endParaRPr lang="fr-FR"/>
+          </a:p>
+        </p:txBody>
+      </p:sp>
+      <p:pic>
+        <p:nvPicPr>
+          <p:cNvPr id="11" name="Image 10">
+            <a:extLst>
+              <a:ext uri="{FF2B5EF4-FFF2-40B4-BE49-F238E27FC236}">
+                <a16:creationId xmlns:a16="http://schemas.microsoft.com/office/drawing/2014/main" id="{81FADE53-22A6-4799-7555-3AA1876E250C}"/>
+              </a:ext>
+            </a:extLst>
+          </p:cNvPr>
+          <p:cNvPicPr>
+            <a:picLocks noChangeAspect="1"/>
+          </p:cNvPicPr>
+          <p:nvPr/>
+        </p:nvPicPr>
+        <p:blipFill>
+          <a:blip r:embed="rId2"/>
+          <a:stretch>
+            <a:fillRect/>
+          </a:stretch>
+        </p:blipFill>
+        <p:spPr>
+          <a:xfrm>
+            <a:off x="381000" y="1500479"/>
+            <a:ext cx="7772400" cy="4423772"/>
+          </a:xfrm>
+          <a:prstGeom prst="rect">
+            <a:avLst/>
+          </a:prstGeom>
+        </p:spPr>
+      </p:pic>
+      <p:sp>
+        <p:nvSpPr>
+          <p:cNvPr id="12" name="ZoneTexte 11">
+            <a:extLst>
+              <a:ext uri="{FF2B5EF4-FFF2-40B4-BE49-F238E27FC236}">
+                <a16:creationId xmlns:a16="http://schemas.microsoft.com/office/drawing/2014/main" id="{F6FE8B18-A5DA-ADAA-251D-A8BCD46A2A81}"/>
+              </a:ext>
+            </a:extLst>
+          </p:cNvPr>
+          <p:cNvSpPr txBox="1"/>
+          <p:nvPr/>
+        </p:nvSpPr>
+        <p:spPr>
+          <a:xfrm>
+            <a:off x="8354291" y="1681040"/>
+            <a:ext cx="3699163" cy="3139321"/>
+          </a:xfrm>
+          <a:prstGeom prst="rect">
+            <a:avLst/>
+          </a:prstGeom>
+          <a:noFill/>
+        </p:spPr>
+        <p:txBody>
+          <a:bodyPr wrap="square" rtlCol="0">
+            <a:spAutoFit/>
+          </a:bodyPr>
+          <a:lstStyle/>
+          <a:p>
+            <a:pPr marL="285750" indent="-285750">
+              <a:buFont typeface="Arial" panose="020B0604020202020204" pitchFamily="34" charset="0"/>
+              <a:buChar char="•"/>
+            </a:pPr>
+            <a:r>
+              <a:rPr lang="fr-FR" dirty="0">
+                <a:solidFill>
+                  <a:schemeClr val="tx1">
+                    <a:lumMod val="65000"/>
+                    <a:lumOff val="35000"/>
+                  </a:schemeClr>
+                </a:solidFill>
+              </a:rPr>
+              <a:t>Gap avec le relâché continu du modèle dual</a:t>
+            </a:r>
+          </a:p>
+          <a:p>
+            <a:pPr marL="285750" indent="-285750">
+              <a:buFont typeface="Arial" panose="020B0604020202020204" pitchFamily="34" charset="0"/>
+              <a:buChar char="•"/>
+            </a:pPr>
+            <a:endParaRPr lang="fr-FR" dirty="0">
+              <a:solidFill>
+                <a:schemeClr val="tx1">
+                  <a:lumMod val="65000"/>
+                  <a:lumOff val="35000"/>
+                </a:schemeClr>
+              </a:solidFill>
+            </a:endParaRPr>
+          </a:p>
+          <a:p>
+            <a:pPr marL="285750" indent="-285750">
+              <a:buFont typeface="Arial" panose="020B0604020202020204" pitchFamily="34" charset="0"/>
+              <a:buChar char="•"/>
+            </a:pPr>
+            <a:r>
+              <a:rPr lang="fr-FR" dirty="0">
+                <a:solidFill>
+                  <a:schemeClr val="tx1">
+                    <a:lumMod val="65000"/>
+                    <a:lumOff val="35000"/>
+                  </a:schemeClr>
+                </a:solidFill>
+              </a:rPr>
+              <a:t>Temps de calcul des heuristiques sur les </a:t>
+            </a:r>
+            <a:r>
+              <a:rPr lang="fr-FR" b="1" dirty="0">
+                <a:solidFill>
+                  <a:schemeClr val="tx1">
+                    <a:lumMod val="65000"/>
+                    <a:lumOff val="35000"/>
+                  </a:schemeClr>
+                </a:solidFill>
+              </a:rPr>
+              <a:t>solutions complètes plusieurs ordres de grandeurs</a:t>
+            </a:r>
+            <a:r>
+              <a:rPr lang="fr-FR" dirty="0">
+                <a:solidFill>
+                  <a:schemeClr val="tx1">
+                    <a:lumMod val="65000"/>
+                    <a:lumOff val="35000"/>
+                  </a:schemeClr>
+                </a:solidFill>
+              </a:rPr>
+              <a:t> au dessus de  celles sur </a:t>
+            </a:r>
+            <a:r>
+              <a:rPr lang="fr-FR" b="1" dirty="0">
+                <a:solidFill>
+                  <a:schemeClr val="tx1">
+                    <a:lumMod val="65000"/>
+                    <a:lumOff val="35000"/>
+                  </a:schemeClr>
+                </a:solidFill>
+              </a:rPr>
+              <a:t>les sous-tours</a:t>
+            </a:r>
+          </a:p>
+          <a:p>
+            <a:pPr marL="285750" indent="-285750">
+              <a:buFont typeface="Arial" panose="020B0604020202020204" pitchFamily="34" charset="0"/>
+              <a:buChar char="•"/>
+            </a:pPr>
+            <a:endParaRPr lang="fr-FR" b="1" dirty="0">
+              <a:solidFill>
+                <a:schemeClr val="tx1">
+                  <a:lumMod val="65000"/>
+                  <a:lumOff val="35000"/>
+                </a:schemeClr>
+              </a:solidFill>
+            </a:endParaRPr>
+          </a:p>
+          <a:p>
+            <a:pPr marL="285750" indent="-285750">
+              <a:buFont typeface="Arial" panose="020B0604020202020204" pitchFamily="34" charset="0"/>
+              <a:buChar char="•"/>
+            </a:pPr>
+            <a:r>
+              <a:rPr lang="fr-FR" dirty="0">
+                <a:solidFill>
+                  <a:schemeClr val="tx1">
+                    <a:lumMod val="65000"/>
+                    <a:lumOff val="35000"/>
+                  </a:schemeClr>
+                </a:solidFill>
+              </a:rPr>
+              <a:t>Peu de gain sur les instances euclidiennes</a:t>
+            </a:r>
+          </a:p>
+        </p:txBody>
+      </p:sp>
+    </p:spTree>
+    <p:extLst>
+      <p:ext uri="{BB962C8B-B14F-4D97-AF65-F5344CB8AC3E}">
+        <p14:creationId xmlns:p14="http://schemas.microsoft.com/office/powerpoint/2010/main" val="899183435"/>
+      </p:ext>
+    </p:extLst>
+  </p:cSld>
+  <p:clrMapOvr>
+    <a:masterClrMapping/>
+  </p:clrMapOvr>
+</p:sld>
+</file>
+
+<file path=ppt/slides/slide11.xml><?xml version="1.0" encoding="utf-8"?>
+<p:sld xmlns:a="http://schemas.openxmlformats.org/drawingml/2006/main" xmlns:r="http://schemas.openxmlformats.org/officeDocument/2006/relationships" xmlns:p="http://schemas.openxmlformats.org/presentationml/2006/main">
+  <p:cSld>
+    <p:spTree>
+      <p:nvGrpSpPr>
+        <p:cNvPr id="1" name="">
+          <a:extLst>
+            <a:ext uri="{FF2B5EF4-FFF2-40B4-BE49-F238E27FC236}">
+              <a16:creationId xmlns:a16="http://schemas.microsoft.com/office/drawing/2014/main" id="{219A13E3-B9ED-10B6-EE94-7EF3067A6E90}"/>
+            </a:ext>
+          </a:extLst>
+        </p:cNvPr>
+        <p:cNvGrpSpPr/>
+        <p:nvPr/>
+      </p:nvGrpSpPr>
+      <p:grpSpPr>
+        <a:xfrm>
+          <a:off x="0" y="0"/>
+          <a:ext cx="0" cy="0"/>
+          <a:chOff x="0" y="0"/>
+          <a:chExt cx="0" cy="0"/>
+        </a:xfrm>
+      </p:grpSpPr>
+      <p:sp>
+        <p:nvSpPr>
+          <p:cNvPr id="2" name="Titre 1">
+            <a:extLst>
+              <a:ext uri="{FF2B5EF4-FFF2-40B4-BE49-F238E27FC236}">
+                <a16:creationId xmlns:a16="http://schemas.microsoft.com/office/drawing/2014/main" id="{764D7F47-5ECF-B870-BEB2-4894058F8B48}"/>
+              </a:ext>
+            </a:extLst>
+          </p:cNvPr>
+          <p:cNvSpPr>
+            <a:spLocks noGrp="1"/>
+          </p:cNvSpPr>
+          <p:nvPr>
+            <p:ph type="title"/>
+          </p:nvPr>
+        </p:nvSpPr>
+        <p:spPr/>
+        <p:txBody>
+          <a:bodyPr/>
+          <a:lstStyle/>
+          <a:p>
+            <a:r>
+              <a:rPr lang="fr-FR" b="1" dirty="0">
+                <a:solidFill>
+                  <a:schemeClr val="tx2"/>
+                </a:solidFill>
+              </a:rPr>
+              <a:t>Heuristique : Comparaison avec les méthodes exactes</a:t>
+            </a:r>
+          </a:p>
+        </p:txBody>
+      </p:sp>
+      <p:sp>
+        <p:nvSpPr>
+          <p:cNvPr id="4" name="Espace réservé de la date 3">
+            <a:extLst>
+              <a:ext uri="{FF2B5EF4-FFF2-40B4-BE49-F238E27FC236}">
+                <a16:creationId xmlns:a16="http://schemas.microsoft.com/office/drawing/2014/main" id="{CBAB51CE-904F-CCBE-7F95-12CBCC515660}"/>
+              </a:ext>
+            </a:extLst>
+          </p:cNvPr>
+          <p:cNvSpPr>
+            <a:spLocks noGrp="1"/>
+          </p:cNvSpPr>
+          <p:nvPr>
+            <p:ph type="dt" sz="half" idx="10"/>
+          </p:nvPr>
+        </p:nvSpPr>
+        <p:spPr/>
+        <p:txBody>
+          <a:bodyPr/>
+          <a:lstStyle/>
+          <a:p>
+            <a:r>
+              <a:rPr lang="fr-FR" dirty="0"/>
+              <a:t>14/02/2025</a:t>
+            </a:r>
+          </a:p>
+        </p:txBody>
+      </p:sp>
+      <p:sp>
+        <p:nvSpPr>
+          <p:cNvPr id="5" name="Espace réservé du pied de page 4">
+            <a:extLst>
+              <a:ext uri="{FF2B5EF4-FFF2-40B4-BE49-F238E27FC236}">
+                <a16:creationId xmlns:a16="http://schemas.microsoft.com/office/drawing/2014/main" id="{2AEFD001-BF10-5955-A6EB-0C5A79725435}"/>
+              </a:ext>
+            </a:extLst>
+          </p:cNvPr>
+          <p:cNvSpPr>
+            <a:spLocks noGrp="1"/>
+          </p:cNvSpPr>
+          <p:nvPr>
+            <p:ph type="ftr" sz="quarter" idx="11"/>
+          </p:nvPr>
+        </p:nvSpPr>
+        <p:spPr/>
+        <p:txBody>
+          <a:bodyPr/>
+          <a:lstStyle/>
+          <a:p>
+            <a:r>
+              <a:rPr lang="fr-FR" dirty="0"/>
+              <a:t>VRP robuste</a:t>
+            </a:r>
+          </a:p>
+        </p:txBody>
+      </p:sp>
+      <p:sp>
+        <p:nvSpPr>
+          <p:cNvPr id="6" name="Espace réservé du numéro de diapositive 5">
+            <a:extLst>
+              <a:ext uri="{FF2B5EF4-FFF2-40B4-BE49-F238E27FC236}">
+                <a16:creationId xmlns:a16="http://schemas.microsoft.com/office/drawing/2014/main" id="{4B4316E5-5587-59F3-45B2-900135EC9781}"/>
+              </a:ext>
+            </a:extLst>
+          </p:cNvPr>
+          <p:cNvSpPr>
+            <a:spLocks noGrp="1"/>
+          </p:cNvSpPr>
+          <p:nvPr>
+            <p:ph type="sldNum" sz="quarter" idx="12"/>
+          </p:nvPr>
+        </p:nvSpPr>
+        <p:spPr/>
+        <p:txBody>
+          <a:bodyPr/>
+          <a:lstStyle/>
+          <a:p>
+            <a:fld id="{49D9D136-35C4-F945-9AC1-0F0ED400EE8E}" type="slidenum">
+              <a:rPr lang="fr-FR" smtClean="0"/>
+              <a:t>11</a:t>
+            </a:fld>
+            <a:endParaRPr lang="fr-FR"/>
+          </a:p>
+        </p:txBody>
+      </p:sp>
+      <p:sp>
+        <p:nvSpPr>
+          <p:cNvPr id="12" name="ZoneTexte 11">
+            <a:extLst>
+              <a:ext uri="{FF2B5EF4-FFF2-40B4-BE49-F238E27FC236}">
+                <a16:creationId xmlns:a16="http://schemas.microsoft.com/office/drawing/2014/main" id="{84E2D1AF-1443-2423-5A7E-125CE5D66CC8}"/>
+              </a:ext>
+            </a:extLst>
+          </p:cNvPr>
+          <p:cNvSpPr txBox="1"/>
+          <p:nvPr/>
+        </p:nvSpPr>
+        <p:spPr>
+          <a:xfrm>
+            <a:off x="838200" y="5058726"/>
+            <a:ext cx="10009909" cy="646331"/>
+          </a:xfrm>
+          <a:prstGeom prst="rect">
+            <a:avLst/>
+          </a:prstGeom>
+          <a:noFill/>
+        </p:spPr>
+        <p:txBody>
+          <a:bodyPr wrap="square" rtlCol="0">
+            <a:spAutoFit/>
+          </a:bodyPr>
+          <a:lstStyle/>
+          <a:p>
+            <a:pPr marL="285750" indent="-285750">
+              <a:buFont typeface="Arial" panose="020B0604020202020204" pitchFamily="34" charset="0"/>
+              <a:buChar char="•"/>
+            </a:pPr>
+            <a:r>
+              <a:rPr lang="fr-FR" dirty="0">
+                <a:solidFill>
+                  <a:schemeClr val="tx1">
+                    <a:lumMod val="65000"/>
+                    <a:lumOff val="35000"/>
+                  </a:schemeClr>
+                </a:solidFill>
+              </a:rPr>
+              <a:t>Avec un </a:t>
+            </a:r>
+            <a:r>
+              <a:rPr lang="fr-FR" b="1" dirty="0">
+                <a:solidFill>
+                  <a:schemeClr val="tx1">
+                    <a:lumMod val="65000"/>
+                    <a:lumOff val="35000"/>
+                  </a:schemeClr>
+                </a:solidFill>
+              </a:rPr>
+              <a:t>temps limite de 2s</a:t>
+            </a:r>
+            <a:r>
+              <a:rPr lang="fr-FR" dirty="0">
+                <a:solidFill>
+                  <a:schemeClr val="tx1">
+                    <a:lumMod val="65000"/>
+                    <a:lumOff val="35000"/>
+                  </a:schemeClr>
+                </a:solidFill>
+              </a:rPr>
+              <a:t> :</a:t>
+            </a:r>
+          </a:p>
+          <a:p>
+            <a:pPr marL="742950" lvl="1" indent="-285750">
+              <a:buFont typeface="Arial" panose="020B0604020202020204" pitchFamily="34" charset="0"/>
+              <a:buChar char="•"/>
+            </a:pPr>
+            <a:r>
+              <a:rPr lang="fr-FR" dirty="0">
+                <a:solidFill>
+                  <a:schemeClr val="tx1">
+                    <a:lumMod val="65000"/>
+                    <a:lumOff val="35000"/>
+                  </a:schemeClr>
+                </a:solidFill>
+              </a:rPr>
+              <a:t>L’heuristique </a:t>
+            </a:r>
+            <a:r>
+              <a:rPr lang="fr-FR" b="1" dirty="0">
+                <a:solidFill>
+                  <a:schemeClr val="tx1">
+                    <a:lumMod val="65000"/>
+                    <a:lumOff val="35000"/>
+                  </a:schemeClr>
+                </a:solidFill>
+              </a:rPr>
+              <a:t>3-opt sur les sous tours </a:t>
+            </a:r>
+            <a:r>
+              <a:rPr lang="fr-FR" dirty="0">
+                <a:solidFill>
+                  <a:schemeClr val="tx1">
+                    <a:lumMod val="65000"/>
+                    <a:lumOff val="35000"/>
+                  </a:schemeClr>
+                </a:solidFill>
+              </a:rPr>
+              <a:t>est meilleure dès la </a:t>
+            </a:r>
+            <a:r>
+              <a:rPr lang="fr-FR" b="1" dirty="0">
+                <a:solidFill>
+                  <a:schemeClr val="tx1">
+                    <a:lumMod val="65000"/>
+                    <a:lumOff val="35000"/>
+                  </a:schemeClr>
+                </a:solidFill>
+              </a:rPr>
+              <a:t>14</a:t>
+            </a:r>
+            <a:r>
+              <a:rPr lang="fr-FR" b="1" baseline="30000" dirty="0">
+                <a:solidFill>
+                  <a:schemeClr val="tx1">
+                    <a:lumMod val="65000"/>
+                    <a:lumOff val="35000"/>
+                  </a:schemeClr>
+                </a:solidFill>
+              </a:rPr>
+              <a:t>ème</a:t>
+            </a:r>
+            <a:r>
+              <a:rPr lang="fr-FR" b="1" dirty="0">
+                <a:solidFill>
+                  <a:schemeClr val="tx1">
+                    <a:lumMod val="65000"/>
+                    <a:lumOff val="35000"/>
+                  </a:schemeClr>
+                </a:solidFill>
+              </a:rPr>
+              <a:t> instance </a:t>
+            </a:r>
+            <a:r>
+              <a:rPr lang="fr-FR" dirty="0">
+                <a:solidFill>
+                  <a:schemeClr val="tx1">
+                    <a:lumMod val="65000"/>
+                    <a:lumOff val="35000"/>
+                  </a:schemeClr>
+                </a:solidFill>
+              </a:rPr>
+              <a:t>en euclidien</a:t>
+            </a:r>
+            <a:endParaRPr lang="fr-FR" b="1" dirty="0">
+              <a:solidFill>
+                <a:schemeClr val="tx1">
+                  <a:lumMod val="65000"/>
+                  <a:lumOff val="35000"/>
+                </a:schemeClr>
+              </a:solidFill>
+            </a:endParaRPr>
+          </a:p>
+        </p:txBody>
+      </p:sp>
+      <p:pic>
+        <p:nvPicPr>
+          <p:cNvPr id="15" name="Image 14">
+            <a:extLst>
+              <a:ext uri="{FF2B5EF4-FFF2-40B4-BE49-F238E27FC236}">
+                <a16:creationId xmlns:a16="http://schemas.microsoft.com/office/drawing/2014/main" id="{7D4971C1-C422-CC41-9EFA-2523CFB6CF98}"/>
+              </a:ext>
+            </a:extLst>
+          </p:cNvPr>
+          <p:cNvPicPr>
+            <a:picLocks noChangeAspect="1"/>
+          </p:cNvPicPr>
+          <p:nvPr/>
+        </p:nvPicPr>
+        <p:blipFill>
+          <a:blip r:embed="rId2"/>
+          <a:stretch>
+            <a:fillRect/>
+          </a:stretch>
+        </p:blipFill>
+        <p:spPr>
+          <a:xfrm>
+            <a:off x="1156427" y="1884175"/>
+            <a:ext cx="4589167" cy="2981063"/>
+          </a:xfrm>
+          <a:prstGeom prst="rect">
+            <a:avLst/>
+          </a:prstGeom>
+        </p:spPr>
+      </p:pic>
+      <p:pic>
+        <p:nvPicPr>
+          <p:cNvPr id="17" name="Image 16">
+            <a:extLst>
+              <a:ext uri="{FF2B5EF4-FFF2-40B4-BE49-F238E27FC236}">
+                <a16:creationId xmlns:a16="http://schemas.microsoft.com/office/drawing/2014/main" id="{566CDD27-6E51-AB6F-1EDF-0E6B96AACAC8}"/>
+              </a:ext>
+            </a:extLst>
+          </p:cNvPr>
+          <p:cNvPicPr>
+            <a:picLocks noChangeAspect="1"/>
+          </p:cNvPicPr>
+          <p:nvPr/>
+        </p:nvPicPr>
+        <p:blipFill>
+          <a:blip r:embed="rId3"/>
+          <a:stretch>
+            <a:fillRect/>
+          </a:stretch>
+        </p:blipFill>
+        <p:spPr>
+          <a:xfrm>
+            <a:off x="6258942" y="1918274"/>
+            <a:ext cx="4589167" cy="2946964"/>
+          </a:xfrm>
+          <a:prstGeom prst="rect">
+            <a:avLst/>
+          </a:prstGeom>
+        </p:spPr>
+      </p:pic>
+    </p:spTree>
+    <p:extLst>
+      <p:ext uri="{BB962C8B-B14F-4D97-AF65-F5344CB8AC3E}">
+        <p14:creationId xmlns:p14="http://schemas.microsoft.com/office/powerpoint/2010/main" val="3818322718"/>
+      </p:ext>
+    </p:extLst>
+  </p:cSld>
+  <p:clrMapOvr>
+    <a:masterClrMapping/>
+  </p:clrMapOvr>
+</p:sld>
+</file>
+
+<file path=ppt/slides/slide12.xml><?xml version="1.0" encoding="utf-8"?>
+<p:sld xmlns:a="http://schemas.openxmlformats.org/drawingml/2006/main" xmlns:r="http://schemas.openxmlformats.org/officeDocument/2006/relationships" xmlns:p="http://schemas.openxmlformats.org/presentationml/2006/main">
+  <p:cSld>
+    <p:spTree>
+      <p:nvGrpSpPr>
+        <p:cNvPr id="1" name="">
+          <a:extLst>
+            <a:ext uri="{FF2B5EF4-FFF2-40B4-BE49-F238E27FC236}">
               <a16:creationId xmlns:a16="http://schemas.microsoft.com/office/drawing/2014/main" id="{4EE5E00F-C73A-075F-E46E-4C7CD2452633}"/>
             </a:ext>
           </a:extLst>
@@ -3908,35 +4920,6 @@
           </a:p>
         </p:txBody>
       </p:sp>
-      <p:pic>
-        <p:nvPicPr>
-          <p:cNvPr id="8" name="Espace réservé du contenu 7">
-            <a:extLst>
-              <a:ext uri="{FF2B5EF4-FFF2-40B4-BE49-F238E27FC236}">
-                <a16:creationId xmlns:a16="http://schemas.microsoft.com/office/drawing/2014/main" id="{0D5823BF-A8FF-C727-90A6-F38035A6673F}"/>
-              </a:ext>
-            </a:extLst>
-          </p:cNvPr>
-          <p:cNvPicPr>
-            <a:picLocks noGrp="1" noChangeAspect="1"/>
-          </p:cNvPicPr>
-          <p:nvPr>
-            <p:ph idx="1"/>
-          </p:nvPr>
-        </p:nvPicPr>
-        <p:blipFill>
-          <a:blip r:embed="rId2"/>
-          <a:stretch>
-            <a:fillRect/>
-          </a:stretch>
-        </p:blipFill>
-        <p:spPr>
-          <a:xfrm>
-            <a:off x="838200" y="1777358"/>
-            <a:ext cx="5784273" cy="3757388"/>
-          </a:xfrm>
-        </p:spPr>
-      </p:pic>
       <p:sp>
         <p:nvSpPr>
           <p:cNvPr id="4" name="Espace réservé de la date 3">
@@ -4017,7 +5000,7 @@
           <a:p>
             <a:fld id="{49D9D136-35C4-F945-9AC1-0F0ED400EE8E}" type="slidenum">
               <a:rPr lang="fr-FR" smtClean="0"/>
-              <a:t>10</a:t>
+              <a:t>12</a:t>
             </a:fld>
             <a:endParaRPr lang="fr-FR"/>
           </a:p>
@@ -4139,7 +5122,7 @@
                   </a:schemeClr>
                 </a:solidFill>
               </a:rPr>
-              <a:t>pour le B&amp;C</a:t>
+              <a:t>pour le B&amp;C donc non considéré.</a:t>
             </a:r>
           </a:p>
           <a:p>
@@ -4183,9 +5166,58 @@
               </a:rPr>
               <a:t>warm start </a:t>
             </a:r>
-          </a:p>
-        </p:txBody>
-      </p:sp>
+            <a:r>
+              <a:rPr lang="fr-FR" dirty="0">
+                <a:solidFill>
+                  <a:schemeClr val="tx1">
+                    <a:lumMod val="65000"/>
+                    <a:lumOff val="35000"/>
+                  </a:schemeClr>
+                </a:solidFill>
+              </a:rPr>
+              <a:t>(pour résolution exacte)</a:t>
+            </a:r>
+            <a:endParaRPr lang="fr-FR" b="1" dirty="0">
+              <a:solidFill>
+                <a:schemeClr val="tx1">
+                  <a:lumMod val="65000"/>
+                  <a:lumOff val="35000"/>
+                </a:schemeClr>
+              </a:solidFill>
+            </a:endParaRPr>
+          </a:p>
+        </p:txBody>
+      </p:sp>
+      <p:pic>
+        <p:nvPicPr>
+          <p:cNvPr id="15" name="Image 14">
+            <a:extLst>
+              <a:ext uri="{FF2B5EF4-FFF2-40B4-BE49-F238E27FC236}">
+                <a16:creationId xmlns:a16="http://schemas.microsoft.com/office/drawing/2014/main" id="{85D785BA-18B0-4F1D-956C-669BBF052762}"/>
+              </a:ext>
+            </a:extLst>
+          </p:cNvPr>
+          <p:cNvPicPr>
+            <a:picLocks noChangeAspect="1"/>
+          </p:cNvPicPr>
+          <p:nvPr/>
+        </p:nvPicPr>
+        <p:blipFill>
+          <a:blip r:embed="rId2"/>
+          <a:stretch>
+            <a:fillRect/>
+          </a:stretch>
+        </p:blipFill>
+        <p:spPr>
+          <a:xfrm>
+            <a:off x="485709" y="1646238"/>
+            <a:ext cx="6480290" cy="4497706"/>
+          </a:xfrm>
+          <a:prstGeom prst="rect">
+            <a:avLst/>
+          </a:prstGeom>
+        </p:spPr>
+      </p:pic>
     </p:spTree>
     <p:extLst>
       <p:ext uri="{BB962C8B-B14F-4D97-AF65-F5344CB8AC3E}">
@@ -4199,7 +5231,7 @@
 </p:sld>
 </file>
 
-<file path=ppt/slides/slide11.xml><?xml version="1.0" encoding="utf-8"?>
+<file path=ppt/slides/slide13.xml><?xml version="1.0" encoding="utf-8"?>
 <p:sld xmlns:a="http://schemas.openxmlformats.org/drawingml/2006/main" xmlns:r="http://schemas.openxmlformats.org/officeDocument/2006/relationships" xmlns:p="http://schemas.openxmlformats.org/presentationml/2006/main">
   <p:cSld>
     <p:spTree>
@@ -4333,7 +5365,7 @@
           <a:p>
             <a:fld id="{49D9D136-35C4-F945-9AC1-0F0ED400EE8E}" type="slidenum">
               <a:rPr lang="fr-FR" smtClean="0"/>
-              <a:t>11</a:t>
+              <a:t>13</a:t>
             </a:fld>
             <a:endParaRPr lang="fr-FR" dirty="0"/>
           </a:p>
@@ -4599,12 +5631,142 @@
             <p:ph idx="1"/>
           </p:nvPr>
         </p:nvSpPr>
-        <p:spPr/>
-        <p:txBody>
-          <a:bodyPr/>
+        <p:spPr>
+          <a:xfrm>
+            <a:off x="1624518" y="1825625"/>
+            <a:ext cx="9729281" cy="4351338"/>
+          </a:xfrm>
+        </p:spPr>
+        <p:txBody>
+          <a:bodyPr>
+            <a:normAutofit/>
+          </a:bodyPr>
           <a:lstStyle/>
           <a:p>
             <a:pPr marL="514350" indent="-514350">
+              <a:lnSpc>
+                <a:spcPct val="150000"/>
+              </a:lnSpc>
+              <a:buFont typeface="+mj-lt"/>
+              <a:buAutoNum type="arabicPeriod"/>
+            </a:pPr>
+            <a:r>
+              <a:rPr lang="en-US" dirty="0" err="1">
+                <a:solidFill>
+                  <a:schemeClr val="tx1">
+                    <a:lumMod val="65000"/>
+                    <a:lumOff val="35000"/>
+                  </a:schemeClr>
+                </a:solidFill>
+              </a:rPr>
+              <a:t>Méthodes</a:t>
+            </a:r>
+            <a:r>
+              <a:rPr lang="en-US" dirty="0">
+                <a:solidFill>
+                  <a:schemeClr val="tx1">
+                    <a:lumMod val="65000"/>
+                    <a:lumOff val="35000"/>
+                  </a:schemeClr>
+                </a:solidFill>
+              </a:rPr>
+              <a:t> </a:t>
+            </a:r>
+            <a:r>
+              <a:rPr lang="en-US" dirty="0" err="1">
+                <a:solidFill>
+                  <a:schemeClr val="tx1">
+                    <a:lumMod val="65000"/>
+                    <a:lumOff val="35000"/>
+                  </a:schemeClr>
+                </a:solidFill>
+              </a:rPr>
+              <a:t>exactes</a:t>
+            </a:r>
+            <a:endParaRPr lang="en-US" dirty="0">
+              <a:solidFill>
+                <a:schemeClr val="tx1">
+                  <a:lumMod val="65000"/>
+                  <a:lumOff val="35000"/>
+                </a:schemeClr>
+              </a:solidFill>
+            </a:endParaRPr>
+          </a:p>
+          <a:p>
+            <a:pPr marL="971550" lvl="1" indent="-514350">
+              <a:lnSpc>
+                <a:spcPct val="100000"/>
+              </a:lnSpc>
+              <a:buFont typeface="+mj-lt"/>
+              <a:buAutoNum type="arabicPeriod"/>
+            </a:pPr>
+            <a:r>
+              <a:rPr lang="en-US" dirty="0">
+                <a:solidFill>
+                  <a:schemeClr val="tx1">
+                    <a:lumMod val="65000"/>
+                    <a:lumOff val="35000"/>
+                  </a:schemeClr>
+                </a:solidFill>
+              </a:rPr>
+              <a:t>Plans </a:t>
+            </a:r>
+            <a:r>
+              <a:rPr lang="en-US" dirty="0" err="1">
+                <a:solidFill>
+                  <a:schemeClr val="tx1">
+                    <a:lumMod val="65000"/>
+                    <a:lumOff val="35000"/>
+                  </a:schemeClr>
+                </a:solidFill>
+              </a:rPr>
+              <a:t>coupants</a:t>
+            </a:r>
+            <a:r>
+              <a:rPr lang="en-US" dirty="0">
+                <a:solidFill>
+                  <a:schemeClr val="tx1">
+                    <a:lumMod val="65000"/>
+                    <a:lumOff val="35000"/>
+                  </a:schemeClr>
+                </a:solidFill>
+              </a:rPr>
+              <a:t> et Branch-and-cut</a:t>
+            </a:r>
+          </a:p>
+          <a:p>
+            <a:pPr marL="971550" lvl="1" indent="-514350">
+              <a:lnSpc>
+                <a:spcPct val="100000"/>
+              </a:lnSpc>
+              <a:buFont typeface="+mj-lt"/>
+              <a:buAutoNum type="arabicPeriod"/>
+            </a:pPr>
+            <a:r>
+              <a:rPr lang="en-US" dirty="0" err="1">
+                <a:solidFill>
+                  <a:schemeClr val="tx1">
+                    <a:lumMod val="65000"/>
+                    <a:lumOff val="35000"/>
+                  </a:schemeClr>
+                </a:solidFill>
+              </a:rPr>
+              <a:t>Dualisation</a:t>
+            </a:r>
+            <a:endParaRPr lang="en-US" dirty="0">
+              <a:solidFill>
+                <a:schemeClr val="tx1">
+                  <a:lumMod val="65000"/>
+                  <a:lumOff val="35000"/>
+                </a:schemeClr>
+              </a:solidFill>
+            </a:endParaRPr>
+          </a:p>
+          <a:p>
+            <a:pPr marL="514350" indent="-514350">
+              <a:lnSpc>
+                <a:spcPct val="150000"/>
+              </a:lnSpc>
               <a:buFont typeface="+mj-lt"/>
               <a:buAutoNum type="arabicPeriod"/>
             </a:pPr>
@@ -4630,150 +5792,9 @@
           </a:p>
           <a:p>
             <a:pPr marL="514350" indent="-514350">
-              <a:buFont typeface="+mj-lt"/>
-              <a:buAutoNum type="arabicPeriod"/>
-            </a:pPr>
-            <a:endParaRPr lang="en-US" dirty="0">
-              <a:solidFill>
-                <a:schemeClr val="tx1">
-                  <a:lumMod val="65000"/>
-                  <a:lumOff val="35000"/>
-                </a:schemeClr>
-              </a:solidFill>
-            </a:endParaRPr>
-          </a:p>
-          <a:p>
-            <a:pPr marL="514350" indent="-514350">
-              <a:buFont typeface="+mj-lt"/>
-              <a:buAutoNum type="arabicPeriod"/>
-            </a:pPr>
-            <a:r>
-              <a:rPr lang="en-US" dirty="0" err="1">
-                <a:solidFill>
-                  <a:schemeClr val="tx1">
-                    <a:lumMod val="65000"/>
-                    <a:lumOff val="35000"/>
-                  </a:schemeClr>
-                </a:solidFill>
-              </a:rPr>
-              <a:t>Méthodes</a:t>
-            </a:r>
-            <a:r>
-              <a:rPr lang="en-US" dirty="0">
-                <a:solidFill>
-                  <a:schemeClr val="tx1">
-                    <a:lumMod val="65000"/>
-                    <a:lumOff val="35000"/>
-                  </a:schemeClr>
-                </a:solidFill>
-              </a:rPr>
-              <a:t> </a:t>
-            </a:r>
-            <a:r>
-              <a:rPr lang="en-US" dirty="0" err="1">
-                <a:solidFill>
-                  <a:schemeClr val="tx1">
-                    <a:lumMod val="65000"/>
-                    <a:lumOff val="35000"/>
-                  </a:schemeClr>
-                </a:solidFill>
-              </a:rPr>
-              <a:t>exactes</a:t>
-            </a:r>
-            <a:endParaRPr lang="en-US" dirty="0">
-              <a:solidFill>
-                <a:schemeClr val="tx1">
-                  <a:lumMod val="65000"/>
-                  <a:lumOff val="35000"/>
-                </a:schemeClr>
-              </a:solidFill>
-            </a:endParaRPr>
-          </a:p>
-          <a:p>
-            <a:pPr marL="971550" lvl="1" indent="-514350">
-              <a:buFont typeface="+mj-lt"/>
-              <a:buAutoNum type="arabicPeriod"/>
-            </a:pPr>
-            <a:r>
-              <a:rPr lang="en-US" dirty="0">
-                <a:solidFill>
-                  <a:schemeClr val="tx1">
-                    <a:lumMod val="65000"/>
-                    <a:lumOff val="35000"/>
-                  </a:schemeClr>
-                </a:solidFill>
-              </a:rPr>
-              <a:t>Dual</a:t>
-            </a:r>
-          </a:p>
-          <a:p>
-            <a:pPr marL="971550" lvl="1" indent="-514350">
-              <a:buFont typeface="+mj-lt"/>
-              <a:buAutoNum type="arabicPeriod"/>
-            </a:pPr>
-            <a:r>
-              <a:rPr lang="en-US" dirty="0">
-                <a:solidFill>
-                  <a:schemeClr val="tx1">
-                    <a:lumMod val="65000"/>
-                    <a:lumOff val="35000"/>
-                  </a:schemeClr>
-                </a:solidFill>
-              </a:rPr>
-              <a:t>Plans </a:t>
-            </a:r>
-            <a:r>
-              <a:rPr lang="en-US" dirty="0" err="1">
-                <a:solidFill>
-                  <a:schemeClr val="tx1">
-                    <a:lumMod val="65000"/>
-                    <a:lumOff val="35000"/>
-                  </a:schemeClr>
-                </a:solidFill>
-              </a:rPr>
-              <a:t>coupants</a:t>
-            </a:r>
-            <a:endParaRPr lang="en-US" dirty="0">
-              <a:solidFill>
-                <a:schemeClr val="tx1">
-                  <a:lumMod val="65000"/>
-                  <a:lumOff val="35000"/>
-                </a:schemeClr>
-              </a:solidFill>
-            </a:endParaRPr>
-          </a:p>
-          <a:p>
-            <a:pPr marL="971550" lvl="1" indent="-514350">
-              <a:buFont typeface="+mj-lt"/>
-              <a:buAutoNum type="arabicPeriod"/>
-            </a:pPr>
-            <a:r>
-              <a:rPr lang="en-US" dirty="0">
-                <a:solidFill>
-                  <a:schemeClr val="tx1">
-                    <a:lumMod val="65000"/>
-                    <a:lumOff val="35000"/>
-                  </a:schemeClr>
-                </a:solidFill>
-              </a:rPr>
-              <a:t>B&amp;C</a:t>
-            </a:r>
-          </a:p>
-          <a:p>
-            <a:pPr marL="457200" lvl="1" indent="0">
-              <a:buNone/>
-            </a:pPr>
-            <a:endParaRPr lang="en-US" dirty="0">
-              <a:solidFill>
-                <a:schemeClr val="tx1">
-                  <a:lumMod val="65000"/>
-                  <a:lumOff val="35000"/>
-                </a:schemeClr>
-              </a:solidFill>
-            </a:endParaRPr>
-          </a:p>
-          <a:p>
-            <a:pPr marL="514350" indent="-514350">
+              <a:lnSpc>
+                <a:spcPct val="150000"/>
+              </a:lnSpc>
               <a:buFont typeface="+mj-lt"/>
               <a:buAutoNum type="arabicPeriod"/>
             </a:pPr>
@@ -4902,6 +5923,1391 @@
   <p:cSld>
     <p:spTree>
       <p:nvGrpSpPr>
+        <p:cNvPr id="1" name="">
+          <a:extLst>
+            <a:ext uri="{FF2B5EF4-FFF2-40B4-BE49-F238E27FC236}">
+              <a16:creationId xmlns:a16="http://schemas.microsoft.com/office/drawing/2014/main" id="{491D5A22-15FE-ECC2-F88F-F692E284F8E8}"/>
+            </a:ext>
+          </a:extLst>
+        </p:cNvPr>
+        <p:cNvGrpSpPr/>
+        <p:nvPr/>
+      </p:nvGrpSpPr>
+      <p:grpSpPr>
+        <a:xfrm>
+          <a:off x="0" y="0"/>
+          <a:ext cx="0" cy="0"/>
+          <a:chOff x="0" y="0"/>
+          <a:chExt cx="0" cy="0"/>
+        </a:xfrm>
+      </p:grpSpPr>
+      <p:sp>
+        <p:nvSpPr>
+          <p:cNvPr id="2" name="Titre 1">
+            <a:extLst>
+              <a:ext uri="{FF2B5EF4-FFF2-40B4-BE49-F238E27FC236}">
+                <a16:creationId xmlns:a16="http://schemas.microsoft.com/office/drawing/2014/main" id="{3336EC42-2F97-056A-81E2-4F572F6F2F7A}"/>
+              </a:ext>
+            </a:extLst>
+          </p:cNvPr>
+          <p:cNvSpPr>
+            <a:spLocks noGrp="1"/>
+          </p:cNvSpPr>
+          <p:nvPr>
+            <p:ph type="title"/>
+          </p:nvPr>
+        </p:nvSpPr>
+        <p:spPr>
+          <a:xfrm>
+            <a:off x="838200" y="-16899"/>
+            <a:ext cx="10515600" cy="1325563"/>
+          </a:xfrm>
+        </p:spPr>
+        <p:txBody>
+          <a:bodyPr/>
+          <a:lstStyle/>
+          <a:p>
+            <a:r>
+              <a:rPr lang="fr-FR" b="1" dirty="0">
+                <a:solidFill>
+                  <a:schemeClr val="tx2"/>
+                </a:solidFill>
+              </a:rPr>
+              <a:t>Plans coupants et </a:t>
+            </a:r>
+            <a:r>
+              <a:rPr lang="fr-FR" b="1" dirty="0" err="1">
+                <a:solidFill>
+                  <a:schemeClr val="tx2"/>
+                </a:solidFill>
+              </a:rPr>
+              <a:t>branch</a:t>
+            </a:r>
+            <a:r>
+              <a:rPr lang="fr-FR" b="1" dirty="0">
+                <a:solidFill>
+                  <a:schemeClr val="tx2"/>
+                </a:solidFill>
+              </a:rPr>
+              <a:t> and </a:t>
+            </a:r>
+            <a:r>
+              <a:rPr lang="fr-FR" b="1" dirty="0" err="1">
+                <a:solidFill>
+                  <a:schemeClr val="tx2"/>
+                </a:solidFill>
+              </a:rPr>
+              <a:t>cut</a:t>
+            </a:r>
+            <a:endParaRPr lang="fr-FR" b="1" dirty="0">
+              <a:solidFill>
+                <a:schemeClr val="tx2"/>
+              </a:solidFill>
+            </a:endParaRPr>
+          </a:p>
+        </p:txBody>
+      </p:sp>
+      <p:sp>
+        <p:nvSpPr>
+          <p:cNvPr id="4" name="Espace réservé de la date 3">
+            <a:extLst>
+              <a:ext uri="{FF2B5EF4-FFF2-40B4-BE49-F238E27FC236}">
+                <a16:creationId xmlns:a16="http://schemas.microsoft.com/office/drawing/2014/main" id="{D4801DDD-A606-0A49-C9EE-5CA40F467F41}"/>
+              </a:ext>
+            </a:extLst>
+          </p:cNvPr>
+          <p:cNvSpPr>
+            <a:spLocks noGrp="1"/>
+          </p:cNvSpPr>
+          <p:nvPr>
+            <p:ph type="dt" sz="half" idx="10"/>
+          </p:nvPr>
+        </p:nvSpPr>
+        <p:spPr/>
+        <p:txBody>
+          <a:bodyPr/>
+          <a:lstStyle/>
+          <a:p>
+            <a:r>
+              <a:rPr lang="fr-FR"/>
+              <a:t>14/02/2025</a:t>
+            </a:r>
+          </a:p>
+        </p:txBody>
+      </p:sp>
+      <p:sp>
+        <p:nvSpPr>
+          <p:cNvPr id="5" name="Espace réservé du pied de page 4">
+            <a:extLst>
+              <a:ext uri="{FF2B5EF4-FFF2-40B4-BE49-F238E27FC236}">
+                <a16:creationId xmlns:a16="http://schemas.microsoft.com/office/drawing/2014/main" id="{D22D593A-CC53-9FD5-2D15-B36CC91D38B6}"/>
+              </a:ext>
+            </a:extLst>
+          </p:cNvPr>
+          <p:cNvSpPr>
+            <a:spLocks noGrp="1"/>
+          </p:cNvSpPr>
+          <p:nvPr>
+            <p:ph type="ftr" sz="quarter" idx="11"/>
+          </p:nvPr>
+        </p:nvSpPr>
+        <p:spPr/>
+        <p:txBody>
+          <a:bodyPr/>
+          <a:lstStyle/>
+          <a:p>
+            <a:r>
+              <a:rPr lang="fr-FR"/>
+              <a:t>VRP robuste</a:t>
+            </a:r>
+            <a:endParaRPr lang="fr-FR" dirty="0"/>
+          </a:p>
+        </p:txBody>
+      </p:sp>
+      <p:sp>
+        <p:nvSpPr>
+          <p:cNvPr id="6" name="Espace réservé du numéro de diapositive 5">
+            <a:extLst>
+              <a:ext uri="{FF2B5EF4-FFF2-40B4-BE49-F238E27FC236}">
+                <a16:creationId xmlns:a16="http://schemas.microsoft.com/office/drawing/2014/main" id="{C4F12008-03CC-136B-B19C-B685E505CA04}"/>
+              </a:ext>
+            </a:extLst>
+          </p:cNvPr>
+          <p:cNvSpPr>
+            <a:spLocks noGrp="1"/>
+          </p:cNvSpPr>
+          <p:nvPr>
+            <p:ph type="sldNum" sz="quarter" idx="12"/>
+          </p:nvPr>
+        </p:nvSpPr>
+        <p:spPr/>
+        <p:txBody>
+          <a:bodyPr/>
+          <a:lstStyle/>
+          <a:p>
+            <a:fld id="{49D9D136-35C4-F945-9AC1-0F0ED400EE8E}" type="slidenum">
+              <a:rPr lang="fr-FR" smtClean="0"/>
+              <a:t>3</a:t>
+            </a:fld>
+            <a:endParaRPr lang="fr-FR"/>
+          </a:p>
+        </p:txBody>
+      </p:sp>
+      <p:sp>
+        <p:nvSpPr>
+          <p:cNvPr id="8" name="Espace réservé du contenu 7">
+            <a:extLst>
+              <a:ext uri="{FF2B5EF4-FFF2-40B4-BE49-F238E27FC236}">
+                <a16:creationId xmlns:a16="http://schemas.microsoft.com/office/drawing/2014/main" id="{F928DC95-7EE4-FCA8-1F7D-4145F6B5E438}"/>
+              </a:ext>
+            </a:extLst>
+          </p:cNvPr>
+          <p:cNvSpPr>
+            <a:spLocks noGrp="1"/>
+          </p:cNvSpPr>
+          <p:nvPr>
+            <p:ph idx="1"/>
+          </p:nvPr>
+        </p:nvSpPr>
+        <p:spPr>
+          <a:xfrm>
+            <a:off x="838200" y="1266851"/>
+            <a:ext cx="10515600" cy="4351338"/>
+          </a:xfrm>
+        </p:spPr>
+        <p:txBody>
+          <a:bodyPr/>
+          <a:lstStyle/>
+          <a:p>
+            <a:pPr marL="0" indent="0">
+              <a:buNone/>
+            </a:pPr>
+            <a:r>
+              <a:rPr lang="fr-FR" dirty="0"/>
+              <a:t>Problème maître</a:t>
+            </a:r>
+          </a:p>
+        </p:txBody>
+      </p:sp>
+      <p:grpSp>
+        <p:nvGrpSpPr>
+          <p:cNvPr id="14" name="Groupe 13">
+            <a:extLst>
+              <a:ext uri="{FF2B5EF4-FFF2-40B4-BE49-F238E27FC236}">
+                <a16:creationId xmlns:a16="http://schemas.microsoft.com/office/drawing/2014/main" id="{A48132AE-5513-F5A8-BCE1-32A05A699D5E}"/>
+              </a:ext>
+            </a:extLst>
+          </p:cNvPr>
+          <p:cNvGrpSpPr/>
+          <p:nvPr/>
+        </p:nvGrpSpPr>
+        <p:grpSpPr>
+          <a:xfrm>
+            <a:off x="1314855" y="1943937"/>
+            <a:ext cx="8610600" cy="3592564"/>
+            <a:chOff x="0" y="1358815"/>
+            <a:chExt cx="9784080" cy="4140370"/>
+          </a:xfrm>
+        </p:grpSpPr>
+        <p:pic>
+          <p:nvPicPr>
+            <p:cNvPr id="12" name="Image 11">
+              <a:extLst>
+                <a:ext uri="{FF2B5EF4-FFF2-40B4-BE49-F238E27FC236}">
+                  <a16:creationId xmlns:a16="http://schemas.microsoft.com/office/drawing/2014/main" id="{E8D881AF-E2E3-F9DE-C599-8FD8DD181C30}"/>
+                </a:ext>
+              </a:extLst>
+            </p:cNvPr>
+            <p:cNvPicPr>
+              <a:picLocks noChangeAspect="1"/>
+            </p:cNvPicPr>
+            <p:nvPr/>
+          </p:nvPicPr>
+          <p:blipFill>
+            <a:blip r:embed="rId2"/>
+            <a:srcRect r="47250"/>
+            <a:stretch/>
+          </p:blipFill>
+          <p:spPr>
+            <a:xfrm>
+              <a:off x="0" y="1358815"/>
+              <a:ext cx="6431280" cy="4140370"/>
+            </a:xfrm>
+            <a:prstGeom prst="rect">
+              <a:avLst/>
+            </a:prstGeom>
+          </p:spPr>
+        </p:pic>
+        <p:pic>
+          <p:nvPicPr>
+            <p:cNvPr id="10" name="Image 9">
+              <a:extLst>
+                <a:ext uri="{FF2B5EF4-FFF2-40B4-BE49-F238E27FC236}">
+                  <a16:creationId xmlns:a16="http://schemas.microsoft.com/office/drawing/2014/main" id="{DF67FD38-D732-5976-1414-703B5A8F117C}"/>
+                </a:ext>
+              </a:extLst>
+            </p:cNvPr>
+            <p:cNvPicPr>
+              <a:picLocks noChangeAspect="1"/>
+            </p:cNvPicPr>
+            <p:nvPr/>
+          </p:nvPicPr>
+          <p:blipFill>
+            <a:blip r:embed="rId2"/>
+            <a:srcRect l="53667" t="29510"/>
+            <a:stretch/>
+          </p:blipFill>
+          <p:spPr>
+            <a:xfrm>
+              <a:off x="4135120" y="2580640"/>
+              <a:ext cx="5648960" cy="2918545"/>
+            </a:xfrm>
+            <a:prstGeom prst="rect">
+              <a:avLst/>
+            </a:prstGeom>
+          </p:spPr>
+        </p:pic>
+        <p:pic>
+          <p:nvPicPr>
+            <p:cNvPr id="13" name="Image 12">
+              <a:extLst>
+                <a:ext uri="{FF2B5EF4-FFF2-40B4-BE49-F238E27FC236}">
+                  <a16:creationId xmlns:a16="http://schemas.microsoft.com/office/drawing/2014/main" id="{AE181FB0-B989-1FCC-C14D-6DD0DF8E45CF}"/>
+                </a:ext>
+              </a:extLst>
+            </p:cNvPr>
+            <p:cNvPicPr>
+              <a:picLocks noChangeAspect="1"/>
+            </p:cNvPicPr>
+            <p:nvPr/>
+          </p:nvPicPr>
+          <p:blipFill>
+            <a:blip r:embed="rId2"/>
+            <a:srcRect l="83500" b="70490"/>
+            <a:stretch/>
+          </p:blipFill>
+          <p:spPr>
+            <a:xfrm>
+              <a:off x="7772400" y="1418665"/>
+              <a:ext cx="2011680" cy="1221825"/>
+            </a:xfrm>
+            <a:prstGeom prst="rect">
+              <a:avLst/>
+            </a:prstGeom>
+          </p:spPr>
+        </p:pic>
+      </p:grpSp>
+    </p:spTree>
+    <p:extLst>
+      <p:ext uri="{BB962C8B-B14F-4D97-AF65-F5344CB8AC3E}">
+        <p14:creationId xmlns:p14="http://schemas.microsoft.com/office/powerpoint/2010/main" val="3055953057"/>
+      </p:ext>
+    </p:extLst>
+  </p:cSld>
+  <p:clrMapOvr>
+    <a:masterClrMapping/>
+  </p:clrMapOvr>
+</p:sld>
+</file>
+
+<file path=ppt/slides/slide4.xml><?xml version="1.0" encoding="utf-8"?>
+<p:sld xmlns:a="http://schemas.openxmlformats.org/drawingml/2006/main" xmlns:r="http://schemas.openxmlformats.org/officeDocument/2006/relationships" xmlns:p="http://schemas.openxmlformats.org/presentationml/2006/main">
+  <p:cSld>
+    <p:spTree>
+      <p:nvGrpSpPr>
+        <p:cNvPr id="1" name="">
+          <a:extLst>
+            <a:ext uri="{FF2B5EF4-FFF2-40B4-BE49-F238E27FC236}">
+              <a16:creationId xmlns:a16="http://schemas.microsoft.com/office/drawing/2014/main" id="{2E62B33E-D35B-6519-7ED0-65339E6671B3}"/>
+            </a:ext>
+          </a:extLst>
+        </p:cNvPr>
+        <p:cNvGrpSpPr/>
+        <p:nvPr/>
+      </p:nvGrpSpPr>
+      <p:grpSpPr>
+        <a:xfrm>
+          <a:off x="0" y="0"/>
+          <a:ext cx="0" cy="0"/>
+          <a:chOff x="0" y="0"/>
+          <a:chExt cx="0" cy="0"/>
+        </a:xfrm>
+      </p:grpSpPr>
+      <p:sp>
+        <p:nvSpPr>
+          <p:cNvPr id="2" name="Titre 1">
+            <a:extLst>
+              <a:ext uri="{FF2B5EF4-FFF2-40B4-BE49-F238E27FC236}">
+                <a16:creationId xmlns:a16="http://schemas.microsoft.com/office/drawing/2014/main" id="{1ACA22FB-249E-4719-C905-3E93706C5BB6}"/>
+              </a:ext>
+            </a:extLst>
+          </p:cNvPr>
+          <p:cNvSpPr>
+            <a:spLocks noGrp="1"/>
+          </p:cNvSpPr>
+          <p:nvPr>
+            <p:ph type="title"/>
+          </p:nvPr>
+        </p:nvSpPr>
+        <p:spPr/>
+        <p:txBody>
+          <a:bodyPr/>
+          <a:lstStyle/>
+          <a:p>
+            <a:r>
+              <a:rPr lang="fr-FR" b="1" dirty="0">
+                <a:solidFill>
+                  <a:schemeClr val="tx2"/>
+                </a:solidFill>
+              </a:rPr>
+              <a:t>Plans coupants et </a:t>
+            </a:r>
+            <a:r>
+              <a:rPr lang="fr-FR" b="1" dirty="0" err="1">
+                <a:solidFill>
+                  <a:schemeClr val="tx2"/>
+                </a:solidFill>
+              </a:rPr>
+              <a:t>branch</a:t>
+            </a:r>
+            <a:r>
+              <a:rPr lang="fr-FR" b="1" dirty="0">
+                <a:solidFill>
+                  <a:schemeClr val="tx2"/>
+                </a:solidFill>
+              </a:rPr>
+              <a:t> and </a:t>
+            </a:r>
+            <a:r>
+              <a:rPr lang="fr-FR" b="1" dirty="0" err="1">
+                <a:solidFill>
+                  <a:schemeClr val="tx2"/>
+                </a:solidFill>
+              </a:rPr>
+              <a:t>cut</a:t>
+            </a:r>
+            <a:endParaRPr lang="fr-FR" b="1" dirty="0">
+              <a:solidFill>
+                <a:schemeClr val="tx2"/>
+              </a:solidFill>
+            </a:endParaRPr>
+          </a:p>
+        </p:txBody>
+      </p:sp>
+      <p:sp>
+        <p:nvSpPr>
+          <p:cNvPr id="3" name="Espace réservé du contenu 2">
+            <a:extLst>
+              <a:ext uri="{FF2B5EF4-FFF2-40B4-BE49-F238E27FC236}">
+                <a16:creationId xmlns:a16="http://schemas.microsoft.com/office/drawing/2014/main" id="{592BB89A-CEC7-1ACA-1378-AECDA9AA6ABE}"/>
+              </a:ext>
+            </a:extLst>
+          </p:cNvPr>
+          <p:cNvSpPr>
+            <a:spLocks noGrp="1"/>
+          </p:cNvSpPr>
+          <p:nvPr>
+            <p:ph idx="1"/>
+          </p:nvPr>
+        </p:nvSpPr>
+        <p:spPr>
+          <a:xfrm>
+            <a:off x="398834" y="1825625"/>
+            <a:ext cx="11644009" cy="4351338"/>
+          </a:xfrm>
+        </p:spPr>
+        <p:txBody>
+          <a:bodyPr/>
+          <a:lstStyle/>
+          <a:p>
+            <a:pPr marL="0" indent="0">
+              <a:buNone/>
+            </a:pPr>
+            <a:r>
+              <a:rPr lang="fr-FR" u="sng" dirty="0"/>
+              <a:t>Plans coupants</a:t>
+            </a:r>
+          </a:p>
+          <a:p>
+            <a:r>
+              <a:rPr lang="fr-FR" dirty="0"/>
+              <a:t>Création d’un modèle maître à chaque nouvelle contrainte.</a:t>
+            </a:r>
+          </a:p>
+          <a:p>
+            <a:r>
+              <a:rPr lang="fr-FR" dirty="0"/>
+              <a:t>Création d’un modèle pour le sous problème pour chaque problème maître.</a:t>
+            </a:r>
+          </a:p>
+          <a:p>
+            <a:pPr marL="0" indent="0">
+              <a:buNone/>
+            </a:pPr>
+            <a:r>
+              <a:rPr lang="fr-FR" u="sng" dirty="0"/>
+              <a:t>Branch and </a:t>
+            </a:r>
+            <a:r>
+              <a:rPr lang="fr-FR" u="sng" dirty="0" err="1"/>
+              <a:t>cut</a:t>
+            </a:r>
+            <a:endParaRPr lang="fr-FR" u="sng" dirty="0"/>
+          </a:p>
+          <a:p>
+            <a:r>
+              <a:rPr lang="fr-FR" dirty="0"/>
+              <a:t>Création d’un unique modèle maître.</a:t>
+            </a:r>
+          </a:p>
+          <a:p>
+            <a:r>
+              <a:rPr lang="fr-FR" dirty="0"/>
+              <a:t>Création d’un modèle pour le sous problème à chaque solution entière et il génère une coupe.</a:t>
+            </a:r>
+          </a:p>
+          <a:p>
+            <a:r>
+              <a:rPr lang="fr-FR" dirty="0"/>
+              <a:t>Callback: limite à 1 le nombre de thread.</a:t>
+            </a:r>
+          </a:p>
+          <a:p>
+            <a:pPr marL="0" indent="0">
+              <a:buNone/>
+            </a:pPr>
+            <a:endParaRPr lang="fr-FR" dirty="0"/>
+          </a:p>
+        </p:txBody>
+      </p:sp>
+      <p:sp>
+        <p:nvSpPr>
+          <p:cNvPr id="4" name="Espace réservé de la date 3">
+            <a:extLst>
+              <a:ext uri="{FF2B5EF4-FFF2-40B4-BE49-F238E27FC236}">
+                <a16:creationId xmlns:a16="http://schemas.microsoft.com/office/drawing/2014/main" id="{C7825705-1233-E7F9-F915-A0F32FF6221B}"/>
+              </a:ext>
+            </a:extLst>
+          </p:cNvPr>
+          <p:cNvSpPr>
+            <a:spLocks noGrp="1"/>
+          </p:cNvSpPr>
+          <p:nvPr>
+            <p:ph type="dt" sz="half" idx="10"/>
+          </p:nvPr>
+        </p:nvSpPr>
+        <p:spPr/>
+        <p:txBody>
+          <a:bodyPr/>
+          <a:lstStyle/>
+          <a:p>
+            <a:r>
+              <a:rPr lang="fr-FR"/>
+              <a:t>14/02/2025</a:t>
+            </a:r>
+          </a:p>
+        </p:txBody>
+      </p:sp>
+      <p:sp>
+        <p:nvSpPr>
+          <p:cNvPr id="5" name="Espace réservé du pied de page 4">
+            <a:extLst>
+              <a:ext uri="{FF2B5EF4-FFF2-40B4-BE49-F238E27FC236}">
+                <a16:creationId xmlns:a16="http://schemas.microsoft.com/office/drawing/2014/main" id="{0A6F0858-3278-C50D-E1CD-903EF5B6B746}"/>
+              </a:ext>
+            </a:extLst>
+          </p:cNvPr>
+          <p:cNvSpPr>
+            <a:spLocks noGrp="1"/>
+          </p:cNvSpPr>
+          <p:nvPr>
+            <p:ph type="ftr" sz="quarter" idx="11"/>
+          </p:nvPr>
+        </p:nvSpPr>
+        <p:spPr/>
+        <p:txBody>
+          <a:bodyPr/>
+          <a:lstStyle/>
+          <a:p>
+            <a:r>
+              <a:rPr lang="fr-FR"/>
+              <a:t>VRP robuste</a:t>
+            </a:r>
+            <a:endParaRPr lang="fr-FR" dirty="0"/>
+          </a:p>
+        </p:txBody>
+      </p:sp>
+      <p:sp>
+        <p:nvSpPr>
+          <p:cNvPr id="6" name="Espace réservé du numéro de diapositive 5">
+            <a:extLst>
+              <a:ext uri="{FF2B5EF4-FFF2-40B4-BE49-F238E27FC236}">
+                <a16:creationId xmlns:a16="http://schemas.microsoft.com/office/drawing/2014/main" id="{12CD5433-350A-CCC2-E7C2-4F7934C37029}"/>
+              </a:ext>
+            </a:extLst>
+          </p:cNvPr>
+          <p:cNvSpPr>
+            <a:spLocks noGrp="1"/>
+          </p:cNvSpPr>
+          <p:nvPr>
+            <p:ph type="sldNum" sz="quarter" idx="12"/>
+          </p:nvPr>
+        </p:nvSpPr>
+        <p:spPr/>
+        <p:txBody>
+          <a:bodyPr/>
+          <a:lstStyle/>
+          <a:p>
+            <a:fld id="{49D9D136-35C4-F945-9AC1-0F0ED400EE8E}" type="slidenum">
+              <a:rPr lang="fr-FR" smtClean="0"/>
+              <a:t>4</a:t>
+            </a:fld>
+            <a:endParaRPr lang="fr-FR"/>
+          </a:p>
+        </p:txBody>
+      </p:sp>
+    </p:spTree>
+    <p:extLst>
+      <p:ext uri="{BB962C8B-B14F-4D97-AF65-F5344CB8AC3E}">
+        <p14:creationId xmlns:p14="http://schemas.microsoft.com/office/powerpoint/2010/main" val="3180863888"/>
+      </p:ext>
+    </p:extLst>
+  </p:cSld>
+  <p:clrMapOvr>
+    <a:masterClrMapping/>
+  </p:clrMapOvr>
+</p:sld>
+</file>
+
+<file path=ppt/slides/slide5.xml><?xml version="1.0" encoding="utf-8"?>
+<p:sld xmlns:a="http://schemas.openxmlformats.org/drawingml/2006/main" xmlns:r="http://schemas.openxmlformats.org/officeDocument/2006/relationships" xmlns:p="http://schemas.openxmlformats.org/presentationml/2006/main">
+  <p:cSld>
+    <p:spTree>
+      <p:nvGrpSpPr>
+        <p:cNvPr id="1" name="">
+          <a:extLst>
+            <a:ext uri="{FF2B5EF4-FFF2-40B4-BE49-F238E27FC236}">
+              <a16:creationId xmlns:a16="http://schemas.microsoft.com/office/drawing/2014/main" id="{49DF05DD-68C6-0D58-9D18-908F174E843F}"/>
+            </a:ext>
+          </a:extLst>
+        </p:cNvPr>
+        <p:cNvGrpSpPr/>
+        <p:nvPr/>
+      </p:nvGrpSpPr>
+      <p:grpSpPr>
+        <a:xfrm>
+          <a:off x="0" y="0"/>
+          <a:ext cx="0" cy="0"/>
+          <a:chOff x="0" y="0"/>
+          <a:chExt cx="0" cy="0"/>
+        </a:xfrm>
+      </p:grpSpPr>
+      <p:sp>
+        <p:nvSpPr>
+          <p:cNvPr id="2" name="Titre 1">
+            <a:extLst>
+              <a:ext uri="{FF2B5EF4-FFF2-40B4-BE49-F238E27FC236}">
+                <a16:creationId xmlns:a16="http://schemas.microsoft.com/office/drawing/2014/main" id="{37FC921E-4129-1A79-1618-0ADF2E0D5CA0}"/>
+              </a:ext>
+            </a:extLst>
+          </p:cNvPr>
+          <p:cNvSpPr>
+            <a:spLocks noGrp="1"/>
+          </p:cNvSpPr>
+          <p:nvPr>
+            <p:ph type="title"/>
+          </p:nvPr>
+        </p:nvSpPr>
+        <p:spPr/>
+        <p:txBody>
+          <a:bodyPr/>
+          <a:lstStyle/>
+          <a:p>
+            <a:r>
+              <a:rPr lang="fr-FR" b="1" dirty="0">
+                <a:solidFill>
+                  <a:schemeClr val="tx2"/>
+                </a:solidFill>
+              </a:rPr>
+              <a:t>Algorithme pour le sous problème</a:t>
+            </a:r>
+          </a:p>
+        </p:txBody>
+      </p:sp>
+      <mc:AlternateContent xmlns:mc="http://schemas.openxmlformats.org/markup-compatibility/2006">
+        <mc:Choice xmlns:a14="http://schemas.microsoft.com/office/drawing/2010/main" Requires="a14">
+          <p:sp>
+            <p:nvSpPr>
+              <p:cNvPr id="3" name="Espace réservé du contenu 2">
+                <a:extLst>
+                  <a:ext uri="{FF2B5EF4-FFF2-40B4-BE49-F238E27FC236}">
+                    <a16:creationId xmlns:a16="http://schemas.microsoft.com/office/drawing/2014/main" id="{AF88B8F9-B718-BFF2-A83D-C405D103B1B3}"/>
+                  </a:ext>
+                </a:extLst>
+              </p:cNvPr>
+              <p:cNvSpPr>
+                <a:spLocks noGrp="1"/>
+              </p:cNvSpPr>
+              <p:nvPr>
+                <p:ph idx="1"/>
+              </p:nvPr>
+            </p:nvSpPr>
+            <p:spPr>
+              <a:xfrm>
+                <a:off x="398834" y="1825625"/>
+                <a:ext cx="6605081" cy="4351338"/>
+              </a:xfrm>
+            </p:spPr>
+            <p:txBody>
+              <a:bodyPr/>
+              <a:lstStyle/>
+              <a:p>
+                <a:pPr marL="0" indent="0">
+                  <a:buNone/>
+                </a:pPr>
+                <a:r>
+                  <a:rPr lang="fr-FR" b="1" dirty="0"/>
+                  <a:t>2 problèmes du sac-à-dos fractionnaire</a:t>
+                </a:r>
+              </a:p>
+              <a:p>
+                <a:r>
+                  <a:rPr lang="fr-FR" dirty="0"/>
+                  <a:t>Comme </a:t>
+                </a:r>
+                <a14:m>
+                  <m:oMath xmlns:m="http://schemas.openxmlformats.org/officeDocument/2006/math">
+                    <m:r>
+                      <a:rPr lang="fr-FR" b="0" i="1" smtClean="0">
+                        <a:latin typeface="Cambria Math" panose="02040503050406030204" pitchFamily="18" charset="0"/>
+                      </a:rPr>
+                      <m:t>𝑇</m:t>
+                    </m:r>
+                  </m:oMath>
+                </a14:m>
+                <a:r>
+                  <a:rPr lang="fr-FR" dirty="0"/>
+                  <a:t> est entier:</a:t>
+                </a:r>
+              </a:p>
+              <a:p>
+                <a:pPr lvl="1"/>
+                <a:r>
+                  <a:rPr lang="fr-FR" dirty="0"/>
+                  <a:t>On prend les </a:t>
+                </a:r>
+                <a14:m>
+                  <m:oMath xmlns:m="http://schemas.openxmlformats.org/officeDocument/2006/math">
+                    <m:r>
+                      <a:rPr lang="fr-FR" b="0" i="1" smtClean="0">
+                        <a:latin typeface="Cambria Math" panose="02040503050406030204" pitchFamily="18" charset="0"/>
+                      </a:rPr>
+                      <m:t>𝑇</m:t>
+                    </m:r>
+                  </m:oMath>
+                </a14:m>
+                <a:r>
+                  <a:rPr lang="fr-FR" dirty="0"/>
+                  <a:t> premiers </a:t>
+                </a:r>
+                <a14:m>
+                  <m:oMath xmlns:m="http://schemas.openxmlformats.org/officeDocument/2006/math">
+                    <m:sSubSup>
+                      <m:sSubSupPr>
+                        <m:ctrlPr>
+                          <a:rPr lang="fr-FR" b="0" i="1" smtClean="0">
+                            <a:latin typeface="Cambria Math" panose="02040503050406030204" pitchFamily="18" charset="0"/>
+                          </a:rPr>
+                        </m:ctrlPr>
+                      </m:sSubSupPr>
+                      <m:e>
+                        <m:r>
+                          <a:rPr lang="fr-FR" b="0" i="1" smtClean="0">
+                            <a:latin typeface="Cambria Math" panose="02040503050406030204" pitchFamily="18" charset="0"/>
+                          </a:rPr>
+                          <m:t>𝛿</m:t>
+                        </m:r>
+                      </m:e>
+                      <m:sub>
+                        <m:r>
+                          <a:rPr lang="fr-FR" b="0" i="1" smtClean="0">
+                            <a:latin typeface="Cambria Math" panose="02040503050406030204" pitchFamily="18" charset="0"/>
+                          </a:rPr>
+                          <m:t>𝑖𝑗</m:t>
+                        </m:r>
+                      </m:sub>
+                      <m:sup>
+                        <m:r>
+                          <a:rPr lang="fr-FR" b="0" i="1" smtClean="0">
+                            <a:latin typeface="Cambria Math" panose="02040503050406030204" pitchFamily="18" charset="0"/>
+                          </a:rPr>
+                          <m:t>1</m:t>
+                        </m:r>
+                      </m:sup>
+                    </m:sSubSup>
+                  </m:oMath>
+                </a14:m>
+                <a:r>
+                  <a:rPr lang="fr-FR" b="0" dirty="0"/>
+                  <a:t> </a:t>
+                </a:r>
+                <a:r>
+                  <a:rPr lang="fr-FR" dirty="0"/>
+                  <a:t>égaux à 1 par </a:t>
+                </a:r>
+                <a14:m>
+                  <m:oMath xmlns:m="http://schemas.openxmlformats.org/officeDocument/2006/math">
+                    <m:acc>
+                      <m:accPr>
+                        <m:chr m:val="̂"/>
+                        <m:ctrlPr>
+                          <a:rPr lang="fr-FR" b="0" i="1" smtClean="0">
+                            <a:latin typeface="Cambria Math" panose="02040503050406030204" pitchFamily="18" charset="0"/>
+                          </a:rPr>
+                        </m:ctrlPr>
+                      </m:accPr>
+                      <m:e>
+                        <m:sSub>
+                          <m:sSubPr>
+                            <m:ctrlPr>
+                              <a:rPr lang="fr-FR" b="0" i="1" smtClean="0">
+                                <a:latin typeface="Cambria Math" panose="02040503050406030204" pitchFamily="18" charset="0"/>
+                              </a:rPr>
+                            </m:ctrlPr>
+                          </m:sSubPr>
+                          <m:e>
+                            <m:r>
+                              <a:rPr lang="fr-FR" b="0" i="1" smtClean="0">
+                                <a:latin typeface="Cambria Math" panose="02040503050406030204" pitchFamily="18" charset="0"/>
+                              </a:rPr>
+                              <m:t>𝑡</m:t>
+                            </m:r>
+                          </m:e>
+                          <m:sub>
+                            <m:r>
+                              <a:rPr lang="fr-FR" b="0" i="1" smtClean="0">
+                                <a:latin typeface="Cambria Math" panose="02040503050406030204" pitchFamily="18" charset="0"/>
+                              </a:rPr>
+                              <m:t>𝑖</m:t>
+                            </m:r>
+                          </m:sub>
+                        </m:sSub>
+                      </m:e>
+                    </m:acc>
+                    <m:r>
+                      <a:rPr lang="fr-FR" b="0" i="1" dirty="0" smtClean="0">
+                        <a:latin typeface="Cambria Math" panose="02040503050406030204" pitchFamily="18" charset="0"/>
+                      </a:rPr>
+                      <m:t>+</m:t>
+                    </m:r>
+                    <m:acc>
+                      <m:accPr>
+                        <m:chr m:val="̂"/>
+                        <m:ctrlPr>
+                          <a:rPr lang="fr-FR" b="0" i="1" dirty="0" smtClean="0">
+                            <a:latin typeface="Cambria Math" panose="02040503050406030204" pitchFamily="18" charset="0"/>
+                          </a:rPr>
+                        </m:ctrlPr>
+                      </m:accPr>
+                      <m:e>
+                        <m:sSub>
+                          <m:sSubPr>
+                            <m:ctrlPr>
+                              <a:rPr lang="fr-FR" b="0" i="1" dirty="0" smtClean="0">
+                                <a:latin typeface="Cambria Math" panose="02040503050406030204" pitchFamily="18" charset="0"/>
+                              </a:rPr>
+                            </m:ctrlPr>
+                          </m:sSubPr>
+                          <m:e>
+                            <m:r>
+                              <a:rPr lang="fr-FR" b="0" i="1" dirty="0" smtClean="0">
+                                <a:latin typeface="Cambria Math" panose="02040503050406030204" pitchFamily="18" charset="0"/>
+                              </a:rPr>
+                              <m:t>𝑡</m:t>
+                            </m:r>
+                          </m:e>
+                          <m:sub>
+                            <m:r>
+                              <a:rPr lang="fr-FR" b="0" i="1" dirty="0" smtClean="0">
+                                <a:latin typeface="Cambria Math" panose="02040503050406030204" pitchFamily="18" charset="0"/>
+                              </a:rPr>
+                              <m:t>𝑗</m:t>
+                            </m:r>
+                          </m:sub>
+                        </m:sSub>
+                      </m:e>
+                    </m:acc>
+                  </m:oMath>
+                </a14:m>
+                <a:r>
+                  <a:rPr lang="fr-FR" b="0" dirty="0"/>
+                  <a:t> décroissant.</a:t>
+                </a:r>
+              </a:p>
+              <a:p>
+                <a:pPr lvl="1"/>
+                <a:r>
+                  <a:rPr lang="fr-FR" b="0" dirty="0"/>
+                  <a:t>On procède de manière similaire avec </a:t>
+                </a:r>
+                <a14:m>
+                  <m:oMath xmlns:m="http://schemas.openxmlformats.org/officeDocument/2006/math">
+                    <m:sSubSup>
+                      <m:sSubSupPr>
+                        <m:ctrlPr>
+                          <a:rPr lang="fr-FR" b="0" i="1" smtClean="0">
+                            <a:latin typeface="Cambria Math" panose="02040503050406030204" pitchFamily="18" charset="0"/>
+                          </a:rPr>
+                        </m:ctrlPr>
+                      </m:sSubSupPr>
+                      <m:e>
+                        <m:r>
+                          <a:rPr lang="fr-FR" b="0" i="1" smtClean="0">
+                            <a:latin typeface="Cambria Math" panose="02040503050406030204" pitchFamily="18" charset="0"/>
+                          </a:rPr>
+                          <m:t>𝛿</m:t>
+                        </m:r>
+                      </m:e>
+                      <m:sub>
+                        <m:r>
+                          <a:rPr lang="fr-FR" b="0" i="1" smtClean="0">
+                            <a:latin typeface="Cambria Math" panose="02040503050406030204" pitchFamily="18" charset="0"/>
+                          </a:rPr>
+                          <m:t>𝑖𝑗</m:t>
+                        </m:r>
+                      </m:sub>
+                      <m:sup>
+                        <m:r>
+                          <a:rPr lang="fr-FR" b="0" i="1" smtClean="0">
+                            <a:latin typeface="Cambria Math" panose="02040503050406030204" pitchFamily="18" charset="0"/>
+                          </a:rPr>
+                          <m:t>2</m:t>
+                        </m:r>
+                      </m:sup>
+                    </m:sSubSup>
+                  </m:oMath>
+                </a14:m>
+                <a:r>
+                  <a:rPr lang="fr-FR" b="0" dirty="0"/>
+                  <a:t>.</a:t>
+                </a:r>
+              </a:p>
+              <a:p>
+                <a:r>
+                  <a:rPr lang="fr-FR" dirty="0"/>
+                  <a:t>Amélioration: </a:t>
+                </a:r>
+                <a:endParaRPr lang="fr-FR" b="0" dirty="0"/>
+              </a:p>
+              <a:p>
+                <a:pPr lvl="1"/>
+                <a:endParaRPr lang="fr-FR" dirty="0"/>
+              </a:p>
+              <a:p>
+                <a:pPr marL="457200" lvl="1" indent="0">
+                  <a:buNone/>
+                </a:pPr>
+                <a:endParaRPr lang="fr-FR" b="0" dirty="0"/>
+              </a:p>
+              <a:p>
+                <a:pPr lvl="1"/>
+                <a:endParaRPr lang="fr-FR" dirty="0"/>
+              </a:p>
+              <a:p>
+                <a:pPr marL="0" indent="0">
+                  <a:buNone/>
+                </a:pPr>
+                <a:endParaRPr lang="fr-FR" dirty="0"/>
+              </a:p>
+            </p:txBody>
+          </p:sp>
+        </mc:Choice>
+        <mc:Fallback>
+          <p:sp>
+            <p:nvSpPr>
+              <p:cNvPr id="3" name="Espace réservé du contenu 2">
+                <a:extLst>
+                  <a:ext uri="{FF2B5EF4-FFF2-40B4-BE49-F238E27FC236}">
+                    <a16:creationId xmlns:a16="http://schemas.microsoft.com/office/drawing/2014/main" id="{AF88B8F9-B718-BFF2-A83D-C405D103B1B3}"/>
+                  </a:ext>
+                </a:extLst>
+              </p:cNvPr>
+              <p:cNvSpPr>
+                <a:spLocks noGrp="1" noRot="1" noChangeAspect="1" noMove="1" noResize="1" noEditPoints="1" noAdjustHandles="1" noChangeArrowheads="1" noChangeShapeType="1" noTextEdit="1"/>
+              </p:cNvSpPr>
+              <p:nvPr>
+                <p:ph idx="1"/>
+              </p:nvPr>
+            </p:nvSpPr>
+            <p:spPr>
+              <a:xfrm>
+                <a:off x="398834" y="1825625"/>
+                <a:ext cx="6605081" cy="4351338"/>
+              </a:xfrm>
+              <a:blipFill>
+                <a:blip r:embed="rId2"/>
+                <a:stretch>
+                  <a:fillRect l="-1845" t="-2381" r="-461"/>
+                </a:stretch>
+              </a:blipFill>
+            </p:spPr>
+            <p:txBody>
+              <a:bodyPr/>
+              <a:lstStyle/>
+              <a:p>
+                <a:r>
+                  <a:rPr lang="fr-FR">
+                    <a:noFill/>
+                  </a:rPr>
+                  <a:t> </a:t>
+                </a:r>
+              </a:p>
+            </p:txBody>
+          </p:sp>
+        </mc:Fallback>
+      </mc:AlternateContent>
+      <p:sp>
+        <p:nvSpPr>
+          <p:cNvPr id="4" name="Espace réservé de la date 3">
+            <a:extLst>
+              <a:ext uri="{FF2B5EF4-FFF2-40B4-BE49-F238E27FC236}">
+                <a16:creationId xmlns:a16="http://schemas.microsoft.com/office/drawing/2014/main" id="{06513F82-7D10-47AE-6FFD-3783495EEB08}"/>
+              </a:ext>
+            </a:extLst>
+          </p:cNvPr>
+          <p:cNvSpPr>
+            <a:spLocks noGrp="1"/>
+          </p:cNvSpPr>
+          <p:nvPr>
+            <p:ph type="dt" sz="half" idx="10"/>
+          </p:nvPr>
+        </p:nvSpPr>
+        <p:spPr/>
+        <p:txBody>
+          <a:bodyPr/>
+          <a:lstStyle/>
+          <a:p>
+            <a:r>
+              <a:rPr lang="fr-FR"/>
+              <a:t>14/02/2025</a:t>
+            </a:r>
+          </a:p>
+        </p:txBody>
+      </p:sp>
+      <p:sp>
+        <p:nvSpPr>
+          <p:cNvPr id="5" name="Espace réservé du pied de page 4">
+            <a:extLst>
+              <a:ext uri="{FF2B5EF4-FFF2-40B4-BE49-F238E27FC236}">
+                <a16:creationId xmlns:a16="http://schemas.microsoft.com/office/drawing/2014/main" id="{9B7E756C-65D8-39B1-71AB-1A159595A24D}"/>
+              </a:ext>
+            </a:extLst>
+          </p:cNvPr>
+          <p:cNvSpPr>
+            <a:spLocks noGrp="1"/>
+          </p:cNvSpPr>
+          <p:nvPr>
+            <p:ph type="ftr" sz="quarter" idx="11"/>
+          </p:nvPr>
+        </p:nvSpPr>
+        <p:spPr/>
+        <p:txBody>
+          <a:bodyPr/>
+          <a:lstStyle/>
+          <a:p>
+            <a:r>
+              <a:rPr lang="fr-FR"/>
+              <a:t>VRP robuste</a:t>
+            </a:r>
+            <a:endParaRPr lang="fr-FR" dirty="0"/>
+          </a:p>
+        </p:txBody>
+      </p:sp>
+      <p:sp>
+        <p:nvSpPr>
+          <p:cNvPr id="6" name="Espace réservé du numéro de diapositive 5">
+            <a:extLst>
+              <a:ext uri="{FF2B5EF4-FFF2-40B4-BE49-F238E27FC236}">
+                <a16:creationId xmlns:a16="http://schemas.microsoft.com/office/drawing/2014/main" id="{C4B03294-5012-172A-6A04-C3C600AB3AC2}"/>
+              </a:ext>
+            </a:extLst>
+          </p:cNvPr>
+          <p:cNvSpPr>
+            <a:spLocks noGrp="1"/>
+          </p:cNvSpPr>
+          <p:nvPr>
+            <p:ph type="sldNum" sz="quarter" idx="12"/>
+          </p:nvPr>
+        </p:nvSpPr>
+        <p:spPr/>
+        <p:txBody>
+          <a:bodyPr/>
+          <a:lstStyle/>
+          <a:p>
+            <a:fld id="{49D9D136-35C4-F945-9AC1-0F0ED400EE8E}" type="slidenum">
+              <a:rPr lang="fr-FR" smtClean="0"/>
+              <a:t>5</a:t>
+            </a:fld>
+            <a:endParaRPr lang="fr-FR"/>
+          </a:p>
+        </p:txBody>
+      </p:sp>
+      <p:grpSp>
+        <p:nvGrpSpPr>
+          <p:cNvPr id="10" name="Groupe 9">
+            <a:extLst>
+              <a:ext uri="{FF2B5EF4-FFF2-40B4-BE49-F238E27FC236}">
+                <a16:creationId xmlns:a16="http://schemas.microsoft.com/office/drawing/2014/main" id="{F9F58B65-C4FB-E838-7D52-3E2FEA5D813D}"/>
+              </a:ext>
+            </a:extLst>
+          </p:cNvPr>
+          <p:cNvGrpSpPr/>
+          <p:nvPr/>
+        </p:nvGrpSpPr>
+        <p:grpSpPr>
+          <a:xfrm>
+            <a:off x="7430750" y="1509236"/>
+            <a:ext cx="4362416" cy="3839527"/>
+            <a:chOff x="7430750" y="1509236"/>
+            <a:chExt cx="4362416" cy="3839527"/>
+          </a:xfrm>
+        </p:grpSpPr>
+        <p:pic>
+          <p:nvPicPr>
+            <p:cNvPr id="8" name="Image 7">
+              <a:extLst>
+                <a:ext uri="{FF2B5EF4-FFF2-40B4-BE49-F238E27FC236}">
+                  <a16:creationId xmlns:a16="http://schemas.microsoft.com/office/drawing/2014/main" id="{4597D356-BFF2-7EF9-85AB-4808D7F16700}"/>
+                </a:ext>
+              </a:extLst>
+            </p:cNvPr>
+            <p:cNvPicPr>
+              <a:picLocks noChangeAspect="1"/>
+            </p:cNvPicPr>
+            <p:nvPr/>
+          </p:nvPicPr>
+          <p:blipFill>
+            <a:blip r:embed="rId3"/>
+            <a:srcRect r="23635"/>
+            <a:stretch/>
+          </p:blipFill>
+          <p:spPr>
+            <a:xfrm>
+              <a:off x="7430750" y="1509236"/>
+              <a:ext cx="4362416" cy="3839527"/>
+            </a:xfrm>
+            <a:prstGeom prst="rect">
+              <a:avLst/>
+            </a:prstGeom>
+          </p:spPr>
+        </p:pic>
+        <p:pic>
+          <p:nvPicPr>
+            <p:cNvPr id="9" name="Image 8">
+              <a:extLst>
+                <a:ext uri="{FF2B5EF4-FFF2-40B4-BE49-F238E27FC236}">
+                  <a16:creationId xmlns:a16="http://schemas.microsoft.com/office/drawing/2014/main" id="{0E760B68-780F-DB02-0E6B-FD557A2C78A2}"/>
+                </a:ext>
+              </a:extLst>
+            </p:cNvPr>
+            <p:cNvPicPr>
+              <a:picLocks noChangeAspect="1"/>
+            </p:cNvPicPr>
+            <p:nvPr/>
+          </p:nvPicPr>
+          <p:blipFill>
+            <a:blip r:embed="rId3"/>
+            <a:srcRect l="78143" t="61688"/>
+            <a:stretch/>
+          </p:blipFill>
+          <p:spPr>
+            <a:xfrm>
+              <a:off x="10544580" y="3877786"/>
+              <a:ext cx="1248586" cy="1470977"/>
+            </a:xfrm>
+            <a:prstGeom prst="rect">
+              <a:avLst/>
+            </a:prstGeom>
+          </p:spPr>
+        </p:pic>
+      </p:grpSp>
+    </p:spTree>
+    <p:extLst>
+      <p:ext uri="{BB962C8B-B14F-4D97-AF65-F5344CB8AC3E}">
+        <p14:creationId xmlns:p14="http://schemas.microsoft.com/office/powerpoint/2010/main" val="256888344"/>
+      </p:ext>
+    </p:extLst>
+  </p:cSld>
+  <p:clrMapOvr>
+    <a:masterClrMapping/>
+  </p:clrMapOvr>
+</p:sld>
+</file>
+
+<file path=ppt/slides/slide6.xml><?xml version="1.0" encoding="utf-8"?>
+<p:sld xmlns:a="http://schemas.openxmlformats.org/drawingml/2006/main" xmlns:r="http://schemas.openxmlformats.org/officeDocument/2006/relationships" xmlns:p="http://schemas.openxmlformats.org/presentationml/2006/main">
+  <p:cSld>
+    <p:spTree>
+      <p:nvGrpSpPr>
+        <p:cNvPr id="1" name="">
+          <a:extLst>
+            <a:ext uri="{FF2B5EF4-FFF2-40B4-BE49-F238E27FC236}">
+              <a16:creationId xmlns:a16="http://schemas.microsoft.com/office/drawing/2014/main" id="{49D1F0F0-4AE2-A632-4E39-75EAEBE4E35C}"/>
+            </a:ext>
+          </a:extLst>
+        </p:cNvPr>
+        <p:cNvGrpSpPr/>
+        <p:nvPr/>
+      </p:nvGrpSpPr>
+      <p:grpSpPr>
+        <a:xfrm>
+          <a:off x="0" y="0"/>
+          <a:ext cx="0" cy="0"/>
+          <a:chOff x="0" y="0"/>
+          <a:chExt cx="0" cy="0"/>
+        </a:xfrm>
+      </p:grpSpPr>
+      <p:sp>
+        <p:nvSpPr>
+          <p:cNvPr id="2" name="Titre 1">
+            <a:extLst>
+              <a:ext uri="{FF2B5EF4-FFF2-40B4-BE49-F238E27FC236}">
+                <a16:creationId xmlns:a16="http://schemas.microsoft.com/office/drawing/2014/main" id="{CDD02D32-CAC0-6E18-9C3A-0D44B08D38E4}"/>
+              </a:ext>
+            </a:extLst>
+          </p:cNvPr>
+          <p:cNvSpPr>
+            <a:spLocks noGrp="1"/>
+          </p:cNvSpPr>
+          <p:nvPr>
+            <p:ph type="title"/>
+          </p:nvPr>
+        </p:nvSpPr>
+        <p:spPr/>
+        <p:txBody>
+          <a:bodyPr/>
+          <a:lstStyle/>
+          <a:p>
+            <a:r>
+              <a:rPr lang="fr-FR" b="1" dirty="0">
+                <a:solidFill>
+                  <a:schemeClr val="tx2"/>
+                </a:solidFill>
+              </a:rPr>
+              <a:t>Dualisation</a:t>
+            </a:r>
+          </a:p>
+        </p:txBody>
+      </p:sp>
+      <p:sp>
+        <p:nvSpPr>
+          <p:cNvPr id="3" name="Espace réservé du contenu 2">
+            <a:extLst>
+              <a:ext uri="{FF2B5EF4-FFF2-40B4-BE49-F238E27FC236}">
+                <a16:creationId xmlns:a16="http://schemas.microsoft.com/office/drawing/2014/main" id="{444C7895-84D4-21A0-DDF0-A3A49ABB4A8E}"/>
+              </a:ext>
+            </a:extLst>
+          </p:cNvPr>
+          <p:cNvSpPr>
+            <a:spLocks noGrp="1"/>
+          </p:cNvSpPr>
+          <p:nvPr>
+            <p:ph idx="1"/>
+          </p:nvPr>
+        </p:nvSpPr>
+        <p:spPr>
+          <a:xfrm>
+            <a:off x="838200" y="2014403"/>
+            <a:ext cx="10515600" cy="3403903"/>
+          </a:xfrm>
+        </p:spPr>
+        <p:txBody>
+          <a:bodyPr>
+            <a:normAutofit/>
+          </a:bodyPr>
+          <a:lstStyle/>
+          <a:p>
+            <a:pPr>
+              <a:lnSpc>
+                <a:spcPct val="150000"/>
+              </a:lnSpc>
+              <a:spcBef>
+                <a:spcPts val="1200"/>
+              </a:spcBef>
+            </a:pPr>
+            <a:r>
+              <a:rPr lang="fr-FR" sz="3600" dirty="0"/>
+              <a:t>Formulation duale du problème.</a:t>
+            </a:r>
+          </a:p>
+          <a:p>
+            <a:pPr>
+              <a:spcBef>
+                <a:spcPts val="1200"/>
+              </a:spcBef>
+            </a:pPr>
+            <a:r>
+              <a:rPr lang="fr-FR" sz="3600" dirty="0"/>
+              <a:t>Pas de contrainte de nombre de thread.</a:t>
+            </a:r>
+          </a:p>
+          <a:p>
+            <a:pPr>
+              <a:spcBef>
+                <a:spcPts val="1200"/>
+              </a:spcBef>
+            </a:pPr>
+            <a:r>
+              <a:rPr lang="fr-FR" sz="3600" dirty="0"/>
+              <a:t>Warm start: utilisation d’une heuristique pour initialiser la solution.</a:t>
+            </a:r>
+          </a:p>
+        </p:txBody>
+      </p:sp>
+      <p:sp>
+        <p:nvSpPr>
+          <p:cNvPr id="4" name="Espace réservé de la date 3">
+            <a:extLst>
+              <a:ext uri="{FF2B5EF4-FFF2-40B4-BE49-F238E27FC236}">
+                <a16:creationId xmlns:a16="http://schemas.microsoft.com/office/drawing/2014/main" id="{E6F884B7-4344-E4C7-51C0-44BD792D9BAB}"/>
+              </a:ext>
+            </a:extLst>
+          </p:cNvPr>
+          <p:cNvSpPr>
+            <a:spLocks noGrp="1"/>
+          </p:cNvSpPr>
+          <p:nvPr>
+            <p:ph type="dt" sz="half" idx="10"/>
+          </p:nvPr>
+        </p:nvSpPr>
+        <p:spPr/>
+        <p:txBody>
+          <a:bodyPr/>
+          <a:lstStyle/>
+          <a:p>
+            <a:r>
+              <a:rPr lang="fr-FR"/>
+              <a:t>14/02/2025</a:t>
+            </a:r>
+          </a:p>
+        </p:txBody>
+      </p:sp>
+      <p:sp>
+        <p:nvSpPr>
+          <p:cNvPr id="5" name="Espace réservé du pied de page 4">
+            <a:extLst>
+              <a:ext uri="{FF2B5EF4-FFF2-40B4-BE49-F238E27FC236}">
+                <a16:creationId xmlns:a16="http://schemas.microsoft.com/office/drawing/2014/main" id="{AEDB6568-8929-8F1C-FE83-B6923A8154ED}"/>
+              </a:ext>
+            </a:extLst>
+          </p:cNvPr>
+          <p:cNvSpPr>
+            <a:spLocks noGrp="1"/>
+          </p:cNvSpPr>
+          <p:nvPr>
+            <p:ph type="ftr" sz="quarter" idx="11"/>
+          </p:nvPr>
+        </p:nvSpPr>
+        <p:spPr/>
+        <p:txBody>
+          <a:bodyPr/>
+          <a:lstStyle/>
+          <a:p>
+            <a:r>
+              <a:rPr lang="fr-FR"/>
+              <a:t>VRP robuste</a:t>
+            </a:r>
+            <a:endParaRPr lang="fr-FR" dirty="0"/>
+          </a:p>
+        </p:txBody>
+      </p:sp>
+      <p:sp>
+        <p:nvSpPr>
+          <p:cNvPr id="6" name="Espace réservé du numéro de diapositive 5">
+            <a:extLst>
+              <a:ext uri="{FF2B5EF4-FFF2-40B4-BE49-F238E27FC236}">
+                <a16:creationId xmlns:a16="http://schemas.microsoft.com/office/drawing/2014/main" id="{3487B01E-8915-0DBB-B9F9-88C0E2169E2A}"/>
+              </a:ext>
+            </a:extLst>
+          </p:cNvPr>
+          <p:cNvSpPr>
+            <a:spLocks noGrp="1"/>
+          </p:cNvSpPr>
+          <p:nvPr>
+            <p:ph type="sldNum" sz="quarter" idx="12"/>
+          </p:nvPr>
+        </p:nvSpPr>
+        <p:spPr/>
+        <p:txBody>
+          <a:bodyPr/>
+          <a:lstStyle/>
+          <a:p>
+            <a:fld id="{49D9D136-35C4-F945-9AC1-0F0ED400EE8E}" type="slidenum">
+              <a:rPr lang="fr-FR" smtClean="0"/>
+              <a:t>6</a:t>
+            </a:fld>
+            <a:endParaRPr lang="fr-FR"/>
+          </a:p>
+        </p:txBody>
+      </p:sp>
+    </p:spTree>
+    <p:extLst>
+      <p:ext uri="{BB962C8B-B14F-4D97-AF65-F5344CB8AC3E}">
+        <p14:creationId xmlns:p14="http://schemas.microsoft.com/office/powerpoint/2010/main" val="2929504581"/>
+      </p:ext>
+    </p:extLst>
+  </p:cSld>
+  <p:clrMapOvr>
+    <a:masterClrMapping/>
+  </p:clrMapOvr>
+</p:sld>
+</file>
+
+<file path=ppt/slides/slide7.xml><?xml version="1.0" encoding="utf-8"?>
+<p:sld xmlns:a="http://schemas.openxmlformats.org/drawingml/2006/main" xmlns:r="http://schemas.openxmlformats.org/officeDocument/2006/relationships" xmlns:p="http://schemas.openxmlformats.org/presentationml/2006/main">
+  <p:cSld>
+    <p:spTree>
+      <p:nvGrpSpPr>
         <p:cNvPr id="1" name=""/>
         <p:cNvGrpSpPr/>
         <p:nvPr/>
@@ -5305,7 +7711,7 @@
           <a:p>
             <a:fld id="{49D9D136-35C4-F945-9AC1-0F0ED400EE8E}" type="slidenum">
               <a:rPr lang="fr-FR" smtClean="0"/>
-              <a:t>3</a:t>
+              <a:t>7</a:t>
             </a:fld>
             <a:endParaRPr lang="fr-FR"/>
           </a:p>
@@ -7648,7 +10054,7 @@
 </p:sld>
 </file>
 
-<file path=ppt/slides/slide4.xml><?xml version="1.0" encoding="utf-8"?>
+<file path=ppt/slides/slide8.xml><?xml version="1.0" encoding="utf-8"?>
 <p:sld xmlns:a="http://schemas.openxmlformats.org/drawingml/2006/main" xmlns:r="http://schemas.openxmlformats.org/officeDocument/2006/relationships" xmlns:p="http://schemas.openxmlformats.org/presentationml/2006/main">
   <p:cSld>
     <p:spTree>
@@ -7955,7 +10361,7 @@
           <a:p>
             <a:fld id="{49D9D136-35C4-F945-9AC1-0F0ED400EE8E}" type="slidenum">
               <a:rPr lang="fr-FR" smtClean="0"/>
-              <a:t>4</a:t>
+              <a:t>8</a:t>
             </a:fld>
             <a:endParaRPr lang="fr-FR"/>
           </a:p>
@@ -8118,7 +10524,7 @@
 </p:sld>
 </file>
 
-<file path=ppt/slides/slide5.xml><?xml version="1.0" encoding="utf-8"?>
+<file path=ppt/slides/slide9.xml><?xml version="1.0" encoding="utf-8"?>
 <p:sld xmlns:a="http://schemas.openxmlformats.org/drawingml/2006/main" xmlns:r="http://schemas.openxmlformats.org/officeDocument/2006/relationships" xmlns:p="http://schemas.openxmlformats.org/presentationml/2006/main">
   <p:cSld>
     <p:spTree>
@@ -8492,7 +10898,7 @@
           <a:p>
             <a:fld id="{49D9D136-35C4-F945-9AC1-0F0ED400EE8E}" type="slidenum">
               <a:rPr lang="fr-FR" smtClean="0"/>
-              <a:t>5</a:t>
+              <a:t>9</a:t>
             </a:fld>
             <a:endParaRPr lang="fr-FR"/>
           </a:p>
@@ -8574,1089 +10980,6 @@
     <p:extLst>
       <p:ext uri="{BB962C8B-B14F-4D97-AF65-F5344CB8AC3E}">
         <p14:creationId xmlns:p14="http://schemas.microsoft.com/office/powerpoint/2010/main" val="3873401432"/>
-      </p:ext>
-    </p:extLst>
-  </p:cSld>
-  <p:clrMapOvr>
-    <a:masterClrMapping/>
-  </p:clrMapOvr>
-</p:sld>
-</file>
-
-<file path=ppt/slides/slide6.xml><?xml version="1.0" encoding="utf-8"?>
-<p:sld xmlns:a="http://schemas.openxmlformats.org/drawingml/2006/main" xmlns:r="http://schemas.openxmlformats.org/officeDocument/2006/relationships" xmlns:p="http://schemas.openxmlformats.org/presentationml/2006/main">
-  <p:cSld>
-    <p:spTree>
-      <p:nvGrpSpPr>
-        <p:cNvPr id="1" name="">
-          <a:extLst>
-            <a:ext uri="{FF2B5EF4-FFF2-40B4-BE49-F238E27FC236}">
-              <a16:creationId xmlns:a16="http://schemas.microsoft.com/office/drawing/2014/main" id="{323F4C8F-489A-6897-3015-D5D1E902B199}"/>
-            </a:ext>
-          </a:extLst>
-        </p:cNvPr>
-        <p:cNvGrpSpPr/>
-        <p:nvPr/>
-      </p:nvGrpSpPr>
-      <p:grpSpPr>
-        <a:xfrm>
-          <a:off x="0" y="0"/>
-          <a:ext cx="0" cy="0"/>
-          <a:chOff x="0" y="0"/>
-          <a:chExt cx="0" cy="0"/>
-        </a:xfrm>
-      </p:grpSpPr>
-      <p:sp>
-        <p:nvSpPr>
-          <p:cNvPr id="2" name="Titre 1">
-            <a:extLst>
-              <a:ext uri="{FF2B5EF4-FFF2-40B4-BE49-F238E27FC236}">
-                <a16:creationId xmlns:a16="http://schemas.microsoft.com/office/drawing/2014/main" id="{62A8DA81-4632-A5B1-D4C5-3F96EC332000}"/>
-              </a:ext>
-            </a:extLst>
-          </p:cNvPr>
-          <p:cNvSpPr>
-            <a:spLocks noGrp="1"/>
-          </p:cNvSpPr>
-          <p:nvPr>
-            <p:ph type="title"/>
-          </p:nvPr>
-        </p:nvSpPr>
-        <p:spPr/>
-        <p:txBody>
-          <a:bodyPr/>
-          <a:lstStyle/>
-          <a:p>
-            <a:r>
-              <a:rPr lang="fr-FR" b="1" dirty="0">
-                <a:solidFill>
-                  <a:schemeClr val="tx2"/>
-                </a:solidFill>
-              </a:rPr>
-              <a:t>Heuristiques : Résultats</a:t>
-            </a:r>
-          </a:p>
-        </p:txBody>
-      </p:sp>
-      <p:sp>
-        <p:nvSpPr>
-          <p:cNvPr id="4" name="Espace réservé de la date 3">
-            <a:extLst>
-              <a:ext uri="{FF2B5EF4-FFF2-40B4-BE49-F238E27FC236}">
-                <a16:creationId xmlns:a16="http://schemas.microsoft.com/office/drawing/2014/main" id="{A36B018E-3BE0-9BFF-DE7D-CF4ED831898A}"/>
-              </a:ext>
-            </a:extLst>
-          </p:cNvPr>
-          <p:cNvSpPr>
-            <a:spLocks noGrp="1"/>
-          </p:cNvSpPr>
-          <p:nvPr>
-            <p:ph type="dt" sz="half" idx="10"/>
-          </p:nvPr>
-        </p:nvSpPr>
-        <p:spPr/>
-        <p:txBody>
-          <a:bodyPr/>
-          <a:lstStyle/>
-          <a:p>
-            <a:r>
-              <a:rPr lang="fr-FR" dirty="0"/>
-              <a:t>14/02/2025</a:t>
-            </a:r>
-          </a:p>
-        </p:txBody>
-      </p:sp>
-      <p:sp>
-        <p:nvSpPr>
-          <p:cNvPr id="5" name="Espace réservé du pied de page 4">
-            <a:extLst>
-              <a:ext uri="{FF2B5EF4-FFF2-40B4-BE49-F238E27FC236}">
-                <a16:creationId xmlns:a16="http://schemas.microsoft.com/office/drawing/2014/main" id="{93381CA1-8549-538A-51F3-CB6934003E4B}"/>
-              </a:ext>
-            </a:extLst>
-          </p:cNvPr>
-          <p:cNvSpPr>
-            <a:spLocks noGrp="1"/>
-          </p:cNvSpPr>
-          <p:nvPr>
-            <p:ph type="ftr" sz="quarter" idx="11"/>
-          </p:nvPr>
-        </p:nvSpPr>
-        <p:spPr/>
-        <p:txBody>
-          <a:bodyPr/>
-          <a:lstStyle/>
-          <a:p>
-            <a:r>
-              <a:rPr lang="fr-FR" dirty="0"/>
-              <a:t>VRP robuste</a:t>
-            </a:r>
-          </a:p>
-        </p:txBody>
-      </p:sp>
-      <p:sp>
-        <p:nvSpPr>
-          <p:cNvPr id="6" name="Espace réservé du numéro de diapositive 5">
-            <a:extLst>
-              <a:ext uri="{FF2B5EF4-FFF2-40B4-BE49-F238E27FC236}">
-                <a16:creationId xmlns:a16="http://schemas.microsoft.com/office/drawing/2014/main" id="{77627394-4223-739D-FF40-8A8D90C7117C}"/>
-              </a:ext>
-            </a:extLst>
-          </p:cNvPr>
-          <p:cNvSpPr>
-            <a:spLocks noGrp="1"/>
-          </p:cNvSpPr>
-          <p:nvPr>
-            <p:ph type="sldNum" sz="quarter" idx="12"/>
-          </p:nvPr>
-        </p:nvSpPr>
-        <p:spPr/>
-        <p:txBody>
-          <a:bodyPr/>
-          <a:lstStyle/>
-          <a:p>
-            <a:fld id="{49D9D136-35C4-F945-9AC1-0F0ED400EE8E}" type="slidenum">
-              <a:rPr lang="fr-FR" smtClean="0"/>
-              <a:t>6</a:t>
-            </a:fld>
-            <a:endParaRPr lang="fr-FR"/>
-          </a:p>
-        </p:txBody>
-      </p:sp>
-      <p:pic>
-        <p:nvPicPr>
-          <p:cNvPr id="11" name="Image 10">
-            <a:extLst>
-              <a:ext uri="{FF2B5EF4-FFF2-40B4-BE49-F238E27FC236}">
-                <a16:creationId xmlns:a16="http://schemas.microsoft.com/office/drawing/2014/main" id="{81FADE53-22A6-4799-7555-3AA1876E250C}"/>
-              </a:ext>
-            </a:extLst>
-          </p:cNvPr>
-          <p:cNvPicPr>
-            <a:picLocks noChangeAspect="1"/>
-          </p:cNvPicPr>
-          <p:nvPr/>
-        </p:nvPicPr>
-        <p:blipFill>
-          <a:blip r:embed="rId2"/>
-          <a:stretch>
-            <a:fillRect/>
-          </a:stretch>
-        </p:blipFill>
-        <p:spPr>
-          <a:xfrm>
-            <a:off x="381000" y="1500479"/>
-            <a:ext cx="7772400" cy="4423772"/>
-          </a:xfrm>
-          <a:prstGeom prst="rect">
-            <a:avLst/>
-          </a:prstGeom>
-        </p:spPr>
-      </p:pic>
-      <p:sp>
-        <p:nvSpPr>
-          <p:cNvPr id="12" name="ZoneTexte 11">
-            <a:extLst>
-              <a:ext uri="{FF2B5EF4-FFF2-40B4-BE49-F238E27FC236}">
-                <a16:creationId xmlns:a16="http://schemas.microsoft.com/office/drawing/2014/main" id="{F6FE8B18-A5DA-ADAA-251D-A8BCD46A2A81}"/>
-              </a:ext>
-            </a:extLst>
-          </p:cNvPr>
-          <p:cNvSpPr txBox="1"/>
-          <p:nvPr/>
-        </p:nvSpPr>
-        <p:spPr>
-          <a:xfrm>
-            <a:off x="8354291" y="1681040"/>
-            <a:ext cx="3699163" cy="3139321"/>
-          </a:xfrm>
-          <a:prstGeom prst="rect">
-            <a:avLst/>
-          </a:prstGeom>
-          <a:noFill/>
-        </p:spPr>
-        <p:txBody>
-          <a:bodyPr wrap="square" rtlCol="0">
-            <a:spAutoFit/>
-          </a:bodyPr>
-          <a:lstStyle/>
-          <a:p>
-            <a:pPr marL="285750" indent="-285750">
-              <a:buFont typeface="Arial" panose="020B0604020202020204" pitchFamily="34" charset="0"/>
-              <a:buChar char="•"/>
-            </a:pPr>
-            <a:r>
-              <a:rPr lang="fr-FR" dirty="0">
-                <a:solidFill>
-                  <a:schemeClr val="tx1">
-                    <a:lumMod val="65000"/>
-                    <a:lumOff val="35000"/>
-                  </a:schemeClr>
-                </a:solidFill>
-              </a:rPr>
-              <a:t>Gap avec le relâché continu du modèle dual</a:t>
-            </a:r>
-          </a:p>
-          <a:p>
-            <a:pPr marL="285750" indent="-285750">
-              <a:buFont typeface="Arial" panose="020B0604020202020204" pitchFamily="34" charset="0"/>
-              <a:buChar char="•"/>
-            </a:pPr>
-            <a:endParaRPr lang="fr-FR" dirty="0">
-              <a:solidFill>
-                <a:schemeClr val="tx1">
-                  <a:lumMod val="65000"/>
-                  <a:lumOff val="35000"/>
-                </a:schemeClr>
-              </a:solidFill>
-            </a:endParaRPr>
-          </a:p>
-          <a:p>
-            <a:pPr marL="285750" indent="-285750">
-              <a:buFont typeface="Arial" panose="020B0604020202020204" pitchFamily="34" charset="0"/>
-              <a:buChar char="•"/>
-            </a:pPr>
-            <a:r>
-              <a:rPr lang="fr-FR" dirty="0">
-                <a:solidFill>
-                  <a:schemeClr val="tx1">
-                    <a:lumMod val="65000"/>
-                    <a:lumOff val="35000"/>
-                  </a:schemeClr>
-                </a:solidFill>
-              </a:rPr>
-              <a:t>Temps de calcul des heuristiques sur les </a:t>
-            </a:r>
-            <a:r>
-              <a:rPr lang="fr-FR" b="1" dirty="0">
-                <a:solidFill>
-                  <a:schemeClr val="tx1">
-                    <a:lumMod val="65000"/>
-                    <a:lumOff val="35000"/>
-                  </a:schemeClr>
-                </a:solidFill>
-              </a:rPr>
-              <a:t>solutions complètes plusieurs ordres de grandeurs</a:t>
-            </a:r>
-            <a:r>
-              <a:rPr lang="fr-FR" dirty="0">
-                <a:solidFill>
-                  <a:schemeClr val="tx1">
-                    <a:lumMod val="65000"/>
-                    <a:lumOff val="35000"/>
-                  </a:schemeClr>
-                </a:solidFill>
-              </a:rPr>
-              <a:t> au dessus de  celles sur </a:t>
-            </a:r>
-            <a:r>
-              <a:rPr lang="fr-FR" b="1" dirty="0">
-                <a:solidFill>
-                  <a:schemeClr val="tx1">
-                    <a:lumMod val="65000"/>
-                    <a:lumOff val="35000"/>
-                  </a:schemeClr>
-                </a:solidFill>
-              </a:rPr>
-              <a:t>les sous-tours</a:t>
-            </a:r>
-          </a:p>
-          <a:p>
-            <a:pPr marL="285750" indent="-285750">
-              <a:buFont typeface="Arial" panose="020B0604020202020204" pitchFamily="34" charset="0"/>
-              <a:buChar char="•"/>
-            </a:pPr>
-            <a:endParaRPr lang="fr-FR" b="1" dirty="0">
-              <a:solidFill>
-                <a:schemeClr val="tx1">
-                  <a:lumMod val="65000"/>
-                  <a:lumOff val="35000"/>
-                </a:schemeClr>
-              </a:solidFill>
-            </a:endParaRPr>
-          </a:p>
-          <a:p>
-            <a:pPr marL="285750" indent="-285750">
-              <a:buFont typeface="Arial" panose="020B0604020202020204" pitchFamily="34" charset="0"/>
-              <a:buChar char="•"/>
-            </a:pPr>
-            <a:r>
-              <a:rPr lang="fr-FR" dirty="0">
-                <a:solidFill>
-                  <a:schemeClr val="tx1">
-                    <a:lumMod val="65000"/>
-                    <a:lumOff val="35000"/>
-                  </a:schemeClr>
-                </a:solidFill>
-              </a:rPr>
-              <a:t>Peu de gain sur les instances euclidiennes</a:t>
-            </a:r>
-          </a:p>
-        </p:txBody>
-      </p:sp>
-    </p:spTree>
-    <p:extLst>
-      <p:ext uri="{BB962C8B-B14F-4D97-AF65-F5344CB8AC3E}">
-        <p14:creationId xmlns:p14="http://schemas.microsoft.com/office/powerpoint/2010/main" val="899183435"/>
-      </p:ext>
-    </p:extLst>
-  </p:cSld>
-  <p:clrMapOvr>
-    <a:masterClrMapping/>
-  </p:clrMapOvr>
-</p:sld>
-</file>
-
-<file path=ppt/slides/slide7.xml><?xml version="1.0" encoding="utf-8"?>
-<p:sld xmlns:a="http://schemas.openxmlformats.org/drawingml/2006/main" xmlns:r="http://schemas.openxmlformats.org/officeDocument/2006/relationships" xmlns:p="http://schemas.openxmlformats.org/presentationml/2006/main">
-  <p:cSld>
-    <p:spTree>
-      <p:nvGrpSpPr>
-        <p:cNvPr id="1" name="">
-          <a:extLst>
-            <a:ext uri="{FF2B5EF4-FFF2-40B4-BE49-F238E27FC236}">
-              <a16:creationId xmlns:a16="http://schemas.microsoft.com/office/drawing/2014/main" id="{219A13E3-B9ED-10B6-EE94-7EF3067A6E90}"/>
-            </a:ext>
-          </a:extLst>
-        </p:cNvPr>
-        <p:cNvGrpSpPr/>
-        <p:nvPr/>
-      </p:nvGrpSpPr>
-      <p:grpSpPr>
-        <a:xfrm>
-          <a:off x="0" y="0"/>
-          <a:ext cx="0" cy="0"/>
-          <a:chOff x="0" y="0"/>
-          <a:chExt cx="0" cy="0"/>
-        </a:xfrm>
-      </p:grpSpPr>
-      <p:sp>
-        <p:nvSpPr>
-          <p:cNvPr id="2" name="Titre 1">
-            <a:extLst>
-              <a:ext uri="{FF2B5EF4-FFF2-40B4-BE49-F238E27FC236}">
-                <a16:creationId xmlns:a16="http://schemas.microsoft.com/office/drawing/2014/main" id="{764D7F47-5ECF-B870-BEB2-4894058F8B48}"/>
-              </a:ext>
-            </a:extLst>
-          </p:cNvPr>
-          <p:cNvSpPr>
-            <a:spLocks noGrp="1"/>
-          </p:cNvSpPr>
-          <p:nvPr>
-            <p:ph type="title"/>
-          </p:nvPr>
-        </p:nvSpPr>
-        <p:spPr/>
-        <p:txBody>
-          <a:bodyPr/>
-          <a:lstStyle/>
-          <a:p>
-            <a:r>
-              <a:rPr lang="fr-FR" b="1" dirty="0">
-                <a:solidFill>
-                  <a:schemeClr val="tx2"/>
-                </a:solidFill>
-              </a:rPr>
-              <a:t>Heuristique : Comparaison avec les méthodes exactes</a:t>
-            </a:r>
-          </a:p>
-        </p:txBody>
-      </p:sp>
-      <p:sp>
-        <p:nvSpPr>
-          <p:cNvPr id="4" name="Espace réservé de la date 3">
-            <a:extLst>
-              <a:ext uri="{FF2B5EF4-FFF2-40B4-BE49-F238E27FC236}">
-                <a16:creationId xmlns:a16="http://schemas.microsoft.com/office/drawing/2014/main" id="{CBAB51CE-904F-CCBE-7F95-12CBCC515660}"/>
-              </a:ext>
-            </a:extLst>
-          </p:cNvPr>
-          <p:cNvSpPr>
-            <a:spLocks noGrp="1"/>
-          </p:cNvSpPr>
-          <p:nvPr>
-            <p:ph type="dt" sz="half" idx="10"/>
-          </p:nvPr>
-        </p:nvSpPr>
-        <p:spPr/>
-        <p:txBody>
-          <a:bodyPr/>
-          <a:lstStyle/>
-          <a:p>
-            <a:r>
-              <a:rPr lang="fr-FR" dirty="0"/>
-              <a:t>14/02/2025</a:t>
-            </a:r>
-          </a:p>
-        </p:txBody>
-      </p:sp>
-      <p:sp>
-        <p:nvSpPr>
-          <p:cNvPr id="5" name="Espace réservé du pied de page 4">
-            <a:extLst>
-              <a:ext uri="{FF2B5EF4-FFF2-40B4-BE49-F238E27FC236}">
-                <a16:creationId xmlns:a16="http://schemas.microsoft.com/office/drawing/2014/main" id="{2AEFD001-BF10-5955-A6EB-0C5A79725435}"/>
-              </a:ext>
-            </a:extLst>
-          </p:cNvPr>
-          <p:cNvSpPr>
-            <a:spLocks noGrp="1"/>
-          </p:cNvSpPr>
-          <p:nvPr>
-            <p:ph type="ftr" sz="quarter" idx="11"/>
-          </p:nvPr>
-        </p:nvSpPr>
-        <p:spPr/>
-        <p:txBody>
-          <a:bodyPr/>
-          <a:lstStyle/>
-          <a:p>
-            <a:r>
-              <a:rPr lang="fr-FR" dirty="0"/>
-              <a:t>VRP robuste</a:t>
-            </a:r>
-          </a:p>
-        </p:txBody>
-      </p:sp>
-      <p:sp>
-        <p:nvSpPr>
-          <p:cNvPr id="6" name="Espace réservé du numéro de diapositive 5">
-            <a:extLst>
-              <a:ext uri="{FF2B5EF4-FFF2-40B4-BE49-F238E27FC236}">
-                <a16:creationId xmlns:a16="http://schemas.microsoft.com/office/drawing/2014/main" id="{4B4316E5-5587-59F3-45B2-900135EC9781}"/>
-              </a:ext>
-            </a:extLst>
-          </p:cNvPr>
-          <p:cNvSpPr>
-            <a:spLocks noGrp="1"/>
-          </p:cNvSpPr>
-          <p:nvPr>
-            <p:ph type="sldNum" sz="quarter" idx="12"/>
-          </p:nvPr>
-        </p:nvSpPr>
-        <p:spPr/>
-        <p:txBody>
-          <a:bodyPr/>
-          <a:lstStyle/>
-          <a:p>
-            <a:fld id="{49D9D136-35C4-F945-9AC1-0F0ED400EE8E}" type="slidenum">
-              <a:rPr lang="fr-FR" smtClean="0"/>
-              <a:t>7</a:t>
-            </a:fld>
-            <a:endParaRPr lang="fr-FR"/>
-          </a:p>
-        </p:txBody>
-      </p:sp>
-      <p:sp>
-        <p:nvSpPr>
-          <p:cNvPr id="12" name="ZoneTexte 11">
-            <a:extLst>
-              <a:ext uri="{FF2B5EF4-FFF2-40B4-BE49-F238E27FC236}">
-                <a16:creationId xmlns:a16="http://schemas.microsoft.com/office/drawing/2014/main" id="{84E2D1AF-1443-2423-5A7E-125CE5D66CC8}"/>
-              </a:ext>
-            </a:extLst>
-          </p:cNvPr>
-          <p:cNvSpPr txBox="1"/>
-          <p:nvPr/>
-        </p:nvSpPr>
-        <p:spPr>
-          <a:xfrm>
-            <a:off x="838200" y="5058726"/>
-            <a:ext cx="10009909" cy="646331"/>
-          </a:xfrm>
-          <a:prstGeom prst="rect">
-            <a:avLst/>
-          </a:prstGeom>
-          <a:noFill/>
-        </p:spPr>
-        <p:txBody>
-          <a:bodyPr wrap="square" rtlCol="0">
-            <a:spAutoFit/>
-          </a:bodyPr>
-          <a:lstStyle/>
-          <a:p>
-            <a:pPr marL="285750" indent="-285750">
-              <a:buFont typeface="Arial" panose="020B0604020202020204" pitchFamily="34" charset="0"/>
-              <a:buChar char="•"/>
-            </a:pPr>
-            <a:r>
-              <a:rPr lang="fr-FR" dirty="0">
-                <a:solidFill>
-                  <a:schemeClr val="tx1">
-                    <a:lumMod val="65000"/>
-                    <a:lumOff val="35000"/>
-                  </a:schemeClr>
-                </a:solidFill>
-              </a:rPr>
-              <a:t>Avec un </a:t>
-            </a:r>
-            <a:r>
-              <a:rPr lang="fr-FR" b="1" dirty="0">
-                <a:solidFill>
-                  <a:schemeClr val="tx1">
-                    <a:lumMod val="65000"/>
-                    <a:lumOff val="35000"/>
-                  </a:schemeClr>
-                </a:solidFill>
-              </a:rPr>
-              <a:t>temps limite de 2s</a:t>
-            </a:r>
-            <a:r>
-              <a:rPr lang="fr-FR" dirty="0">
-                <a:solidFill>
-                  <a:schemeClr val="tx1">
-                    <a:lumMod val="65000"/>
-                    <a:lumOff val="35000"/>
-                  </a:schemeClr>
-                </a:solidFill>
-              </a:rPr>
-              <a:t> :</a:t>
-            </a:r>
-          </a:p>
-          <a:p>
-            <a:pPr marL="742950" lvl="1" indent="-285750">
-              <a:buFont typeface="Arial" panose="020B0604020202020204" pitchFamily="34" charset="0"/>
-              <a:buChar char="•"/>
-            </a:pPr>
-            <a:r>
-              <a:rPr lang="fr-FR" dirty="0">
-                <a:solidFill>
-                  <a:schemeClr val="tx1">
-                    <a:lumMod val="65000"/>
-                    <a:lumOff val="35000"/>
-                  </a:schemeClr>
-                </a:solidFill>
-              </a:rPr>
-              <a:t>L’heuristique </a:t>
-            </a:r>
-            <a:r>
-              <a:rPr lang="fr-FR" b="1" dirty="0">
-                <a:solidFill>
-                  <a:schemeClr val="tx1">
-                    <a:lumMod val="65000"/>
-                    <a:lumOff val="35000"/>
-                  </a:schemeClr>
-                </a:solidFill>
-              </a:rPr>
-              <a:t>3-opt sur les sous tours </a:t>
-            </a:r>
-            <a:r>
-              <a:rPr lang="fr-FR" dirty="0">
-                <a:solidFill>
-                  <a:schemeClr val="tx1">
-                    <a:lumMod val="65000"/>
-                    <a:lumOff val="35000"/>
-                  </a:schemeClr>
-                </a:solidFill>
-              </a:rPr>
-              <a:t>est meilleure dès la </a:t>
-            </a:r>
-            <a:r>
-              <a:rPr lang="fr-FR" b="1" dirty="0">
-                <a:solidFill>
-                  <a:schemeClr val="tx1">
-                    <a:lumMod val="65000"/>
-                    <a:lumOff val="35000"/>
-                  </a:schemeClr>
-                </a:solidFill>
-              </a:rPr>
-              <a:t>14</a:t>
-            </a:r>
-            <a:r>
-              <a:rPr lang="fr-FR" b="1" baseline="30000" dirty="0">
-                <a:solidFill>
-                  <a:schemeClr val="tx1">
-                    <a:lumMod val="65000"/>
-                    <a:lumOff val="35000"/>
-                  </a:schemeClr>
-                </a:solidFill>
-              </a:rPr>
-              <a:t>ème</a:t>
-            </a:r>
-            <a:r>
-              <a:rPr lang="fr-FR" b="1" dirty="0">
-                <a:solidFill>
-                  <a:schemeClr val="tx1">
-                    <a:lumMod val="65000"/>
-                    <a:lumOff val="35000"/>
-                  </a:schemeClr>
-                </a:solidFill>
-              </a:rPr>
-              <a:t> instance </a:t>
-            </a:r>
-            <a:r>
-              <a:rPr lang="fr-FR" dirty="0">
-                <a:solidFill>
-                  <a:schemeClr val="tx1">
-                    <a:lumMod val="65000"/>
-                    <a:lumOff val="35000"/>
-                  </a:schemeClr>
-                </a:solidFill>
-              </a:rPr>
-              <a:t>en euclidien</a:t>
-            </a:r>
-            <a:endParaRPr lang="fr-FR" b="1" dirty="0">
-              <a:solidFill>
-                <a:schemeClr val="tx1">
-                  <a:lumMod val="65000"/>
-                  <a:lumOff val="35000"/>
-                </a:schemeClr>
-              </a:solidFill>
-            </a:endParaRPr>
-          </a:p>
-        </p:txBody>
-      </p:sp>
-      <p:pic>
-        <p:nvPicPr>
-          <p:cNvPr id="15" name="Image 14">
-            <a:extLst>
-              <a:ext uri="{FF2B5EF4-FFF2-40B4-BE49-F238E27FC236}">
-                <a16:creationId xmlns:a16="http://schemas.microsoft.com/office/drawing/2014/main" id="{7D4971C1-C422-CC41-9EFA-2523CFB6CF98}"/>
-              </a:ext>
-            </a:extLst>
-          </p:cNvPr>
-          <p:cNvPicPr>
-            <a:picLocks noChangeAspect="1"/>
-          </p:cNvPicPr>
-          <p:nvPr/>
-        </p:nvPicPr>
-        <p:blipFill>
-          <a:blip r:embed="rId2"/>
-          <a:stretch>
-            <a:fillRect/>
-          </a:stretch>
-        </p:blipFill>
-        <p:spPr>
-          <a:xfrm>
-            <a:off x="1156427" y="1884175"/>
-            <a:ext cx="4589167" cy="2981063"/>
-          </a:xfrm>
-          <a:prstGeom prst="rect">
-            <a:avLst/>
-          </a:prstGeom>
-        </p:spPr>
-      </p:pic>
-      <p:pic>
-        <p:nvPicPr>
-          <p:cNvPr id="17" name="Image 16">
-            <a:extLst>
-              <a:ext uri="{FF2B5EF4-FFF2-40B4-BE49-F238E27FC236}">
-                <a16:creationId xmlns:a16="http://schemas.microsoft.com/office/drawing/2014/main" id="{566CDD27-6E51-AB6F-1EDF-0E6B96AACAC8}"/>
-              </a:ext>
-            </a:extLst>
-          </p:cNvPr>
-          <p:cNvPicPr>
-            <a:picLocks noChangeAspect="1"/>
-          </p:cNvPicPr>
-          <p:nvPr/>
-        </p:nvPicPr>
-        <p:blipFill>
-          <a:blip r:embed="rId3"/>
-          <a:stretch>
-            <a:fillRect/>
-          </a:stretch>
-        </p:blipFill>
-        <p:spPr>
-          <a:xfrm>
-            <a:off x="6258942" y="1918274"/>
-            <a:ext cx="4589167" cy="2946964"/>
-          </a:xfrm>
-          <a:prstGeom prst="rect">
-            <a:avLst/>
-          </a:prstGeom>
-        </p:spPr>
-      </p:pic>
-    </p:spTree>
-    <p:extLst>
-      <p:ext uri="{BB962C8B-B14F-4D97-AF65-F5344CB8AC3E}">
-        <p14:creationId xmlns:p14="http://schemas.microsoft.com/office/powerpoint/2010/main" val="3818322718"/>
-      </p:ext>
-    </p:extLst>
-  </p:cSld>
-  <p:clrMapOvr>
-    <a:masterClrMapping/>
-  </p:clrMapOvr>
-</p:sld>
-</file>
-
-<file path=ppt/slides/slide8.xml><?xml version="1.0" encoding="utf-8"?>
-<p:sld xmlns:a="http://schemas.openxmlformats.org/drawingml/2006/main" xmlns:r="http://schemas.openxmlformats.org/officeDocument/2006/relationships" xmlns:p="http://schemas.openxmlformats.org/presentationml/2006/main">
-  <p:cSld>
-    <p:spTree>
-      <p:nvGrpSpPr>
-        <p:cNvPr id="1" name="">
-          <a:extLst>
-            <a:ext uri="{FF2B5EF4-FFF2-40B4-BE49-F238E27FC236}">
-              <a16:creationId xmlns:a16="http://schemas.microsoft.com/office/drawing/2014/main" id="{49D1F0F0-4AE2-A632-4E39-75EAEBE4E35C}"/>
-            </a:ext>
-          </a:extLst>
-        </p:cNvPr>
-        <p:cNvGrpSpPr/>
-        <p:nvPr/>
-      </p:nvGrpSpPr>
-      <p:grpSpPr>
-        <a:xfrm>
-          <a:off x="0" y="0"/>
-          <a:ext cx="0" cy="0"/>
-          <a:chOff x="0" y="0"/>
-          <a:chExt cx="0" cy="0"/>
-        </a:xfrm>
-      </p:grpSpPr>
-      <p:sp>
-        <p:nvSpPr>
-          <p:cNvPr id="2" name="Titre 1">
-            <a:extLst>
-              <a:ext uri="{FF2B5EF4-FFF2-40B4-BE49-F238E27FC236}">
-                <a16:creationId xmlns:a16="http://schemas.microsoft.com/office/drawing/2014/main" id="{CDD02D32-CAC0-6E18-9C3A-0D44B08D38E4}"/>
-              </a:ext>
-            </a:extLst>
-          </p:cNvPr>
-          <p:cNvSpPr>
-            <a:spLocks noGrp="1"/>
-          </p:cNvSpPr>
-          <p:nvPr>
-            <p:ph type="title"/>
-          </p:nvPr>
-        </p:nvSpPr>
-        <p:spPr/>
-        <p:txBody>
-          <a:bodyPr/>
-          <a:lstStyle/>
-          <a:p>
-            <a:r>
-              <a:rPr lang="fr-FR" b="1" dirty="0">
-                <a:solidFill>
-                  <a:schemeClr val="tx2"/>
-                </a:solidFill>
-              </a:rPr>
-              <a:t>Dual</a:t>
-            </a:r>
-          </a:p>
-        </p:txBody>
-      </p:sp>
-      <p:sp>
-        <p:nvSpPr>
-          <p:cNvPr id="3" name="Espace réservé du contenu 2">
-            <a:extLst>
-              <a:ext uri="{FF2B5EF4-FFF2-40B4-BE49-F238E27FC236}">
-                <a16:creationId xmlns:a16="http://schemas.microsoft.com/office/drawing/2014/main" id="{444C7895-84D4-21A0-DDF0-A3A49ABB4A8E}"/>
-              </a:ext>
-            </a:extLst>
-          </p:cNvPr>
-          <p:cNvSpPr>
-            <a:spLocks noGrp="1"/>
-          </p:cNvSpPr>
-          <p:nvPr>
-            <p:ph idx="1"/>
-          </p:nvPr>
-        </p:nvSpPr>
-        <p:spPr/>
-        <p:txBody>
-          <a:bodyPr/>
-          <a:lstStyle/>
-          <a:p>
-            <a:endParaRPr lang="fr-FR" dirty="0"/>
-          </a:p>
-        </p:txBody>
-      </p:sp>
-      <p:sp>
-        <p:nvSpPr>
-          <p:cNvPr id="4" name="Espace réservé de la date 3">
-            <a:extLst>
-              <a:ext uri="{FF2B5EF4-FFF2-40B4-BE49-F238E27FC236}">
-                <a16:creationId xmlns:a16="http://schemas.microsoft.com/office/drawing/2014/main" id="{E6F884B7-4344-E4C7-51C0-44BD792D9BAB}"/>
-              </a:ext>
-            </a:extLst>
-          </p:cNvPr>
-          <p:cNvSpPr>
-            <a:spLocks noGrp="1"/>
-          </p:cNvSpPr>
-          <p:nvPr>
-            <p:ph type="dt" sz="half" idx="10"/>
-          </p:nvPr>
-        </p:nvSpPr>
-        <p:spPr/>
-        <p:txBody>
-          <a:bodyPr/>
-          <a:lstStyle/>
-          <a:p>
-            <a:r>
-              <a:rPr lang="fr-FR"/>
-              <a:t>14/02/2025</a:t>
-            </a:r>
-          </a:p>
-        </p:txBody>
-      </p:sp>
-      <p:sp>
-        <p:nvSpPr>
-          <p:cNvPr id="5" name="Espace réservé du pied de page 4">
-            <a:extLst>
-              <a:ext uri="{FF2B5EF4-FFF2-40B4-BE49-F238E27FC236}">
-                <a16:creationId xmlns:a16="http://schemas.microsoft.com/office/drawing/2014/main" id="{AEDB6568-8929-8F1C-FE83-B6923A8154ED}"/>
-              </a:ext>
-            </a:extLst>
-          </p:cNvPr>
-          <p:cNvSpPr>
-            <a:spLocks noGrp="1"/>
-          </p:cNvSpPr>
-          <p:nvPr>
-            <p:ph type="ftr" sz="quarter" idx="11"/>
-          </p:nvPr>
-        </p:nvSpPr>
-        <p:spPr/>
-        <p:txBody>
-          <a:bodyPr/>
-          <a:lstStyle/>
-          <a:p>
-            <a:r>
-              <a:rPr lang="fr-FR"/>
-              <a:t>VRP robuste</a:t>
-            </a:r>
-            <a:endParaRPr lang="fr-FR" dirty="0"/>
-          </a:p>
-        </p:txBody>
-      </p:sp>
-      <p:sp>
-        <p:nvSpPr>
-          <p:cNvPr id="6" name="Espace réservé du numéro de diapositive 5">
-            <a:extLst>
-              <a:ext uri="{FF2B5EF4-FFF2-40B4-BE49-F238E27FC236}">
-                <a16:creationId xmlns:a16="http://schemas.microsoft.com/office/drawing/2014/main" id="{3487B01E-8915-0DBB-B9F9-88C0E2169E2A}"/>
-              </a:ext>
-            </a:extLst>
-          </p:cNvPr>
-          <p:cNvSpPr>
-            <a:spLocks noGrp="1"/>
-          </p:cNvSpPr>
-          <p:nvPr>
-            <p:ph type="sldNum" sz="quarter" idx="12"/>
-          </p:nvPr>
-        </p:nvSpPr>
-        <p:spPr/>
-        <p:txBody>
-          <a:bodyPr/>
-          <a:lstStyle/>
-          <a:p>
-            <a:fld id="{49D9D136-35C4-F945-9AC1-0F0ED400EE8E}" type="slidenum">
-              <a:rPr lang="fr-FR" smtClean="0"/>
-              <a:t>8</a:t>
-            </a:fld>
-            <a:endParaRPr lang="fr-FR"/>
-          </a:p>
-        </p:txBody>
-      </p:sp>
-    </p:spTree>
-    <p:extLst>
-      <p:ext uri="{BB962C8B-B14F-4D97-AF65-F5344CB8AC3E}">
-        <p14:creationId xmlns:p14="http://schemas.microsoft.com/office/powerpoint/2010/main" val="2929504581"/>
-      </p:ext>
-    </p:extLst>
-  </p:cSld>
-  <p:clrMapOvr>
-    <a:masterClrMapping/>
-  </p:clrMapOvr>
-</p:sld>
-</file>
-
-<file path=ppt/slides/slide9.xml><?xml version="1.0" encoding="utf-8"?>
-<p:sld xmlns:a="http://schemas.openxmlformats.org/drawingml/2006/main" xmlns:r="http://schemas.openxmlformats.org/officeDocument/2006/relationships" xmlns:p="http://schemas.openxmlformats.org/presentationml/2006/main">
-  <p:cSld>
-    <p:spTree>
-      <p:nvGrpSpPr>
-        <p:cNvPr id="1" name="">
-          <a:extLst>
-            <a:ext uri="{FF2B5EF4-FFF2-40B4-BE49-F238E27FC236}">
-              <a16:creationId xmlns:a16="http://schemas.microsoft.com/office/drawing/2014/main" id="{2E62B33E-D35B-6519-7ED0-65339E6671B3}"/>
-            </a:ext>
-          </a:extLst>
-        </p:cNvPr>
-        <p:cNvGrpSpPr/>
-        <p:nvPr/>
-      </p:nvGrpSpPr>
-      <p:grpSpPr>
-        <a:xfrm>
-          <a:off x="0" y="0"/>
-          <a:ext cx="0" cy="0"/>
-          <a:chOff x="0" y="0"/>
-          <a:chExt cx="0" cy="0"/>
-        </a:xfrm>
-      </p:grpSpPr>
-      <p:sp>
-        <p:nvSpPr>
-          <p:cNvPr id="2" name="Titre 1">
-            <a:extLst>
-              <a:ext uri="{FF2B5EF4-FFF2-40B4-BE49-F238E27FC236}">
-                <a16:creationId xmlns:a16="http://schemas.microsoft.com/office/drawing/2014/main" id="{1ACA22FB-249E-4719-C905-3E93706C5BB6}"/>
-              </a:ext>
-            </a:extLst>
-          </p:cNvPr>
-          <p:cNvSpPr>
-            <a:spLocks noGrp="1"/>
-          </p:cNvSpPr>
-          <p:nvPr>
-            <p:ph type="title"/>
-          </p:nvPr>
-        </p:nvSpPr>
-        <p:spPr/>
-        <p:txBody>
-          <a:bodyPr/>
-          <a:lstStyle/>
-          <a:p>
-            <a:r>
-              <a:rPr lang="fr-FR" b="1" dirty="0">
-                <a:solidFill>
-                  <a:schemeClr val="tx2"/>
-                </a:solidFill>
-              </a:rPr>
-              <a:t>Plans coupants et </a:t>
-            </a:r>
-            <a:r>
-              <a:rPr lang="fr-FR" b="1" dirty="0" err="1">
-                <a:solidFill>
-                  <a:schemeClr val="tx2"/>
-                </a:solidFill>
-              </a:rPr>
-              <a:t>branch</a:t>
-            </a:r>
-            <a:r>
-              <a:rPr lang="fr-FR" b="1" dirty="0">
-                <a:solidFill>
-                  <a:schemeClr val="tx2"/>
-                </a:solidFill>
-              </a:rPr>
-              <a:t> and </a:t>
-            </a:r>
-            <a:r>
-              <a:rPr lang="fr-FR" b="1" dirty="0" err="1">
-                <a:solidFill>
-                  <a:schemeClr val="tx2"/>
-                </a:solidFill>
-              </a:rPr>
-              <a:t>cut</a:t>
-            </a:r>
-            <a:endParaRPr lang="fr-FR" b="1" dirty="0">
-              <a:solidFill>
-                <a:schemeClr val="tx2"/>
-              </a:solidFill>
-            </a:endParaRPr>
-          </a:p>
-        </p:txBody>
-      </p:sp>
-      <p:sp>
-        <p:nvSpPr>
-          <p:cNvPr id="3" name="Espace réservé du contenu 2">
-            <a:extLst>
-              <a:ext uri="{FF2B5EF4-FFF2-40B4-BE49-F238E27FC236}">
-                <a16:creationId xmlns:a16="http://schemas.microsoft.com/office/drawing/2014/main" id="{592BB89A-CEC7-1ACA-1378-AECDA9AA6ABE}"/>
-              </a:ext>
-            </a:extLst>
-          </p:cNvPr>
-          <p:cNvSpPr>
-            <a:spLocks noGrp="1"/>
-          </p:cNvSpPr>
-          <p:nvPr>
-            <p:ph idx="1"/>
-          </p:nvPr>
-        </p:nvSpPr>
-        <p:spPr/>
-        <p:txBody>
-          <a:bodyPr/>
-          <a:lstStyle/>
-          <a:p>
-            <a:endParaRPr lang="fr-FR" dirty="0"/>
-          </a:p>
-        </p:txBody>
-      </p:sp>
-      <p:sp>
-        <p:nvSpPr>
-          <p:cNvPr id="4" name="Espace réservé de la date 3">
-            <a:extLst>
-              <a:ext uri="{FF2B5EF4-FFF2-40B4-BE49-F238E27FC236}">
-                <a16:creationId xmlns:a16="http://schemas.microsoft.com/office/drawing/2014/main" id="{C7825705-1233-E7F9-F915-A0F32FF6221B}"/>
-              </a:ext>
-            </a:extLst>
-          </p:cNvPr>
-          <p:cNvSpPr>
-            <a:spLocks noGrp="1"/>
-          </p:cNvSpPr>
-          <p:nvPr>
-            <p:ph type="dt" sz="half" idx="10"/>
-          </p:nvPr>
-        </p:nvSpPr>
-        <p:spPr/>
-        <p:txBody>
-          <a:bodyPr/>
-          <a:lstStyle/>
-          <a:p>
-            <a:r>
-              <a:rPr lang="fr-FR"/>
-              <a:t>14/02/2025</a:t>
-            </a:r>
-          </a:p>
-        </p:txBody>
-      </p:sp>
-      <p:sp>
-        <p:nvSpPr>
-          <p:cNvPr id="5" name="Espace réservé du pied de page 4">
-            <a:extLst>
-              <a:ext uri="{FF2B5EF4-FFF2-40B4-BE49-F238E27FC236}">
-                <a16:creationId xmlns:a16="http://schemas.microsoft.com/office/drawing/2014/main" id="{0A6F0858-3278-C50D-E1CD-903EF5B6B746}"/>
-              </a:ext>
-            </a:extLst>
-          </p:cNvPr>
-          <p:cNvSpPr>
-            <a:spLocks noGrp="1"/>
-          </p:cNvSpPr>
-          <p:nvPr>
-            <p:ph type="ftr" sz="quarter" idx="11"/>
-          </p:nvPr>
-        </p:nvSpPr>
-        <p:spPr/>
-        <p:txBody>
-          <a:bodyPr/>
-          <a:lstStyle/>
-          <a:p>
-            <a:r>
-              <a:rPr lang="fr-FR"/>
-              <a:t>VRP robuste</a:t>
-            </a:r>
-            <a:endParaRPr lang="fr-FR" dirty="0"/>
-          </a:p>
-        </p:txBody>
-      </p:sp>
-      <p:sp>
-        <p:nvSpPr>
-          <p:cNvPr id="6" name="Espace réservé du numéro de diapositive 5">
-            <a:extLst>
-              <a:ext uri="{FF2B5EF4-FFF2-40B4-BE49-F238E27FC236}">
-                <a16:creationId xmlns:a16="http://schemas.microsoft.com/office/drawing/2014/main" id="{12CD5433-350A-CCC2-E7C2-4F7934C37029}"/>
-              </a:ext>
-            </a:extLst>
-          </p:cNvPr>
-          <p:cNvSpPr>
-            <a:spLocks noGrp="1"/>
-          </p:cNvSpPr>
-          <p:nvPr>
-            <p:ph type="sldNum" sz="quarter" idx="12"/>
-          </p:nvPr>
-        </p:nvSpPr>
-        <p:spPr/>
-        <p:txBody>
-          <a:bodyPr/>
-          <a:lstStyle/>
-          <a:p>
-            <a:fld id="{49D9D136-35C4-F945-9AC1-0F0ED400EE8E}" type="slidenum">
-              <a:rPr lang="fr-FR" smtClean="0"/>
-              <a:t>9</a:t>
-            </a:fld>
-            <a:endParaRPr lang="fr-FR"/>
-          </a:p>
-        </p:txBody>
-      </p:sp>
-    </p:spTree>
-    <p:extLst>
-      <p:ext uri="{BB962C8B-B14F-4D97-AF65-F5344CB8AC3E}">
-        <p14:creationId xmlns:p14="http://schemas.microsoft.com/office/powerpoint/2010/main" val="3180863888"/>
       </p:ext>
     </p:extLst>
   </p:cSld>

--- a/Présentation Projet.pptx
+++ b/Présentation Projet.pptx
@@ -140,7 +140,7 @@
   <pc:docChgLst>
     <pc:chgData name="Dimitri de Saint Guilhem" userId="b3a242cf8548cc63" providerId="LiveId" clId="{5C383334-1F7E-4221-8E99-0467E94D315B}"/>
     <pc:docChg chg="undo custSel addSld delSld modSld sldOrd">
-      <pc:chgData name="Dimitri de Saint Guilhem" userId="b3a242cf8548cc63" providerId="LiveId" clId="{5C383334-1F7E-4221-8E99-0467E94D315B}" dt="2025-02-14T08:32:04.573" v="1159" actId="1076"/>
+      <pc:chgData name="Dimitri de Saint Guilhem" userId="b3a242cf8548cc63" providerId="LiveId" clId="{5C383334-1F7E-4221-8E99-0467E94D315B}" dt="2025-02-14T08:45:43.860" v="1366" actId="20577"/>
       <pc:docMkLst>
         <pc:docMk/>
       </pc:docMkLst>
@@ -288,7 +288,7 @@
         </pc:spChg>
       </pc:sldChg>
       <pc:sldChg chg="addSp modSp add mod">
-        <pc:chgData name="Dimitri de Saint Guilhem" userId="b3a242cf8548cc63" providerId="LiveId" clId="{5C383334-1F7E-4221-8E99-0467E94D315B}" dt="2025-02-14T08:31:11.003" v="1129" actId="164"/>
+        <pc:chgData name="Dimitri de Saint Guilhem" userId="b3a242cf8548cc63" providerId="LiveId" clId="{5C383334-1F7E-4221-8E99-0467E94D315B}" dt="2025-02-14T08:45:43.860" v="1366" actId="20577"/>
         <pc:sldMkLst>
           <pc:docMk/>
           <pc:sldMk cId="256888344" sldId="267"/>
@@ -302,7 +302,7 @@
           </ac:spMkLst>
         </pc:spChg>
         <pc:spChg chg="mod">
-          <ac:chgData name="Dimitri de Saint Guilhem" userId="b3a242cf8548cc63" providerId="LiveId" clId="{5C383334-1F7E-4221-8E99-0467E94D315B}" dt="2025-02-14T08:04:01.992" v="848" actId="20577"/>
+          <ac:chgData name="Dimitri de Saint Guilhem" userId="b3a242cf8548cc63" providerId="LiveId" clId="{5C383334-1F7E-4221-8E99-0467E94D315B}" dt="2025-02-14T08:45:43.860" v="1366" actId="20577"/>
           <ac:spMkLst>
             <pc:docMk/>
             <pc:sldMk cId="256888344" sldId="267"/>
@@ -6835,8 +6835,44 @@
               <a:p>
                 <a:r>
                   <a:rPr lang="fr-FR" dirty="0"/>
-                  <a:t>Amélioration: </a:t>
+                  <a:t>Amélioration:</a:t>
                 </a:r>
+              </a:p>
+              <a:p>
+                <a:pPr marL="457200" lvl="1" indent="0">
+                  <a:buNone/>
+                </a:pPr>
+                <a:r>
+                  <a:rPr lang="fr-FR" dirty="0"/>
+                  <a:t>De 2% du temps d’exécution dédié au </a:t>
+                </a:r>
+                <a:r>
+                  <a:rPr lang="fr-FR" dirty="0" err="1"/>
+                  <a:t>ss</a:t>
+                </a:r>
+                <a:r>
+                  <a:rPr lang="fr-FR" dirty="0"/>
+                  <a:t>-pb, on passe à 0,05%.</a:t>
+                </a:r>
+              </a:p>
+              <a:p>
+                <a:pPr marL="457200" lvl="1" indent="0">
+                  <a:buNone/>
+                </a:pPr>
+                <a:r>
+                  <a:rPr lang="fr-FR" dirty="0"/>
+                  <a:t>Pb facile -&gt; </a:t>
+                </a:r>
+                <a:r>
+                  <a:rPr lang="fr-FR"/>
+                  <a:t>faible différence</a:t>
+                </a:r>
+                <a:endParaRPr lang="fr-FR" dirty="0"/>
+              </a:p>
+              <a:p>
+                <a:pPr marL="457200" lvl="1" indent="0">
+                  <a:buNone/>
+                </a:pPr>
                 <a:endParaRPr lang="fr-FR" b="0" dirty="0"/>
               </a:p>
               <a:p>

--- a/Présentation Projet.pptx
+++ b/Présentation Projet.pptx
@@ -140,7 +140,7 @@
   <pc:docChgLst>
     <pc:chgData name="Dimitri de Saint Guilhem" userId="b3a242cf8548cc63" providerId="LiveId" clId="{5C383334-1F7E-4221-8E99-0467E94D315B}"/>
     <pc:docChg chg="undo custSel addSld delSld modSld sldOrd">
-      <pc:chgData name="Dimitri de Saint Guilhem" userId="b3a242cf8548cc63" providerId="LiveId" clId="{5C383334-1F7E-4221-8E99-0467E94D315B}" dt="2025-02-14T08:45:43.860" v="1366" actId="20577"/>
+      <pc:chgData name="Dimitri de Saint Guilhem" userId="b3a242cf8548cc63" providerId="LiveId" clId="{5C383334-1F7E-4221-8E99-0467E94D315B}" dt="2025-02-14T10:56:43.432" v="1459" actId="20577"/>
       <pc:docMkLst>
         <pc:docMk/>
       </pc:docMkLst>
@@ -211,7 +211,7 @@
         </pc:sldMkLst>
       </pc:sldChg>
       <pc:sldChg chg="addSp delSp modSp mod">
-        <pc:chgData name="Dimitri de Saint Guilhem" userId="b3a242cf8548cc63" providerId="LiveId" clId="{5C383334-1F7E-4221-8E99-0467E94D315B}" dt="2025-02-14T08:22:04.751" v="919" actId="20577"/>
+        <pc:chgData name="Dimitri de Saint Guilhem" userId="b3a242cf8548cc63" providerId="LiveId" clId="{5C383334-1F7E-4221-8E99-0467E94D315B}" dt="2025-02-14T10:47:45.064" v="1372" actId="1076"/>
         <pc:sldMkLst>
           <pc:docMk/>
           <pc:sldMk cId="2414714243" sldId="263"/>
@@ -240,6 +240,14 @@
             <ac:spMk id="13" creationId="{005748A6-99C5-A7C0-9C5A-CA20A67BA0E1}"/>
           </ac:spMkLst>
         </pc:spChg>
+        <pc:picChg chg="add mod">
+          <ac:chgData name="Dimitri de Saint Guilhem" userId="b3a242cf8548cc63" providerId="LiveId" clId="{5C383334-1F7E-4221-8E99-0467E94D315B}" dt="2025-02-14T10:47:45.064" v="1372" actId="1076"/>
+          <ac:picMkLst>
+            <pc:docMk/>
+            <pc:sldMk cId="2414714243" sldId="263"/>
+            <ac:picMk id="7" creationId="{A288CECD-4C55-6C67-7EF4-C0699496A808}"/>
+          </ac:picMkLst>
+        </pc:picChg>
         <pc:picChg chg="add del mod">
           <ac:chgData name="Dimitri de Saint Guilhem" userId="b3a242cf8548cc63" providerId="LiveId" clId="{5C383334-1F7E-4221-8E99-0467E94D315B}" dt="2025-02-14T08:09:58.980" v="859" actId="478"/>
           <ac:picMkLst>
@@ -256,8 +264,8 @@
             <ac:picMk id="10" creationId="{F736FE0B-1962-93FC-B254-5108A5B2207B}"/>
           </ac:picMkLst>
         </pc:picChg>
-        <pc:picChg chg="add mod">
-          <ac:chgData name="Dimitri de Saint Guilhem" userId="b3a242cf8548cc63" providerId="LiveId" clId="{5C383334-1F7E-4221-8E99-0467E94D315B}" dt="2025-02-14T08:10:11.987" v="864" actId="1076"/>
+        <pc:picChg chg="add del mod">
+          <ac:chgData name="Dimitri de Saint Guilhem" userId="b3a242cf8548cc63" providerId="LiveId" clId="{5C383334-1F7E-4221-8E99-0467E94D315B}" dt="2025-02-14T10:47:20.962" v="1367" actId="478"/>
           <ac:picMkLst>
             <pc:docMk/>
             <pc:sldMk cId="2414714243" sldId="263"/>
@@ -271,6 +279,53 @@
           <pc:docMk/>
           <pc:sldMk cId="3818322718" sldId="264"/>
         </pc:sldMkLst>
+      </pc:sldChg>
+      <pc:sldChg chg="addSp delSp modSp mod">
+        <pc:chgData name="Dimitri de Saint Guilhem" userId="b3a242cf8548cc63" providerId="LiveId" clId="{5C383334-1F7E-4221-8E99-0467E94D315B}" dt="2025-02-14T10:56:43.432" v="1459" actId="20577"/>
+        <pc:sldMkLst>
+          <pc:docMk/>
+          <pc:sldMk cId="2602220637" sldId="265"/>
+        </pc:sldMkLst>
+        <pc:spChg chg="add del mod">
+          <ac:chgData name="Dimitri de Saint Guilhem" userId="b3a242cf8548cc63" providerId="LiveId" clId="{5C383334-1F7E-4221-8E99-0467E94D315B}" dt="2025-02-14T10:54:11.678" v="1378" actId="478"/>
+          <ac:spMkLst>
+            <pc:docMk/>
+            <pc:sldMk cId="2602220637" sldId="265"/>
+            <ac:spMk id="7" creationId="{F238393D-AF1F-6ADE-0411-453261147CFA}"/>
+          </ac:spMkLst>
+        </pc:spChg>
+        <pc:spChg chg="mod">
+          <ac:chgData name="Dimitri de Saint Guilhem" userId="b3a242cf8548cc63" providerId="LiveId" clId="{5C383334-1F7E-4221-8E99-0467E94D315B}" dt="2025-02-14T10:56:43.432" v="1459" actId="20577"/>
+          <ac:spMkLst>
+            <pc:docMk/>
+            <pc:sldMk cId="2602220637" sldId="265"/>
+            <ac:spMk id="13" creationId="{3CEE9EE5-D292-4E70-225A-492005EC547D}"/>
+          </ac:spMkLst>
+        </pc:spChg>
+        <pc:picChg chg="add mod">
+          <ac:chgData name="Dimitri de Saint Guilhem" userId="b3a242cf8548cc63" providerId="LiveId" clId="{5C383334-1F7E-4221-8E99-0467E94D315B}" dt="2025-02-14T10:53:57.161" v="1377" actId="1076"/>
+          <ac:picMkLst>
+            <pc:docMk/>
+            <pc:sldMk cId="2602220637" sldId="265"/>
+            <ac:picMk id="9" creationId="{01D5A471-9B3A-658F-071F-AA2E8FBDEABA}"/>
+          </ac:picMkLst>
+        </pc:picChg>
+        <pc:picChg chg="del">
+          <ac:chgData name="Dimitri de Saint Guilhem" userId="b3a242cf8548cc63" providerId="LiveId" clId="{5C383334-1F7E-4221-8E99-0467E94D315B}" dt="2025-02-14T10:53:44.929" v="1374" actId="478"/>
+          <ac:picMkLst>
+            <pc:docMk/>
+            <pc:sldMk cId="2602220637" sldId="265"/>
+            <ac:picMk id="10" creationId="{B01C0361-F42F-AF59-65A0-AE31F75704B5}"/>
+          </ac:picMkLst>
+        </pc:picChg>
+        <pc:picChg chg="del">
+          <ac:chgData name="Dimitri de Saint Guilhem" userId="b3a242cf8548cc63" providerId="LiveId" clId="{5C383334-1F7E-4221-8E99-0467E94D315B}" dt="2025-02-14T10:53:39.997" v="1373" actId="478"/>
+          <ac:picMkLst>
+            <pc:docMk/>
+            <pc:sldMk cId="2602220637" sldId="265"/>
+            <ac:picMk id="12" creationId="{3627E73B-0C6F-01C0-880B-FDEB7FFFCF12}"/>
+          </ac:picMkLst>
+        </pc:picChg>
       </pc:sldChg>
       <pc:sldChg chg="modSp mod">
         <pc:chgData name="Dimitri de Saint Guilhem" userId="b3a242cf8548cc63" providerId="LiveId" clId="{5C383334-1F7E-4221-8E99-0467E94D315B}" dt="2025-02-14T08:26:01.500" v="1053" actId="20577"/>
@@ -5190,10 +5245,10 @@
       </p:sp>
       <p:pic>
         <p:nvPicPr>
-          <p:cNvPr id="15" name="Image 14">
-            <a:extLst>
-              <a:ext uri="{FF2B5EF4-FFF2-40B4-BE49-F238E27FC236}">
-                <a16:creationId xmlns:a16="http://schemas.microsoft.com/office/drawing/2014/main" id="{85D785BA-18B0-4F1D-956C-669BBF052762}"/>
+          <p:cNvPr id="7" name="Image 6">
+            <a:extLst>
+              <a:ext uri="{FF2B5EF4-FFF2-40B4-BE49-F238E27FC236}">
+                <a16:creationId xmlns:a16="http://schemas.microsoft.com/office/drawing/2014/main" id="{A288CECD-4C55-6C67-7EF4-C0699496A808}"/>
               </a:ext>
             </a:extLst>
           </p:cNvPr>
@@ -5210,8 +5265,8 @@
         </p:blipFill>
         <p:spPr>
           <a:xfrm>
-            <a:off x="485709" y="1646238"/>
-            <a:ext cx="6480290" cy="4497706"/>
+            <a:off x="188397" y="1516909"/>
+            <a:ext cx="6918985" cy="4802187"/>
           </a:xfrm>
           <a:prstGeom prst="rect">
             <a:avLst/>
@@ -5434,7 +5489,7 @@
                   </a:schemeClr>
                 </a:solidFill>
               </a:rPr>
-              <a:t> qui donne le meilleur gap</a:t>
+              <a:t> avec warm start qui donne le meilleur gap</a:t>
             </a:r>
           </a:p>
           <a:p>
@@ -5473,7 +5528,7 @@
                   </a:schemeClr>
                 </a:solidFill>
               </a:rPr>
-              <a:t> proches de la </a:t>
+              <a:t> </a:t>
             </a:r>
             <a:r>
               <a:rPr lang="fr-FR" b="1" dirty="0">
@@ -5484,26 +5539,87 @@
                   </a:schemeClr>
                 </a:solidFill>
               </a:rPr>
-              <a:t>meilleure méthode exacte</a:t>
-            </a:r>
+              <a:t>comparable</a:t>
+            </a:r>
+            <a:r>
+              <a:rPr lang="fr-FR" dirty="0">
+                <a:solidFill>
+                  <a:schemeClr val="tx1">
+                    <a:lumMod val="65000"/>
+                    <a:lumOff val="35000"/>
+                  </a:schemeClr>
+                </a:solidFill>
+              </a:rPr>
+              <a:t> à la </a:t>
+            </a:r>
+            <a:r>
+              <a:rPr lang="fr-FR" b="1" dirty="0">
+                <a:solidFill>
+                  <a:schemeClr val="tx1">
+                    <a:lumMod val="65000"/>
+                    <a:lumOff val="35000"/>
+                  </a:schemeClr>
+                </a:solidFill>
+              </a:rPr>
+              <a:t>meilleure méthode </a:t>
+            </a:r>
+            <a:r>
+              <a:rPr lang="fr-FR" dirty="0">
+                <a:solidFill>
+                  <a:schemeClr val="tx1">
+                    <a:lumMod val="65000"/>
+                    <a:lumOff val="35000"/>
+                  </a:schemeClr>
+                </a:solidFill>
+              </a:rPr>
+              <a:t>pour les </a:t>
+            </a:r>
+            <a:r>
+              <a:rPr lang="fr-FR">
+                <a:solidFill>
+                  <a:schemeClr val="tx1">
+                    <a:lumMod val="65000"/>
+                    <a:lumOff val="35000"/>
+                  </a:schemeClr>
+                </a:solidFill>
+              </a:rPr>
+              <a:t>instances euclidiennes</a:t>
+            </a:r>
+            <a:r>
+              <a:rPr lang="fr-FR" b="1">
+                <a:solidFill>
+                  <a:schemeClr val="tx1">
+                    <a:lumMod val="65000"/>
+                    <a:lumOff val="35000"/>
+                  </a:schemeClr>
+                </a:solidFill>
+              </a:rPr>
+              <a:t> </a:t>
+            </a:r>
+            <a:endParaRPr lang="fr-FR" b="1" dirty="0">
+              <a:solidFill>
+                <a:schemeClr val="tx1">
+                  <a:lumMod val="65000"/>
+                  <a:lumOff val="35000"/>
+                </a:schemeClr>
+              </a:solidFill>
+            </a:endParaRPr>
           </a:p>
         </p:txBody>
       </p:sp>
       <p:pic>
         <p:nvPicPr>
-          <p:cNvPr id="10" name="Espace réservé du contenu 9" descr="Une image contenant ligne, Tracé, diagramme, capture d’écran&#10;&#10;Le contenu généré par l’IA peut être incorrect.">
-            <a:extLst>
-              <a:ext uri="{FF2B5EF4-FFF2-40B4-BE49-F238E27FC236}">
-                <a16:creationId xmlns:a16="http://schemas.microsoft.com/office/drawing/2014/main" id="{B01C0361-F42F-AF59-65A0-AE31F75704B5}"/>
+          <p:cNvPr id="9" name="Image 8">
+            <a:extLst>
+              <a:ext uri="{FF2B5EF4-FFF2-40B4-BE49-F238E27FC236}">
+                <a16:creationId xmlns:a16="http://schemas.microsoft.com/office/drawing/2014/main" id="{01D5A471-9B3A-658F-071F-AA2E8FBDEABA}"/>
               </a:ext>
             </a:extLst>
           </p:cNvPr>
           <p:cNvPicPr>
-            <a:picLocks noGrp="1" noChangeAspect="1"/>
+            <a:picLocks noChangeAspect="1"/>
           </p:cNvPicPr>
-          <p:nvPr>
-            <p:ph idx="1"/>
-          </p:nvPr>
+          <p:nvPr/>
         </p:nvPicPr>
         <p:blipFill>
           <a:blip r:embed="rId2"/>
@@ -5513,35 +5629,8 @@
         </p:blipFill>
         <p:spPr>
           <a:xfrm>
-            <a:off x="590029" y="1470717"/>
-            <a:ext cx="5505971" cy="3576606"/>
-          </a:xfrm>
-        </p:spPr>
-      </p:pic>
-      <p:pic>
-        <p:nvPicPr>
-          <p:cNvPr id="12" name="Image 11" descr="Une image contenant texte, ligne, diagramme, Tracé&#10;&#10;Le contenu généré par l’IA peut être incorrect.">
-            <a:extLst>
-              <a:ext uri="{FF2B5EF4-FFF2-40B4-BE49-F238E27FC236}">
-                <a16:creationId xmlns:a16="http://schemas.microsoft.com/office/drawing/2014/main" id="{3627E73B-0C6F-01C0-880B-FDEB7FFFCF12}"/>
-              </a:ext>
-            </a:extLst>
-          </p:cNvPr>
-          <p:cNvPicPr>
-            <a:picLocks noChangeAspect="1"/>
-          </p:cNvPicPr>
-          <p:nvPr/>
-        </p:nvPicPr>
-        <p:blipFill>
-          <a:blip r:embed="rId3"/>
-          <a:stretch>
-            <a:fillRect/>
-          </a:stretch>
-        </p:blipFill>
-        <p:spPr>
-          <a:xfrm>
-            <a:off x="6344171" y="1470717"/>
-            <a:ext cx="5674905" cy="3644179"/>
+            <a:off x="225225" y="1428599"/>
+            <a:ext cx="11741549" cy="3870119"/>
           </a:xfrm>
           <a:prstGeom prst="rect">
             <a:avLst/>
@@ -6574,8 +6663,8 @@
           </a:p>
         </p:txBody>
       </p:sp>
-      <mc:AlternateContent xmlns:mc="http://schemas.openxmlformats.org/markup-compatibility/2006">
-        <mc:Choice xmlns:a14="http://schemas.microsoft.com/office/drawing/2010/main" Requires="a14">
+      <mc:AlternateContent xmlns:mc="http://schemas.openxmlformats.org/markup-compatibility/2006" xmlns:a14="http://schemas.microsoft.com/office/drawing/2010/main">
+        <mc:Choice Requires="a14">
           <p:sp>
             <p:nvSpPr>
               <p:cNvPr id="3" name="Espace réservé du contenu 2">
@@ -6898,7 +6987,7 @@
             </p:txBody>
           </p:sp>
         </mc:Choice>
-        <mc:Fallback>
+        <mc:Fallback xmlns="">
           <p:sp>
             <p:nvSpPr>
               <p:cNvPr id="3" name="Espace réservé du contenu 2">
